--- a/blockchain_archi_v3.1.pptx
+++ b/blockchain_archi_v3.1.pptx
@@ -119,6 +119,11 @@
       </a:defRPr>
     </a:lvl9pPr>
   </p:defaultTextStyle>
+  <p:extLst>
+    <p:ext uri="{EFAFB233-063F-42B5-8137-9DF3F51BA10A}">
+      <p15:sldGuideLst xmlns:p15="http://schemas.microsoft.com/office/powerpoint/2012/main"/>
+    </p:ext>
+  </p:extLst>
 </p:presentation>
 </file>
 
@@ -16978,16 +16983,116 @@
                         </a:lnSpc>
                       </a:pPr>
                       <a:r>
-                        <a:rPr lang="en-US" sz="1000" b="0" strike="noStrike" spc="-1">
+                        <a:rPr lang="en-US" sz="1000" b="0" strike="noStrike" spc="-1" dirty="0">
                           <a:solidFill>
                             <a:srgbClr val="000000"/>
                           </a:solidFill>
                           <a:latin typeface="맑은 고딕"/>
                           <a:ea typeface="Noto Sans CJK SC"/>
                         </a:rPr>
-                        <a:t>/vote?company=“SK”&amp;id=“hyunjin”&amp;event_id=“event_id”: “21312312sadnjka213890a”&amp;vote_amt =1000</a:t>
-                      </a:r>
-                      <a:endParaRPr lang="en-US" sz="1000" b="0" strike="noStrike" spc="-1">
+                        <a:t>/</a:t>
+                      </a:r>
+                      <a:r>
+                        <a:rPr lang="en-US" sz="1000" b="0" strike="noStrike" spc="-1" dirty="0" err="1">
+                          <a:solidFill>
+                            <a:srgbClr val="000000"/>
+                          </a:solidFill>
+                          <a:latin typeface="맑은 고딕"/>
+                          <a:ea typeface="Noto Sans CJK SC"/>
+                        </a:rPr>
+                        <a:t>vote?company</a:t>
+                      </a:r>
+                      <a:r>
+                        <a:rPr lang="en-US" sz="1000" b="0" strike="noStrike" spc="-1" dirty="0">
+                          <a:solidFill>
+                            <a:srgbClr val="000000"/>
+                          </a:solidFill>
+                          <a:latin typeface="맑은 고딕"/>
+                          <a:ea typeface="Noto Sans CJK SC"/>
+                        </a:rPr>
+                        <a:t>=“</a:t>
+                      </a:r>
+                      <a:r>
+                        <a:rPr lang="en-US" sz="1000" b="0" strike="noStrike" spc="-1" dirty="0" err="1">
+                          <a:solidFill>
+                            <a:srgbClr val="000000"/>
+                          </a:solidFill>
+                          <a:latin typeface="맑은 고딕"/>
+                          <a:ea typeface="Noto Sans CJK SC"/>
+                        </a:rPr>
+                        <a:t>SK”&amp;id</a:t>
+                      </a:r>
+                      <a:r>
+                        <a:rPr lang="en-US" sz="1000" b="0" strike="noStrike" spc="-1" dirty="0">
+                          <a:solidFill>
+                            <a:srgbClr val="000000"/>
+                          </a:solidFill>
+                          <a:latin typeface="맑은 고딕"/>
+                          <a:ea typeface="Noto Sans CJK SC"/>
+                        </a:rPr>
+                        <a:t>=“</a:t>
+                      </a:r>
+                      <a:r>
+                        <a:rPr lang="en-US" sz="1000" b="0" strike="noStrike" spc="-1" dirty="0" err="1">
+                          <a:solidFill>
+                            <a:srgbClr val="000000"/>
+                          </a:solidFill>
+                          <a:latin typeface="맑은 고딕"/>
+                          <a:ea typeface="Noto Sans CJK SC"/>
+                        </a:rPr>
+                        <a:t>hyunjin</a:t>
+                      </a:r>
+                      <a:r>
+                        <a:rPr lang="en-US" sz="1000" b="0" strike="noStrike" spc="-1" dirty="0">
+                          <a:solidFill>
+                            <a:srgbClr val="000000"/>
+                          </a:solidFill>
+                          <a:latin typeface="맑은 고딕"/>
+                          <a:ea typeface="Noto Sans CJK SC"/>
+                        </a:rPr>
+                        <a:t>”&amp;</a:t>
+                      </a:r>
+                      <a:r>
+                        <a:rPr lang="en-US" sz="1000" b="0" strike="noStrike" spc="-1" dirty="0" err="1">
+                          <a:solidFill>
+                            <a:srgbClr val="000000"/>
+                          </a:solidFill>
+                          <a:latin typeface="맑은 고딕"/>
+                          <a:ea typeface="Noto Sans CJK SC"/>
+                        </a:rPr>
+                        <a:t>event_id</a:t>
+                      </a:r>
+                      <a:r>
+                        <a:rPr lang="en-US" sz="1000" b="0" strike="noStrike" spc="-1" dirty="0">
+                          <a:solidFill>
+                            <a:srgbClr val="000000"/>
+                          </a:solidFill>
+                          <a:latin typeface="맑은 고딕"/>
+                          <a:ea typeface="Noto Sans CJK SC"/>
+                        </a:rPr>
+                        <a:t>=“</a:t>
+                      </a:r>
+                      <a:r>
+                        <a:rPr lang="en-US" sz="1000" b="0" strike="noStrike" spc="-1" dirty="0" err="1">
+                          <a:solidFill>
+                            <a:srgbClr val="000000"/>
+                          </a:solidFill>
+                          <a:latin typeface="맑은 고딕"/>
+                          <a:ea typeface="Noto Sans CJK SC"/>
+                        </a:rPr>
+                        <a:t>event_id</a:t>
+                      </a:r>
+                      <a:r>
+                        <a:rPr lang="en-US" sz="1000" b="0" strike="noStrike" spc="-1" dirty="0">
+                          <a:solidFill>
+                            <a:srgbClr val="000000"/>
+                          </a:solidFill>
+                          <a:latin typeface="맑은 고딕"/>
+                          <a:ea typeface="Noto Sans CJK SC"/>
+                        </a:rPr>
+                        <a:t>”: “21312312sadnjka213890a”&amp;vote_amt =1000</a:t>
+                      </a:r>
+                      <a:endParaRPr lang="en-US" sz="1000" b="0" strike="noStrike" spc="-1" dirty="0">
                         <a:latin typeface="Arial"/>
                       </a:endParaRPr>
                     </a:p>
@@ -17707,7 +17812,7 @@
                         </a:lnSpc>
                       </a:pPr>
                       <a:r>
-                        <a:rPr lang="en-US" sz="1000" b="0" strike="noStrike" spc="-1">
+                        <a:rPr lang="en-US" sz="1000" b="0" strike="noStrike" spc="-1" dirty="0">
                           <a:solidFill>
                             <a:srgbClr val="000000"/>
                           </a:solidFill>
@@ -17715,7 +17820,7 @@
                         </a:rPr>
                         <a:t>Backend</a:t>
                       </a:r>
-                      <a:endParaRPr lang="en-US" sz="1000" b="0" strike="noStrike" spc="-1">
+                      <a:endParaRPr lang="en-US" sz="1000" b="0" strike="noStrike" spc="-1" dirty="0">
                         <a:latin typeface="Arial"/>
                       </a:endParaRPr>
                     </a:p>
@@ -17757,7 +17862,7 @@
                         </a:lnSpc>
                       </a:pPr>
                       <a:r>
-                        <a:rPr lang="en-US" sz="1000" b="0" strike="noStrike" spc="-1">
+                        <a:rPr lang="en-US" sz="1000" b="0" strike="noStrike" spc="-1" dirty="0">
                           <a:solidFill>
                             <a:srgbClr val="000000"/>
                           </a:solidFill>
@@ -17765,7 +17870,7 @@
                         </a:rPr>
                         <a:t>Frontend</a:t>
                       </a:r>
-                      <a:endParaRPr lang="en-US" sz="1000" b="0" strike="noStrike" spc="-1">
+                      <a:endParaRPr lang="en-US" sz="1000" b="0" strike="noStrike" spc="-1" dirty="0">
                         <a:latin typeface="Arial"/>
                       </a:endParaRPr>
                     </a:p>
@@ -19440,12 +19545,12 @@
                         </a:lnSpc>
                       </a:pPr>
                       <a:r>
-                        <a:rPr lang="en-US" sz="1000" b="0" strike="noStrike" spc="-1">
+                        <a:rPr lang="en-US" sz="1000" b="0" strike="noStrike" spc="-1" dirty="0">
                           <a:latin typeface="Times New Roman"/>
                         </a:rPr>
                         <a:t>How to find reward?</a:t>
                       </a:r>
-                      <a:endParaRPr lang="en-US" sz="1000" b="0" strike="noStrike" spc="-1">
+                      <a:endParaRPr lang="en-US" sz="1000" b="0" strike="noStrike" spc="-1" dirty="0">
                         <a:latin typeface="Arial"/>
                       </a:endParaRPr>
                     </a:p>
@@ -19779,8 +19884,8 @@
         </p:blipFill>
         <p:spPr>
           <a:xfrm>
-            <a:off x="3343619" y="221505"/>
-            <a:ext cx="5504762" cy="3610266"/>
+            <a:off x="2951478" y="796738"/>
+            <a:ext cx="5849621" cy="3836440"/>
           </a:xfrm>
           <a:prstGeom prst="rect">
             <a:avLst/>
@@ -19789,10 +19894,83 @@
       </p:pic>
       <p:sp>
         <p:nvSpPr>
-          <p:cNvPr id="5" name="TextBox 4">
+          <p:cNvPr id="2" name="CustomShape 10">
             <a:extLst>
               <a:ext uri="{FF2B5EF4-FFF2-40B4-BE49-F238E27FC236}">
-                <a16:creationId xmlns:a16="http://schemas.microsoft.com/office/drawing/2014/main" id="{4F904E77-32E4-4BE9-AC2D-70FB0E6810EC}"/>
+                <a16:creationId xmlns:a16="http://schemas.microsoft.com/office/drawing/2014/main" id="{528AB005-081D-4368-BE17-392D94257A1D}"/>
+              </a:ext>
+            </a:extLst>
+          </p:cNvPr>
+          <p:cNvSpPr/>
+          <p:nvPr/>
+        </p:nvSpPr>
+        <p:spPr>
+          <a:xfrm>
+            <a:off x="406800" y="199440"/>
+            <a:ext cx="7403400" cy="364320"/>
+          </a:xfrm>
+          <a:prstGeom prst="rect">
+            <a:avLst/>
+          </a:prstGeom>
+          <a:noFill/>
+          <a:ln>
+            <a:noFill/>
+          </a:ln>
+        </p:spPr>
+        <p:style>
+          <a:lnRef idx="0">
+            <a:scrgbClr r="0" g="0" b="0"/>
+          </a:lnRef>
+          <a:fillRef idx="0">
+            <a:scrgbClr r="0" g="0" b="0"/>
+          </a:fillRef>
+          <a:effectRef idx="0">
+            <a:scrgbClr r="0" g="0" b="0"/>
+          </a:effectRef>
+          <a:fontRef idx="minor"/>
+        </p:style>
+        <p:txBody>
+          <a:bodyPr wrap="none" lIns="90000" tIns="45000" rIns="90000" bIns="45000"/>
+          <a:lstStyle/>
+          <a:p>
+            <a:pPr>
+              <a:lnSpc>
+                <a:spcPct val="100000"/>
+              </a:lnSpc>
+            </a:pPr>
+            <a:r>
+              <a:rPr lang="en-US" sz="1800" b="1" strike="noStrike" spc="-1" dirty="0">
+                <a:solidFill>
+                  <a:srgbClr val="000000"/>
+                </a:solidFill>
+                <a:latin typeface="+mj-ea"/>
+                <a:ea typeface="+mj-ea"/>
+              </a:rPr>
+              <a:t>1. </a:t>
+            </a:r>
+            <a:r>
+              <a:rPr lang="ko-KR" altLang="en-US" sz="1800" b="1" strike="noStrike" spc="-1" dirty="0">
+                <a:solidFill>
+                  <a:srgbClr val="000000"/>
+                </a:solidFill>
+                <a:latin typeface="+mj-ea"/>
+                <a:ea typeface="+mj-ea"/>
+              </a:rPr>
+              <a:t>과제 개요</a:t>
+            </a:r>
+            <a:endParaRPr lang="en-US" sz="1800" b="0" strike="noStrike" spc="-1" dirty="0">
+              <a:latin typeface="+mj-ea"/>
+              <a:ea typeface="+mj-ea"/>
+            </a:endParaRPr>
+          </a:p>
+        </p:txBody>
+      </p:sp>
+      <p:sp>
+        <p:nvSpPr>
+          <p:cNvPr id="3" name="TextBox 2">
+            <a:extLst>
+              <a:ext uri="{FF2B5EF4-FFF2-40B4-BE49-F238E27FC236}">
+                <a16:creationId xmlns:a16="http://schemas.microsoft.com/office/drawing/2014/main" id="{043E980F-5277-4EF9-B535-81796CEA978F}"/>
               </a:ext>
             </a:extLst>
           </p:cNvPr>
@@ -19801,8 +19979,8 @@
         </p:nvSpPr>
         <p:spPr>
           <a:xfrm>
-            <a:off x="1287624" y="4478694"/>
-            <a:ext cx="5231364" cy="369332"/>
+            <a:off x="406800" y="4633178"/>
+            <a:ext cx="10938979" cy="1631216"/>
           </a:xfrm>
           <a:prstGeom prst="rect">
             <a:avLst/>
@@ -19816,20 +19994,163 @@
           <a:lstStyle/>
           <a:p>
             <a:r>
+              <a:rPr lang="en-US" altLang="ko-KR" dirty="0"/>
+              <a:t>* SK Hynix JDP(Joint Development Platform) </a:t>
+            </a:r>
+            <a:r>
               <a:rPr lang="ko-KR" altLang="en-US" dirty="0"/>
-              <a:t>산출물 </a:t>
+              <a:t>환경성과 기여에 따른 </a:t>
             </a:r>
             <a:r>
               <a:rPr lang="en-US" altLang="ko-KR" dirty="0"/>
-              <a:t>: </a:t>
+              <a:t>Reward </a:t>
             </a:r>
             <a:r>
-              <a:rPr lang="en-US" altLang="ko-KR" dirty="0">
-                <a:hlinkClick r:id="rId3"/>
+              <a:rPr lang="ko-KR" altLang="en-US" dirty="0"/>
+              <a:t>제공</a:t>
+            </a:r>
+            <a:endParaRPr lang="en-US" altLang="ko-KR" dirty="0"/>
+          </a:p>
+          <a:p>
+            <a:endParaRPr lang="en-US" altLang="ko-KR" dirty="0"/>
+          </a:p>
+          <a:p>
+            <a:r>
+              <a:rPr lang="en-US" altLang="ko-KR" sz="1600" dirty="0"/>
+              <a:t>S1. </a:t>
+            </a:r>
+            <a:r>
+              <a:rPr lang="ko-KR" altLang="en-US" sz="1600" dirty="0"/>
+              <a:t>환경 성과 측정지표 선정 및 평가 의뢰</a:t>
+            </a:r>
+            <a:endParaRPr lang="en-US" altLang="ko-KR" sz="1600" dirty="0"/>
+          </a:p>
+          <a:p>
+            <a:r>
+              <a:rPr lang="en-US" altLang="ko-KR" sz="1600" dirty="0"/>
+              <a:t>S2. </a:t>
+            </a:r>
+            <a:r>
+              <a:rPr lang="ko-KR" altLang="en-US" sz="1600" dirty="0"/>
+              <a:t>블록체인 기반 </a:t>
+            </a:r>
+            <a:r>
+              <a:rPr lang="en-US" altLang="ko-KR" sz="1600" dirty="0"/>
+              <a:t>Voting</a:t>
+            </a:r>
+            <a:r>
+              <a:rPr lang="ko-KR" altLang="en-US" sz="1600" dirty="0"/>
+              <a:t>으로 환경 성과 평가 </a:t>
+            </a:r>
+            <a:r>
+              <a:rPr lang="en-US" altLang="ko-KR" sz="1600" dirty="0">
+                <a:solidFill>
+                  <a:srgbClr val="0070C0"/>
+                </a:solidFill>
               </a:rPr>
-              <a:t>https://github.com/ro0opf/blockchain-jdp</a:t>
+              <a:t>Smart Contract</a:t>
             </a:r>
-            <a:endParaRPr lang="ko-KR" altLang="en-US" dirty="0"/>
+          </a:p>
+          <a:p>
+            <a:r>
+              <a:rPr lang="en-US" altLang="ko-KR" sz="1600" dirty="0"/>
+              <a:t>S3. Reward</a:t>
+            </a:r>
+            <a:r>
+              <a:rPr lang="ko-KR" altLang="en-US" sz="1600" dirty="0"/>
+              <a:t>의 </a:t>
+            </a:r>
+            <a:r>
+              <a:rPr lang="en-US" altLang="ko-KR" sz="1600" dirty="0"/>
+              <a:t>70%</a:t>
+            </a:r>
+            <a:r>
+              <a:rPr lang="ko-KR" altLang="en-US" sz="1600" dirty="0"/>
+              <a:t>를 </a:t>
+            </a:r>
+            <a:r>
+              <a:rPr lang="en-US" altLang="ko-KR" sz="1600" dirty="0"/>
+              <a:t>Voting </a:t>
+            </a:r>
+            <a:r>
+              <a:rPr lang="ko-KR" altLang="en-US" sz="1600" dirty="0"/>
+              <a:t>결과 대상 업체들에게 </a:t>
+            </a:r>
+            <a:r>
+              <a:rPr lang="en-US" altLang="ko-KR" sz="1600" dirty="0"/>
+              <a:t>Token</a:t>
+            </a:r>
+            <a:r>
+              <a:rPr lang="ko-KR" altLang="en-US" sz="1600" dirty="0"/>
+              <a:t>으로 보상 </a:t>
+            </a:r>
+            <a:r>
+              <a:rPr lang="en-US" altLang="ko-KR" sz="1600" dirty="0">
+                <a:solidFill>
+                  <a:srgbClr val="0070C0"/>
+                </a:solidFill>
+              </a:rPr>
+              <a:t>Smart Contract</a:t>
+            </a:r>
+          </a:p>
+          <a:p>
+            <a:r>
+              <a:rPr lang="en-US" altLang="ko-KR" sz="1600" dirty="0"/>
+              <a:t>S4. Reward</a:t>
+            </a:r>
+            <a:r>
+              <a:rPr lang="ko-KR" altLang="en-US" sz="1600" dirty="0"/>
+              <a:t>의 </a:t>
+            </a:r>
+            <a:r>
+              <a:rPr lang="en-US" altLang="ko-KR" sz="1600" dirty="0"/>
+              <a:t>30%</a:t>
+            </a:r>
+            <a:r>
+              <a:rPr lang="ko-KR" altLang="en-US" sz="1600" dirty="0"/>
+              <a:t>는 </a:t>
+            </a:r>
+            <a:r>
+              <a:rPr lang="en-US" altLang="ko-KR" sz="1600" dirty="0"/>
+              <a:t>Voter</a:t>
+            </a:r>
+            <a:r>
+              <a:rPr lang="ko-KR" altLang="en-US" sz="1600" dirty="0"/>
+              <a:t>들에게 분배</a:t>
+            </a:r>
+            <a:r>
+              <a:rPr lang="en-US" altLang="ko-KR" sz="1600" dirty="0"/>
+              <a:t>(Top Voter</a:t>
+            </a:r>
+            <a:r>
+              <a:rPr lang="ko-KR" altLang="en-US" sz="1600" dirty="0"/>
+              <a:t>에게 </a:t>
+            </a:r>
+            <a:r>
+              <a:rPr lang="en-US" altLang="ko-KR" sz="1600" dirty="0"/>
+              <a:t>1.5</a:t>
+            </a:r>
+            <a:r>
+              <a:rPr lang="ko-KR" altLang="en-US" sz="1600" dirty="0"/>
+              <a:t>배 지정</a:t>
+            </a:r>
+            <a:r>
+              <a:rPr lang="en-US" altLang="ko-KR" sz="1600" dirty="0"/>
+              <a:t>) </a:t>
+            </a:r>
+            <a:r>
+              <a:rPr lang="en-US" altLang="ko-KR" sz="1600" dirty="0">
+                <a:solidFill>
+                  <a:srgbClr val="0070C0"/>
+                </a:solidFill>
+              </a:rPr>
+              <a:t>Smart Contract</a:t>
+            </a:r>
+            <a:endParaRPr lang="ko-KR" altLang="en-US" sz="1600" dirty="0">
+              <a:solidFill>
+                <a:srgbClr val="0070C0"/>
+              </a:solidFill>
+            </a:endParaRPr>
           </a:p>
         </p:txBody>
       </p:sp>
@@ -19904,7 +20225,7 @@
         </p:nvSpPr>
         <p:spPr>
           <a:xfrm>
-            <a:off x="510071" y="389168"/>
+            <a:off x="510071" y="834340"/>
             <a:ext cx="1262743" cy="646331"/>
           </a:xfrm>
           <a:prstGeom prst="rect">
@@ -19942,7 +20263,7 @@
         </p:nvSpPr>
         <p:spPr>
           <a:xfrm>
-            <a:off x="510072" y="3429000"/>
+            <a:off x="510072" y="3874172"/>
             <a:ext cx="1262743" cy="646331"/>
           </a:xfrm>
           <a:prstGeom prst="rect">
@@ -19980,7 +20301,7 @@
         </p:nvSpPr>
         <p:spPr>
           <a:xfrm>
-            <a:off x="6335484" y="3429000"/>
+            <a:off x="6335484" y="3874172"/>
             <a:ext cx="1262743" cy="646331"/>
           </a:xfrm>
           <a:prstGeom prst="rect">
@@ -20018,7 +20339,7 @@
         </p:nvSpPr>
         <p:spPr>
           <a:xfrm>
-            <a:off x="6335484" y="389168"/>
+            <a:off x="6335484" y="834340"/>
             <a:ext cx="1502231" cy="646331"/>
           </a:xfrm>
           <a:prstGeom prst="rect">
@@ -20042,6 +20363,230 @@
           </a:p>
         </p:txBody>
       </p:sp>
+      <p:sp>
+        <p:nvSpPr>
+          <p:cNvPr id="2" name="CustomShape 10">
+            <a:extLst>
+              <a:ext uri="{FF2B5EF4-FFF2-40B4-BE49-F238E27FC236}">
+                <a16:creationId xmlns:a16="http://schemas.microsoft.com/office/drawing/2014/main" id="{5239C11F-7823-46FE-A7D2-95343FE47F46}"/>
+              </a:ext>
+            </a:extLst>
+          </p:cNvPr>
+          <p:cNvSpPr/>
+          <p:nvPr/>
+        </p:nvSpPr>
+        <p:spPr>
+          <a:xfrm>
+            <a:off x="406800" y="199440"/>
+            <a:ext cx="7403400" cy="364320"/>
+          </a:xfrm>
+          <a:prstGeom prst="rect">
+            <a:avLst/>
+          </a:prstGeom>
+          <a:noFill/>
+          <a:ln>
+            <a:noFill/>
+          </a:ln>
+        </p:spPr>
+        <p:style>
+          <a:lnRef idx="0">
+            <a:scrgbClr r="0" g="0" b="0"/>
+          </a:lnRef>
+          <a:fillRef idx="0">
+            <a:scrgbClr r="0" g="0" b="0"/>
+          </a:fillRef>
+          <a:effectRef idx="0">
+            <a:scrgbClr r="0" g="0" b="0"/>
+          </a:effectRef>
+          <a:fontRef idx="minor"/>
+        </p:style>
+        <p:txBody>
+          <a:bodyPr wrap="none" lIns="90000" tIns="45000" rIns="90000" bIns="45000"/>
+          <a:lstStyle/>
+          <a:p>
+            <a:pPr>
+              <a:lnSpc>
+                <a:spcPct val="100000"/>
+              </a:lnSpc>
+            </a:pPr>
+            <a:r>
+              <a:rPr lang="en-US" sz="1800" b="1" strike="noStrike" spc="-1" dirty="0">
+                <a:solidFill>
+                  <a:srgbClr val="000000"/>
+                </a:solidFill>
+                <a:latin typeface="+mj-ea"/>
+                <a:ea typeface="+mj-ea"/>
+              </a:rPr>
+              <a:t>2. </a:t>
+            </a:r>
+            <a:r>
+              <a:rPr lang="ko-KR" altLang="en-US" sz="1800" b="1" strike="noStrike" spc="-1" dirty="0">
+                <a:solidFill>
+                  <a:srgbClr val="000000"/>
+                </a:solidFill>
+                <a:latin typeface="+mj-ea"/>
+                <a:ea typeface="+mj-ea"/>
+              </a:rPr>
+              <a:t>기술 </a:t>
+            </a:r>
+            <a:r>
+              <a:rPr lang="ko-KR" altLang="en-US" sz="1800" b="1" strike="noStrike" spc="-1" dirty="0" err="1">
+                <a:solidFill>
+                  <a:srgbClr val="000000"/>
+                </a:solidFill>
+                <a:latin typeface="+mj-ea"/>
+                <a:ea typeface="+mj-ea"/>
+              </a:rPr>
+              <a:t>아키텍쳐</a:t>
+            </a:r>
+            <a:endParaRPr lang="en-US" sz="1800" b="0" strike="noStrike" spc="-1" dirty="0">
+              <a:latin typeface="+mj-ea"/>
+              <a:ea typeface="+mj-ea"/>
+            </a:endParaRPr>
+          </a:p>
+        </p:txBody>
+      </p:sp>
+      <p:pic>
+        <p:nvPicPr>
+          <p:cNvPr id="1026" name="Picture 2" descr="Git | Jenkins plugin">
+            <a:extLst>
+              <a:ext uri="{FF2B5EF4-FFF2-40B4-BE49-F238E27FC236}">
+                <a16:creationId xmlns:a16="http://schemas.microsoft.com/office/drawing/2014/main" id="{C92D654E-D0D5-4AE7-9BC2-12987A575181}"/>
+              </a:ext>
+            </a:extLst>
+          </p:cNvPr>
+          <p:cNvPicPr>
+            <a:picLocks noChangeAspect="1" noChangeArrowheads="1"/>
+          </p:cNvPicPr>
+          <p:nvPr/>
+        </p:nvPicPr>
+        <p:blipFill>
+          <a:blip r:embed="rId2">
+            <a:extLst>
+              <a:ext uri="{28A0092B-C50C-407E-A947-70E740481C1C}">
+                <a14:useLocalDpi xmlns:a14="http://schemas.microsoft.com/office/drawing/2010/main" val="0"/>
+              </a:ext>
+            </a:extLst>
+          </a:blip>
+          <a:srcRect/>
+          <a:stretch>
+            <a:fillRect/>
+          </a:stretch>
+        </p:blipFill>
+        <p:spPr bwMode="auto">
+          <a:xfrm>
+            <a:off x="6328394" y="4520503"/>
+            <a:ext cx="2259377" cy="943476"/>
+          </a:xfrm>
+          <a:prstGeom prst="rect">
+            <a:avLst/>
+          </a:prstGeom>
+          <a:noFill/>
+          <a:extLst>
+            <a:ext uri="{909E8E84-426E-40DD-AFC4-6F175D3DCCD1}">
+              <a14:hiddenFill xmlns:a14="http://schemas.microsoft.com/office/drawing/2010/main">
+                <a:solidFill>
+                  <a:srgbClr val="FFFFFF"/>
+                </a:solidFill>
+              </a14:hiddenFill>
+            </a:ext>
+          </a:extLst>
+        </p:spPr>
+      </p:pic>
+      <p:pic>
+        <p:nvPicPr>
+          <p:cNvPr id="1028" name="Picture 4" descr="A true companion: exploring Kotlin's companion objects | by Ilya Lim |  ProAndroidDev">
+            <a:extLst>
+              <a:ext uri="{FF2B5EF4-FFF2-40B4-BE49-F238E27FC236}">
+                <a16:creationId xmlns:a16="http://schemas.microsoft.com/office/drawing/2014/main" id="{DBF55D7F-312A-4460-8114-E255A3285919}"/>
+              </a:ext>
+            </a:extLst>
+          </p:cNvPr>
+          <p:cNvPicPr>
+            <a:picLocks noChangeAspect="1" noChangeArrowheads="1"/>
+          </p:cNvPicPr>
+          <p:nvPr/>
+        </p:nvPicPr>
+        <p:blipFill>
+          <a:blip r:embed="rId3">
+            <a:extLst>
+              <a:ext uri="{28A0092B-C50C-407E-A947-70E740481C1C}">
+                <a14:useLocalDpi xmlns:a14="http://schemas.microsoft.com/office/drawing/2010/main" val="0"/>
+              </a:ext>
+            </a:extLst>
+          </a:blip>
+          <a:srcRect/>
+          <a:stretch>
+            <a:fillRect/>
+          </a:stretch>
+        </p:blipFill>
+        <p:spPr bwMode="auto">
+          <a:xfrm>
+            <a:off x="510071" y="4334290"/>
+            <a:ext cx="2259377" cy="1129689"/>
+          </a:xfrm>
+          <a:prstGeom prst="rect">
+            <a:avLst/>
+          </a:prstGeom>
+          <a:noFill/>
+          <a:extLst>
+            <a:ext uri="{909E8E84-426E-40DD-AFC4-6F175D3DCCD1}">
+              <a14:hiddenFill xmlns:a14="http://schemas.microsoft.com/office/drawing/2010/main">
+                <a:solidFill>
+                  <a:srgbClr val="FFFFFF"/>
+                </a:solidFill>
+              </a14:hiddenFill>
+            </a:ext>
+          </a:extLst>
+        </p:spPr>
+      </p:pic>
+      <p:pic>
+        <p:nvPicPr>
+          <p:cNvPr id="1034" name="Picture 10" descr="Google adds support for Node.js on its developer App Engine platform -  SiliconANGLE">
+            <a:extLst>
+              <a:ext uri="{FF2B5EF4-FFF2-40B4-BE49-F238E27FC236}">
+                <a16:creationId xmlns:a16="http://schemas.microsoft.com/office/drawing/2014/main" id="{CAFE7BD2-0F9A-4DEC-943A-15718604B1B0}"/>
+              </a:ext>
+            </a:extLst>
+          </p:cNvPr>
+          <p:cNvPicPr>
+            <a:picLocks noChangeAspect="1" noChangeArrowheads="1"/>
+          </p:cNvPicPr>
+          <p:nvPr/>
+        </p:nvPicPr>
+        <p:blipFill>
+          <a:blip r:embed="rId4">
+            <a:extLst>
+              <a:ext uri="{28A0092B-C50C-407E-A947-70E740481C1C}">
+                <a14:useLocalDpi xmlns:a14="http://schemas.microsoft.com/office/drawing/2010/main" val="0"/>
+              </a:ext>
+            </a:extLst>
+          </a:blip>
+          <a:srcRect/>
+          <a:stretch>
+            <a:fillRect/>
+          </a:stretch>
+        </p:blipFill>
+        <p:spPr bwMode="auto">
+          <a:xfrm>
+            <a:off x="626698" y="1332783"/>
+            <a:ext cx="2142750" cy="1310588"/>
+          </a:xfrm>
+          <a:prstGeom prst="rect">
+            <a:avLst/>
+          </a:prstGeom>
+          <a:noFill/>
+          <a:extLst>
+            <a:ext uri="{909E8E84-426E-40DD-AFC4-6F175D3DCCD1}">
+              <a14:hiddenFill xmlns:a14="http://schemas.microsoft.com/office/drawing/2010/main">
+                <a:solidFill>
+                  <a:srgbClr val="FFFFFF"/>
+                </a:solidFill>
+              </a14:hiddenFill>
+            </a:ext>
+          </a:extLst>
+        </p:spPr>
+      </p:pic>
     </p:spTree>
     <p:extLst>
       <p:ext uri="{BB962C8B-B14F-4D97-AF65-F5344CB8AC3E}">
@@ -20101,179 +20646,584 @@
       </p:grpSpPr>
       <p:sp>
         <p:nvSpPr>
-          <p:cNvPr id="3" name="TextBox 2">
+          <p:cNvPr id="5" name="CustomShape 10">
             <a:extLst>
               <a:ext uri="{FF2B5EF4-FFF2-40B4-BE49-F238E27FC236}">
-                <a16:creationId xmlns:a16="http://schemas.microsoft.com/office/drawing/2014/main" id="{8574E914-2358-4BA1-976B-FFB1383BC546}"/>
+                <a16:creationId xmlns:a16="http://schemas.microsoft.com/office/drawing/2014/main" id="{29EB5609-B179-409F-92E8-57F15FD30054}"/>
               </a:ext>
             </a:extLst>
           </p:cNvPr>
-          <p:cNvSpPr txBox="1"/>
+          <p:cNvSpPr/>
           <p:nvPr/>
         </p:nvSpPr>
         <p:spPr>
           <a:xfrm>
-            <a:off x="510071" y="389168"/>
-            <a:ext cx="2948476" cy="646331"/>
+            <a:off x="406800" y="199440"/>
+            <a:ext cx="7403400" cy="364320"/>
           </a:xfrm>
           <a:prstGeom prst="rect">
             <a:avLst/>
           </a:prstGeom>
           <a:noFill/>
+          <a:ln>
+            <a:noFill/>
+          </a:ln>
         </p:spPr>
+        <p:style>
+          <a:lnRef idx="0">
+            <a:scrgbClr r="0" g="0" b="0"/>
+          </a:lnRef>
+          <a:fillRef idx="0">
+            <a:scrgbClr r="0" g="0" b="0"/>
+          </a:fillRef>
+          <a:effectRef idx="0">
+            <a:scrgbClr r="0" g="0" b="0"/>
+          </a:effectRef>
+          <a:fontRef idx="minor"/>
+        </p:style>
         <p:txBody>
-          <a:bodyPr wrap="square" rtlCol="0">
-            <a:spAutoFit/>
-          </a:bodyPr>
+          <a:bodyPr wrap="none" lIns="90000" tIns="45000" rIns="90000" bIns="45000"/>
           <a:lstStyle/>
           <a:p>
+            <a:pPr>
+              <a:lnSpc>
+                <a:spcPct val="100000"/>
+              </a:lnSpc>
+            </a:pPr>
             <a:r>
-              <a:rPr lang="ko-KR" altLang="en-US"/>
+              <a:rPr lang="en-US" sz="1800" b="1" strike="noStrike" spc="-1" dirty="0">
+                <a:solidFill>
+                  <a:srgbClr val="000000"/>
+                </a:solidFill>
+                <a:latin typeface="+mj-ea"/>
+                <a:ea typeface="+mj-ea"/>
+              </a:rPr>
+              <a:t>3. </a:t>
+            </a:r>
+            <a:r>
+              <a:rPr lang="ko-KR" altLang="en-US" sz="1800" b="1" strike="noStrike" spc="-1" dirty="0">
+                <a:solidFill>
+                  <a:srgbClr val="000000"/>
+                </a:solidFill>
+                <a:latin typeface="+mj-ea"/>
+                <a:ea typeface="+mj-ea"/>
+              </a:rPr>
               <a:t>업무 프로세스</a:t>
             </a:r>
-            <a:endParaRPr lang="en-US" altLang="ko-KR" dirty="0"/>
-          </a:p>
-          <a:p>
-            <a:endParaRPr lang="ko-KR" altLang="en-US" dirty="0"/>
+            <a:endParaRPr lang="en-US" sz="1800" b="0" strike="noStrike" spc="-1" dirty="0">
+              <a:latin typeface="+mj-ea"/>
+              <a:ea typeface="+mj-ea"/>
+            </a:endParaRPr>
           </a:p>
         </p:txBody>
       </p:sp>
       <p:sp>
         <p:nvSpPr>
-          <p:cNvPr id="2" name="TextBox 1">
+          <p:cNvPr id="7" name="CustomShape 4">
             <a:extLst>
               <a:ext uri="{FF2B5EF4-FFF2-40B4-BE49-F238E27FC236}">
-                <a16:creationId xmlns:a16="http://schemas.microsoft.com/office/drawing/2014/main" id="{E98D1D95-1D06-451B-8E9B-5318032E7334}"/>
+                <a16:creationId xmlns:a16="http://schemas.microsoft.com/office/drawing/2014/main" id="{ACA0B052-F4EF-4C51-9729-CEA6C11F6178}"/>
               </a:ext>
             </a:extLst>
           </p:cNvPr>
-          <p:cNvSpPr txBox="1"/>
+          <p:cNvSpPr/>
           <p:nvPr/>
         </p:nvSpPr>
         <p:spPr>
           <a:xfrm>
-            <a:off x="634482" y="1567543"/>
-            <a:ext cx="6923314" cy="1754326"/>
+            <a:off x="3695820" y="1350918"/>
+            <a:ext cx="4130640" cy="481320"/>
           </a:xfrm>
           <a:prstGeom prst="rect">
             <a:avLst/>
           </a:prstGeom>
-          <a:noFill/>
+          <a:ln>
+            <a:round/>
+          </a:ln>
         </p:spPr>
+        <p:style>
+          <a:lnRef idx="2">
+            <a:schemeClr val="accent1">
+              <a:shade val="50000"/>
+            </a:schemeClr>
+          </a:lnRef>
+          <a:fillRef idx="1">
+            <a:schemeClr val="accent1"/>
+          </a:fillRef>
+          <a:effectRef idx="0">
+            <a:schemeClr val="accent1"/>
+          </a:effectRef>
+          <a:fontRef idx="minor"/>
+        </p:style>
         <p:txBody>
-          <a:bodyPr wrap="square" rtlCol="0">
-            <a:spAutoFit/>
-          </a:bodyPr>
+          <a:bodyPr lIns="90000" tIns="45000" rIns="90000" bIns="45000" anchor="ctr"/>
           <a:lstStyle/>
           <a:p>
-            <a:pPr marL="342900" indent="-342900">
-              <a:buAutoNum type="arabicPeriod"/>
+            <a:pPr algn="ctr">
+              <a:lnSpc>
+                <a:spcPct val="100000"/>
+              </a:lnSpc>
             </a:pPr>
             <a:r>
-              <a:rPr lang="en-US" altLang="ko-KR" dirty="0"/>
-              <a:t>ESV TOKEN </a:t>
+              <a:rPr lang="en-US" sz="1400" b="0" strike="noStrike" spc="-1" dirty="0">
+                <a:solidFill>
+                  <a:schemeClr val="bg1"/>
+                </a:solidFill>
+                <a:latin typeface="Arial"/>
+              </a:rPr>
+              <a:t>ESV Token </a:t>
             </a:r>
             <a:r>
-              <a:rPr lang="ko-KR" altLang="en-US" dirty="0"/>
+              <a:rPr lang="ko-KR" altLang="en-US" sz="1400" b="0" strike="noStrike" spc="-1" dirty="0">
+                <a:solidFill>
+                  <a:schemeClr val="bg1"/>
+                </a:solidFill>
+                <a:latin typeface="Arial"/>
+              </a:rPr>
               <a:t>활용 </a:t>
             </a:r>
             <a:r>
-              <a:rPr lang="en-US" altLang="ko-KR" dirty="0"/>
+              <a:rPr lang="en-US" altLang="ko-KR" sz="1400" b="0" strike="noStrike" spc="-1" dirty="0">
+                <a:solidFill>
+                  <a:schemeClr val="bg1"/>
+                </a:solidFill>
+                <a:latin typeface="Arial"/>
+              </a:rPr>
               <a:t>Voting event </a:t>
             </a:r>
             <a:r>
-              <a:rPr lang="ko-KR" altLang="en-US" dirty="0"/>
+              <a:rPr lang="ko-KR" altLang="en-US" sz="1400" b="0" strike="noStrike" spc="-1" dirty="0">
+                <a:solidFill>
+                  <a:schemeClr val="bg1"/>
+                </a:solidFill>
+                <a:latin typeface="Arial"/>
+              </a:rPr>
               <a:t>생성 </a:t>
             </a:r>
             <a:r>
-              <a:rPr lang="en-US" altLang="ko-KR" dirty="0"/>
+              <a:rPr lang="en-US" altLang="ko-KR" sz="1400" b="0" strike="noStrike" spc="-1" dirty="0">
+                <a:solidFill>
+                  <a:schemeClr val="bg1"/>
+                </a:solidFill>
+                <a:latin typeface="Arial"/>
+              </a:rPr>
               <a:t>(</a:t>
             </a:r>
             <a:r>
-              <a:rPr lang="ko-KR" altLang="en-US" dirty="0"/>
-              <a:t>사용자 </a:t>
-            </a:r>
-            <a:r>
-              <a:rPr lang="en-US" altLang="ko-KR" dirty="0"/>
-              <a:t>– </a:t>
-            </a:r>
-            <a:r>
-              <a:rPr lang="ko-KR" altLang="en-US" dirty="0" err="1"/>
+              <a:rPr lang="ko-KR" altLang="en-US" sz="1400" b="0" strike="noStrike" spc="-1" dirty="0" err="1">
+                <a:solidFill>
+                  <a:schemeClr val="bg1"/>
+                </a:solidFill>
+                <a:latin typeface="Arial"/>
+              </a:rPr>
               <a:t>미구현</a:t>
             </a:r>
             <a:r>
-              <a:rPr lang="en-US" altLang="ko-KR" dirty="0"/>
+              <a:rPr lang="en-US" altLang="ko-KR" sz="1400" b="0" strike="noStrike" spc="-1" dirty="0">
+                <a:solidFill>
+                  <a:schemeClr val="bg1"/>
+                </a:solidFill>
+                <a:latin typeface="Arial"/>
+              </a:rPr>
               <a:t>)</a:t>
             </a:r>
+            <a:endParaRPr lang="en-US" sz="1400" b="0" strike="noStrike" spc="-1" dirty="0">
+              <a:solidFill>
+                <a:schemeClr val="bg1"/>
+              </a:solidFill>
+              <a:latin typeface="Arial"/>
+            </a:endParaRPr>
           </a:p>
+        </p:txBody>
+      </p:sp>
+      <p:sp>
+        <p:nvSpPr>
+          <p:cNvPr id="9" name="CustomShape 4">
+            <a:extLst>
+              <a:ext uri="{FF2B5EF4-FFF2-40B4-BE49-F238E27FC236}">
+                <a16:creationId xmlns:a16="http://schemas.microsoft.com/office/drawing/2014/main" id="{62C30860-13D8-429F-8414-1FDF144FA2C0}"/>
+              </a:ext>
+            </a:extLst>
+          </p:cNvPr>
+          <p:cNvSpPr/>
+          <p:nvPr/>
+        </p:nvSpPr>
+        <p:spPr>
+          <a:xfrm>
+            <a:off x="3695820" y="2378736"/>
+            <a:ext cx="4130640" cy="481320"/>
+          </a:xfrm>
+          <a:prstGeom prst="rect">
+            <a:avLst/>
+          </a:prstGeom>
+          <a:ln>
+            <a:round/>
+          </a:ln>
+        </p:spPr>
+        <p:style>
+          <a:lnRef idx="2">
+            <a:schemeClr val="accent1">
+              <a:shade val="50000"/>
+            </a:schemeClr>
+          </a:lnRef>
+          <a:fillRef idx="1">
+            <a:schemeClr val="accent1"/>
+          </a:fillRef>
+          <a:effectRef idx="0">
+            <a:schemeClr val="accent1"/>
+          </a:effectRef>
+          <a:fontRef idx="minor"/>
+        </p:style>
+        <p:txBody>
+          <a:bodyPr lIns="90000" tIns="45000" rIns="90000" bIns="45000" anchor="ctr"/>
+          <a:lstStyle/>
           <a:p>
-            <a:pPr marL="342900" indent="-342900">
-              <a:buAutoNum type="arabicPeriod"/>
+            <a:pPr algn="ctr">
+              <a:lnSpc>
+                <a:spcPct val="100000"/>
+              </a:lnSpc>
             </a:pPr>
             <a:r>
-              <a:rPr lang="ko-KR" altLang="en-US" dirty="0"/>
-              <a:t>로그인 </a:t>
+              <a:rPr lang="ko-KR" altLang="en-US" sz="1400" b="0" strike="noStrike" spc="-1" dirty="0">
+                <a:solidFill>
+                  <a:schemeClr val="bg1"/>
+                </a:solidFill>
+                <a:latin typeface="Arial"/>
+              </a:rPr>
+              <a:t>로그인</a:t>
             </a:r>
-            <a:r>
-              <a:rPr lang="en-US" altLang="ko-KR" dirty="0"/>
-              <a:t>(</a:t>
-            </a:r>
-            <a:r>
-              <a:rPr lang="ko-KR" altLang="en-US" dirty="0"/>
-              <a:t>사용자</a:t>
-            </a:r>
-            <a:r>
-              <a:rPr lang="en-US" altLang="ko-KR" dirty="0"/>
-              <a:t>)</a:t>
-            </a:r>
+            <a:endParaRPr lang="en-US" sz="1400" b="0" strike="noStrike" spc="-1" dirty="0">
+              <a:solidFill>
+                <a:schemeClr val="bg1"/>
+              </a:solidFill>
+              <a:latin typeface="Arial"/>
+            </a:endParaRPr>
           </a:p>
+        </p:txBody>
+      </p:sp>
+      <p:sp>
+        <p:nvSpPr>
+          <p:cNvPr id="11" name="CustomShape 4">
+            <a:extLst>
+              <a:ext uri="{FF2B5EF4-FFF2-40B4-BE49-F238E27FC236}">
+                <a16:creationId xmlns:a16="http://schemas.microsoft.com/office/drawing/2014/main" id="{E08C534E-48F4-45E5-9208-5CF7D7500ABA}"/>
+              </a:ext>
+            </a:extLst>
+          </p:cNvPr>
+          <p:cNvSpPr/>
+          <p:nvPr/>
+        </p:nvSpPr>
+        <p:spPr>
+          <a:xfrm>
+            <a:off x="3679560" y="3406554"/>
+            <a:ext cx="4130640" cy="481320"/>
+          </a:xfrm>
+          <a:prstGeom prst="rect">
+            <a:avLst/>
+          </a:prstGeom>
+          <a:ln>
+            <a:round/>
+          </a:ln>
+        </p:spPr>
+        <p:style>
+          <a:lnRef idx="2">
+            <a:schemeClr val="accent1">
+              <a:shade val="50000"/>
+            </a:schemeClr>
+          </a:lnRef>
+          <a:fillRef idx="1">
+            <a:schemeClr val="accent1"/>
+          </a:fillRef>
+          <a:effectRef idx="0">
+            <a:schemeClr val="accent1"/>
+          </a:effectRef>
+          <a:fontRef idx="minor"/>
+        </p:style>
+        <p:txBody>
+          <a:bodyPr lIns="90000" tIns="45000" rIns="90000" bIns="45000" anchor="ctr"/>
+          <a:lstStyle/>
           <a:p>
-            <a:pPr marL="342900" indent="-342900">
-              <a:buAutoNum type="arabicPeriod"/>
+            <a:pPr algn="ctr">
+              <a:lnSpc>
+                <a:spcPct val="100000"/>
+              </a:lnSpc>
             </a:pPr>
             <a:r>
-              <a:rPr lang="ko-KR" altLang="en-US" dirty="0"/>
+              <a:rPr lang="ko-KR" altLang="en-US" sz="1400" b="0" strike="noStrike" spc="-1" dirty="0">
+                <a:solidFill>
+                  <a:schemeClr val="bg1"/>
+                </a:solidFill>
+                <a:latin typeface="Arial"/>
+              </a:rPr>
               <a:t>기업 선택 후 </a:t>
             </a:r>
             <a:r>
-              <a:rPr lang="en-US" altLang="ko-KR" dirty="0"/>
-              <a:t>Voting (</a:t>
+              <a:rPr lang="en-US" altLang="ko-KR" sz="1400" b="0" strike="noStrike" spc="-1" dirty="0">
+                <a:solidFill>
+                  <a:schemeClr val="bg1"/>
+                </a:solidFill>
+                <a:latin typeface="Arial"/>
+              </a:rPr>
+              <a:t>Voting – Smart Contract</a:t>
             </a:r>
-            <a:r>
-              <a:rPr lang="ko-KR" altLang="en-US" dirty="0"/>
-              <a:t>사용자</a:t>
-            </a:r>
-            <a:r>
-              <a:rPr lang="en-US" altLang="ko-KR" dirty="0"/>
-              <a:t>) – Voting smart contract</a:t>
-            </a:r>
+            <a:endParaRPr lang="en-US" sz="1400" b="0" strike="noStrike" spc="-1" dirty="0">
+              <a:solidFill>
+                <a:schemeClr val="bg1"/>
+              </a:solidFill>
+              <a:latin typeface="Arial"/>
+            </a:endParaRPr>
           </a:p>
+        </p:txBody>
+      </p:sp>
+      <p:sp>
+        <p:nvSpPr>
+          <p:cNvPr id="13" name="CustomShape 4">
+            <a:extLst>
+              <a:ext uri="{FF2B5EF4-FFF2-40B4-BE49-F238E27FC236}">
+                <a16:creationId xmlns:a16="http://schemas.microsoft.com/office/drawing/2014/main" id="{8C3D9E69-B65D-46E1-95F1-B6888A188D37}"/>
+              </a:ext>
+            </a:extLst>
+          </p:cNvPr>
+          <p:cNvSpPr/>
+          <p:nvPr/>
+        </p:nvSpPr>
+        <p:spPr>
+          <a:xfrm>
+            <a:off x="3679560" y="4434372"/>
+            <a:ext cx="4130640" cy="481320"/>
+          </a:xfrm>
+          <a:prstGeom prst="rect">
+            <a:avLst/>
+          </a:prstGeom>
+          <a:ln>
+            <a:round/>
+          </a:ln>
+        </p:spPr>
+        <p:style>
+          <a:lnRef idx="2">
+            <a:schemeClr val="accent1">
+              <a:shade val="50000"/>
+            </a:schemeClr>
+          </a:lnRef>
+          <a:fillRef idx="1">
+            <a:schemeClr val="accent1"/>
+          </a:fillRef>
+          <a:effectRef idx="0">
+            <a:schemeClr val="accent1"/>
+          </a:effectRef>
+          <a:fontRef idx="minor"/>
+        </p:style>
+        <p:txBody>
+          <a:bodyPr lIns="90000" tIns="45000" rIns="90000" bIns="45000" anchor="ctr"/>
+          <a:lstStyle/>
           <a:p>
-            <a:pPr marL="342900" indent="-342900">
-              <a:buAutoNum type="arabicPeriod"/>
+            <a:pPr algn="ctr">
+              <a:lnSpc>
+                <a:spcPct val="100000"/>
+              </a:lnSpc>
             </a:pPr>
             <a:r>
-              <a:rPr lang="ko-KR" altLang="en-US" dirty="0"/>
+              <a:rPr lang="ko-KR" altLang="en-US" sz="1400" spc="-1" dirty="0">
+                <a:solidFill>
+                  <a:schemeClr val="bg1"/>
+                </a:solidFill>
+                <a:latin typeface="Arial"/>
+              </a:rPr>
               <a:t>사용자와 기업에게 </a:t>
             </a:r>
             <a:r>
-              <a:rPr lang="en-US" altLang="ko-KR" dirty="0"/>
-              <a:t>Voting</a:t>
+              <a:rPr lang="en-US" altLang="ko-KR" sz="1400" spc="-1" dirty="0">
+                <a:solidFill>
+                  <a:schemeClr val="bg1"/>
+                </a:solidFill>
+                <a:latin typeface="Arial"/>
+              </a:rPr>
+              <a:t>Voting </a:t>
             </a:r>
             <a:r>
-              <a:rPr lang="ko-KR" altLang="en-US" dirty="0"/>
-              <a:t> 결과에 대한 보상 제공 </a:t>
+              <a:rPr lang="ko-KR" altLang="en-US" sz="1400" spc="-1" dirty="0">
+                <a:solidFill>
+                  <a:schemeClr val="bg1"/>
+                </a:solidFill>
+                <a:latin typeface="Arial"/>
+              </a:rPr>
+              <a:t>결과에 대한 보상 제공</a:t>
+            </a:r>
+            <a:endParaRPr lang="en-US" altLang="ko-KR" sz="1400" spc="-1" dirty="0">
+              <a:solidFill>
+                <a:schemeClr val="bg1"/>
+              </a:solidFill>
+              <a:latin typeface="Arial"/>
+            </a:endParaRPr>
+          </a:p>
+          <a:p>
+            <a:pPr algn="ctr">
+              <a:lnSpc>
+                <a:spcPct val="100000"/>
+              </a:lnSpc>
+            </a:pPr>
+            <a:r>
+              <a:rPr lang="en-US" sz="1400" b="0" strike="noStrike" spc="-1" dirty="0">
+                <a:solidFill>
+                  <a:schemeClr val="bg1"/>
+                </a:solidFill>
+                <a:latin typeface="Arial"/>
+              </a:rPr>
+              <a:t>-</a:t>
             </a:r>
             <a:r>
-              <a:rPr lang="en-US" altLang="ko-KR" dirty="0"/>
-              <a:t>– Reward smart contract</a:t>
+              <a:rPr lang="en-US" sz="1400" spc="-1" dirty="0">
+                <a:solidFill>
+                  <a:schemeClr val="bg1"/>
+                </a:solidFill>
+                <a:latin typeface="Arial"/>
+              </a:rPr>
+              <a:t> Smart Contract</a:t>
             </a:r>
+            <a:endParaRPr lang="en-US" sz="1400" b="0" strike="noStrike" spc="-1" dirty="0">
+              <a:solidFill>
+                <a:schemeClr val="bg1"/>
+              </a:solidFill>
+              <a:latin typeface="Arial"/>
+            </a:endParaRPr>
           </a:p>
+        </p:txBody>
+      </p:sp>
+      <p:sp>
+        <p:nvSpPr>
+          <p:cNvPr id="14" name="화살표: 아래쪽 13">
+            <a:extLst>
+              <a:ext uri="{FF2B5EF4-FFF2-40B4-BE49-F238E27FC236}">
+                <a16:creationId xmlns:a16="http://schemas.microsoft.com/office/drawing/2014/main" id="{6C4E9C06-35D7-4911-9E76-ADA9CC2732C4}"/>
+              </a:ext>
+            </a:extLst>
+          </p:cNvPr>
+          <p:cNvSpPr/>
+          <p:nvPr/>
+        </p:nvSpPr>
+        <p:spPr>
+          <a:xfrm>
+            <a:off x="5592698" y="1957602"/>
+            <a:ext cx="336884" cy="345399"/>
+          </a:xfrm>
+          <a:prstGeom prst="downArrow">
+            <a:avLst/>
+          </a:prstGeom>
+        </p:spPr>
+        <p:style>
+          <a:lnRef idx="2">
+            <a:schemeClr val="accent1">
+              <a:shade val="50000"/>
+            </a:schemeClr>
+          </a:lnRef>
+          <a:fillRef idx="1">
+            <a:schemeClr val="accent1"/>
+          </a:fillRef>
+          <a:effectRef idx="0">
+            <a:schemeClr val="accent1"/>
+          </a:effectRef>
+          <a:fontRef idx="minor">
+            <a:schemeClr val="lt1"/>
+          </a:fontRef>
+        </p:style>
+        <p:txBody>
+          <a:bodyPr rtlCol="0" anchor="ctr"/>
+          <a:lstStyle/>
           <a:p>
-            <a:pPr marL="342900" indent="-342900">
-              <a:buAutoNum type="arabicPeriod"/>
-            </a:pPr>
-            <a:endParaRPr lang="en-US" altLang="ko-KR" dirty="0"/>
+            <a:pPr algn="ctr"/>
+            <a:endParaRPr lang="ko-KR" altLang="en-US"/>
+          </a:p>
+        </p:txBody>
+      </p:sp>
+      <p:sp>
+        <p:nvSpPr>
+          <p:cNvPr id="16" name="화살표: 아래쪽 15">
+            <a:extLst>
+              <a:ext uri="{FF2B5EF4-FFF2-40B4-BE49-F238E27FC236}">
+                <a16:creationId xmlns:a16="http://schemas.microsoft.com/office/drawing/2014/main" id="{394EB8C9-5712-49D5-8928-E4B1484A4F9C}"/>
+              </a:ext>
+            </a:extLst>
+          </p:cNvPr>
+          <p:cNvSpPr/>
+          <p:nvPr/>
+        </p:nvSpPr>
+        <p:spPr>
+          <a:xfrm>
+            <a:off x="5566648" y="2935791"/>
+            <a:ext cx="336884" cy="345399"/>
+          </a:xfrm>
+          <a:prstGeom prst="downArrow">
+            <a:avLst/>
+          </a:prstGeom>
+        </p:spPr>
+        <p:style>
+          <a:lnRef idx="2">
+            <a:schemeClr val="accent1">
+              <a:shade val="50000"/>
+            </a:schemeClr>
+          </a:lnRef>
+          <a:fillRef idx="1">
+            <a:schemeClr val="accent1"/>
+          </a:fillRef>
+          <a:effectRef idx="0">
+            <a:schemeClr val="accent1"/>
+          </a:effectRef>
+          <a:fontRef idx="minor">
+            <a:schemeClr val="lt1"/>
+          </a:fontRef>
+        </p:style>
+        <p:txBody>
+          <a:bodyPr rtlCol="0" anchor="ctr"/>
+          <a:lstStyle/>
+          <a:p>
+            <a:pPr algn="ctr"/>
+            <a:endParaRPr lang="ko-KR" altLang="en-US"/>
+          </a:p>
+        </p:txBody>
+      </p:sp>
+      <p:sp>
+        <p:nvSpPr>
+          <p:cNvPr id="18" name="화살표: 아래쪽 17">
+            <a:extLst>
+              <a:ext uri="{FF2B5EF4-FFF2-40B4-BE49-F238E27FC236}">
+                <a16:creationId xmlns:a16="http://schemas.microsoft.com/office/drawing/2014/main" id="{731F94BE-2907-4D5C-882E-E1EFCDE6B2E7}"/>
+              </a:ext>
+            </a:extLst>
+          </p:cNvPr>
+          <p:cNvSpPr/>
+          <p:nvPr/>
+        </p:nvSpPr>
+        <p:spPr>
+          <a:xfrm>
+            <a:off x="5592698" y="4013238"/>
+            <a:ext cx="336884" cy="345399"/>
+          </a:xfrm>
+          <a:prstGeom prst="downArrow">
+            <a:avLst/>
+          </a:prstGeom>
+        </p:spPr>
+        <p:style>
+          <a:lnRef idx="2">
+            <a:schemeClr val="accent1">
+              <a:shade val="50000"/>
+            </a:schemeClr>
+          </a:lnRef>
+          <a:fillRef idx="1">
+            <a:schemeClr val="accent1"/>
+          </a:fillRef>
+          <a:effectRef idx="0">
+            <a:schemeClr val="accent1"/>
+          </a:effectRef>
+          <a:fontRef idx="minor">
+            <a:schemeClr val="lt1"/>
+          </a:fontRef>
+        </p:style>
+        <p:txBody>
+          <a:bodyPr rtlCol="0" anchor="ctr"/>
+          <a:lstStyle/>
+          <a:p>
+            <a:pPr algn="ctr"/>
+            <a:endParaRPr lang="ko-KR" altLang="en-US"/>
           </a:p>
         </p:txBody>
       </p:sp>
@@ -20348,7 +21298,7 @@
         </p:nvSpPr>
         <p:spPr>
           <a:xfrm>
-            <a:off x="2214463" y="396944"/>
+            <a:off x="1805389" y="890239"/>
             <a:ext cx="1262743" cy="646331"/>
           </a:xfrm>
           <a:prstGeom prst="rect">
@@ -20386,7 +21336,7 @@
         </p:nvSpPr>
         <p:spPr>
           <a:xfrm>
-            <a:off x="8770774" y="396944"/>
+            <a:off x="8602332" y="890239"/>
             <a:ext cx="1262743" cy="646331"/>
           </a:xfrm>
           <a:prstGeom prst="rect">
@@ -20407,6 +21357,89 @@
           </a:p>
           <a:p>
             <a:endParaRPr lang="ko-KR" altLang="en-US" dirty="0"/>
+          </a:p>
+        </p:txBody>
+      </p:sp>
+      <p:sp>
+        <p:nvSpPr>
+          <p:cNvPr id="2" name="CustomShape 10">
+            <a:extLst>
+              <a:ext uri="{FF2B5EF4-FFF2-40B4-BE49-F238E27FC236}">
+                <a16:creationId xmlns:a16="http://schemas.microsoft.com/office/drawing/2014/main" id="{2E5EB54F-9F35-4C8A-9BD3-4B0262EA7CA8}"/>
+              </a:ext>
+            </a:extLst>
+          </p:cNvPr>
+          <p:cNvSpPr/>
+          <p:nvPr/>
+        </p:nvSpPr>
+        <p:spPr>
+          <a:xfrm>
+            <a:off x="406800" y="199440"/>
+            <a:ext cx="7403400" cy="364320"/>
+          </a:xfrm>
+          <a:prstGeom prst="rect">
+            <a:avLst/>
+          </a:prstGeom>
+          <a:noFill/>
+          <a:ln>
+            <a:noFill/>
+          </a:ln>
+        </p:spPr>
+        <p:style>
+          <a:lnRef idx="0">
+            <a:scrgbClr r="0" g="0" b="0"/>
+          </a:lnRef>
+          <a:fillRef idx="0">
+            <a:scrgbClr r="0" g="0" b="0"/>
+          </a:fillRef>
+          <a:effectRef idx="0">
+            <a:scrgbClr r="0" g="0" b="0"/>
+          </a:effectRef>
+          <a:fontRef idx="minor"/>
+        </p:style>
+        <p:txBody>
+          <a:bodyPr wrap="none" lIns="90000" tIns="45000" rIns="90000" bIns="45000"/>
+          <a:lstStyle/>
+          <a:p>
+            <a:pPr>
+              <a:lnSpc>
+                <a:spcPct val="100000"/>
+              </a:lnSpc>
+            </a:pPr>
+            <a:r>
+              <a:rPr lang="en-US" sz="1800" b="1" strike="noStrike" spc="-1" dirty="0">
+                <a:solidFill>
+                  <a:srgbClr val="000000"/>
+                </a:solidFill>
+                <a:latin typeface="+mj-ea"/>
+                <a:ea typeface="+mj-ea"/>
+              </a:rPr>
+              <a:t>3. </a:t>
+            </a:r>
+            <a:r>
+              <a:rPr lang="ko-KR" altLang="en-US" sz="1800" b="1" strike="noStrike" spc="-1" dirty="0">
+                <a:solidFill>
+                  <a:srgbClr val="000000"/>
+                </a:solidFill>
+                <a:latin typeface="+mj-ea"/>
+                <a:ea typeface="+mj-ea"/>
+              </a:rPr>
+              <a:t>업무 프로세스 </a:t>
+            </a:r>
+            <a:r>
+              <a:rPr lang="en-US" altLang="ko-KR" sz="1800" b="1" strike="noStrike" spc="-1" dirty="0">
+                <a:solidFill>
+                  <a:srgbClr val="000000"/>
+                </a:solidFill>
+                <a:latin typeface="+mj-ea"/>
+                <a:ea typeface="+mj-ea"/>
+              </a:rPr>
+              <a:t>(Off-Chain, On-Chain)</a:t>
+            </a:r>
+            <a:endParaRPr lang="en-US" sz="1800" b="0" strike="noStrike" spc="-1" dirty="0">
+              <a:latin typeface="+mj-ea"/>
+              <a:ea typeface="+mj-ea"/>
+            </a:endParaRPr>
           </a:p>
         </p:txBody>
       </p:sp>
@@ -20469,47 +21502,86 @@
       </p:grpSpPr>
       <p:sp>
         <p:nvSpPr>
-          <p:cNvPr id="3" name="TextBox 2">
+          <p:cNvPr id="2" name="CustomShape 10">
             <a:extLst>
               <a:ext uri="{FF2B5EF4-FFF2-40B4-BE49-F238E27FC236}">
-                <a16:creationId xmlns:a16="http://schemas.microsoft.com/office/drawing/2014/main" id="{8574E914-2358-4BA1-976B-FFB1383BC546}"/>
+                <a16:creationId xmlns:a16="http://schemas.microsoft.com/office/drawing/2014/main" id="{048C7CFB-5F81-46E4-BE6B-23C054330057}"/>
               </a:ext>
             </a:extLst>
           </p:cNvPr>
-          <p:cNvSpPr txBox="1"/>
+          <p:cNvSpPr/>
           <p:nvPr/>
         </p:nvSpPr>
         <p:spPr>
           <a:xfrm>
-            <a:off x="2214463" y="396944"/>
-            <a:ext cx="6295055" cy="646331"/>
+            <a:off x="406800" y="199440"/>
+            <a:ext cx="7403400" cy="364320"/>
           </a:xfrm>
           <a:prstGeom prst="rect">
             <a:avLst/>
           </a:prstGeom>
           <a:noFill/>
+          <a:ln>
+            <a:noFill/>
+          </a:ln>
         </p:spPr>
+        <p:style>
+          <a:lnRef idx="0">
+            <a:scrgbClr r="0" g="0" b="0"/>
+          </a:lnRef>
+          <a:fillRef idx="0">
+            <a:scrgbClr r="0" g="0" b="0"/>
+          </a:fillRef>
+          <a:effectRef idx="0">
+            <a:scrgbClr r="0" g="0" b="0"/>
+          </a:effectRef>
+          <a:fontRef idx="minor"/>
+        </p:style>
         <p:txBody>
-          <a:bodyPr wrap="square" rtlCol="0">
-            <a:spAutoFit/>
-          </a:bodyPr>
+          <a:bodyPr wrap="none" lIns="90000" tIns="45000" rIns="90000" bIns="45000"/>
           <a:lstStyle/>
           <a:p>
             <a:r>
-              <a:rPr lang="en-US" altLang="ko-KR" dirty="0"/>
+              <a:rPr lang="en-US" b="1" spc="-1" dirty="0">
+                <a:solidFill>
+                  <a:srgbClr val="000000"/>
+                </a:solidFill>
+                <a:latin typeface="+mj-ea"/>
+                <a:ea typeface="+mj-ea"/>
+              </a:rPr>
+              <a:t>4</a:t>
+            </a:r>
+            <a:r>
+              <a:rPr lang="en-US" sz="1800" b="1" strike="noStrike" spc="-1" dirty="0">
+                <a:solidFill>
+                  <a:srgbClr val="000000"/>
+                </a:solidFill>
+                <a:latin typeface="+mj-ea"/>
+                <a:ea typeface="+mj-ea"/>
+              </a:rPr>
+              <a:t>. </a:t>
+            </a:r>
+            <a:r>
+              <a:rPr lang="en-US" altLang="ko-KR" b="1" dirty="0">
+                <a:latin typeface="+mj-ea"/>
+                <a:ea typeface="+mj-ea"/>
+              </a:rPr>
               <a:t>Truffle </a:t>
             </a:r>
             <a:r>
-              <a:rPr lang="ko-KR" altLang="en-US" dirty="0"/>
+              <a:rPr lang="ko-KR" altLang="en-US" b="1" dirty="0">
+                <a:latin typeface="+mj-ea"/>
+                <a:ea typeface="+mj-ea"/>
+              </a:rPr>
               <a:t>기반 </a:t>
             </a:r>
             <a:r>
-              <a:rPr lang="en-US" altLang="ko-KR" dirty="0"/>
+              <a:rPr lang="en-US" altLang="ko-KR" b="1" dirty="0">
+                <a:latin typeface="+mj-ea"/>
+                <a:ea typeface="+mj-ea"/>
+              </a:rPr>
               <a:t>Solidity Testcase</a:t>
             </a:r>
-          </a:p>
-          <a:p>
-            <a:endParaRPr lang="ko-KR" altLang="en-US" dirty="0"/>
           </a:p>
         </p:txBody>
       </p:sp>

--- a/blockchain_archi_v3.1.pptx
+++ b/blockchain_archi_v3.1.pptx
@@ -5,7 +5,7 @@
     <p:sldMasterId id="2147483648" r:id="rId1"/>
   </p:sldMasterIdLst>
   <p:notesMasterIdLst>
-    <p:notesMasterId r:id="rId18"/>
+    <p:notesMasterId r:id="rId19"/>
   </p:notesMasterIdLst>
   <p:sldIdLst>
     <p:sldId id="256" r:id="rId2"/>
@@ -23,7 +23,8 @@
     <p:sldId id="270" r:id="rId14"/>
     <p:sldId id="262" r:id="rId15"/>
     <p:sldId id="271" r:id="rId16"/>
-    <p:sldId id="263" r:id="rId17"/>
+    <p:sldId id="272" r:id="rId17"/>
+    <p:sldId id="263" r:id="rId18"/>
   </p:sldIdLst>
   <p:sldSz cx="12192000" cy="6858000"/>
   <p:notesSz cx="7559675" cy="10691813"/>
@@ -2652,6 +2653,24 @@
               </a:lnSpc>
             </a:pPr>
             <a:r>
+              <a:rPr lang="ko-KR" altLang="en-US" sz="1500" spc="-1" dirty="0">
+                <a:latin typeface="Arial"/>
+              </a:rPr>
+              <a:t>플랫폼</a:t>
+            </a:r>
+            <a:r>
+              <a:rPr lang="en-US" altLang="ko-KR" sz="1500" spc="-1" dirty="0">
+                <a:latin typeface="Arial"/>
+              </a:rPr>
+              <a:t>2</a:t>
+            </a:r>
+            <a:r>
+              <a:rPr lang="ko-KR" altLang="en-US" sz="1500" spc="-1" dirty="0">
+                <a:latin typeface="Arial"/>
+              </a:rPr>
+              <a:t>그룹 </a:t>
+            </a:r>
+            <a:r>
               <a:rPr lang="ko-KR" altLang="en-US" sz="1500" b="0" strike="noStrike" spc="-1" dirty="0">
                 <a:latin typeface="Arial"/>
               </a:rPr>
@@ -2668,10 +2687,16 @@
               </a:lnSpc>
             </a:pPr>
             <a:r>
+              <a:rPr lang="en-US" altLang="ko-KR" sz="1500" b="0" strike="noStrike" spc="-1" dirty="0">
+                <a:latin typeface="Arial"/>
+              </a:rPr>
+              <a:t>Digital Billing</a:t>
+            </a:r>
+            <a:r>
               <a:rPr lang="ko-KR" altLang="en-US" sz="1500" b="0" strike="noStrike" spc="-1" dirty="0">
                 <a:latin typeface="Arial"/>
               </a:rPr>
-              <a:t>박현진 선임</a:t>
+              <a:t>팀 박현진 선임</a:t>
             </a:r>
             <a:endParaRPr lang="en-US" altLang="ko-KR" sz="1500" b="0" strike="noStrike" spc="-1" dirty="0">
               <a:latin typeface="Arial"/>
@@ -2699,7 +2724,19 @@
               <a:rPr lang="ko-KR" altLang="en-US" sz="1500" spc="-1" dirty="0">
                 <a:latin typeface="Arial"/>
               </a:rPr>
-              <a:t>전략 디지털 추진그룹 조재혁 선임</a:t>
+              <a:t>전략 </a:t>
+            </a:r>
+            <a:r>
+              <a:rPr lang="en-US" altLang="ko-KR" sz="1500" spc="-1" dirty="0">
+                <a:latin typeface="Arial"/>
+              </a:rPr>
+              <a:t>Digital</a:t>
+            </a:r>
+            <a:r>
+              <a:rPr lang="ko-KR" altLang="en-US" sz="1500" spc="-1" dirty="0">
+                <a:latin typeface="Arial"/>
+              </a:rPr>
+              <a:t> 추진그룹 조재혁 선임</a:t>
             </a:r>
             <a:endParaRPr lang="en-US" sz="1500" b="0" strike="noStrike" spc="-1" dirty="0">
               <a:latin typeface="Arial"/>
@@ -18539,15 +18576,51 @@
                         </a:lnSpc>
                       </a:pPr>
                       <a:r>
-                        <a:rPr lang="en-US" sz="1000" b="0" strike="noStrike" spc="-1">
+                        <a:rPr lang="en-US" sz="1000" b="0" strike="noStrike" spc="-1" dirty="0">
                           <a:solidFill>
                             <a:srgbClr val="000000"/>
                           </a:solidFill>
                           <a:latin typeface="맑은 고딕"/>
                         </a:rPr>
-                        <a:t>/reward?id=“hyunjin”</a:t>
-                      </a:r>
-                      <a:endParaRPr lang="en-US" sz="1000" b="0" strike="noStrike" spc="-1">
+                        <a:t>/</a:t>
+                      </a:r>
+                      <a:r>
+                        <a:rPr lang="en-US" sz="1000" b="0" strike="noStrike" spc="-1" dirty="0" err="1">
+                          <a:solidFill>
+                            <a:srgbClr val="000000"/>
+                          </a:solidFill>
+                          <a:latin typeface="맑은 고딕"/>
+                        </a:rPr>
+                        <a:t>reward?id</a:t>
+                      </a:r>
+                      <a:r>
+                        <a:rPr lang="en-US" sz="1000" b="0" strike="noStrike" spc="-1" dirty="0">
+                          <a:solidFill>
+                            <a:srgbClr val="000000"/>
+                          </a:solidFill>
+                          <a:latin typeface="맑은 고딕"/>
+                        </a:rPr>
+                        <a:t>=“</a:t>
+                      </a:r>
+                      <a:r>
+                        <a:rPr lang="en-US" sz="1000" b="0" strike="noStrike" spc="-1" dirty="0" err="1">
+                          <a:solidFill>
+                            <a:srgbClr val="000000"/>
+                          </a:solidFill>
+                          <a:latin typeface="맑은 고딕"/>
+                        </a:rPr>
+                        <a:t>hyunjin</a:t>
+                      </a:r>
+                      <a:r>
+                        <a:rPr lang="en-US" sz="1000" b="0" strike="noStrike" spc="-1" dirty="0">
+                          <a:solidFill>
+                            <a:srgbClr val="000000"/>
+                          </a:solidFill>
+                          <a:latin typeface="맑은 고딕"/>
+                        </a:rPr>
+                        <a:t>”</a:t>
+                      </a:r>
+                      <a:endParaRPr lang="en-US" sz="1000" b="0" strike="noStrike" spc="-1" dirty="0">
                         <a:latin typeface="Arial"/>
                       </a:endParaRPr>
                     </a:p>
@@ -20496,6 +20569,2266 @@
 </file>
 
 <file path=ppt/slides/slide16.xml><?xml version="1.0" encoding="utf-8"?>
+<p:sld xmlns:a="http://schemas.openxmlformats.org/drawingml/2006/main" xmlns:r="http://schemas.openxmlformats.org/officeDocument/2006/relationships" xmlns:p="http://schemas.openxmlformats.org/presentationml/2006/main">
+  <p:cSld>
+    <p:spTree>
+      <p:nvGrpSpPr>
+        <p:cNvPr id="1" name=""/>
+        <p:cNvGrpSpPr/>
+        <p:nvPr/>
+      </p:nvGrpSpPr>
+      <p:grpSpPr>
+        <a:xfrm>
+          <a:off x="0" y="0"/>
+          <a:ext cx="0" cy="0"/>
+          <a:chOff x="0" y="0"/>
+          <a:chExt cx="0" cy="0"/>
+        </a:xfrm>
+      </p:grpSpPr>
+      <p:graphicFrame>
+        <p:nvGraphicFramePr>
+          <p:cNvPr id="105" name="Table 2"/>
+          <p:cNvGraphicFramePr/>
+          <p:nvPr>
+            <p:extLst>
+              <p:ext uri="{D42A27DB-BD31-4B8C-83A1-F6EECF244321}">
+                <p14:modId xmlns:p14="http://schemas.microsoft.com/office/powerpoint/2010/main" val="1571461818"/>
+              </p:ext>
+            </p:extLst>
+          </p:nvPr>
+        </p:nvGraphicFramePr>
+        <p:xfrm>
+          <a:off x="362280" y="704728"/>
+          <a:ext cx="11467440" cy="5539320"/>
+        </p:xfrm>
+        <a:graphic>
+          <a:graphicData uri="http://schemas.openxmlformats.org/drawingml/2006/table">
+            <a:tbl>
+              <a:tblPr/>
+              <a:tblGrid>
+                <a:gridCol w="918720">
+                  <a:extLst>
+                    <a:ext uri="{9D8B030D-6E8A-4147-A177-3AD203B41FA5}">
+                      <a16:colId xmlns:a16="http://schemas.microsoft.com/office/drawing/2014/main" val="20000"/>
+                    </a:ext>
+                  </a:extLst>
+                </a:gridCol>
+                <a:gridCol w="753840">
+                  <a:extLst>
+                    <a:ext uri="{9D8B030D-6E8A-4147-A177-3AD203B41FA5}">
+                      <a16:colId xmlns:a16="http://schemas.microsoft.com/office/drawing/2014/main" val="20001"/>
+                    </a:ext>
+                  </a:extLst>
+                </a:gridCol>
+                <a:gridCol w="1017000">
+                  <a:extLst>
+                    <a:ext uri="{9D8B030D-6E8A-4147-A177-3AD203B41FA5}">
+                      <a16:colId xmlns:a16="http://schemas.microsoft.com/office/drawing/2014/main" val="20002"/>
+                    </a:ext>
+                  </a:extLst>
+                </a:gridCol>
+                <a:gridCol w="1009440">
+                  <a:extLst>
+                    <a:ext uri="{9D8B030D-6E8A-4147-A177-3AD203B41FA5}">
+                      <a16:colId xmlns:a16="http://schemas.microsoft.com/office/drawing/2014/main" val="20003"/>
+                    </a:ext>
+                  </a:extLst>
+                </a:gridCol>
+                <a:gridCol w="2555640">
+                  <a:extLst>
+                    <a:ext uri="{9D8B030D-6E8A-4147-A177-3AD203B41FA5}">
+                      <a16:colId xmlns:a16="http://schemas.microsoft.com/office/drawing/2014/main" val="20004"/>
+                    </a:ext>
+                  </a:extLst>
+                </a:gridCol>
+                <a:gridCol w="5212800">
+                  <a:extLst>
+                    <a:ext uri="{9D8B030D-6E8A-4147-A177-3AD203B41FA5}">
+                      <a16:colId xmlns:a16="http://schemas.microsoft.com/office/drawing/2014/main" val="20005"/>
+                    </a:ext>
+                  </a:extLst>
+                </a:gridCol>
+              </a:tblGrid>
+              <a:tr h="274680">
+                <a:tc>
+                  <a:txBody>
+                    <a:bodyPr/>
+                    <a:lstStyle/>
+                    <a:p>
+                      <a:pPr>
+                        <a:lnSpc>
+                          <a:spcPct val="100000"/>
+                        </a:lnSpc>
+                      </a:pPr>
+                      <a:r>
+                        <a:rPr lang="en-US" sz="1000" b="1" strike="noStrike" spc="-1" dirty="0" err="1">
+                          <a:solidFill>
+                            <a:srgbClr val="FFFFFF"/>
+                          </a:solidFill>
+                          <a:latin typeface="맑은 고딕"/>
+                        </a:rPr>
+                        <a:t>기능</a:t>
+                      </a:r>
+                      <a:endParaRPr lang="en-US" sz="1000" b="0" strike="noStrike" spc="-1" dirty="0">
+                        <a:latin typeface="Arial"/>
+                      </a:endParaRPr>
+                    </a:p>
+                  </a:txBody>
+                  <a:tcPr>
+                    <a:lnL w="12240">
+                      <a:solidFill>
+                        <a:srgbClr val="FFFFFF"/>
+                      </a:solidFill>
+                    </a:lnL>
+                    <a:lnR w="12240">
+                      <a:solidFill>
+                        <a:srgbClr val="FFFFFF"/>
+                      </a:solidFill>
+                    </a:lnR>
+                    <a:lnT w="12240">
+                      <a:solidFill>
+                        <a:srgbClr val="FFFFFF"/>
+                      </a:solidFill>
+                    </a:lnT>
+                    <a:lnB w="38160">
+                      <a:solidFill>
+                        <a:srgbClr val="FFFFFF"/>
+                      </a:solidFill>
+                    </a:lnB>
+                    <a:solidFill>
+                      <a:srgbClr val="000000"/>
+                    </a:solidFill>
+                  </a:tcPr>
+                </a:tc>
+                <a:tc>
+                  <a:txBody>
+                    <a:bodyPr/>
+                    <a:lstStyle/>
+                    <a:p>
+                      <a:pPr>
+                        <a:lnSpc>
+                          <a:spcPct val="100000"/>
+                        </a:lnSpc>
+                      </a:pPr>
+                      <a:r>
+                        <a:rPr lang="en-US" sz="1000" b="1" strike="noStrike" spc="-1">
+                          <a:solidFill>
+                            <a:srgbClr val="FFFFFF"/>
+                          </a:solidFill>
+                          <a:latin typeface="맑은 고딕"/>
+                        </a:rPr>
+                        <a:t>Method</a:t>
+                      </a:r>
+                      <a:endParaRPr lang="en-US" sz="1000" b="0" strike="noStrike" spc="-1">
+                        <a:latin typeface="Arial"/>
+                      </a:endParaRPr>
+                    </a:p>
+                  </a:txBody>
+                  <a:tcPr>
+                    <a:lnL w="12240">
+                      <a:solidFill>
+                        <a:srgbClr val="FFFFFF"/>
+                      </a:solidFill>
+                    </a:lnL>
+                    <a:lnR w="12240">
+                      <a:solidFill>
+                        <a:srgbClr val="FFFFFF"/>
+                      </a:solidFill>
+                    </a:lnR>
+                    <a:lnT w="12240">
+                      <a:solidFill>
+                        <a:srgbClr val="FFFFFF"/>
+                      </a:solidFill>
+                    </a:lnT>
+                    <a:lnB w="38160">
+                      <a:solidFill>
+                        <a:srgbClr val="FFFFFF"/>
+                      </a:solidFill>
+                    </a:lnB>
+                    <a:solidFill>
+                      <a:srgbClr val="000000"/>
+                    </a:solidFill>
+                  </a:tcPr>
+                </a:tc>
+                <a:tc>
+                  <a:txBody>
+                    <a:bodyPr/>
+                    <a:lstStyle/>
+                    <a:p>
+                      <a:pPr>
+                        <a:lnSpc>
+                          <a:spcPct val="100000"/>
+                        </a:lnSpc>
+                      </a:pPr>
+                      <a:r>
+                        <a:rPr lang="en-US" sz="1000" b="1" strike="noStrike" spc="-1">
+                          <a:solidFill>
+                            <a:srgbClr val="FFFFFF"/>
+                          </a:solidFill>
+                          <a:latin typeface="맑은 고딕"/>
+                        </a:rPr>
+                        <a:t>Source</a:t>
+                      </a:r>
+                      <a:endParaRPr lang="en-US" sz="1000" b="0" strike="noStrike" spc="-1">
+                        <a:latin typeface="Arial"/>
+                      </a:endParaRPr>
+                    </a:p>
+                  </a:txBody>
+                  <a:tcPr>
+                    <a:lnL w="12240">
+                      <a:solidFill>
+                        <a:srgbClr val="FFFFFF"/>
+                      </a:solidFill>
+                    </a:lnL>
+                    <a:lnR w="12240">
+                      <a:solidFill>
+                        <a:srgbClr val="FFFFFF"/>
+                      </a:solidFill>
+                    </a:lnR>
+                    <a:lnT w="12240">
+                      <a:solidFill>
+                        <a:srgbClr val="FFFFFF"/>
+                      </a:solidFill>
+                    </a:lnT>
+                    <a:lnB w="38160">
+                      <a:solidFill>
+                        <a:srgbClr val="FFFFFF"/>
+                      </a:solidFill>
+                    </a:lnB>
+                    <a:solidFill>
+                      <a:srgbClr val="000000"/>
+                    </a:solidFill>
+                  </a:tcPr>
+                </a:tc>
+                <a:tc>
+                  <a:txBody>
+                    <a:bodyPr/>
+                    <a:lstStyle/>
+                    <a:p>
+                      <a:pPr>
+                        <a:lnSpc>
+                          <a:spcPct val="100000"/>
+                        </a:lnSpc>
+                      </a:pPr>
+                      <a:r>
+                        <a:rPr lang="en-US" sz="1000" b="1" strike="noStrike" spc="-1">
+                          <a:solidFill>
+                            <a:srgbClr val="FFFFFF"/>
+                          </a:solidFill>
+                          <a:latin typeface="맑은 고딕"/>
+                        </a:rPr>
+                        <a:t>Destination</a:t>
+                      </a:r>
+                      <a:endParaRPr lang="en-US" sz="1000" b="0" strike="noStrike" spc="-1">
+                        <a:latin typeface="Arial"/>
+                      </a:endParaRPr>
+                    </a:p>
+                  </a:txBody>
+                  <a:tcPr>
+                    <a:lnL w="12240">
+                      <a:solidFill>
+                        <a:srgbClr val="FFFFFF"/>
+                      </a:solidFill>
+                    </a:lnL>
+                    <a:lnR w="12240">
+                      <a:solidFill>
+                        <a:srgbClr val="FFFFFF"/>
+                      </a:solidFill>
+                    </a:lnR>
+                    <a:lnT w="12240">
+                      <a:solidFill>
+                        <a:srgbClr val="FFFFFF"/>
+                      </a:solidFill>
+                    </a:lnT>
+                    <a:lnB w="38160">
+                      <a:solidFill>
+                        <a:srgbClr val="FFFFFF"/>
+                      </a:solidFill>
+                    </a:lnB>
+                    <a:solidFill>
+                      <a:srgbClr val="000000"/>
+                    </a:solidFill>
+                  </a:tcPr>
+                </a:tc>
+                <a:tc>
+                  <a:txBody>
+                    <a:bodyPr/>
+                    <a:lstStyle/>
+                    <a:p>
+                      <a:pPr>
+                        <a:lnSpc>
+                          <a:spcPct val="100000"/>
+                        </a:lnSpc>
+                      </a:pPr>
+                      <a:r>
+                        <a:rPr lang="en-US" sz="1000" b="1" strike="noStrike" spc="-1">
+                          <a:solidFill>
+                            <a:srgbClr val="FFFFFF"/>
+                          </a:solidFill>
+                          <a:latin typeface="맑은 고딕"/>
+                        </a:rPr>
+                        <a:t>URL</a:t>
+                      </a:r>
+                      <a:endParaRPr lang="en-US" sz="1000" b="0" strike="noStrike" spc="-1">
+                        <a:latin typeface="Arial"/>
+                      </a:endParaRPr>
+                    </a:p>
+                  </a:txBody>
+                  <a:tcPr>
+                    <a:lnL w="12240">
+                      <a:solidFill>
+                        <a:srgbClr val="FFFFFF"/>
+                      </a:solidFill>
+                    </a:lnL>
+                    <a:lnR w="12240">
+                      <a:solidFill>
+                        <a:srgbClr val="FFFFFF"/>
+                      </a:solidFill>
+                    </a:lnR>
+                    <a:lnT w="12240">
+                      <a:solidFill>
+                        <a:srgbClr val="FFFFFF"/>
+                      </a:solidFill>
+                    </a:lnT>
+                    <a:lnB w="38160">
+                      <a:solidFill>
+                        <a:srgbClr val="FFFFFF"/>
+                      </a:solidFill>
+                    </a:lnB>
+                    <a:solidFill>
+                      <a:srgbClr val="000000"/>
+                    </a:solidFill>
+                  </a:tcPr>
+                </a:tc>
+                <a:tc>
+                  <a:txBody>
+                    <a:bodyPr/>
+                    <a:lstStyle/>
+                    <a:p>
+                      <a:pPr>
+                        <a:lnSpc>
+                          <a:spcPct val="100000"/>
+                        </a:lnSpc>
+                      </a:pPr>
+                      <a:r>
+                        <a:rPr lang="en-US" sz="1000" b="1" strike="noStrike" spc="-1">
+                          <a:solidFill>
+                            <a:srgbClr val="FFFFFF"/>
+                          </a:solidFill>
+                          <a:latin typeface="맑은 고딕"/>
+                        </a:rPr>
+                        <a:t>Body</a:t>
+                      </a:r>
+                      <a:endParaRPr lang="en-US" sz="1000" b="0" strike="noStrike" spc="-1">
+                        <a:latin typeface="Arial"/>
+                      </a:endParaRPr>
+                    </a:p>
+                  </a:txBody>
+                  <a:tcPr>
+                    <a:lnL w="12240">
+                      <a:solidFill>
+                        <a:srgbClr val="FFFFFF"/>
+                      </a:solidFill>
+                    </a:lnL>
+                    <a:lnR w="12240">
+                      <a:solidFill>
+                        <a:srgbClr val="FFFFFF"/>
+                      </a:solidFill>
+                    </a:lnR>
+                    <a:lnT w="12240">
+                      <a:solidFill>
+                        <a:srgbClr val="FFFFFF"/>
+                      </a:solidFill>
+                    </a:lnT>
+                    <a:lnB w="38160">
+                      <a:solidFill>
+                        <a:srgbClr val="FFFFFF"/>
+                      </a:solidFill>
+                    </a:lnB>
+                    <a:solidFill>
+                      <a:srgbClr val="000000"/>
+                    </a:solidFill>
+                  </a:tcPr>
+                </a:tc>
+                <a:extLst>
+                  <a:ext uri="{0D108BD9-81ED-4DB2-BD59-A6C34878D82A}">
+                    <a16:rowId xmlns:a16="http://schemas.microsoft.com/office/drawing/2014/main" val="10000"/>
+                  </a:ext>
+                </a:extLst>
+              </a:tr>
+              <a:tr h="457560">
+                <a:tc>
+                  <a:txBody>
+                    <a:bodyPr/>
+                    <a:lstStyle/>
+                    <a:p>
+                      <a:pPr>
+                        <a:lnSpc>
+                          <a:spcPct val="100000"/>
+                        </a:lnSpc>
+                      </a:pPr>
+                      <a:r>
+                        <a:rPr lang="ko-KR" altLang="en-US" sz="1000" b="0" strike="noStrike" spc="-1" dirty="0">
+                          <a:latin typeface="Arial"/>
+                        </a:rPr>
+                        <a:t>내역 조회</a:t>
+                      </a:r>
+                      <a:endParaRPr lang="en-US" sz="1000" b="0" strike="noStrike" spc="-1" dirty="0">
+                        <a:latin typeface="Arial"/>
+                      </a:endParaRPr>
+                    </a:p>
+                  </a:txBody>
+                  <a:tcPr>
+                    <a:lnL w="12240">
+                      <a:solidFill>
+                        <a:srgbClr val="FFFFFF"/>
+                      </a:solidFill>
+                    </a:lnL>
+                    <a:lnR w="12240" cap="flat" cmpd="sng" algn="ctr">
+                      <a:solidFill>
+                        <a:srgbClr val="FFFFFF"/>
+                      </a:solidFill>
+                      <a:prstDash val="solid"/>
+                      <a:round/>
+                      <a:headEnd type="none" w="med" len="med"/>
+                      <a:tailEnd type="none" w="med" len="med"/>
+                    </a:lnR>
+                    <a:lnT w="38160" cap="flat" cmpd="sng" algn="ctr">
+                      <a:solidFill>
+                        <a:srgbClr val="FFFFFF"/>
+                      </a:solidFill>
+                      <a:prstDash val="solid"/>
+                      <a:round/>
+                      <a:headEnd type="none" w="med" len="med"/>
+                      <a:tailEnd type="none" w="med" len="med"/>
+                    </a:lnT>
+                    <a:lnB w="12240">
+                      <a:solidFill>
+                        <a:srgbClr val="FFFFFF"/>
+                      </a:solidFill>
+                    </a:lnB>
+                    <a:solidFill>
+                      <a:srgbClr val="CCCCCC"/>
+                    </a:solidFill>
+                  </a:tcPr>
+                </a:tc>
+                <a:tc>
+                  <a:txBody>
+                    <a:bodyPr/>
+                    <a:lstStyle/>
+                    <a:p>
+                      <a:pPr>
+                        <a:lnSpc>
+                          <a:spcPct val="100000"/>
+                        </a:lnSpc>
+                      </a:pPr>
+                      <a:r>
+                        <a:rPr lang="en-US" sz="1000" b="0" strike="noStrike" spc="-1" dirty="0">
+                          <a:solidFill>
+                            <a:srgbClr val="000000"/>
+                          </a:solidFill>
+                          <a:latin typeface="맑은 고딕"/>
+                        </a:rPr>
+                        <a:t>GET</a:t>
+                      </a:r>
+                      <a:endParaRPr lang="en-US" sz="1000" b="0" strike="noStrike" spc="-1" dirty="0">
+                        <a:latin typeface="Arial"/>
+                      </a:endParaRPr>
+                    </a:p>
+                  </a:txBody>
+                  <a:tcPr>
+                    <a:lnL w="12240" cap="flat" cmpd="sng" algn="ctr">
+                      <a:solidFill>
+                        <a:srgbClr val="FFFFFF"/>
+                      </a:solidFill>
+                      <a:prstDash val="solid"/>
+                      <a:round/>
+                      <a:headEnd type="none" w="med" len="med"/>
+                      <a:tailEnd type="none" w="med" len="med"/>
+                    </a:lnL>
+                    <a:lnR w="12240" cap="flat" cmpd="sng" algn="ctr">
+                      <a:solidFill>
+                        <a:srgbClr val="FFFFFF"/>
+                      </a:solidFill>
+                      <a:prstDash val="solid"/>
+                      <a:round/>
+                      <a:headEnd type="none" w="med" len="med"/>
+                      <a:tailEnd type="none" w="med" len="med"/>
+                    </a:lnR>
+                    <a:lnT w="38160" cap="flat" cmpd="sng" algn="ctr">
+                      <a:solidFill>
+                        <a:srgbClr val="FFFFFF"/>
+                      </a:solidFill>
+                      <a:prstDash val="solid"/>
+                      <a:round/>
+                      <a:headEnd type="none" w="med" len="med"/>
+                      <a:tailEnd type="none" w="med" len="med"/>
+                    </a:lnT>
+                    <a:lnB w="12240">
+                      <a:solidFill>
+                        <a:srgbClr val="FFFFFF"/>
+                      </a:solidFill>
+                    </a:lnB>
+                    <a:solidFill>
+                      <a:srgbClr val="CCCCCC"/>
+                    </a:solidFill>
+                  </a:tcPr>
+                </a:tc>
+                <a:tc>
+                  <a:txBody>
+                    <a:bodyPr/>
+                    <a:lstStyle/>
+                    <a:p>
+                      <a:pPr>
+                        <a:lnSpc>
+                          <a:spcPct val="100000"/>
+                        </a:lnSpc>
+                      </a:pPr>
+                      <a:r>
+                        <a:rPr lang="en-US" sz="1000" b="0" strike="noStrike" spc="-1" dirty="0">
+                          <a:solidFill>
+                            <a:srgbClr val="000000"/>
+                          </a:solidFill>
+                          <a:latin typeface="맑은 고딕"/>
+                        </a:rPr>
+                        <a:t>Frontend</a:t>
+                      </a:r>
+                      <a:endParaRPr lang="en-US" sz="1000" b="0" strike="noStrike" spc="-1" dirty="0">
+                        <a:latin typeface="Arial"/>
+                      </a:endParaRPr>
+                    </a:p>
+                  </a:txBody>
+                  <a:tcPr>
+                    <a:lnL w="12240" cap="flat" cmpd="sng" algn="ctr">
+                      <a:solidFill>
+                        <a:srgbClr val="FFFFFF"/>
+                      </a:solidFill>
+                      <a:prstDash val="solid"/>
+                      <a:round/>
+                      <a:headEnd type="none" w="med" len="med"/>
+                      <a:tailEnd type="none" w="med" len="med"/>
+                    </a:lnL>
+                    <a:lnR w="12240" cap="flat" cmpd="sng" algn="ctr">
+                      <a:solidFill>
+                        <a:srgbClr val="FFFFFF"/>
+                      </a:solidFill>
+                      <a:prstDash val="solid"/>
+                      <a:round/>
+                      <a:headEnd type="none" w="med" len="med"/>
+                      <a:tailEnd type="none" w="med" len="med"/>
+                    </a:lnR>
+                    <a:lnT w="38160" cap="flat" cmpd="sng" algn="ctr">
+                      <a:solidFill>
+                        <a:srgbClr val="FFFFFF"/>
+                      </a:solidFill>
+                      <a:prstDash val="solid"/>
+                      <a:round/>
+                      <a:headEnd type="none" w="med" len="med"/>
+                      <a:tailEnd type="none" w="med" len="med"/>
+                    </a:lnT>
+                    <a:lnB w="12240">
+                      <a:solidFill>
+                        <a:srgbClr val="FFFFFF"/>
+                      </a:solidFill>
+                    </a:lnB>
+                    <a:solidFill>
+                      <a:srgbClr val="CCCCCC"/>
+                    </a:solidFill>
+                  </a:tcPr>
+                </a:tc>
+                <a:tc>
+                  <a:txBody>
+                    <a:bodyPr/>
+                    <a:lstStyle/>
+                    <a:p>
+                      <a:pPr>
+                        <a:lnSpc>
+                          <a:spcPct val="100000"/>
+                        </a:lnSpc>
+                      </a:pPr>
+                      <a:r>
+                        <a:rPr lang="en-US" sz="1000" b="0" strike="noStrike" spc="-1" dirty="0">
+                          <a:solidFill>
+                            <a:srgbClr val="000000"/>
+                          </a:solidFill>
+                          <a:latin typeface="맑은 고딕"/>
+                        </a:rPr>
+                        <a:t>Backend</a:t>
+                      </a:r>
+                      <a:endParaRPr lang="en-US" sz="1000" b="0" strike="noStrike" spc="-1" dirty="0">
+                        <a:latin typeface="Arial"/>
+                      </a:endParaRPr>
+                    </a:p>
+                  </a:txBody>
+                  <a:tcPr>
+                    <a:lnL w="12240" cap="flat" cmpd="sng" algn="ctr">
+                      <a:solidFill>
+                        <a:srgbClr val="FFFFFF"/>
+                      </a:solidFill>
+                      <a:prstDash val="solid"/>
+                      <a:round/>
+                      <a:headEnd type="none" w="med" len="med"/>
+                      <a:tailEnd type="none" w="med" len="med"/>
+                    </a:lnL>
+                    <a:lnR w="12240" cap="flat" cmpd="sng" algn="ctr">
+                      <a:solidFill>
+                        <a:srgbClr val="FFFFFF"/>
+                      </a:solidFill>
+                      <a:prstDash val="solid"/>
+                      <a:round/>
+                      <a:headEnd type="none" w="med" len="med"/>
+                      <a:tailEnd type="none" w="med" len="med"/>
+                    </a:lnR>
+                    <a:lnT w="38160" cap="flat" cmpd="sng" algn="ctr">
+                      <a:solidFill>
+                        <a:srgbClr val="FFFFFF"/>
+                      </a:solidFill>
+                      <a:prstDash val="solid"/>
+                      <a:round/>
+                      <a:headEnd type="none" w="med" len="med"/>
+                      <a:tailEnd type="none" w="med" len="med"/>
+                    </a:lnT>
+                    <a:lnB w="12240">
+                      <a:solidFill>
+                        <a:srgbClr val="FFFFFF"/>
+                      </a:solidFill>
+                    </a:lnB>
+                    <a:solidFill>
+                      <a:srgbClr val="CCCCCC"/>
+                    </a:solidFill>
+                  </a:tcPr>
+                </a:tc>
+                <a:tc>
+                  <a:txBody>
+                    <a:bodyPr/>
+                    <a:lstStyle/>
+                    <a:p>
+                      <a:pPr>
+                        <a:lnSpc>
+                          <a:spcPct val="100000"/>
+                        </a:lnSpc>
+                      </a:pPr>
+                      <a:r>
+                        <a:rPr lang="en-US" sz="1000" b="0" strike="noStrike" spc="-1" dirty="0">
+                          <a:solidFill>
+                            <a:srgbClr val="000000"/>
+                          </a:solidFill>
+                          <a:latin typeface="맑은 고딕"/>
+                        </a:rPr>
+                        <a:t>/</a:t>
+                      </a:r>
+                      <a:r>
+                        <a:rPr lang="en-US" sz="1000" b="0" strike="noStrike" spc="-1" dirty="0" err="1">
+                          <a:solidFill>
+                            <a:srgbClr val="000000"/>
+                          </a:solidFill>
+                          <a:latin typeface="맑은 고딕"/>
+                        </a:rPr>
+                        <a:t>history?id</a:t>
+                      </a:r>
+                      <a:r>
+                        <a:rPr lang="en-US" sz="1000" b="0" strike="noStrike" spc="-1" dirty="0">
+                          <a:solidFill>
+                            <a:srgbClr val="000000"/>
+                          </a:solidFill>
+                          <a:latin typeface="맑은 고딕"/>
+                        </a:rPr>
+                        <a:t>=“</a:t>
+                      </a:r>
+                      <a:r>
+                        <a:rPr lang="en-US" sz="1000" b="0" strike="noStrike" spc="-1" dirty="0" err="1">
+                          <a:solidFill>
+                            <a:srgbClr val="000000"/>
+                          </a:solidFill>
+                          <a:latin typeface="맑은 고딕"/>
+                        </a:rPr>
+                        <a:t>hyunjin</a:t>
+                      </a:r>
+                      <a:r>
+                        <a:rPr lang="en-US" sz="1000" b="0" strike="noStrike" spc="-1" dirty="0">
+                          <a:solidFill>
+                            <a:srgbClr val="000000"/>
+                          </a:solidFill>
+                          <a:latin typeface="맑은 고딕"/>
+                        </a:rPr>
+                        <a:t>”</a:t>
+                      </a:r>
+                      <a:endParaRPr lang="en-US" sz="1000" b="0" strike="noStrike" spc="-1" dirty="0">
+                        <a:latin typeface="Arial"/>
+                      </a:endParaRPr>
+                    </a:p>
+                  </a:txBody>
+                  <a:tcPr>
+                    <a:lnL w="12240" cap="flat" cmpd="sng" algn="ctr">
+                      <a:solidFill>
+                        <a:srgbClr val="FFFFFF"/>
+                      </a:solidFill>
+                      <a:prstDash val="solid"/>
+                      <a:round/>
+                      <a:headEnd type="none" w="med" len="med"/>
+                      <a:tailEnd type="none" w="med" len="med"/>
+                    </a:lnL>
+                    <a:lnR w="12240" cap="flat" cmpd="sng" algn="ctr">
+                      <a:solidFill>
+                        <a:srgbClr val="FFFFFF"/>
+                      </a:solidFill>
+                      <a:prstDash val="solid"/>
+                      <a:round/>
+                      <a:headEnd type="none" w="med" len="med"/>
+                      <a:tailEnd type="none" w="med" len="med"/>
+                    </a:lnR>
+                    <a:lnT w="38160" cap="flat" cmpd="sng" algn="ctr">
+                      <a:solidFill>
+                        <a:srgbClr val="FFFFFF"/>
+                      </a:solidFill>
+                      <a:prstDash val="solid"/>
+                      <a:round/>
+                      <a:headEnd type="none" w="med" len="med"/>
+                      <a:tailEnd type="none" w="med" len="med"/>
+                    </a:lnT>
+                    <a:lnB w="12240">
+                      <a:solidFill>
+                        <a:srgbClr val="FFFFFF"/>
+                      </a:solidFill>
+                    </a:lnB>
+                    <a:solidFill>
+                      <a:srgbClr val="CCCCCC"/>
+                    </a:solidFill>
+                  </a:tcPr>
+                </a:tc>
+                <a:tc>
+                  <a:txBody>
+                    <a:bodyPr/>
+                    <a:lstStyle/>
+                    <a:p>
+                      <a:endParaRPr lang="ko-KR" dirty="0"/>
+                    </a:p>
+                  </a:txBody>
+                  <a:tcPr>
+                    <a:lnL w="12240" cap="flat" cmpd="sng" algn="ctr">
+                      <a:solidFill>
+                        <a:srgbClr val="FFFFFF"/>
+                      </a:solidFill>
+                      <a:prstDash val="solid"/>
+                      <a:round/>
+                      <a:headEnd type="none" w="med" len="med"/>
+                      <a:tailEnd type="none" w="med" len="med"/>
+                    </a:lnL>
+                    <a:lnR w="12240">
+                      <a:solidFill>
+                        <a:srgbClr val="FFFFFF"/>
+                      </a:solidFill>
+                    </a:lnR>
+                    <a:lnT w="38160" cap="flat" cmpd="sng" algn="ctr">
+                      <a:solidFill>
+                        <a:srgbClr val="FFFFFF"/>
+                      </a:solidFill>
+                      <a:prstDash val="solid"/>
+                      <a:round/>
+                      <a:headEnd type="none" w="med" len="med"/>
+                      <a:tailEnd type="none" w="med" len="med"/>
+                    </a:lnT>
+                    <a:lnB w="12240">
+                      <a:solidFill>
+                        <a:srgbClr val="FFFFFF"/>
+                      </a:solidFill>
+                    </a:lnB>
+                    <a:solidFill>
+                      <a:srgbClr val="CCCCCC"/>
+                    </a:solidFill>
+                  </a:tcPr>
+                </a:tc>
+                <a:extLst>
+                  <a:ext uri="{0D108BD9-81ED-4DB2-BD59-A6C34878D82A}">
+                    <a16:rowId xmlns:a16="http://schemas.microsoft.com/office/drawing/2014/main" val="10009"/>
+                  </a:ext>
+                </a:extLst>
+              </a:tr>
+              <a:tr h="1189080">
+                <a:tc>
+                  <a:txBody>
+                    <a:bodyPr/>
+                    <a:lstStyle/>
+                    <a:p>
+                      <a:endParaRPr lang="ko-KR"/>
+                    </a:p>
+                  </a:txBody>
+                  <a:tcPr>
+                    <a:lnL w="12240">
+                      <a:solidFill>
+                        <a:srgbClr val="FFFFFF"/>
+                      </a:solidFill>
+                    </a:lnL>
+                    <a:lnR w="12240">
+                      <a:solidFill>
+                        <a:srgbClr val="FFFFFF"/>
+                      </a:solidFill>
+                    </a:lnR>
+                    <a:lnT w="12240">
+                      <a:solidFill>
+                        <a:srgbClr val="FFFFFF"/>
+                      </a:solidFill>
+                    </a:lnT>
+                    <a:lnB w="12240">
+                      <a:solidFill>
+                        <a:srgbClr val="FFFFFF"/>
+                      </a:solidFill>
+                    </a:lnB>
+                    <a:solidFill>
+                      <a:srgbClr val="E7E7E7"/>
+                    </a:solidFill>
+                  </a:tcPr>
+                </a:tc>
+                <a:tc>
+                  <a:txBody>
+                    <a:bodyPr/>
+                    <a:lstStyle/>
+                    <a:p>
+                      <a:endParaRPr lang="ko-KR"/>
+                    </a:p>
+                  </a:txBody>
+                  <a:tcPr>
+                    <a:lnL w="12240">
+                      <a:solidFill>
+                        <a:srgbClr val="FFFFFF"/>
+                      </a:solidFill>
+                    </a:lnL>
+                    <a:lnR w="12240">
+                      <a:solidFill>
+                        <a:srgbClr val="FFFFFF"/>
+                      </a:solidFill>
+                    </a:lnR>
+                    <a:lnT w="12240">
+                      <a:solidFill>
+                        <a:srgbClr val="FFFFFF"/>
+                      </a:solidFill>
+                    </a:lnT>
+                    <a:lnB w="12240">
+                      <a:solidFill>
+                        <a:srgbClr val="FFFFFF"/>
+                      </a:solidFill>
+                    </a:lnB>
+                    <a:solidFill>
+                      <a:srgbClr val="E7E7E7"/>
+                    </a:solidFill>
+                  </a:tcPr>
+                </a:tc>
+                <a:tc>
+                  <a:txBody>
+                    <a:bodyPr/>
+                    <a:lstStyle/>
+                    <a:p>
+                      <a:pPr>
+                        <a:lnSpc>
+                          <a:spcPct val="100000"/>
+                        </a:lnSpc>
+                      </a:pPr>
+                      <a:r>
+                        <a:rPr lang="en-US" sz="1000" b="0" strike="noStrike" spc="-1" dirty="0">
+                          <a:solidFill>
+                            <a:srgbClr val="000000"/>
+                          </a:solidFill>
+                          <a:latin typeface="맑은 고딕"/>
+                        </a:rPr>
+                        <a:t>Backend</a:t>
+                      </a:r>
+                      <a:endParaRPr lang="en-US" sz="1000" b="0" strike="noStrike" spc="-1" dirty="0">
+                        <a:latin typeface="Arial"/>
+                      </a:endParaRPr>
+                    </a:p>
+                  </a:txBody>
+                  <a:tcPr>
+                    <a:lnL w="12240">
+                      <a:solidFill>
+                        <a:srgbClr val="FFFFFF"/>
+                      </a:solidFill>
+                    </a:lnL>
+                    <a:lnR w="12240">
+                      <a:solidFill>
+                        <a:srgbClr val="FFFFFF"/>
+                      </a:solidFill>
+                    </a:lnR>
+                    <a:lnT w="12240">
+                      <a:solidFill>
+                        <a:srgbClr val="FFFFFF"/>
+                      </a:solidFill>
+                    </a:lnT>
+                    <a:lnB w="12240">
+                      <a:solidFill>
+                        <a:srgbClr val="FFFFFF"/>
+                      </a:solidFill>
+                    </a:lnB>
+                    <a:solidFill>
+                      <a:srgbClr val="E7E7E7"/>
+                    </a:solidFill>
+                  </a:tcPr>
+                </a:tc>
+                <a:tc>
+                  <a:txBody>
+                    <a:bodyPr/>
+                    <a:lstStyle/>
+                    <a:p>
+                      <a:pPr>
+                        <a:lnSpc>
+                          <a:spcPct val="100000"/>
+                        </a:lnSpc>
+                      </a:pPr>
+                      <a:r>
+                        <a:rPr lang="en-US" sz="1000" b="0" strike="noStrike" spc="-1" dirty="0">
+                          <a:solidFill>
+                            <a:srgbClr val="000000"/>
+                          </a:solidFill>
+                          <a:latin typeface="맑은 고딕"/>
+                        </a:rPr>
+                        <a:t>Frontend</a:t>
+                      </a:r>
+                      <a:endParaRPr lang="en-US" sz="1000" b="0" strike="noStrike" spc="-1" dirty="0">
+                        <a:latin typeface="Arial"/>
+                      </a:endParaRPr>
+                    </a:p>
+                  </a:txBody>
+                  <a:tcPr>
+                    <a:lnL w="12240">
+                      <a:solidFill>
+                        <a:srgbClr val="FFFFFF"/>
+                      </a:solidFill>
+                    </a:lnL>
+                    <a:lnR w="12240">
+                      <a:solidFill>
+                        <a:srgbClr val="FFFFFF"/>
+                      </a:solidFill>
+                    </a:lnR>
+                    <a:lnT w="12240">
+                      <a:solidFill>
+                        <a:srgbClr val="FFFFFF"/>
+                      </a:solidFill>
+                    </a:lnT>
+                    <a:lnB w="12240">
+                      <a:solidFill>
+                        <a:srgbClr val="FFFFFF"/>
+                      </a:solidFill>
+                    </a:lnB>
+                    <a:solidFill>
+                      <a:srgbClr val="E7E7E7"/>
+                    </a:solidFill>
+                  </a:tcPr>
+                </a:tc>
+                <a:tc>
+                  <a:txBody>
+                    <a:bodyPr/>
+                    <a:lstStyle/>
+                    <a:p>
+                      <a:endParaRPr lang="ko-KR"/>
+                    </a:p>
+                  </a:txBody>
+                  <a:tcPr>
+                    <a:lnL w="12240">
+                      <a:solidFill>
+                        <a:srgbClr val="FFFFFF"/>
+                      </a:solidFill>
+                    </a:lnL>
+                    <a:lnR w="12240">
+                      <a:solidFill>
+                        <a:srgbClr val="FFFFFF"/>
+                      </a:solidFill>
+                    </a:lnR>
+                    <a:lnT w="12240">
+                      <a:solidFill>
+                        <a:srgbClr val="FFFFFF"/>
+                      </a:solidFill>
+                    </a:lnT>
+                    <a:lnB w="12240">
+                      <a:solidFill>
+                        <a:srgbClr val="FFFFFF"/>
+                      </a:solidFill>
+                    </a:lnB>
+                    <a:solidFill>
+                      <a:srgbClr val="E7E7E7"/>
+                    </a:solidFill>
+                  </a:tcPr>
+                </a:tc>
+                <a:tc>
+                  <a:txBody>
+                    <a:bodyPr/>
+                    <a:lstStyle/>
+                    <a:p>
+                      <a:pPr>
+                        <a:lnSpc>
+                          <a:spcPct val="100000"/>
+                        </a:lnSpc>
+                      </a:pPr>
+                      <a:r>
+                        <a:rPr lang="en-US" sz="1000" b="0" strike="noStrike" spc="-1" dirty="0">
+                          <a:solidFill>
+                            <a:srgbClr val="000000"/>
+                          </a:solidFill>
+                          <a:latin typeface="맑은 고딕"/>
+                        </a:rPr>
+                        <a:t>{ “history” : [ </a:t>
+                      </a:r>
+                      <a:endParaRPr lang="en-US" sz="1000" b="0" strike="noStrike" spc="-1" dirty="0">
+                        <a:latin typeface="Arial"/>
+                      </a:endParaRPr>
+                    </a:p>
+                    <a:p>
+                      <a:pPr>
+                        <a:lnSpc>
+                          <a:spcPct val="100000"/>
+                        </a:lnSpc>
+                      </a:pPr>
+                      <a:r>
+                        <a:rPr lang="en-US" sz="1000" b="0" strike="noStrike" spc="-1" dirty="0">
+                          <a:solidFill>
+                            <a:srgbClr val="000000"/>
+                          </a:solidFill>
+                          <a:latin typeface="맑은 고딕"/>
+                          <a:ea typeface="Noto Sans CJK SC"/>
+                        </a:rPr>
+                        <a:t>  {“company” : “SK”, “</a:t>
+                      </a:r>
+                      <a:r>
+                        <a:rPr lang="en-US" sz="1000" b="0" strike="noStrike" spc="-1" dirty="0" err="1">
+                          <a:solidFill>
+                            <a:srgbClr val="000000"/>
+                          </a:solidFill>
+                          <a:latin typeface="맑은 고딕"/>
+                          <a:ea typeface="Noto Sans CJK SC"/>
+                        </a:rPr>
+                        <a:t>voted_amt</a:t>
+                      </a:r>
+                      <a:r>
+                        <a:rPr lang="en-US" sz="1000" b="0" strike="noStrike" spc="-1" dirty="0">
+                          <a:solidFill>
+                            <a:srgbClr val="000000"/>
+                          </a:solidFill>
+                          <a:latin typeface="맑은 고딕"/>
+                          <a:ea typeface="Noto Sans CJK SC"/>
+                        </a:rPr>
+                        <a:t>” : 0, “</a:t>
+                      </a:r>
+                      <a:r>
+                        <a:rPr lang="en-US" sz="1000" b="0" strike="noStrike" spc="-1" dirty="0" err="1">
+                          <a:solidFill>
+                            <a:srgbClr val="000000"/>
+                          </a:solidFill>
+                          <a:latin typeface="맑은 고딕"/>
+                          <a:ea typeface="Noto Sans CJK SC"/>
+                        </a:rPr>
+                        <a:t>reward_amt</a:t>
+                      </a:r>
+                      <a:r>
+                        <a:rPr lang="en-US" sz="1000" b="0" strike="noStrike" spc="-1" dirty="0">
+                          <a:solidFill>
+                            <a:srgbClr val="000000"/>
+                          </a:solidFill>
+                          <a:latin typeface="맑은 고딕"/>
+                          <a:ea typeface="Noto Sans CJK SC"/>
+                        </a:rPr>
+                        <a:t>” :100, “event_dtm” : “2020-11-17”} ,</a:t>
+                      </a:r>
+                    </a:p>
+                    <a:p>
+                      <a:pPr>
+                        <a:lnSpc>
+                          <a:spcPct val="100000"/>
+                        </a:lnSpc>
+                      </a:pPr>
+                      <a:r>
+                        <a:rPr lang="en-US" sz="1000" b="0" strike="noStrike" spc="-1" dirty="0">
+                          <a:solidFill>
+                            <a:srgbClr val="000000"/>
+                          </a:solidFill>
+                          <a:latin typeface="맑은 고딕"/>
+                        </a:rPr>
+                        <a:t>  </a:t>
+                      </a:r>
+                      <a:r>
+                        <a:rPr lang="en-US" altLang="ko-KR" sz="1000" b="0" strike="noStrike" spc="-1" dirty="0">
+                          <a:solidFill>
+                            <a:srgbClr val="000000"/>
+                          </a:solidFill>
+                          <a:latin typeface="맑은 고딕"/>
+                          <a:ea typeface="Noto Sans CJK SC"/>
+                        </a:rPr>
+                        <a:t>{“company” : “SK”, “</a:t>
+                      </a:r>
+                      <a:r>
+                        <a:rPr lang="en-US" altLang="ko-KR" sz="1000" b="0" strike="noStrike" spc="-1" dirty="0" err="1">
+                          <a:solidFill>
+                            <a:srgbClr val="000000"/>
+                          </a:solidFill>
+                          <a:latin typeface="맑은 고딕"/>
+                          <a:ea typeface="Noto Sans CJK SC"/>
+                        </a:rPr>
+                        <a:t>voted_amt</a:t>
+                      </a:r>
+                      <a:r>
+                        <a:rPr lang="en-US" altLang="ko-KR" sz="1000" b="0" strike="noStrike" spc="-1" dirty="0">
+                          <a:solidFill>
+                            <a:srgbClr val="000000"/>
+                          </a:solidFill>
+                          <a:latin typeface="맑은 고딕"/>
+                          <a:ea typeface="Noto Sans CJK SC"/>
+                        </a:rPr>
+                        <a:t>” : 3, “</a:t>
+                      </a:r>
+                      <a:r>
+                        <a:rPr lang="en-US" altLang="ko-KR" sz="1000" b="0" strike="noStrike" spc="-1" dirty="0" err="1">
+                          <a:solidFill>
+                            <a:srgbClr val="000000"/>
+                          </a:solidFill>
+                          <a:latin typeface="맑은 고딕"/>
+                          <a:ea typeface="Noto Sans CJK SC"/>
+                        </a:rPr>
+                        <a:t>reward_amt</a:t>
+                      </a:r>
+                      <a:r>
+                        <a:rPr lang="en-US" altLang="ko-KR" sz="1000" b="0" strike="noStrike" spc="-1" dirty="0">
+                          <a:solidFill>
+                            <a:srgbClr val="000000"/>
+                          </a:solidFill>
+                          <a:latin typeface="맑은 고딕"/>
+                          <a:ea typeface="Noto Sans CJK SC"/>
+                        </a:rPr>
+                        <a:t>” : 200, “</a:t>
+                      </a:r>
+                      <a:r>
+                        <a:rPr lang="en-US" altLang="ko-KR" sz="1000" b="0" strike="noStrike" spc="-1" dirty="0" err="1">
+                          <a:solidFill>
+                            <a:srgbClr val="000000"/>
+                          </a:solidFill>
+                          <a:latin typeface="맑은 고딕"/>
+                          <a:ea typeface="Noto Sans CJK SC"/>
+                        </a:rPr>
+                        <a:t>event_dtm</a:t>
+                      </a:r>
+                      <a:r>
+                        <a:rPr lang="en-US" altLang="ko-KR" sz="1000" b="0" strike="noStrike" spc="-1" dirty="0">
+                          <a:solidFill>
+                            <a:srgbClr val="000000"/>
+                          </a:solidFill>
+                          <a:latin typeface="맑은 고딕"/>
+                          <a:ea typeface="Noto Sans CJK SC"/>
+                        </a:rPr>
+                        <a:t>” : “2020-11-17”},</a:t>
+                      </a:r>
+                    </a:p>
+                    <a:p>
+                      <a:pPr>
+                        <a:lnSpc>
+                          <a:spcPct val="100000"/>
+                        </a:lnSpc>
+                      </a:pPr>
+                      <a:r>
+                        <a:rPr lang="en-US" sz="1000" b="0" strike="noStrike" spc="-1" dirty="0">
+                          <a:solidFill>
+                            <a:srgbClr val="000000"/>
+                          </a:solidFill>
+                          <a:latin typeface="맑은 고딕"/>
+                          <a:ea typeface="Noto Sans CJK SC"/>
+                        </a:rPr>
+                        <a:t>]}</a:t>
+                      </a:r>
+                      <a:endParaRPr lang="en-US" sz="1000" b="0" strike="noStrike" spc="-1" dirty="0">
+                        <a:latin typeface="Arial"/>
+                      </a:endParaRPr>
+                    </a:p>
+                  </a:txBody>
+                  <a:tcPr>
+                    <a:lnL w="12240">
+                      <a:solidFill>
+                        <a:srgbClr val="FFFFFF"/>
+                      </a:solidFill>
+                    </a:lnL>
+                    <a:lnR w="12240">
+                      <a:solidFill>
+                        <a:srgbClr val="FFFFFF"/>
+                      </a:solidFill>
+                    </a:lnR>
+                    <a:lnT w="12240">
+                      <a:solidFill>
+                        <a:srgbClr val="FFFFFF"/>
+                      </a:solidFill>
+                    </a:lnT>
+                    <a:lnB w="12240">
+                      <a:solidFill>
+                        <a:srgbClr val="FFFFFF"/>
+                      </a:solidFill>
+                    </a:lnB>
+                    <a:solidFill>
+                      <a:srgbClr val="E7E7E7"/>
+                    </a:solidFill>
+                  </a:tcPr>
+                </a:tc>
+                <a:extLst>
+                  <a:ext uri="{0D108BD9-81ED-4DB2-BD59-A6C34878D82A}">
+                    <a16:rowId xmlns:a16="http://schemas.microsoft.com/office/drawing/2014/main" val="10010"/>
+                  </a:ext>
+                </a:extLst>
+              </a:tr>
+              <a:tr h="782280">
+                <a:tc>
+                  <a:txBody>
+                    <a:bodyPr/>
+                    <a:lstStyle/>
+                    <a:p>
+                      <a:pPr>
+                        <a:lnSpc>
+                          <a:spcPct val="100000"/>
+                        </a:lnSpc>
+                      </a:pPr>
+                      <a:endParaRPr lang="en-US" sz="1000" b="0" strike="noStrike" spc="-1" dirty="0">
+                        <a:latin typeface="Arial"/>
+                      </a:endParaRPr>
+                    </a:p>
+                  </a:txBody>
+                  <a:tcPr>
+                    <a:lnL w="12240">
+                      <a:solidFill>
+                        <a:srgbClr val="FFFFFF"/>
+                      </a:solidFill>
+                    </a:lnL>
+                    <a:lnR w="12240">
+                      <a:solidFill>
+                        <a:srgbClr val="FFFFFF"/>
+                      </a:solidFill>
+                    </a:lnR>
+                    <a:lnT w="12240">
+                      <a:solidFill>
+                        <a:srgbClr val="FFFFFF"/>
+                      </a:solidFill>
+                    </a:lnT>
+                    <a:lnB w="12240">
+                      <a:solidFill>
+                        <a:srgbClr val="FFFFFF"/>
+                      </a:solidFill>
+                    </a:lnB>
+                    <a:solidFill>
+                      <a:srgbClr val="CCCCCC"/>
+                    </a:solidFill>
+                  </a:tcPr>
+                </a:tc>
+                <a:tc>
+                  <a:txBody>
+                    <a:bodyPr/>
+                    <a:lstStyle/>
+                    <a:p>
+                      <a:pPr>
+                        <a:lnSpc>
+                          <a:spcPct val="100000"/>
+                        </a:lnSpc>
+                      </a:pPr>
+                      <a:endParaRPr lang="en-US" sz="1000" b="0" strike="noStrike" spc="-1">
+                        <a:latin typeface="Arial"/>
+                      </a:endParaRPr>
+                    </a:p>
+                  </a:txBody>
+                  <a:tcPr>
+                    <a:lnL w="12240">
+                      <a:solidFill>
+                        <a:srgbClr val="FFFFFF"/>
+                      </a:solidFill>
+                    </a:lnL>
+                    <a:lnR w="12240">
+                      <a:solidFill>
+                        <a:srgbClr val="FFFFFF"/>
+                      </a:solidFill>
+                    </a:lnR>
+                    <a:lnT w="12240">
+                      <a:solidFill>
+                        <a:srgbClr val="FFFFFF"/>
+                      </a:solidFill>
+                    </a:lnT>
+                    <a:lnB w="12240">
+                      <a:solidFill>
+                        <a:srgbClr val="FFFFFF"/>
+                      </a:solidFill>
+                    </a:lnB>
+                    <a:solidFill>
+                      <a:srgbClr val="CCCCCC"/>
+                    </a:solidFill>
+                  </a:tcPr>
+                </a:tc>
+                <a:tc>
+                  <a:txBody>
+                    <a:bodyPr/>
+                    <a:lstStyle/>
+                    <a:p>
+                      <a:pPr>
+                        <a:lnSpc>
+                          <a:spcPct val="100000"/>
+                        </a:lnSpc>
+                      </a:pPr>
+                      <a:endParaRPr lang="en-US" sz="1000" b="0" strike="noStrike" spc="-1">
+                        <a:latin typeface="Arial"/>
+                      </a:endParaRPr>
+                    </a:p>
+                  </a:txBody>
+                  <a:tcPr>
+                    <a:lnL w="12240">
+                      <a:solidFill>
+                        <a:srgbClr val="FFFFFF"/>
+                      </a:solidFill>
+                    </a:lnL>
+                    <a:lnR w="12240">
+                      <a:solidFill>
+                        <a:srgbClr val="FFFFFF"/>
+                      </a:solidFill>
+                    </a:lnR>
+                    <a:lnT w="12240">
+                      <a:solidFill>
+                        <a:srgbClr val="FFFFFF"/>
+                      </a:solidFill>
+                    </a:lnT>
+                    <a:lnB w="12240">
+                      <a:solidFill>
+                        <a:srgbClr val="FFFFFF"/>
+                      </a:solidFill>
+                    </a:lnB>
+                    <a:solidFill>
+                      <a:srgbClr val="CCCCCC"/>
+                    </a:solidFill>
+                  </a:tcPr>
+                </a:tc>
+                <a:tc>
+                  <a:txBody>
+                    <a:bodyPr/>
+                    <a:lstStyle/>
+                    <a:p>
+                      <a:pPr>
+                        <a:lnSpc>
+                          <a:spcPct val="100000"/>
+                        </a:lnSpc>
+                      </a:pPr>
+                      <a:endParaRPr lang="en-US" sz="1000" b="0" strike="noStrike" spc="-1">
+                        <a:latin typeface="Arial"/>
+                      </a:endParaRPr>
+                    </a:p>
+                  </a:txBody>
+                  <a:tcPr>
+                    <a:lnL w="12240">
+                      <a:solidFill>
+                        <a:srgbClr val="FFFFFF"/>
+                      </a:solidFill>
+                    </a:lnL>
+                    <a:lnR w="12240">
+                      <a:solidFill>
+                        <a:srgbClr val="FFFFFF"/>
+                      </a:solidFill>
+                    </a:lnR>
+                    <a:lnT w="12240">
+                      <a:solidFill>
+                        <a:srgbClr val="FFFFFF"/>
+                      </a:solidFill>
+                    </a:lnT>
+                    <a:lnB w="12240">
+                      <a:solidFill>
+                        <a:srgbClr val="FFFFFF"/>
+                      </a:solidFill>
+                    </a:lnB>
+                    <a:solidFill>
+                      <a:srgbClr val="CCCCCC"/>
+                    </a:solidFill>
+                  </a:tcPr>
+                </a:tc>
+                <a:tc>
+                  <a:txBody>
+                    <a:bodyPr/>
+                    <a:lstStyle/>
+                    <a:p>
+                      <a:pPr>
+                        <a:lnSpc>
+                          <a:spcPct val="100000"/>
+                        </a:lnSpc>
+                      </a:pPr>
+                      <a:endParaRPr lang="en-US" sz="1000" b="0" strike="noStrike" spc="-1">
+                        <a:latin typeface="Arial"/>
+                      </a:endParaRPr>
+                    </a:p>
+                  </a:txBody>
+                  <a:tcPr>
+                    <a:lnL w="12240">
+                      <a:solidFill>
+                        <a:srgbClr val="FFFFFF"/>
+                      </a:solidFill>
+                    </a:lnL>
+                    <a:lnR w="12240">
+                      <a:solidFill>
+                        <a:srgbClr val="FFFFFF"/>
+                      </a:solidFill>
+                    </a:lnR>
+                    <a:lnT w="12240">
+                      <a:solidFill>
+                        <a:srgbClr val="FFFFFF"/>
+                      </a:solidFill>
+                    </a:lnT>
+                    <a:lnB w="12240">
+                      <a:solidFill>
+                        <a:srgbClr val="FFFFFF"/>
+                      </a:solidFill>
+                    </a:lnB>
+                    <a:solidFill>
+                      <a:srgbClr val="CCCCCC"/>
+                    </a:solidFill>
+                  </a:tcPr>
+                </a:tc>
+                <a:tc>
+                  <a:txBody>
+                    <a:bodyPr/>
+                    <a:lstStyle/>
+                    <a:p>
+                      <a:endParaRPr lang="ko-KR"/>
+                    </a:p>
+                  </a:txBody>
+                  <a:tcPr>
+                    <a:lnL w="12240">
+                      <a:solidFill>
+                        <a:srgbClr val="FFFFFF"/>
+                      </a:solidFill>
+                    </a:lnL>
+                    <a:lnR w="12240">
+                      <a:solidFill>
+                        <a:srgbClr val="FFFFFF"/>
+                      </a:solidFill>
+                    </a:lnR>
+                    <a:lnT w="12240">
+                      <a:solidFill>
+                        <a:srgbClr val="FFFFFF"/>
+                      </a:solidFill>
+                    </a:lnT>
+                    <a:lnB w="12240">
+                      <a:solidFill>
+                        <a:srgbClr val="FFFFFF"/>
+                      </a:solidFill>
+                    </a:lnB>
+                    <a:solidFill>
+                      <a:srgbClr val="CCCCCC"/>
+                    </a:solidFill>
+                  </a:tcPr>
+                </a:tc>
+                <a:extLst>
+                  <a:ext uri="{0D108BD9-81ED-4DB2-BD59-A6C34878D82A}">
+                    <a16:rowId xmlns:a16="http://schemas.microsoft.com/office/drawing/2014/main" val="10011"/>
+                  </a:ext>
+                </a:extLst>
+              </a:tr>
+              <a:tr h="1371960">
+                <a:tc>
+                  <a:txBody>
+                    <a:bodyPr/>
+                    <a:lstStyle/>
+                    <a:p>
+                      <a:endParaRPr lang="ko-KR"/>
+                    </a:p>
+                  </a:txBody>
+                  <a:tcPr>
+                    <a:lnL w="12240">
+                      <a:solidFill>
+                        <a:srgbClr val="FFFFFF"/>
+                      </a:solidFill>
+                    </a:lnL>
+                    <a:lnR w="12240">
+                      <a:solidFill>
+                        <a:srgbClr val="FFFFFF"/>
+                      </a:solidFill>
+                    </a:lnR>
+                    <a:lnT w="12240">
+                      <a:solidFill>
+                        <a:srgbClr val="FFFFFF"/>
+                      </a:solidFill>
+                    </a:lnT>
+                    <a:lnB w="12240">
+                      <a:solidFill>
+                        <a:srgbClr val="FFFFFF"/>
+                      </a:solidFill>
+                    </a:lnB>
+                    <a:solidFill>
+                      <a:srgbClr val="E7E7E7"/>
+                    </a:solidFill>
+                  </a:tcPr>
+                </a:tc>
+                <a:tc>
+                  <a:txBody>
+                    <a:bodyPr/>
+                    <a:lstStyle/>
+                    <a:p>
+                      <a:endParaRPr lang="ko-KR"/>
+                    </a:p>
+                  </a:txBody>
+                  <a:tcPr>
+                    <a:lnL w="12240">
+                      <a:solidFill>
+                        <a:srgbClr val="FFFFFF"/>
+                      </a:solidFill>
+                    </a:lnL>
+                    <a:lnR w="12240">
+                      <a:solidFill>
+                        <a:srgbClr val="FFFFFF"/>
+                      </a:solidFill>
+                    </a:lnR>
+                    <a:lnT w="12240">
+                      <a:solidFill>
+                        <a:srgbClr val="FFFFFF"/>
+                      </a:solidFill>
+                    </a:lnT>
+                    <a:lnB w="12240">
+                      <a:solidFill>
+                        <a:srgbClr val="FFFFFF"/>
+                      </a:solidFill>
+                    </a:lnB>
+                    <a:solidFill>
+                      <a:srgbClr val="E7E7E7"/>
+                    </a:solidFill>
+                  </a:tcPr>
+                </a:tc>
+                <a:tc>
+                  <a:txBody>
+                    <a:bodyPr/>
+                    <a:lstStyle/>
+                    <a:p>
+                      <a:pPr>
+                        <a:lnSpc>
+                          <a:spcPct val="100000"/>
+                        </a:lnSpc>
+                      </a:pPr>
+                      <a:endParaRPr lang="en-US" sz="1000" b="0" strike="noStrike" spc="-1">
+                        <a:latin typeface="Arial"/>
+                      </a:endParaRPr>
+                    </a:p>
+                  </a:txBody>
+                  <a:tcPr>
+                    <a:lnL w="12240">
+                      <a:solidFill>
+                        <a:srgbClr val="FFFFFF"/>
+                      </a:solidFill>
+                    </a:lnL>
+                    <a:lnR w="12240">
+                      <a:solidFill>
+                        <a:srgbClr val="FFFFFF"/>
+                      </a:solidFill>
+                    </a:lnR>
+                    <a:lnT w="12240">
+                      <a:solidFill>
+                        <a:srgbClr val="FFFFFF"/>
+                      </a:solidFill>
+                    </a:lnT>
+                    <a:lnB w="12240">
+                      <a:solidFill>
+                        <a:srgbClr val="FFFFFF"/>
+                      </a:solidFill>
+                    </a:lnB>
+                    <a:solidFill>
+                      <a:srgbClr val="E7E7E7"/>
+                    </a:solidFill>
+                  </a:tcPr>
+                </a:tc>
+                <a:tc>
+                  <a:txBody>
+                    <a:bodyPr/>
+                    <a:lstStyle/>
+                    <a:p>
+                      <a:pPr>
+                        <a:lnSpc>
+                          <a:spcPct val="100000"/>
+                        </a:lnSpc>
+                      </a:pPr>
+                      <a:endParaRPr lang="en-US" sz="1000" b="0" strike="noStrike" spc="-1">
+                        <a:latin typeface="Arial"/>
+                      </a:endParaRPr>
+                    </a:p>
+                  </a:txBody>
+                  <a:tcPr>
+                    <a:lnL w="12240">
+                      <a:solidFill>
+                        <a:srgbClr val="FFFFFF"/>
+                      </a:solidFill>
+                    </a:lnL>
+                    <a:lnR w="12240">
+                      <a:solidFill>
+                        <a:srgbClr val="FFFFFF"/>
+                      </a:solidFill>
+                    </a:lnR>
+                    <a:lnT w="12240">
+                      <a:solidFill>
+                        <a:srgbClr val="FFFFFF"/>
+                      </a:solidFill>
+                    </a:lnT>
+                    <a:lnB w="12240">
+                      <a:solidFill>
+                        <a:srgbClr val="FFFFFF"/>
+                      </a:solidFill>
+                    </a:lnB>
+                    <a:solidFill>
+                      <a:srgbClr val="E7E7E7"/>
+                    </a:solidFill>
+                  </a:tcPr>
+                </a:tc>
+                <a:tc>
+                  <a:txBody>
+                    <a:bodyPr/>
+                    <a:lstStyle/>
+                    <a:p>
+                      <a:endParaRPr lang="ko-KR"/>
+                    </a:p>
+                  </a:txBody>
+                  <a:tcPr>
+                    <a:lnL w="12240">
+                      <a:solidFill>
+                        <a:srgbClr val="FFFFFF"/>
+                      </a:solidFill>
+                    </a:lnL>
+                    <a:lnR w="12240">
+                      <a:solidFill>
+                        <a:srgbClr val="FFFFFF"/>
+                      </a:solidFill>
+                    </a:lnR>
+                    <a:lnT w="12240">
+                      <a:solidFill>
+                        <a:srgbClr val="FFFFFF"/>
+                      </a:solidFill>
+                    </a:lnT>
+                    <a:lnB w="12240">
+                      <a:solidFill>
+                        <a:srgbClr val="FFFFFF"/>
+                      </a:solidFill>
+                    </a:lnB>
+                    <a:solidFill>
+                      <a:srgbClr val="E7E7E7"/>
+                    </a:solidFill>
+                  </a:tcPr>
+                </a:tc>
+                <a:tc>
+                  <a:txBody>
+                    <a:bodyPr/>
+                    <a:lstStyle/>
+                    <a:p>
+                      <a:pPr>
+                        <a:lnSpc>
+                          <a:spcPct val="100000"/>
+                        </a:lnSpc>
+                      </a:pPr>
+                      <a:endParaRPr lang="en-US" sz="1000" b="0" strike="noStrike" spc="-1" dirty="0">
+                        <a:latin typeface="Arial"/>
+                      </a:endParaRPr>
+                    </a:p>
+                  </a:txBody>
+                  <a:tcPr>
+                    <a:lnL w="12240">
+                      <a:solidFill>
+                        <a:srgbClr val="FFFFFF"/>
+                      </a:solidFill>
+                    </a:lnL>
+                    <a:lnR w="12240">
+                      <a:solidFill>
+                        <a:srgbClr val="FFFFFF"/>
+                      </a:solidFill>
+                    </a:lnR>
+                    <a:lnT w="12240">
+                      <a:solidFill>
+                        <a:srgbClr val="FFFFFF"/>
+                      </a:solidFill>
+                    </a:lnT>
+                    <a:lnB w="12240">
+                      <a:solidFill>
+                        <a:srgbClr val="FFFFFF"/>
+                      </a:solidFill>
+                    </a:lnB>
+                    <a:solidFill>
+                      <a:srgbClr val="E7E7E7"/>
+                    </a:solidFill>
+                  </a:tcPr>
+                </a:tc>
+                <a:extLst>
+                  <a:ext uri="{0D108BD9-81ED-4DB2-BD59-A6C34878D82A}">
+                    <a16:rowId xmlns:a16="http://schemas.microsoft.com/office/drawing/2014/main" val="10012"/>
+                  </a:ext>
+                </a:extLst>
+              </a:tr>
+              <a:tr h="640440">
+                <a:tc>
+                  <a:txBody>
+                    <a:bodyPr/>
+                    <a:lstStyle/>
+                    <a:p>
+                      <a:pPr>
+                        <a:lnSpc>
+                          <a:spcPct val="100000"/>
+                        </a:lnSpc>
+                      </a:pPr>
+                      <a:endParaRPr lang="en-US" sz="1000" b="0" strike="noStrike" spc="-1">
+                        <a:latin typeface="Arial"/>
+                      </a:endParaRPr>
+                    </a:p>
+                  </a:txBody>
+                  <a:tcPr>
+                    <a:lnL w="12240">
+                      <a:solidFill>
+                        <a:srgbClr val="FFFFFF"/>
+                      </a:solidFill>
+                    </a:lnL>
+                    <a:lnR w="12240">
+                      <a:solidFill>
+                        <a:srgbClr val="FFFFFF"/>
+                      </a:solidFill>
+                    </a:lnR>
+                    <a:lnT w="12240">
+                      <a:solidFill>
+                        <a:srgbClr val="FFFFFF"/>
+                      </a:solidFill>
+                    </a:lnT>
+                    <a:lnB w="12240">
+                      <a:solidFill>
+                        <a:srgbClr val="FFFFFF"/>
+                      </a:solidFill>
+                    </a:lnB>
+                    <a:solidFill>
+                      <a:srgbClr val="CCCCCC"/>
+                    </a:solidFill>
+                  </a:tcPr>
+                </a:tc>
+                <a:tc>
+                  <a:txBody>
+                    <a:bodyPr/>
+                    <a:lstStyle/>
+                    <a:p>
+                      <a:pPr>
+                        <a:lnSpc>
+                          <a:spcPct val="100000"/>
+                        </a:lnSpc>
+                      </a:pPr>
+                      <a:endParaRPr lang="en-US" sz="1000" b="0" strike="noStrike" spc="-1">
+                        <a:latin typeface="Arial"/>
+                      </a:endParaRPr>
+                    </a:p>
+                  </a:txBody>
+                  <a:tcPr>
+                    <a:lnL w="12240">
+                      <a:solidFill>
+                        <a:srgbClr val="FFFFFF"/>
+                      </a:solidFill>
+                    </a:lnL>
+                    <a:lnR w="12240">
+                      <a:solidFill>
+                        <a:srgbClr val="FFFFFF"/>
+                      </a:solidFill>
+                    </a:lnR>
+                    <a:lnT w="12240">
+                      <a:solidFill>
+                        <a:srgbClr val="FFFFFF"/>
+                      </a:solidFill>
+                    </a:lnT>
+                    <a:lnB w="12240">
+                      <a:solidFill>
+                        <a:srgbClr val="FFFFFF"/>
+                      </a:solidFill>
+                    </a:lnB>
+                    <a:solidFill>
+                      <a:srgbClr val="CCCCCC"/>
+                    </a:solidFill>
+                  </a:tcPr>
+                </a:tc>
+                <a:tc>
+                  <a:txBody>
+                    <a:bodyPr/>
+                    <a:lstStyle/>
+                    <a:p>
+                      <a:pPr>
+                        <a:lnSpc>
+                          <a:spcPct val="100000"/>
+                        </a:lnSpc>
+                      </a:pPr>
+                      <a:endParaRPr lang="en-US" sz="1000" b="0" strike="noStrike" spc="-1">
+                        <a:latin typeface="Arial"/>
+                      </a:endParaRPr>
+                    </a:p>
+                  </a:txBody>
+                  <a:tcPr>
+                    <a:lnL w="12240">
+                      <a:solidFill>
+                        <a:srgbClr val="FFFFFF"/>
+                      </a:solidFill>
+                    </a:lnL>
+                    <a:lnR w="12240">
+                      <a:solidFill>
+                        <a:srgbClr val="FFFFFF"/>
+                      </a:solidFill>
+                    </a:lnR>
+                    <a:lnT w="12240">
+                      <a:solidFill>
+                        <a:srgbClr val="FFFFFF"/>
+                      </a:solidFill>
+                    </a:lnT>
+                    <a:lnB w="12240">
+                      <a:solidFill>
+                        <a:srgbClr val="FFFFFF"/>
+                      </a:solidFill>
+                    </a:lnB>
+                    <a:solidFill>
+                      <a:srgbClr val="CCCCCC"/>
+                    </a:solidFill>
+                  </a:tcPr>
+                </a:tc>
+                <a:tc>
+                  <a:txBody>
+                    <a:bodyPr/>
+                    <a:lstStyle/>
+                    <a:p>
+                      <a:pPr>
+                        <a:lnSpc>
+                          <a:spcPct val="100000"/>
+                        </a:lnSpc>
+                      </a:pPr>
+                      <a:endParaRPr lang="en-US" sz="1000" b="0" strike="noStrike" spc="-1">
+                        <a:latin typeface="Arial"/>
+                      </a:endParaRPr>
+                    </a:p>
+                  </a:txBody>
+                  <a:tcPr>
+                    <a:lnL w="12240">
+                      <a:solidFill>
+                        <a:srgbClr val="FFFFFF"/>
+                      </a:solidFill>
+                    </a:lnL>
+                    <a:lnR w="12240">
+                      <a:solidFill>
+                        <a:srgbClr val="FFFFFF"/>
+                      </a:solidFill>
+                    </a:lnR>
+                    <a:lnT w="12240">
+                      <a:solidFill>
+                        <a:srgbClr val="FFFFFF"/>
+                      </a:solidFill>
+                    </a:lnT>
+                    <a:lnB w="12240">
+                      <a:solidFill>
+                        <a:srgbClr val="FFFFFF"/>
+                      </a:solidFill>
+                    </a:lnB>
+                    <a:solidFill>
+                      <a:srgbClr val="CCCCCC"/>
+                    </a:solidFill>
+                  </a:tcPr>
+                </a:tc>
+                <a:tc>
+                  <a:txBody>
+                    <a:bodyPr/>
+                    <a:lstStyle/>
+                    <a:p>
+                      <a:pPr>
+                        <a:lnSpc>
+                          <a:spcPct val="100000"/>
+                        </a:lnSpc>
+                      </a:pPr>
+                      <a:endParaRPr lang="en-US" sz="1000" b="0" strike="noStrike" spc="-1">
+                        <a:latin typeface="Arial"/>
+                      </a:endParaRPr>
+                    </a:p>
+                  </a:txBody>
+                  <a:tcPr>
+                    <a:lnL w="12240">
+                      <a:solidFill>
+                        <a:srgbClr val="FFFFFF"/>
+                      </a:solidFill>
+                    </a:lnL>
+                    <a:lnR w="12240">
+                      <a:solidFill>
+                        <a:srgbClr val="FFFFFF"/>
+                      </a:solidFill>
+                    </a:lnR>
+                    <a:lnT w="12240">
+                      <a:solidFill>
+                        <a:srgbClr val="FFFFFF"/>
+                      </a:solidFill>
+                    </a:lnT>
+                    <a:lnB w="12240">
+                      <a:solidFill>
+                        <a:srgbClr val="FFFFFF"/>
+                      </a:solidFill>
+                    </a:lnB>
+                    <a:solidFill>
+                      <a:srgbClr val="CCCCCC"/>
+                    </a:solidFill>
+                  </a:tcPr>
+                </a:tc>
+                <a:tc>
+                  <a:txBody>
+                    <a:bodyPr/>
+                    <a:lstStyle/>
+                    <a:p>
+                      <a:endParaRPr lang="ko-KR"/>
+                    </a:p>
+                  </a:txBody>
+                  <a:tcPr>
+                    <a:lnL w="12240">
+                      <a:solidFill>
+                        <a:srgbClr val="FFFFFF"/>
+                      </a:solidFill>
+                    </a:lnL>
+                    <a:lnR w="12240">
+                      <a:solidFill>
+                        <a:srgbClr val="FFFFFF"/>
+                      </a:solidFill>
+                    </a:lnR>
+                    <a:lnT w="12240">
+                      <a:solidFill>
+                        <a:srgbClr val="FFFFFF"/>
+                      </a:solidFill>
+                    </a:lnT>
+                    <a:lnB w="12240">
+                      <a:solidFill>
+                        <a:srgbClr val="FFFFFF"/>
+                      </a:solidFill>
+                    </a:lnB>
+                    <a:solidFill>
+                      <a:srgbClr val="CCCCCC"/>
+                    </a:solidFill>
+                  </a:tcPr>
+                </a:tc>
+                <a:extLst>
+                  <a:ext uri="{0D108BD9-81ED-4DB2-BD59-A6C34878D82A}">
+                    <a16:rowId xmlns:a16="http://schemas.microsoft.com/office/drawing/2014/main" val="10013"/>
+                  </a:ext>
+                </a:extLst>
+              </a:tr>
+              <a:tr h="823320">
+                <a:tc>
+                  <a:txBody>
+                    <a:bodyPr/>
+                    <a:lstStyle/>
+                    <a:p>
+                      <a:endParaRPr lang="ko-KR" dirty="0"/>
+                    </a:p>
+                  </a:txBody>
+                  <a:tcPr>
+                    <a:lnL w="12240">
+                      <a:solidFill>
+                        <a:srgbClr val="FFFFFF"/>
+                      </a:solidFill>
+                    </a:lnL>
+                    <a:lnR w="12240">
+                      <a:solidFill>
+                        <a:srgbClr val="FFFFFF"/>
+                      </a:solidFill>
+                    </a:lnR>
+                    <a:lnT w="12240">
+                      <a:solidFill>
+                        <a:srgbClr val="FFFFFF"/>
+                      </a:solidFill>
+                    </a:lnT>
+                    <a:lnB w="12240">
+                      <a:solidFill>
+                        <a:srgbClr val="FFFFFF"/>
+                      </a:solidFill>
+                    </a:lnB>
+                    <a:solidFill>
+                      <a:srgbClr val="E7E7E7"/>
+                    </a:solidFill>
+                  </a:tcPr>
+                </a:tc>
+                <a:tc>
+                  <a:txBody>
+                    <a:bodyPr/>
+                    <a:lstStyle/>
+                    <a:p>
+                      <a:endParaRPr lang="ko-KR" dirty="0"/>
+                    </a:p>
+                  </a:txBody>
+                  <a:tcPr>
+                    <a:lnL w="12240">
+                      <a:solidFill>
+                        <a:srgbClr val="FFFFFF"/>
+                      </a:solidFill>
+                    </a:lnL>
+                    <a:lnR w="12240">
+                      <a:solidFill>
+                        <a:srgbClr val="FFFFFF"/>
+                      </a:solidFill>
+                    </a:lnR>
+                    <a:lnT w="12240">
+                      <a:solidFill>
+                        <a:srgbClr val="FFFFFF"/>
+                      </a:solidFill>
+                    </a:lnT>
+                    <a:lnB w="12240">
+                      <a:solidFill>
+                        <a:srgbClr val="FFFFFF"/>
+                      </a:solidFill>
+                    </a:lnB>
+                    <a:solidFill>
+                      <a:srgbClr val="E7E7E7"/>
+                    </a:solidFill>
+                  </a:tcPr>
+                </a:tc>
+                <a:tc>
+                  <a:txBody>
+                    <a:bodyPr/>
+                    <a:lstStyle/>
+                    <a:p>
+                      <a:pPr>
+                        <a:lnSpc>
+                          <a:spcPct val="100000"/>
+                        </a:lnSpc>
+                      </a:pPr>
+                      <a:endParaRPr lang="en-US" sz="1000" b="0" strike="noStrike" spc="-1" dirty="0">
+                        <a:latin typeface="Arial"/>
+                      </a:endParaRPr>
+                    </a:p>
+                  </a:txBody>
+                  <a:tcPr>
+                    <a:lnL w="12240">
+                      <a:solidFill>
+                        <a:srgbClr val="FFFFFF"/>
+                      </a:solidFill>
+                    </a:lnL>
+                    <a:lnR w="12240">
+                      <a:solidFill>
+                        <a:srgbClr val="FFFFFF"/>
+                      </a:solidFill>
+                    </a:lnR>
+                    <a:lnT w="12240">
+                      <a:solidFill>
+                        <a:srgbClr val="FFFFFF"/>
+                      </a:solidFill>
+                    </a:lnT>
+                    <a:lnB w="12240">
+                      <a:solidFill>
+                        <a:srgbClr val="FFFFFF"/>
+                      </a:solidFill>
+                    </a:lnB>
+                    <a:solidFill>
+                      <a:srgbClr val="E7E7E7"/>
+                    </a:solidFill>
+                  </a:tcPr>
+                </a:tc>
+                <a:tc>
+                  <a:txBody>
+                    <a:bodyPr/>
+                    <a:lstStyle/>
+                    <a:p>
+                      <a:pPr>
+                        <a:lnSpc>
+                          <a:spcPct val="100000"/>
+                        </a:lnSpc>
+                      </a:pPr>
+                      <a:endParaRPr lang="en-US" sz="1000" b="0" strike="noStrike" spc="-1" dirty="0">
+                        <a:latin typeface="Arial"/>
+                      </a:endParaRPr>
+                    </a:p>
+                  </a:txBody>
+                  <a:tcPr>
+                    <a:lnL w="12240">
+                      <a:solidFill>
+                        <a:srgbClr val="FFFFFF"/>
+                      </a:solidFill>
+                    </a:lnL>
+                    <a:lnR w="12240">
+                      <a:solidFill>
+                        <a:srgbClr val="FFFFFF"/>
+                      </a:solidFill>
+                    </a:lnR>
+                    <a:lnT w="12240">
+                      <a:solidFill>
+                        <a:srgbClr val="FFFFFF"/>
+                      </a:solidFill>
+                    </a:lnT>
+                    <a:lnB w="12240">
+                      <a:solidFill>
+                        <a:srgbClr val="FFFFFF"/>
+                      </a:solidFill>
+                    </a:lnB>
+                    <a:solidFill>
+                      <a:srgbClr val="E7E7E7"/>
+                    </a:solidFill>
+                  </a:tcPr>
+                </a:tc>
+                <a:tc>
+                  <a:txBody>
+                    <a:bodyPr/>
+                    <a:lstStyle/>
+                    <a:p>
+                      <a:endParaRPr lang="ko-KR" dirty="0"/>
+                    </a:p>
+                  </a:txBody>
+                  <a:tcPr>
+                    <a:lnL w="12240">
+                      <a:solidFill>
+                        <a:srgbClr val="FFFFFF"/>
+                      </a:solidFill>
+                    </a:lnL>
+                    <a:lnR w="12240">
+                      <a:solidFill>
+                        <a:srgbClr val="FFFFFF"/>
+                      </a:solidFill>
+                    </a:lnR>
+                    <a:lnT w="12240">
+                      <a:solidFill>
+                        <a:srgbClr val="FFFFFF"/>
+                      </a:solidFill>
+                    </a:lnT>
+                    <a:lnB w="12240">
+                      <a:solidFill>
+                        <a:srgbClr val="FFFFFF"/>
+                      </a:solidFill>
+                    </a:lnB>
+                    <a:solidFill>
+                      <a:srgbClr val="E7E7E7"/>
+                    </a:solidFill>
+                  </a:tcPr>
+                </a:tc>
+                <a:tc>
+                  <a:txBody>
+                    <a:bodyPr/>
+                    <a:lstStyle/>
+                    <a:p>
+                      <a:pPr>
+                        <a:lnSpc>
+                          <a:spcPct val="100000"/>
+                        </a:lnSpc>
+                      </a:pPr>
+                      <a:endParaRPr lang="en-US" sz="1000" b="0" strike="noStrike" spc="-1" dirty="0">
+                        <a:latin typeface="Arial"/>
+                      </a:endParaRPr>
+                    </a:p>
+                  </a:txBody>
+                  <a:tcPr>
+                    <a:lnL w="12240">
+                      <a:solidFill>
+                        <a:srgbClr val="FFFFFF"/>
+                      </a:solidFill>
+                    </a:lnL>
+                    <a:lnR w="12240">
+                      <a:solidFill>
+                        <a:srgbClr val="FFFFFF"/>
+                      </a:solidFill>
+                    </a:lnR>
+                    <a:lnT w="12240">
+                      <a:solidFill>
+                        <a:srgbClr val="FFFFFF"/>
+                      </a:solidFill>
+                    </a:lnT>
+                    <a:lnB w="12240">
+                      <a:solidFill>
+                        <a:srgbClr val="FFFFFF"/>
+                      </a:solidFill>
+                    </a:lnB>
+                    <a:solidFill>
+                      <a:srgbClr val="E7E7E7"/>
+                    </a:solidFill>
+                  </a:tcPr>
+                </a:tc>
+                <a:extLst>
+                  <a:ext uri="{0D108BD9-81ED-4DB2-BD59-A6C34878D82A}">
+                    <a16:rowId xmlns:a16="http://schemas.microsoft.com/office/drawing/2014/main" val="10014"/>
+                  </a:ext>
+                </a:extLst>
+              </a:tr>
+            </a:tbl>
+          </a:graphicData>
+        </a:graphic>
+      </p:graphicFrame>
+      <p:sp>
+        <p:nvSpPr>
+          <p:cNvPr id="2" name="CustomShape 10">
+            <a:extLst>
+              <a:ext uri="{FF2B5EF4-FFF2-40B4-BE49-F238E27FC236}">
+                <a16:creationId xmlns:a16="http://schemas.microsoft.com/office/drawing/2014/main" id="{6483FE59-CB54-4073-9D9A-0D33BDC4B944}"/>
+              </a:ext>
+            </a:extLst>
+          </p:cNvPr>
+          <p:cNvSpPr/>
+          <p:nvPr/>
+        </p:nvSpPr>
+        <p:spPr>
+          <a:xfrm>
+            <a:off x="406800" y="199440"/>
+            <a:ext cx="7403400" cy="364320"/>
+          </a:xfrm>
+          <a:prstGeom prst="rect">
+            <a:avLst/>
+          </a:prstGeom>
+          <a:noFill/>
+          <a:ln>
+            <a:noFill/>
+          </a:ln>
+        </p:spPr>
+        <p:style>
+          <a:lnRef idx="0">
+            <a:scrgbClr r="0" g="0" b="0"/>
+          </a:lnRef>
+          <a:fillRef idx="0">
+            <a:scrgbClr r="0" g="0" b="0"/>
+          </a:fillRef>
+          <a:effectRef idx="0">
+            <a:scrgbClr r="0" g="0" b="0"/>
+          </a:effectRef>
+          <a:fontRef idx="minor"/>
+        </p:style>
+        <p:txBody>
+          <a:bodyPr wrap="none" lIns="90000" tIns="45000" rIns="90000" bIns="45000"/>
+          <a:lstStyle/>
+          <a:p>
+            <a:pPr>
+              <a:lnSpc>
+                <a:spcPct val="100000"/>
+              </a:lnSpc>
+            </a:pPr>
+            <a:r>
+              <a:rPr lang="en-US" b="1" spc="-1" dirty="0">
+                <a:solidFill>
+                  <a:srgbClr val="000000"/>
+                </a:solidFill>
+                <a:latin typeface="맑은 고딕"/>
+                <a:ea typeface="DejaVu Sans"/>
+              </a:rPr>
+              <a:t>7. API</a:t>
+            </a:r>
+            <a:endParaRPr lang="en-US" sz="1800" b="0" strike="noStrike" spc="-1" dirty="0">
+              <a:latin typeface="Arial"/>
+            </a:endParaRPr>
+          </a:p>
+        </p:txBody>
+      </p:sp>
+    </p:spTree>
+    <p:extLst>
+      <p:ext uri="{BB962C8B-B14F-4D97-AF65-F5344CB8AC3E}">
+        <p14:creationId xmlns:p14="http://schemas.microsoft.com/office/powerpoint/2010/main" val="993974368"/>
+      </p:ext>
+    </p:extLst>
+  </p:cSld>
+  <p:clrMapOvr>
+    <a:masterClrMapping/>
+  </p:clrMapOvr>
+  <p:timing>
+    <p:tnLst>
+      <p:par>
+        <p:cTn id="1" dur="indefinite" restart="never" nodeType="tmRoot">
+          <p:childTnLst>
+            <p:seq>
+              <p:cTn id="2" dur="indefinite" nodeType="mainSeq"/>
+              <p:prevCondLst>
+                <p:cond evt="onPrev" delay="0">
+                  <p:tgtEl>
+                    <p:sldTgt/>
+                  </p:tgtEl>
+                </p:cond>
+              </p:prevCondLst>
+              <p:nextCondLst>
+                <p:cond evt="onNext" delay="0">
+                  <p:tgtEl>
+                    <p:sldTgt/>
+                  </p:tgtEl>
+                </p:cond>
+              </p:nextCondLst>
+            </p:seq>
+          </p:childTnLst>
+        </p:cTn>
+      </p:par>
+    </p:tnLst>
+  </p:timing>
+</p:sld>
+</file>
+
+<file path=ppt/slides/slide17.xml><?xml version="1.0" encoding="utf-8"?>
 <p:sld xmlns:a="http://schemas.openxmlformats.org/drawingml/2006/main" xmlns:r="http://schemas.openxmlformats.org/officeDocument/2006/relationships" xmlns:p="http://schemas.openxmlformats.org/presentationml/2006/main">
   <p:cSld>
     <p:spTree>
@@ -21110,7 +23443,7 @@
         </p:nvSpPr>
         <p:spPr>
           <a:xfrm>
-            <a:off x="510071" y="834340"/>
+            <a:off x="1107227" y="834340"/>
             <a:ext cx="1262743" cy="646331"/>
           </a:xfrm>
           <a:prstGeom prst="rect">
@@ -21148,7 +23481,7 @@
         </p:nvSpPr>
         <p:spPr>
           <a:xfrm>
-            <a:off x="510072" y="3874172"/>
+            <a:off x="1107228" y="3874172"/>
             <a:ext cx="1262743" cy="646331"/>
           </a:xfrm>
           <a:prstGeom prst="rect">
@@ -21186,7 +23519,7 @@
         </p:nvSpPr>
         <p:spPr>
           <a:xfrm>
-            <a:off x="6335484" y="3874172"/>
+            <a:off x="6932640" y="3874172"/>
             <a:ext cx="1262743" cy="646331"/>
           </a:xfrm>
           <a:prstGeom prst="rect">
@@ -21224,7 +23557,7 @@
         </p:nvSpPr>
         <p:spPr>
           <a:xfrm>
-            <a:off x="6335484" y="834340"/>
+            <a:off x="6932640" y="834340"/>
             <a:ext cx="1502231" cy="646331"/>
           </a:xfrm>
           <a:prstGeom prst="rect">
@@ -21360,7 +23693,7 @@
         </p:blipFill>
         <p:spPr bwMode="auto">
           <a:xfrm>
-            <a:off x="6328394" y="4520503"/>
+            <a:off x="6925550" y="4520503"/>
             <a:ext cx="2259377" cy="943476"/>
           </a:xfrm>
           <a:prstGeom prst="rect">
@@ -21407,7 +23740,7 @@
         </p:blipFill>
         <p:spPr bwMode="auto">
           <a:xfrm>
-            <a:off x="510071" y="4334290"/>
+            <a:off x="1107227" y="4334290"/>
             <a:ext cx="2259377" cy="1129689"/>
           </a:xfrm>
           <a:prstGeom prst="rect">
@@ -21454,8 +23787,102 @@
         </p:blipFill>
         <p:spPr bwMode="auto">
           <a:xfrm>
-            <a:off x="626698" y="1332783"/>
-            <a:ext cx="2142750" cy="1310588"/>
+            <a:off x="1223854" y="1332783"/>
+            <a:ext cx="2035637" cy="1245074"/>
+          </a:xfrm>
+          <a:prstGeom prst="rect">
+            <a:avLst/>
+          </a:prstGeom>
+          <a:noFill/>
+          <a:extLst>
+            <a:ext uri="{909E8E84-426E-40DD-AFC4-6F175D3DCCD1}">
+              <a14:hiddenFill xmlns:a14="http://schemas.microsoft.com/office/drawing/2010/main">
+                <a:solidFill>
+                  <a:srgbClr val="FFFFFF"/>
+                </a:solidFill>
+              </a14:hiddenFill>
+            </a:ext>
+          </a:extLst>
+        </p:spPr>
+      </p:pic>
+      <p:pic>
+        <p:nvPicPr>
+          <p:cNvPr id="4" name="Picture 2" descr="Ethernaut">
+            <a:extLst>
+              <a:ext uri="{FF2B5EF4-FFF2-40B4-BE49-F238E27FC236}">
+                <a16:creationId xmlns:a16="http://schemas.microsoft.com/office/drawing/2014/main" id="{EF992893-F8E2-4140-B3ED-07E2FA9A77B5}"/>
+              </a:ext>
+            </a:extLst>
+          </p:cNvPr>
+          <p:cNvPicPr>
+            <a:picLocks noChangeAspect="1" noChangeArrowheads="1"/>
+          </p:cNvPicPr>
+          <p:nvPr/>
+        </p:nvPicPr>
+        <p:blipFill>
+          <a:blip r:embed="rId5">
+            <a:extLst>
+              <a:ext uri="{28A0092B-C50C-407E-A947-70E740481C1C}">
+                <a14:useLocalDpi xmlns:a14="http://schemas.microsoft.com/office/drawing/2010/main" val="0"/>
+              </a:ext>
+            </a:extLst>
+          </a:blip>
+          <a:srcRect/>
+          <a:stretch>
+            <a:fillRect/>
+          </a:stretch>
+        </p:blipFill>
+        <p:spPr bwMode="auto">
+          <a:xfrm>
+            <a:off x="6875787" y="1305190"/>
+            <a:ext cx="2233127" cy="350962"/>
+          </a:xfrm>
+          <a:prstGeom prst="rect">
+            <a:avLst/>
+          </a:prstGeom>
+          <a:noFill/>
+          <a:extLst>
+            <a:ext uri="{909E8E84-426E-40DD-AFC4-6F175D3DCCD1}">
+              <a14:hiddenFill xmlns:a14="http://schemas.microsoft.com/office/drawing/2010/main">
+                <a:solidFill>
+                  <a:srgbClr val="FFFFFF"/>
+                </a:solidFill>
+              </a14:hiddenFill>
+            </a:ext>
+          </a:extLst>
+        </p:spPr>
+      </p:pic>
+      <p:pic>
+        <p:nvPicPr>
+          <p:cNvPr id="5" name="Picture 4" descr="Remix IDE v0.7.5 Released. This release is deployed to… | by lianahus |  Remix IDE | Medium">
+            <a:extLst>
+              <a:ext uri="{FF2B5EF4-FFF2-40B4-BE49-F238E27FC236}">
+                <a16:creationId xmlns:a16="http://schemas.microsoft.com/office/drawing/2014/main" id="{DE1FFACE-1248-4EAD-8219-5C0E7692EBF0}"/>
+              </a:ext>
+            </a:extLst>
+          </p:cNvPr>
+          <p:cNvPicPr>
+            <a:picLocks noChangeAspect="1" noChangeArrowheads="1"/>
+          </p:cNvPicPr>
+          <p:nvPr/>
+        </p:nvPicPr>
+        <p:blipFill>
+          <a:blip r:embed="rId6">
+            <a:extLst>
+              <a:ext uri="{28A0092B-C50C-407E-A947-70E740481C1C}">
+                <a14:useLocalDpi xmlns:a14="http://schemas.microsoft.com/office/drawing/2010/main" val="0"/>
+              </a:ext>
+            </a:extLst>
+          </a:blip>
+          <a:srcRect/>
+          <a:stretch>
+            <a:fillRect/>
+          </a:stretch>
+        </p:blipFill>
+        <p:spPr bwMode="auto">
+          <a:xfrm>
+            <a:off x="7317342" y="1905475"/>
+            <a:ext cx="1475792" cy="1475792"/>
           </a:xfrm>
           <a:prstGeom prst="rect">
             <a:avLst/>
@@ -22183,8 +24610,8 @@
         </p:nvSpPr>
         <p:spPr>
           <a:xfrm>
-            <a:off x="1805389" y="890239"/>
-            <a:ext cx="1262743" cy="646331"/>
+            <a:off x="2219352" y="951723"/>
+            <a:ext cx="1161746" cy="646331"/>
           </a:xfrm>
           <a:prstGeom prst="rect">
             <a:avLst/>
@@ -22221,7 +24648,7 @@
         </p:nvSpPr>
         <p:spPr>
           <a:xfrm>
-            <a:off x="8602332" y="890239"/>
+            <a:off x="8709905" y="951723"/>
             <a:ext cx="1262743" cy="646331"/>
           </a:xfrm>
           <a:prstGeom prst="rect">
@@ -22325,6 +24752,619 @@
               <a:latin typeface="+mj-ea"/>
               <a:ea typeface="+mj-ea"/>
             </a:endParaRPr>
+          </a:p>
+        </p:txBody>
+      </p:sp>
+      <p:sp>
+        <p:nvSpPr>
+          <p:cNvPr id="4" name="CustomShape 4">
+            <a:extLst>
+              <a:ext uri="{FF2B5EF4-FFF2-40B4-BE49-F238E27FC236}">
+                <a16:creationId xmlns:a16="http://schemas.microsoft.com/office/drawing/2014/main" id="{E7243D22-EB25-4538-AD14-995E325F2BE8}"/>
+              </a:ext>
+            </a:extLst>
+          </p:cNvPr>
+          <p:cNvSpPr/>
+          <p:nvPr/>
+        </p:nvSpPr>
+        <p:spPr>
+          <a:xfrm>
+            <a:off x="1235198" y="3076619"/>
+            <a:ext cx="3130051" cy="985899"/>
+          </a:xfrm>
+          <a:prstGeom prst="rect">
+            <a:avLst/>
+          </a:prstGeom>
+          <a:ln>
+            <a:round/>
+          </a:ln>
+        </p:spPr>
+        <p:style>
+          <a:lnRef idx="2">
+            <a:schemeClr val="accent1">
+              <a:shade val="50000"/>
+            </a:schemeClr>
+          </a:lnRef>
+          <a:fillRef idx="1">
+            <a:schemeClr val="accent1"/>
+          </a:fillRef>
+          <a:effectRef idx="0">
+            <a:schemeClr val="accent1"/>
+          </a:effectRef>
+          <a:fontRef idx="minor"/>
+        </p:style>
+        <p:txBody>
+          <a:bodyPr lIns="90000" tIns="45000" rIns="90000" bIns="45000" anchor="ctr"/>
+          <a:lstStyle/>
+          <a:p>
+            <a:pPr algn="ctr">
+              <a:lnSpc>
+                <a:spcPct val="100000"/>
+              </a:lnSpc>
+            </a:pPr>
+            <a:r>
+              <a:rPr lang="en-US" sz="1400" b="0" strike="noStrike" spc="-1" dirty="0">
+                <a:solidFill>
+                  <a:schemeClr val="bg1"/>
+                </a:solidFill>
+                <a:latin typeface="Arial"/>
+              </a:rPr>
+              <a:t>Android Application</a:t>
+            </a:r>
+          </a:p>
+        </p:txBody>
+      </p:sp>
+      <p:cxnSp>
+        <p:nvCxnSpPr>
+          <p:cNvPr id="8" name="직선 연결선 7">
+            <a:extLst>
+              <a:ext uri="{FF2B5EF4-FFF2-40B4-BE49-F238E27FC236}">
+                <a16:creationId xmlns:a16="http://schemas.microsoft.com/office/drawing/2014/main" id="{EA4722B7-AAB2-43DC-88F4-E613AA8BD4DD}"/>
+              </a:ext>
+            </a:extLst>
+          </p:cNvPr>
+          <p:cNvCxnSpPr>
+            <a:cxnSpLocks/>
+          </p:cNvCxnSpPr>
+          <p:nvPr/>
+        </p:nvCxnSpPr>
+        <p:spPr>
+          <a:xfrm>
+            <a:off x="6096000" y="951723"/>
+            <a:ext cx="0" cy="5374432"/>
+          </a:xfrm>
+          <a:prstGeom prst="line">
+            <a:avLst/>
+          </a:prstGeom>
+        </p:spPr>
+        <p:style>
+          <a:lnRef idx="1">
+            <a:schemeClr val="accent1"/>
+          </a:lnRef>
+          <a:fillRef idx="0">
+            <a:schemeClr val="accent1"/>
+          </a:fillRef>
+          <a:effectRef idx="0">
+            <a:schemeClr val="accent1"/>
+          </a:effectRef>
+          <a:fontRef idx="minor">
+            <a:schemeClr val="tx1"/>
+          </a:fontRef>
+        </p:style>
+      </p:cxnSp>
+      <p:sp>
+        <p:nvSpPr>
+          <p:cNvPr id="11" name="CustomShape 4">
+            <a:extLst>
+              <a:ext uri="{FF2B5EF4-FFF2-40B4-BE49-F238E27FC236}">
+                <a16:creationId xmlns:a16="http://schemas.microsoft.com/office/drawing/2014/main" id="{BAE23BFE-E0D4-41FF-8D6D-ED6DD6A3E3E0}"/>
+              </a:ext>
+            </a:extLst>
+          </p:cNvPr>
+          <p:cNvSpPr/>
+          <p:nvPr/>
+        </p:nvSpPr>
+        <p:spPr>
+          <a:xfrm>
+            <a:off x="1235194" y="4555184"/>
+            <a:ext cx="3130051" cy="985899"/>
+          </a:xfrm>
+          <a:prstGeom prst="rect">
+            <a:avLst/>
+          </a:prstGeom>
+          <a:ln>
+            <a:round/>
+          </a:ln>
+        </p:spPr>
+        <p:style>
+          <a:lnRef idx="2">
+            <a:schemeClr val="accent1">
+              <a:shade val="50000"/>
+            </a:schemeClr>
+          </a:lnRef>
+          <a:fillRef idx="1">
+            <a:schemeClr val="accent1"/>
+          </a:fillRef>
+          <a:effectRef idx="0">
+            <a:schemeClr val="accent1"/>
+          </a:effectRef>
+          <a:fontRef idx="minor"/>
+        </p:style>
+        <p:txBody>
+          <a:bodyPr lIns="90000" tIns="45000" rIns="90000" bIns="45000" anchor="ctr"/>
+          <a:lstStyle/>
+          <a:p>
+            <a:pPr algn="ctr">
+              <a:lnSpc>
+                <a:spcPct val="100000"/>
+              </a:lnSpc>
+            </a:pPr>
+            <a:r>
+              <a:rPr lang="en-US" sz="1400" spc="-1" dirty="0">
+                <a:solidFill>
+                  <a:schemeClr val="bg1"/>
+                </a:solidFill>
+                <a:latin typeface="Arial"/>
+              </a:rPr>
+              <a:t>Server</a:t>
+            </a:r>
+            <a:endParaRPr lang="en-US" sz="1400" b="0" strike="noStrike" spc="-1" dirty="0">
+              <a:solidFill>
+                <a:schemeClr val="bg1"/>
+              </a:solidFill>
+              <a:latin typeface="Arial"/>
+            </a:endParaRPr>
+          </a:p>
+        </p:txBody>
+      </p:sp>
+      <p:sp>
+        <p:nvSpPr>
+          <p:cNvPr id="13" name="CustomShape 4">
+            <a:extLst>
+              <a:ext uri="{FF2B5EF4-FFF2-40B4-BE49-F238E27FC236}">
+                <a16:creationId xmlns:a16="http://schemas.microsoft.com/office/drawing/2014/main" id="{9E947C93-F902-41DD-ADD0-1308C0366D0D}"/>
+              </a:ext>
+            </a:extLst>
+          </p:cNvPr>
+          <p:cNvSpPr/>
+          <p:nvPr/>
+        </p:nvSpPr>
+        <p:spPr>
+          <a:xfrm>
+            <a:off x="7776250" y="1906591"/>
+            <a:ext cx="3130051" cy="985899"/>
+          </a:xfrm>
+          <a:prstGeom prst="rect">
+            <a:avLst/>
+          </a:prstGeom>
+          <a:ln>
+            <a:round/>
+          </a:ln>
+        </p:spPr>
+        <p:style>
+          <a:lnRef idx="2">
+            <a:schemeClr val="accent1">
+              <a:shade val="50000"/>
+            </a:schemeClr>
+          </a:lnRef>
+          <a:fillRef idx="1">
+            <a:schemeClr val="accent1"/>
+          </a:fillRef>
+          <a:effectRef idx="0">
+            <a:schemeClr val="accent1"/>
+          </a:effectRef>
+          <a:fontRef idx="minor"/>
+        </p:style>
+        <p:txBody>
+          <a:bodyPr lIns="90000" tIns="45000" rIns="90000" bIns="45000" anchor="ctr"/>
+          <a:lstStyle/>
+          <a:p>
+            <a:pPr algn="ctr">
+              <a:lnSpc>
+                <a:spcPct val="100000"/>
+              </a:lnSpc>
+            </a:pPr>
+            <a:r>
+              <a:rPr lang="en-US" sz="1400" spc="-1" dirty="0">
+                <a:solidFill>
+                  <a:schemeClr val="bg1"/>
+                </a:solidFill>
+                <a:latin typeface="Arial"/>
+              </a:rPr>
+              <a:t>Vote Smart Contract</a:t>
+            </a:r>
+            <a:endParaRPr lang="en-US" sz="1400" b="0" strike="noStrike" spc="-1" dirty="0">
+              <a:solidFill>
+                <a:schemeClr val="bg1"/>
+              </a:solidFill>
+              <a:latin typeface="Arial"/>
+            </a:endParaRPr>
+          </a:p>
+        </p:txBody>
+      </p:sp>
+      <p:sp>
+        <p:nvSpPr>
+          <p:cNvPr id="15" name="CustomShape 4">
+            <a:extLst>
+              <a:ext uri="{FF2B5EF4-FFF2-40B4-BE49-F238E27FC236}">
+                <a16:creationId xmlns:a16="http://schemas.microsoft.com/office/drawing/2014/main" id="{D64AEC98-0694-4BF1-94BF-FE64CCD20D6E}"/>
+              </a:ext>
+            </a:extLst>
+          </p:cNvPr>
+          <p:cNvSpPr/>
+          <p:nvPr/>
+        </p:nvSpPr>
+        <p:spPr>
+          <a:xfrm>
+            <a:off x="7776250" y="4235320"/>
+            <a:ext cx="3130051" cy="985899"/>
+          </a:xfrm>
+          <a:prstGeom prst="rect">
+            <a:avLst/>
+          </a:prstGeom>
+          <a:ln>
+            <a:round/>
+          </a:ln>
+        </p:spPr>
+        <p:style>
+          <a:lnRef idx="2">
+            <a:schemeClr val="accent1">
+              <a:shade val="50000"/>
+            </a:schemeClr>
+          </a:lnRef>
+          <a:fillRef idx="1">
+            <a:schemeClr val="accent1"/>
+          </a:fillRef>
+          <a:effectRef idx="0">
+            <a:schemeClr val="accent1"/>
+          </a:effectRef>
+          <a:fontRef idx="minor"/>
+        </p:style>
+        <p:txBody>
+          <a:bodyPr lIns="90000" tIns="45000" rIns="90000" bIns="45000" anchor="ctr"/>
+          <a:lstStyle/>
+          <a:p>
+            <a:pPr algn="ctr">
+              <a:lnSpc>
+                <a:spcPct val="100000"/>
+              </a:lnSpc>
+            </a:pPr>
+            <a:r>
+              <a:rPr lang="en-US" sz="1400" b="0" strike="noStrike" spc="-1" dirty="0">
+                <a:solidFill>
+                  <a:schemeClr val="bg1"/>
+                </a:solidFill>
+                <a:latin typeface="Arial"/>
+              </a:rPr>
+              <a:t>Reward Smart Contract</a:t>
+            </a:r>
+          </a:p>
+        </p:txBody>
+      </p:sp>
+      <p:sp>
+        <p:nvSpPr>
+          <p:cNvPr id="17" name="CustomShape 4">
+            <a:extLst>
+              <a:ext uri="{FF2B5EF4-FFF2-40B4-BE49-F238E27FC236}">
+                <a16:creationId xmlns:a16="http://schemas.microsoft.com/office/drawing/2014/main" id="{E82C40DC-3FB9-4061-A44D-13DF5158329B}"/>
+              </a:ext>
+            </a:extLst>
+          </p:cNvPr>
+          <p:cNvSpPr/>
+          <p:nvPr/>
+        </p:nvSpPr>
+        <p:spPr>
+          <a:xfrm>
+            <a:off x="1235197" y="1598054"/>
+            <a:ext cx="3130051" cy="985899"/>
+          </a:xfrm>
+          <a:prstGeom prst="rect">
+            <a:avLst/>
+          </a:prstGeom>
+          <a:ln/>
+        </p:spPr>
+        <p:style>
+          <a:lnRef idx="2">
+            <a:schemeClr val="accent1"/>
+          </a:lnRef>
+          <a:fillRef idx="1">
+            <a:schemeClr val="lt1"/>
+          </a:fillRef>
+          <a:effectRef idx="0">
+            <a:schemeClr val="accent1"/>
+          </a:effectRef>
+          <a:fontRef idx="minor">
+            <a:schemeClr val="dk1"/>
+          </a:fontRef>
+        </p:style>
+        <p:txBody>
+          <a:bodyPr lIns="90000" tIns="45000" rIns="90000" bIns="45000" anchor="ctr"/>
+          <a:lstStyle/>
+          <a:p>
+            <a:pPr algn="ctr">
+              <a:lnSpc>
+                <a:spcPct val="100000"/>
+              </a:lnSpc>
+            </a:pPr>
+            <a:r>
+              <a:rPr lang="en-US" sz="1400" b="0" strike="noStrike" spc="-1" dirty="0">
+                <a:solidFill>
+                  <a:schemeClr val="tx1"/>
+                </a:solidFill>
+                <a:latin typeface="Arial"/>
+              </a:rPr>
+              <a:t>Event </a:t>
+            </a:r>
+            <a:r>
+              <a:rPr lang="ko-KR" altLang="en-US" sz="1400" b="0" strike="noStrike" spc="-1" dirty="0">
+                <a:solidFill>
+                  <a:schemeClr val="tx1"/>
+                </a:solidFill>
+                <a:latin typeface="Arial"/>
+              </a:rPr>
+              <a:t>생성 </a:t>
+            </a:r>
+            <a:r>
+              <a:rPr lang="en-US" altLang="ko-KR" sz="1400" b="0" strike="noStrike" spc="-1" dirty="0">
+                <a:solidFill>
+                  <a:schemeClr val="tx1"/>
+                </a:solidFill>
+                <a:latin typeface="Arial"/>
+              </a:rPr>
+              <a:t>(</a:t>
+            </a:r>
+            <a:r>
+              <a:rPr lang="ko-KR" altLang="en-US" sz="1400" b="0" strike="noStrike" spc="-1" dirty="0">
+                <a:solidFill>
+                  <a:schemeClr val="tx1"/>
+                </a:solidFill>
+                <a:latin typeface="Arial"/>
+              </a:rPr>
+              <a:t>관리자</a:t>
+            </a:r>
+            <a:r>
+              <a:rPr lang="en-US" altLang="ko-KR" sz="1400" b="0" strike="noStrike" spc="-1" dirty="0">
+                <a:solidFill>
+                  <a:schemeClr val="tx1"/>
+                </a:solidFill>
+                <a:latin typeface="Arial"/>
+              </a:rPr>
+              <a:t>)</a:t>
+            </a:r>
+            <a:endParaRPr lang="en-US" sz="1400" b="0" strike="noStrike" spc="-1" dirty="0">
+              <a:solidFill>
+                <a:schemeClr val="tx1"/>
+              </a:solidFill>
+              <a:latin typeface="Arial"/>
+            </a:endParaRPr>
+          </a:p>
+        </p:txBody>
+      </p:sp>
+      <p:sp>
+        <p:nvSpPr>
+          <p:cNvPr id="18" name="화살표: 아래쪽 17">
+            <a:extLst>
+              <a:ext uri="{FF2B5EF4-FFF2-40B4-BE49-F238E27FC236}">
+                <a16:creationId xmlns:a16="http://schemas.microsoft.com/office/drawing/2014/main" id="{FE37187D-ADFE-482F-8596-DC0976D2FF18}"/>
+              </a:ext>
+            </a:extLst>
+          </p:cNvPr>
+          <p:cNvSpPr/>
+          <p:nvPr/>
+        </p:nvSpPr>
+        <p:spPr>
+          <a:xfrm>
+            <a:off x="2576295" y="2626254"/>
+            <a:ext cx="447853" cy="408063"/>
+          </a:xfrm>
+          <a:prstGeom prst="downArrow">
+            <a:avLst/>
+          </a:prstGeom>
+        </p:spPr>
+        <p:style>
+          <a:lnRef idx="2">
+            <a:schemeClr val="accent2">
+              <a:shade val="50000"/>
+            </a:schemeClr>
+          </a:lnRef>
+          <a:fillRef idx="1">
+            <a:schemeClr val="accent2"/>
+          </a:fillRef>
+          <a:effectRef idx="0">
+            <a:schemeClr val="accent2"/>
+          </a:effectRef>
+          <a:fontRef idx="minor">
+            <a:schemeClr val="lt1"/>
+          </a:fontRef>
+        </p:style>
+        <p:txBody>
+          <a:bodyPr rtlCol="0" anchor="ctr"/>
+          <a:lstStyle/>
+          <a:p>
+            <a:pPr algn="ctr"/>
+            <a:endParaRPr lang="ko-KR" altLang="en-US"/>
+          </a:p>
+        </p:txBody>
+      </p:sp>
+      <p:sp>
+        <p:nvSpPr>
+          <p:cNvPr id="20" name="화살표: 아래쪽 19">
+            <a:extLst>
+              <a:ext uri="{FF2B5EF4-FFF2-40B4-BE49-F238E27FC236}">
+                <a16:creationId xmlns:a16="http://schemas.microsoft.com/office/drawing/2014/main" id="{BA6A987A-4A45-479D-A307-0FCACDDE05BC}"/>
+              </a:ext>
+            </a:extLst>
+          </p:cNvPr>
+          <p:cNvSpPr/>
+          <p:nvPr/>
+        </p:nvSpPr>
+        <p:spPr>
+          <a:xfrm>
+            <a:off x="1995425" y="4100898"/>
+            <a:ext cx="447853" cy="408063"/>
+          </a:xfrm>
+          <a:prstGeom prst="downArrow">
+            <a:avLst/>
+          </a:prstGeom>
+        </p:spPr>
+        <p:style>
+          <a:lnRef idx="2">
+            <a:schemeClr val="accent2">
+              <a:shade val="50000"/>
+            </a:schemeClr>
+          </a:lnRef>
+          <a:fillRef idx="1">
+            <a:schemeClr val="accent2"/>
+          </a:fillRef>
+          <a:effectRef idx="0">
+            <a:schemeClr val="accent2"/>
+          </a:effectRef>
+          <a:fontRef idx="minor">
+            <a:schemeClr val="lt1"/>
+          </a:fontRef>
+        </p:style>
+        <p:txBody>
+          <a:bodyPr rtlCol="0" anchor="ctr"/>
+          <a:lstStyle/>
+          <a:p>
+            <a:pPr algn="ctr"/>
+            <a:endParaRPr lang="ko-KR" altLang="en-US"/>
+          </a:p>
+        </p:txBody>
+      </p:sp>
+      <p:cxnSp>
+        <p:nvCxnSpPr>
+          <p:cNvPr id="37" name="연결선: 꺾임 36">
+            <a:extLst>
+              <a:ext uri="{FF2B5EF4-FFF2-40B4-BE49-F238E27FC236}">
+                <a16:creationId xmlns:a16="http://schemas.microsoft.com/office/drawing/2014/main" id="{484F6FEB-9544-4CAB-9726-AA4729ED83CB}"/>
+              </a:ext>
+            </a:extLst>
+          </p:cNvPr>
+          <p:cNvCxnSpPr>
+            <a:stCxn id="11" idx="2"/>
+            <a:endCxn id="15" idx="2"/>
+          </p:cNvCxnSpPr>
+          <p:nvPr/>
+        </p:nvCxnSpPr>
+        <p:spPr>
+          <a:xfrm rot="5400000" flipH="1" flipV="1">
+            <a:off x="5910816" y="2110623"/>
+            <a:ext cx="319864" cy="6541056"/>
+          </a:xfrm>
+          <a:prstGeom prst="bentConnector3">
+            <a:avLst>
+              <a:gd name="adj1" fmla="val -201763"/>
+            </a:avLst>
+          </a:prstGeom>
+          <a:ln>
+            <a:headEnd type="triangle"/>
+            <a:tailEnd type="triangle"/>
+          </a:ln>
+        </p:spPr>
+        <p:style>
+          <a:lnRef idx="1">
+            <a:schemeClr val="accent2"/>
+          </a:lnRef>
+          <a:fillRef idx="0">
+            <a:schemeClr val="accent2"/>
+          </a:fillRef>
+          <a:effectRef idx="0">
+            <a:schemeClr val="accent2"/>
+          </a:effectRef>
+          <a:fontRef idx="minor">
+            <a:schemeClr val="tx1"/>
+          </a:fontRef>
+        </p:style>
+      </p:cxnSp>
+      <p:cxnSp>
+        <p:nvCxnSpPr>
+          <p:cNvPr id="40" name="연결선: 꺾임 39">
+            <a:extLst>
+              <a:ext uri="{FF2B5EF4-FFF2-40B4-BE49-F238E27FC236}">
+                <a16:creationId xmlns:a16="http://schemas.microsoft.com/office/drawing/2014/main" id="{2A494535-853C-4B7E-9AA7-16A6E86DC33E}"/>
+              </a:ext>
+            </a:extLst>
+          </p:cNvPr>
+          <p:cNvCxnSpPr>
+            <a:stCxn id="11" idx="3"/>
+            <a:endCxn id="13" idx="1"/>
+          </p:cNvCxnSpPr>
+          <p:nvPr/>
+        </p:nvCxnSpPr>
+        <p:spPr>
+          <a:xfrm flipV="1">
+            <a:off x="4365245" y="2399541"/>
+            <a:ext cx="3411005" cy="2648593"/>
+          </a:xfrm>
+          <a:prstGeom prst="bentConnector3">
+            <a:avLst>
+              <a:gd name="adj1" fmla="val 40517"/>
+            </a:avLst>
+          </a:prstGeom>
+          <a:ln>
+            <a:headEnd type="triangle"/>
+            <a:tailEnd type="triangle"/>
+          </a:ln>
+        </p:spPr>
+        <p:style>
+          <a:lnRef idx="1">
+            <a:schemeClr val="accent2"/>
+          </a:lnRef>
+          <a:fillRef idx="0">
+            <a:schemeClr val="accent2"/>
+          </a:fillRef>
+          <a:effectRef idx="0">
+            <a:schemeClr val="accent2"/>
+          </a:effectRef>
+          <a:fontRef idx="minor">
+            <a:schemeClr val="tx1"/>
+          </a:fontRef>
+        </p:style>
+      </p:cxnSp>
+      <p:sp>
+        <p:nvSpPr>
+          <p:cNvPr id="43" name="화살표: 아래쪽 42">
+            <a:extLst>
+              <a:ext uri="{FF2B5EF4-FFF2-40B4-BE49-F238E27FC236}">
+                <a16:creationId xmlns:a16="http://schemas.microsoft.com/office/drawing/2014/main" id="{180F7B94-3123-4452-A767-D8AA992F6FCD}"/>
+              </a:ext>
+            </a:extLst>
+          </p:cNvPr>
+          <p:cNvSpPr/>
+          <p:nvPr/>
+        </p:nvSpPr>
+        <p:spPr>
+          <a:xfrm rot="10800000">
+            <a:off x="3180335" y="4100897"/>
+            <a:ext cx="447853" cy="408063"/>
+          </a:xfrm>
+          <a:prstGeom prst="downArrow">
+            <a:avLst/>
+          </a:prstGeom>
+        </p:spPr>
+        <p:style>
+          <a:lnRef idx="2">
+            <a:schemeClr val="accent2">
+              <a:shade val="50000"/>
+            </a:schemeClr>
+          </a:lnRef>
+          <a:fillRef idx="1">
+            <a:schemeClr val="accent2"/>
+          </a:fillRef>
+          <a:effectRef idx="0">
+            <a:schemeClr val="accent2"/>
+          </a:effectRef>
+          <a:fontRef idx="minor">
+            <a:schemeClr val="lt1"/>
+          </a:fontRef>
+        </p:style>
+        <p:txBody>
+          <a:bodyPr rtlCol="0" anchor="ctr"/>
+          <a:lstStyle/>
+          <a:p>
+            <a:pPr algn="ctr"/>
+            <a:endParaRPr lang="ko-KR" altLang="en-US"/>
           </a:p>
         </p:txBody>
       </p:sp>

--- a/blockchain_archi_v3.1.pptx
+++ b/blockchain_archi_v3.1.pptx
@@ -5,7 +5,7 @@
     <p:sldMasterId id="2147483648" r:id="rId1"/>
   </p:sldMasterIdLst>
   <p:notesMasterIdLst>
-    <p:notesMasterId r:id="rId19"/>
+    <p:notesMasterId r:id="rId22"/>
   </p:notesMasterIdLst>
   <p:sldIdLst>
     <p:sldId id="256" r:id="rId2"/>
@@ -14,17 +14,20 @@
     <p:sldId id="267" r:id="rId5"/>
     <p:sldId id="266" r:id="rId6"/>
     <p:sldId id="268" r:id="rId7"/>
-    <p:sldId id="257" r:id="rId8"/>
-    <p:sldId id="258" r:id="rId9"/>
-    <p:sldId id="259" r:id="rId10"/>
-    <p:sldId id="260" r:id="rId11"/>
-    <p:sldId id="261" r:id="rId12"/>
-    <p:sldId id="269" r:id="rId13"/>
-    <p:sldId id="270" r:id="rId14"/>
-    <p:sldId id="262" r:id="rId15"/>
-    <p:sldId id="271" r:id="rId16"/>
-    <p:sldId id="272" r:id="rId17"/>
-    <p:sldId id="263" r:id="rId18"/>
+    <p:sldId id="273" r:id="rId8"/>
+    <p:sldId id="274" r:id="rId9"/>
+    <p:sldId id="275" r:id="rId10"/>
+    <p:sldId id="257" r:id="rId11"/>
+    <p:sldId id="258" r:id="rId12"/>
+    <p:sldId id="259" r:id="rId13"/>
+    <p:sldId id="260" r:id="rId14"/>
+    <p:sldId id="261" r:id="rId15"/>
+    <p:sldId id="269" r:id="rId16"/>
+    <p:sldId id="270" r:id="rId17"/>
+    <p:sldId id="262" r:id="rId18"/>
+    <p:sldId id="271" r:id="rId19"/>
+    <p:sldId id="272" r:id="rId20"/>
+    <p:sldId id="263" r:id="rId21"/>
   </p:sldIdLst>
   <p:sldSz cx="12192000" cy="6858000"/>
   <p:notesSz cx="7559675" cy="10691813"/>
@@ -2798,6 +2801,2433 @@
       </p:grpSpPr>
       <p:sp>
         <p:nvSpPr>
+          <p:cNvPr id="39" name="CustomShape 1"/>
+          <p:cNvSpPr/>
+          <p:nvPr/>
+        </p:nvSpPr>
+        <p:spPr>
+          <a:xfrm>
+            <a:off x="690120" y="964440"/>
+            <a:ext cx="1778040" cy="5302800"/>
+          </a:xfrm>
+          <a:prstGeom prst="rect">
+            <a:avLst/>
+          </a:prstGeom>
+          <a:noFill/>
+          <a:ln w="9360">
+            <a:solidFill>
+              <a:schemeClr val="tx1"/>
+            </a:solidFill>
+            <a:round/>
+          </a:ln>
+        </p:spPr>
+        <p:style>
+          <a:lnRef idx="2">
+            <a:schemeClr val="accent1">
+              <a:shade val="50000"/>
+            </a:schemeClr>
+          </a:lnRef>
+          <a:fillRef idx="1">
+            <a:schemeClr val="accent1"/>
+          </a:fillRef>
+          <a:effectRef idx="0">
+            <a:schemeClr val="accent1"/>
+          </a:effectRef>
+          <a:fontRef idx="minor"/>
+        </p:style>
+      </p:sp>
+      <p:sp>
+        <p:nvSpPr>
+          <p:cNvPr id="40" name="CustomShape 2"/>
+          <p:cNvSpPr/>
+          <p:nvPr/>
+        </p:nvSpPr>
+        <p:spPr>
+          <a:xfrm>
+            <a:off x="3516120" y="947520"/>
+            <a:ext cx="4538160" cy="5319360"/>
+          </a:xfrm>
+          <a:prstGeom prst="rect">
+            <a:avLst/>
+          </a:prstGeom>
+          <a:noFill/>
+          <a:ln w="9360">
+            <a:solidFill>
+              <a:schemeClr val="tx1"/>
+            </a:solidFill>
+            <a:round/>
+          </a:ln>
+        </p:spPr>
+        <p:style>
+          <a:lnRef idx="2">
+            <a:schemeClr val="accent1">
+              <a:shade val="50000"/>
+            </a:schemeClr>
+          </a:lnRef>
+          <a:fillRef idx="1">
+            <a:schemeClr val="accent1"/>
+          </a:fillRef>
+          <a:effectRef idx="0">
+            <a:schemeClr val="accent1"/>
+          </a:effectRef>
+          <a:fontRef idx="minor"/>
+        </p:style>
+      </p:sp>
+      <p:sp>
+        <p:nvSpPr>
+          <p:cNvPr id="41" name="CustomShape 3"/>
+          <p:cNvSpPr/>
+          <p:nvPr/>
+        </p:nvSpPr>
+        <p:spPr>
+          <a:xfrm>
+            <a:off x="9875520" y="964440"/>
+            <a:ext cx="1473480" cy="5311080"/>
+          </a:xfrm>
+          <a:prstGeom prst="rect">
+            <a:avLst/>
+          </a:prstGeom>
+          <a:noFill/>
+          <a:ln w="9360">
+            <a:solidFill>
+              <a:schemeClr val="tx1"/>
+            </a:solidFill>
+            <a:round/>
+          </a:ln>
+        </p:spPr>
+        <p:style>
+          <a:lnRef idx="2">
+            <a:schemeClr val="accent1">
+              <a:shade val="50000"/>
+            </a:schemeClr>
+          </a:lnRef>
+          <a:fillRef idx="1">
+            <a:schemeClr val="accent1"/>
+          </a:fillRef>
+          <a:effectRef idx="0">
+            <a:schemeClr val="accent1"/>
+          </a:effectRef>
+          <a:fontRef idx="minor"/>
+        </p:style>
+      </p:sp>
+      <p:sp>
+        <p:nvSpPr>
+          <p:cNvPr id="42" name="CustomShape 4"/>
+          <p:cNvSpPr/>
+          <p:nvPr/>
+        </p:nvSpPr>
+        <p:spPr>
+          <a:xfrm>
+            <a:off x="3719880" y="5610960"/>
+            <a:ext cx="4130640" cy="481320"/>
+          </a:xfrm>
+          <a:prstGeom prst="rect">
+            <a:avLst/>
+          </a:prstGeom>
+          <a:ln>
+            <a:round/>
+          </a:ln>
+        </p:spPr>
+        <p:style>
+          <a:lnRef idx="2">
+            <a:schemeClr val="accent1">
+              <a:shade val="50000"/>
+            </a:schemeClr>
+          </a:lnRef>
+          <a:fillRef idx="1">
+            <a:schemeClr val="accent1"/>
+          </a:fillRef>
+          <a:effectRef idx="0">
+            <a:schemeClr val="accent1"/>
+          </a:effectRef>
+          <a:fontRef idx="minor"/>
+        </p:style>
+        <p:txBody>
+          <a:bodyPr lIns="90000" tIns="45000" rIns="90000" bIns="45000" anchor="ctr"/>
+          <a:lstStyle/>
+          <a:p>
+            <a:pPr algn="ctr">
+              <a:lnSpc>
+                <a:spcPct val="100000"/>
+              </a:lnSpc>
+            </a:pPr>
+            <a:r>
+              <a:rPr lang="en-US" sz="1400" b="0" strike="noStrike" spc="-1">
+                <a:solidFill>
+                  <a:srgbClr val="FFFFFF"/>
+                </a:solidFill>
+                <a:latin typeface="맑은 고딕"/>
+                <a:ea typeface="DejaVu Sans"/>
+              </a:rPr>
+              <a:t>Data base(MySQL)</a:t>
+            </a:r>
+            <a:endParaRPr lang="en-US" sz="1400" b="0" strike="noStrike" spc="-1">
+              <a:latin typeface="Arial"/>
+            </a:endParaRPr>
+          </a:p>
+        </p:txBody>
+      </p:sp>
+      <p:sp>
+        <p:nvSpPr>
+          <p:cNvPr id="43" name="CustomShape 5"/>
+          <p:cNvSpPr/>
+          <p:nvPr/>
+        </p:nvSpPr>
+        <p:spPr>
+          <a:xfrm>
+            <a:off x="1005840" y="595080"/>
+            <a:ext cx="939600" cy="303120"/>
+          </a:xfrm>
+          <a:prstGeom prst="rect">
+            <a:avLst/>
+          </a:prstGeom>
+          <a:noFill/>
+          <a:ln>
+            <a:noFill/>
+          </a:ln>
+        </p:spPr>
+        <p:style>
+          <a:lnRef idx="0">
+            <a:scrgbClr r="0" g="0" b="0"/>
+          </a:lnRef>
+          <a:fillRef idx="0">
+            <a:scrgbClr r="0" g="0" b="0"/>
+          </a:fillRef>
+          <a:effectRef idx="0">
+            <a:scrgbClr r="0" g="0" b="0"/>
+          </a:effectRef>
+          <a:fontRef idx="minor"/>
+        </p:style>
+        <p:txBody>
+          <a:bodyPr wrap="none" lIns="90000" tIns="45000" rIns="90000" bIns="45000"/>
+          <a:lstStyle/>
+          <a:p>
+            <a:pPr>
+              <a:lnSpc>
+                <a:spcPct val="100000"/>
+              </a:lnSpc>
+            </a:pPr>
+            <a:r>
+              <a:rPr lang="en-US" sz="1400" b="0" strike="noStrike" spc="-1">
+                <a:solidFill>
+                  <a:srgbClr val="000000"/>
+                </a:solidFill>
+                <a:latin typeface="맑은 고딕"/>
+                <a:ea typeface="DejaVu Sans"/>
+              </a:rPr>
+              <a:t>Frontend</a:t>
+            </a:r>
+            <a:endParaRPr lang="en-US" sz="1400" b="0" strike="noStrike" spc="-1">
+              <a:latin typeface="Arial"/>
+            </a:endParaRPr>
+          </a:p>
+        </p:txBody>
+      </p:sp>
+      <p:sp>
+        <p:nvSpPr>
+          <p:cNvPr id="44" name="CustomShape 6"/>
+          <p:cNvSpPr/>
+          <p:nvPr/>
+        </p:nvSpPr>
+        <p:spPr>
+          <a:xfrm>
+            <a:off x="5203800" y="578160"/>
+            <a:ext cx="901800" cy="303120"/>
+          </a:xfrm>
+          <a:prstGeom prst="rect">
+            <a:avLst/>
+          </a:prstGeom>
+          <a:noFill/>
+          <a:ln>
+            <a:noFill/>
+          </a:ln>
+        </p:spPr>
+        <p:style>
+          <a:lnRef idx="0">
+            <a:scrgbClr r="0" g="0" b="0"/>
+          </a:lnRef>
+          <a:fillRef idx="0">
+            <a:scrgbClr r="0" g="0" b="0"/>
+          </a:fillRef>
+          <a:effectRef idx="0">
+            <a:scrgbClr r="0" g="0" b="0"/>
+          </a:effectRef>
+          <a:fontRef idx="minor"/>
+        </p:style>
+        <p:txBody>
+          <a:bodyPr wrap="none" lIns="90000" tIns="45000" rIns="90000" bIns="45000"/>
+          <a:lstStyle/>
+          <a:p>
+            <a:pPr>
+              <a:lnSpc>
+                <a:spcPct val="100000"/>
+              </a:lnSpc>
+            </a:pPr>
+            <a:r>
+              <a:rPr lang="en-US" sz="1400" b="0" strike="noStrike" spc="-1">
+                <a:solidFill>
+                  <a:srgbClr val="000000"/>
+                </a:solidFill>
+                <a:latin typeface="맑은 고딕"/>
+                <a:ea typeface="DejaVu Sans"/>
+              </a:rPr>
+              <a:t>Backend</a:t>
+            </a:r>
+            <a:endParaRPr lang="en-US" sz="1400" b="0" strike="noStrike" spc="-1">
+              <a:latin typeface="Arial"/>
+            </a:endParaRPr>
+          </a:p>
+        </p:txBody>
+      </p:sp>
+      <p:sp>
+        <p:nvSpPr>
+          <p:cNvPr id="45" name="Line 7"/>
+          <p:cNvSpPr/>
+          <p:nvPr/>
+        </p:nvSpPr>
+        <p:spPr>
+          <a:xfrm>
+            <a:off x="8952480" y="398880"/>
+            <a:ext cx="360" cy="6342480"/>
+          </a:xfrm>
+          <a:prstGeom prst="line">
+            <a:avLst/>
+          </a:prstGeom>
+          <a:ln>
+            <a:solidFill>
+              <a:schemeClr val="tx1"/>
+            </a:solidFill>
+            <a:custDash>
+              <a:ds d="900000" sp="600000"/>
+            </a:custDash>
+            <a:round/>
+          </a:ln>
+        </p:spPr>
+        <p:style>
+          <a:lnRef idx="1">
+            <a:schemeClr val="accent1"/>
+          </a:lnRef>
+          <a:fillRef idx="0">
+            <a:schemeClr val="accent1"/>
+          </a:fillRef>
+          <a:effectRef idx="0">
+            <a:schemeClr val="accent1"/>
+          </a:effectRef>
+          <a:fontRef idx="minor"/>
+        </p:style>
+      </p:sp>
+      <p:sp>
+        <p:nvSpPr>
+          <p:cNvPr id="46" name="CustomShape 8"/>
+          <p:cNvSpPr/>
+          <p:nvPr/>
+        </p:nvSpPr>
+        <p:spPr>
+          <a:xfrm>
+            <a:off x="9714600" y="595080"/>
+            <a:ext cx="1444320" cy="303120"/>
+          </a:xfrm>
+          <a:prstGeom prst="rect">
+            <a:avLst/>
+          </a:prstGeom>
+          <a:noFill/>
+          <a:ln>
+            <a:noFill/>
+          </a:ln>
+        </p:spPr>
+        <p:style>
+          <a:lnRef idx="0">
+            <a:scrgbClr r="0" g="0" b="0"/>
+          </a:lnRef>
+          <a:fillRef idx="0">
+            <a:scrgbClr r="0" g="0" b="0"/>
+          </a:fillRef>
+          <a:effectRef idx="0">
+            <a:scrgbClr r="0" g="0" b="0"/>
+          </a:effectRef>
+          <a:fontRef idx="minor"/>
+        </p:style>
+        <p:txBody>
+          <a:bodyPr wrap="none" lIns="90000" tIns="45000" rIns="90000" bIns="45000"/>
+          <a:lstStyle/>
+          <a:p>
+            <a:pPr>
+              <a:lnSpc>
+                <a:spcPct val="100000"/>
+              </a:lnSpc>
+            </a:pPr>
+            <a:r>
+              <a:rPr lang="en-US" sz="1400" b="0" strike="noStrike" spc="-1">
+                <a:solidFill>
+                  <a:srgbClr val="000000"/>
+                </a:solidFill>
+                <a:latin typeface="맑은 고딕"/>
+                <a:ea typeface="DejaVu Sans"/>
+              </a:rPr>
+              <a:t>Smart Contract</a:t>
+            </a:r>
+            <a:endParaRPr lang="en-US" sz="1400" b="0" strike="noStrike" spc="-1">
+              <a:latin typeface="Arial"/>
+            </a:endParaRPr>
+          </a:p>
+        </p:txBody>
+      </p:sp>
+      <p:sp>
+        <p:nvSpPr>
+          <p:cNvPr id="47" name="CustomShape 9"/>
+          <p:cNvSpPr/>
+          <p:nvPr/>
+        </p:nvSpPr>
+        <p:spPr>
+          <a:xfrm>
+            <a:off x="2468880" y="1546200"/>
+            <a:ext cx="1046520" cy="360"/>
+          </a:xfrm>
+          <a:custGeom>
+            <a:avLst/>
+            <a:gdLst/>
+            <a:ahLst/>
+            <a:cxnLst/>
+            <a:rect l="l" t="t" r="r" b="b"/>
+            <a:pathLst>
+              <a:path w="21600" h="21600">
+                <a:moveTo>
+                  <a:pt x="0" y="0"/>
+                </a:moveTo>
+                <a:lnTo>
+                  <a:pt x="21600" y="21600"/>
+                </a:lnTo>
+              </a:path>
+            </a:pathLst>
+          </a:custGeom>
+          <a:noFill/>
+          <a:ln>
+            <a:solidFill>
+              <a:srgbClr val="5597D3"/>
+            </a:solidFill>
+            <a:round/>
+            <a:tailEnd type="triangle" w="med" len="med"/>
+          </a:ln>
+        </p:spPr>
+        <p:style>
+          <a:lnRef idx="1">
+            <a:schemeClr val="accent1"/>
+          </a:lnRef>
+          <a:fillRef idx="0">
+            <a:schemeClr val="accent1"/>
+          </a:fillRef>
+          <a:effectRef idx="0">
+            <a:schemeClr val="accent1"/>
+          </a:effectRef>
+          <a:fontRef idx="minor"/>
+        </p:style>
+      </p:sp>
+      <p:sp>
+        <p:nvSpPr>
+          <p:cNvPr id="48" name="CustomShape 10"/>
+          <p:cNvSpPr/>
+          <p:nvPr/>
+        </p:nvSpPr>
+        <p:spPr>
+          <a:xfrm>
+            <a:off x="406800" y="199440"/>
+            <a:ext cx="7403400" cy="364320"/>
+          </a:xfrm>
+          <a:prstGeom prst="rect">
+            <a:avLst/>
+          </a:prstGeom>
+          <a:noFill/>
+          <a:ln>
+            <a:noFill/>
+          </a:ln>
+        </p:spPr>
+        <p:style>
+          <a:lnRef idx="0">
+            <a:scrgbClr r="0" g="0" b="0"/>
+          </a:lnRef>
+          <a:fillRef idx="0">
+            <a:scrgbClr r="0" g="0" b="0"/>
+          </a:fillRef>
+          <a:effectRef idx="0">
+            <a:scrgbClr r="0" g="0" b="0"/>
+          </a:effectRef>
+          <a:fontRef idx="minor"/>
+        </p:style>
+        <p:txBody>
+          <a:bodyPr wrap="none" lIns="90000" tIns="45000" rIns="90000" bIns="45000"/>
+          <a:lstStyle/>
+          <a:p>
+            <a:pPr>
+              <a:lnSpc>
+                <a:spcPct val="100000"/>
+              </a:lnSpc>
+            </a:pPr>
+            <a:r>
+              <a:rPr lang="en-US" b="1" spc="-1" dirty="0">
+                <a:solidFill>
+                  <a:srgbClr val="000000"/>
+                </a:solidFill>
+                <a:latin typeface="맑은 고딕"/>
+                <a:ea typeface="DejaVu Sans"/>
+              </a:rPr>
+              <a:t>5</a:t>
+            </a:r>
+            <a:r>
+              <a:rPr lang="en-US" sz="1800" b="1" strike="noStrike" spc="-1" dirty="0">
+                <a:solidFill>
+                  <a:srgbClr val="000000"/>
+                </a:solidFill>
+                <a:latin typeface="맑은 고딕"/>
+                <a:ea typeface="DejaVu Sans"/>
+              </a:rPr>
+              <a:t>-0. Index (</a:t>
+            </a:r>
+            <a:r>
+              <a:rPr lang="en-US" sz="1800" b="1" strike="noStrike" spc="-1" dirty="0" err="1">
+                <a:solidFill>
+                  <a:srgbClr val="000000"/>
+                </a:solidFill>
+                <a:latin typeface="맑은 고딕"/>
+                <a:ea typeface="DejaVu Sans"/>
+              </a:rPr>
+              <a:t>회원가입</a:t>
+            </a:r>
+            <a:r>
+              <a:rPr lang="en-US" sz="1800" b="1" strike="noStrike" spc="-1" dirty="0">
+                <a:solidFill>
+                  <a:srgbClr val="000000"/>
+                </a:solidFill>
+                <a:latin typeface="맑은 고딕"/>
+                <a:ea typeface="DejaVu Sans"/>
+              </a:rPr>
+              <a:t>? </a:t>
+            </a:r>
+            <a:r>
+              <a:rPr lang="en-US" sz="1800" b="1" strike="noStrike" spc="-1" dirty="0" err="1">
+                <a:solidFill>
+                  <a:srgbClr val="000000"/>
+                </a:solidFill>
+                <a:latin typeface="맑은 고딕"/>
+                <a:ea typeface="DejaVu Sans"/>
+              </a:rPr>
+              <a:t>투표</a:t>
+            </a:r>
+            <a:r>
+              <a:rPr lang="en-US" sz="1800" b="1" strike="noStrike" spc="-1" dirty="0">
+                <a:solidFill>
+                  <a:srgbClr val="000000"/>
+                </a:solidFill>
+                <a:latin typeface="맑은 고딕"/>
+                <a:ea typeface="DejaVu Sans"/>
+              </a:rPr>
+              <a:t> </a:t>
+            </a:r>
+            <a:r>
+              <a:rPr lang="en-US" sz="1800" b="1" strike="noStrike" spc="-1" dirty="0" err="1">
+                <a:solidFill>
+                  <a:srgbClr val="000000"/>
+                </a:solidFill>
+                <a:latin typeface="맑은 고딕"/>
+                <a:ea typeface="DejaVu Sans"/>
+              </a:rPr>
+              <a:t>현황</a:t>
+            </a:r>
+            <a:r>
+              <a:rPr lang="en-US" sz="1800" b="1" strike="noStrike" spc="-1" dirty="0">
+                <a:solidFill>
+                  <a:srgbClr val="000000"/>
+                </a:solidFill>
+                <a:latin typeface="맑은 고딕"/>
+                <a:ea typeface="DejaVu Sans"/>
+              </a:rPr>
+              <a:t> </a:t>
+            </a:r>
+            <a:r>
+              <a:rPr lang="en-US" sz="1800" b="1" strike="noStrike" spc="-1" dirty="0" err="1">
+                <a:solidFill>
+                  <a:srgbClr val="000000"/>
+                </a:solidFill>
+                <a:latin typeface="맑은 고딕"/>
+                <a:ea typeface="DejaVu Sans"/>
+              </a:rPr>
+              <a:t>공유</a:t>
+            </a:r>
+            <a:r>
+              <a:rPr lang="en-US" sz="1800" b="1" strike="noStrike" spc="-1" dirty="0">
+                <a:solidFill>
+                  <a:srgbClr val="000000"/>
+                </a:solidFill>
+                <a:latin typeface="맑은 고딕"/>
+                <a:ea typeface="DejaVu Sans"/>
+              </a:rPr>
+              <a:t>? </a:t>
+            </a:r>
+            <a:r>
+              <a:rPr lang="en-US" sz="1800" b="1" strike="noStrike" spc="-1" dirty="0">
+                <a:solidFill>
+                  <a:srgbClr val="FF0000"/>
+                </a:solidFill>
+                <a:latin typeface="맑은 고딕"/>
+                <a:ea typeface="DejaVu Sans"/>
+              </a:rPr>
+              <a:t>이 </a:t>
+            </a:r>
+            <a:r>
+              <a:rPr lang="en-US" sz="1800" b="1" strike="noStrike" spc="-1" dirty="0" err="1">
+                <a:solidFill>
+                  <a:srgbClr val="FF0000"/>
+                </a:solidFill>
+                <a:latin typeface="맑은 고딕"/>
+                <a:ea typeface="DejaVu Sans"/>
+              </a:rPr>
+              <a:t>부분은</a:t>
+            </a:r>
+            <a:r>
+              <a:rPr lang="en-US" sz="1800" b="1" strike="noStrike" spc="-1" dirty="0">
+                <a:solidFill>
+                  <a:srgbClr val="FF0000"/>
+                </a:solidFill>
+                <a:latin typeface="맑은 고딕"/>
+                <a:ea typeface="DejaVu Sans"/>
+              </a:rPr>
+              <a:t> </a:t>
+            </a:r>
+            <a:r>
+              <a:rPr lang="en-US" sz="1800" b="1" strike="noStrike" spc="-1" dirty="0" err="1">
+                <a:solidFill>
+                  <a:srgbClr val="FF0000"/>
+                </a:solidFill>
+                <a:latin typeface="맑은 고딕"/>
+                <a:ea typeface="DejaVu Sans"/>
+              </a:rPr>
+              <a:t>질문</a:t>
+            </a:r>
+            <a:r>
+              <a:rPr lang="en-US" sz="1800" b="1" strike="noStrike" spc="-1" dirty="0">
+                <a:solidFill>
+                  <a:srgbClr val="FF0000"/>
+                </a:solidFill>
+                <a:latin typeface="맑은 고딕"/>
+                <a:ea typeface="DejaVu Sans"/>
+              </a:rPr>
+              <a:t> </a:t>
+            </a:r>
+            <a:r>
+              <a:rPr lang="en-US" sz="1800" b="1" strike="noStrike" spc="-1" dirty="0" err="1">
+                <a:solidFill>
+                  <a:srgbClr val="FF0000"/>
+                </a:solidFill>
+                <a:latin typeface="맑은 고딕"/>
+                <a:ea typeface="DejaVu Sans"/>
+              </a:rPr>
+              <a:t>드리고</a:t>
+            </a:r>
+            <a:r>
+              <a:rPr lang="en-US" sz="1800" b="1" strike="noStrike" spc="-1" dirty="0">
+                <a:solidFill>
+                  <a:srgbClr val="FF0000"/>
+                </a:solidFill>
+                <a:latin typeface="맑은 고딕"/>
+                <a:ea typeface="DejaVu Sans"/>
+              </a:rPr>
+              <a:t> </a:t>
+            </a:r>
+            <a:r>
+              <a:rPr lang="en-US" sz="1800" b="1" strike="noStrike" spc="-1" dirty="0" err="1">
+                <a:solidFill>
+                  <a:srgbClr val="FF0000"/>
+                </a:solidFill>
+                <a:latin typeface="맑은 고딕"/>
+                <a:ea typeface="DejaVu Sans"/>
+              </a:rPr>
+              <a:t>싶습니다</a:t>
+            </a:r>
+            <a:r>
+              <a:rPr lang="en-US" sz="1800" b="1" strike="noStrike" spc="-1" dirty="0">
+                <a:solidFill>
+                  <a:srgbClr val="FF0000"/>
+                </a:solidFill>
+                <a:latin typeface="맑은 고딕"/>
+                <a:ea typeface="DejaVu Sans"/>
+              </a:rPr>
+              <a:t>.</a:t>
+            </a:r>
+            <a:r>
+              <a:rPr lang="en-US" sz="1800" b="1" strike="noStrike" spc="-1" dirty="0">
+                <a:solidFill>
+                  <a:srgbClr val="000000"/>
+                </a:solidFill>
+                <a:latin typeface="맑은 고딕"/>
+                <a:ea typeface="DejaVu Sans"/>
+              </a:rPr>
+              <a:t>)</a:t>
+            </a:r>
+            <a:endParaRPr lang="en-US" sz="1800" b="0" strike="noStrike" spc="-1" dirty="0">
+              <a:latin typeface="Arial"/>
+            </a:endParaRPr>
+          </a:p>
+        </p:txBody>
+      </p:sp>
+      <p:sp>
+        <p:nvSpPr>
+          <p:cNvPr id="49" name="CustomShape 11"/>
+          <p:cNvSpPr/>
+          <p:nvPr/>
+        </p:nvSpPr>
+        <p:spPr>
+          <a:xfrm flipH="1">
+            <a:off x="2468160" y="4730040"/>
+            <a:ext cx="1046520" cy="360"/>
+          </a:xfrm>
+          <a:custGeom>
+            <a:avLst/>
+            <a:gdLst/>
+            <a:ahLst/>
+            <a:cxnLst/>
+            <a:rect l="l" t="t" r="r" b="b"/>
+            <a:pathLst>
+              <a:path w="21600" h="21600">
+                <a:moveTo>
+                  <a:pt x="0" y="0"/>
+                </a:moveTo>
+                <a:lnTo>
+                  <a:pt x="21600" y="21600"/>
+                </a:lnTo>
+              </a:path>
+            </a:pathLst>
+          </a:custGeom>
+          <a:noFill/>
+          <a:ln>
+            <a:solidFill>
+              <a:srgbClr val="5597D3"/>
+            </a:solidFill>
+            <a:round/>
+            <a:tailEnd type="triangle" w="med" len="med"/>
+          </a:ln>
+        </p:spPr>
+        <p:style>
+          <a:lnRef idx="1">
+            <a:schemeClr val="accent1"/>
+          </a:lnRef>
+          <a:fillRef idx="0">
+            <a:schemeClr val="accent1"/>
+          </a:fillRef>
+          <a:effectRef idx="0">
+            <a:schemeClr val="accent1"/>
+          </a:effectRef>
+          <a:fontRef idx="minor"/>
+        </p:style>
+      </p:sp>
+    </p:spTree>
+  </p:cSld>
+  <p:clrMapOvr>
+    <a:masterClrMapping/>
+  </p:clrMapOvr>
+  <p:timing>
+    <p:tnLst>
+      <p:par>
+        <p:cTn id="1" dur="indefinite" restart="never" nodeType="tmRoot">
+          <p:childTnLst>
+            <p:seq>
+              <p:cTn id="2" dur="indefinite" nodeType="mainSeq"/>
+              <p:prevCondLst>
+                <p:cond evt="onPrev" delay="0">
+                  <p:tgtEl>
+                    <p:sldTgt/>
+                  </p:tgtEl>
+                </p:cond>
+              </p:prevCondLst>
+              <p:nextCondLst>
+                <p:cond evt="onNext" delay="0">
+                  <p:tgtEl>
+                    <p:sldTgt/>
+                  </p:tgtEl>
+                </p:cond>
+              </p:nextCondLst>
+            </p:seq>
+          </p:childTnLst>
+        </p:cTn>
+      </p:par>
+    </p:tnLst>
+  </p:timing>
+</p:sld>
+</file>
+
+<file path=ppt/slides/slide11.xml><?xml version="1.0" encoding="utf-8"?>
+<p:sld xmlns:a="http://schemas.openxmlformats.org/drawingml/2006/main" xmlns:r="http://schemas.openxmlformats.org/officeDocument/2006/relationships" xmlns:p="http://schemas.openxmlformats.org/presentationml/2006/main">
+  <p:cSld>
+    <p:spTree>
+      <p:nvGrpSpPr>
+        <p:cNvPr id="1" name=""/>
+        <p:cNvGrpSpPr/>
+        <p:nvPr/>
+      </p:nvGrpSpPr>
+      <p:grpSpPr>
+        <a:xfrm>
+          <a:off x="0" y="0"/>
+          <a:ext cx="0" cy="0"/>
+          <a:chOff x="0" y="0"/>
+          <a:chExt cx="0" cy="0"/>
+        </a:xfrm>
+      </p:grpSpPr>
+      <p:sp>
+        <p:nvSpPr>
+          <p:cNvPr id="50" name="CustomShape 1"/>
+          <p:cNvSpPr/>
+          <p:nvPr/>
+        </p:nvSpPr>
+        <p:spPr>
+          <a:xfrm>
+            <a:off x="690120" y="964440"/>
+            <a:ext cx="1778040" cy="5302800"/>
+          </a:xfrm>
+          <a:prstGeom prst="rect">
+            <a:avLst/>
+          </a:prstGeom>
+          <a:noFill/>
+          <a:ln w="9360">
+            <a:solidFill>
+              <a:schemeClr val="tx1"/>
+            </a:solidFill>
+            <a:round/>
+          </a:ln>
+        </p:spPr>
+        <p:style>
+          <a:lnRef idx="2">
+            <a:schemeClr val="accent1">
+              <a:shade val="50000"/>
+            </a:schemeClr>
+          </a:lnRef>
+          <a:fillRef idx="1">
+            <a:schemeClr val="accent1"/>
+          </a:fillRef>
+          <a:effectRef idx="0">
+            <a:schemeClr val="accent1"/>
+          </a:effectRef>
+          <a:fontRef idx="minor"/>
+        </p:style>
+      </p:sp>
+      <p:sp>
+        <p:nvSpPr>
+          <p:cNvPr id="51" name="CustomShape 2"/>
+          <p:cNvSpPr/>
+          <p:nvPr/>
+        </p:nvSpPr>
+        <p:spPr>
+          <a:xfrm>
+            <a:off x="3516120" y="947520"/>
+            <a:ext cx="4538160" cy="5319360"/>
+          </a:xfrm>
+          <a:prstGeom prst="rect">
+            <a:avLst/>
+          </a:prstGeom>
+          <a:noFill/>
+          <a:ln w="9360">
+            <a:solidFill>
+              <a:schemeClr val="tx1"/>
+            </a:solidFill>
+            <a:round/>
+          </a:ln>
+        </p:spPr>
+        <p:style>
+          <a:lnRef idx="2">
+            <a:schemeClr val="accent1">
+              <a:shade val="50000"/>
+            </a:schemeClr>
+          </a:lnRef>
+          <a:fillRef idx="1">
+            <a:schemeClr val="accent1"/>
+          </a:fillRef>
+          <a:effectRef idx="0">
+            <a:schemeClr val="accent1"/>
+          </a:effectRef>
+          <a:fontRef idx="minor"/>
+        </p:style>
+      </p:sp>
+      <p:sp>
+        <p:nvSpPr>
+          <p:cNvPr id="52" name="CustomShape 3"/>
+          <p:cNvSpPr/>
+          <p:nvPr/>
+        </p:nvSpPr>
+        <p:spPr>
+          <a:xfrm>
+            <a:off x="9875520" y="964440"/>
+            <a:ext cx="1473480" cy="5311080"/>
+          </a:xfrm>
+          <a:prstGeom prst="rect">
+            <a:avLst/>
+          </a:prstGeom>
+          <a:noFill/>
+          <a:ln w="9360">
+            <a:solidFill>
+              <a:schemeClr val="tx1"/>
+            </a:solidFill>
+            <a:round/>
+          </a:ln>
+        </p:spPr>
+        <p:style>
+          <a:lnRef idx="2">
+            <a:schemeClr val="accent1">
+              <a:shade val="50000"/>
+            </a:schemeClr>
+          </a:lnRef>
+          <a:fillRef idx="1">
+            <a:schemeClr val="accent1"/>
+          </a:fillRef>
+          <a:effectRef idx="0">
+            <a:schemeClr val="accent1"/>
+          </a:effectRef>
+          <a:fontRef idx="minor"/>
+        </p:style>
+      </p:sp>
+      <p:sp>
+        <p:nvSpPr>
+          <p:cNvPr id="53" name="CustomShape 4"/>
+          <p:cNvSpPr/>
+          <p:nvPr/>
+        </p:nvSpPr>
+        <p:spPr>
+          <a:xfrm>
+            <a:off x="3719880" y="5610960"/>
+            <a:ext cx="4130640" cy="481320"/>
+          </a:xfrm>
+          <a:prstGeom prst="rect">
+            <a:avLst/>
+          </a:prstGeom>
+          <a:ln>
+            <a:round/>
+          </a:ln>
+        </p:spPr>
+        <p:style>
+          <a:lnRef idx="2">
+            <a:schemeClr val="accent1">
+              <a:shade val="50000"/>
+            </a:schemeClr>
+          </a:lnRef>
+          <a:fillRef idx="1">
+            <a:schemeClr val="accent1"/>
+          </a:fillRef>
+          <a:effectRef idx="0">
+            <a:schemeClr val="accent1"/>
+          </a:effectRef>
+          <a:fontRef idx="minor"/>
+        </p:style>
+        <p:txBody>
+          <a:bodyPr lIns="90000" tIns="45000" rIns="90000" bIns="45000" anchor="ctr"/>
+          <a:lstStyle/>
+          <a:p>
+            <a:pPr algn="ctr">
+              <a:lnSpc>
+                <a:spcPct val="100000"/>
+              </a:lnSpc>
+            </a:pPr>
+            <a:r>
+              <a:rPr lang="en-US" sz="1400" b="0" strike="noStrike" spc="-1">
+                <a:solidFill>
+                  <a:srgbClr val="FFFFFF"/>
+                </a:solidFill>
+                <a:latin typeface="맑은 고딕"/>
+                <a:ea typeface="DejaVu Sans"/>
+              </a:rPr>
+              <a:t>Data base(MySQL)</a:t>
+            </a:r>
+            <a:endParaRPr lang="en-US" sz="1400" b="0" strike="noStrike" spc="-1">
+              <a:latin typeface="Arial"/>
+            </a:endParaRPr>
+          </a:p>
+        </p:txBody>
+      </p:sp>
+      <p:sp>
+        <p:nvSpPr>
+          <p:cNvPr id="54" name="CustomShape 5"/>
+          <p:cNvSpPr/>
+          <p:nvPr/>
+        </p:nvSpPr>
+        <p:spPr>
+          <a:xfrm>
+            <a:off x="1005840" y="595080"/>
+            <a:ext cx="939600" cy="303120"/>
+          </a:xfrm>
+          <a:prstGeom prst="rect">
+            <a:avLst/>
+          </a:prstGeom>
+          <a:noFill/>
+          <a:ln>
+            <a:noFill/>
+          </a:ln>
+        </p:spPr>
+        <p:style>
+          <a:lnRef idx="0">
+            <a:scrgbClr r="0" g="0" b="0"/>
+          </a:lnRef>
+          <a:fillRef idx="0">
+            <a:scrgbClr r="0" g="0" b="0"/>
+          </a:fillRef>
+          <a:effectRef idx="0">
+            <a:scrgbClr r="0" g="0" b="0"/>
+          </a:effectRef>
+          <a:fontRef idx="minor"/>
+        </p:style>
+        <p:txBody>
+          <a:bodyPr wrap="none" lIns="90000" tIns="45000" rIns="90000" bIns="45000"/>
+          <a:lstStyle/>
+          <a:p>
+            <a:pPr>
+              <a:lnSpc>
+                <a:spcPct val="100000"/>
+              </a:lnSpc>
+            </a:pPr>
+            <a:r>
+              <a:rPr lang="en-US" sz="1400" b="0" strike="noStrike" spc="-1">
+                <a:solidFill>
+                  <a:srgbClr val="000000"/>
+                </a:solidFill>
+                <a:latin typeface="맑은 고딕"/>
+                <a:ea typeface="DejaVu Sans"/>
+              </a:rPr>
+              <a:t>Frontend</a:t>
+            </a:r>
+            <a:endParaRPr lang="en-US" sz="1400" b="0" strike="noStrike" spc="-1">
+              <a:latin typeface="Arial"/>
+            </a:endParaRPr>
+          </a:p>
+        </p:txBody>
+      </p:sp>
+      <p:sp>
+        <p:nvSpPr>
+          <p:cNvPr id="55" name="CustomShape 6"/>
+          <p:cNvSpPr/>
+          <p:nvPr/>
+        </p:nvSpPr>
+        <p:spPr>
+          <a:xfrm>
+            <a:off x="5203800" y="578160"/>
+            <a:ext cx="901800" cy="303120"/>
+          </a:xfrm>
+          <a:prstGeom prst="rect">
+            <a:avLst/>
+          </a:prstGeom>
+          <a:noFill/>
+          <a:ln>
+            <a:noFill/>
+          </a:ln>
+        </p:spPr>
+        <p:style>
+          <a:lnRef idx="0">
+            <a:scrgbClr r="0" g="0" b="0"/>
+          </a:lnRef>
+          <a:fillRef idx="0">
+            <a:scrgbClr r="0" g="0" b="0"/>
+          </a:fillRef>
+          <a:effectRef idx="0">
+            <a:scrgbClr r="0" g="0" b="0"/>
+          </a:effectRef>
+          <a:fontRef idx="minor"/>
+        </p:style>
+        <p:txBody>
+          <a:bodyPr wrap="none" lIns="90000" tIns="45000" rIns="90000" bIns="45000"/>
+          <a:lstStyle/>
+          <a:p>
+            <a:pPr>
+              <a:lnSpc>
+                <a:spcPct val="100000"/>
+              </a:lnSpc>
+            </a:pPr>
+            <a:r>
+              <a:rPr lang="en-US" sz="1400" b="0" strike="noStrike" spc="-1">
+                <a:solidFill>
+                  <a:srgbClr val="000000"/>
+                </a:solidFill>
+                <a:latin typeface="맑은 고딕"/>
+                <a:ea typeface="DejaVu Sans"/>
+              </a:rPr>
+              <a:t>Backend</a:t>
+            </a:r>
+            <a:endParaRPr lang="en-US" sz="1400" b="0" strike="noStrike" spc="-1">
+              <a:latin typeface="Arial"/>
+            </a:endParaRPr>
+          </a:p>
+        </p:txBody>
+      </p:sp>
+      <p:sp>
+        <p:nvSpPr>
+          <p:cNvPr id="56" name="Line 7"/>
+          <p:cNvSpPr/>
+          <p:nvPr/>
+        </p:nvSpPr>
+        <p:spPr>
+          <a:xfrm>
+            <a:off x="8952480" y="398880"/>
+            <a:ext cx="360" cy="6342480"/>
+          </a:xfrm>
+          <a:prstGeom prst="line">
+            <a:avLst/>
+          </a:prstGeom>
+          <a:ln>
+            <a:solidFill>
+              <a:schemeClr val="tx1"/>
+            </a:solidFill>
+            <a:custDash>
+              <a:ds d="900000" sp="600000"/>
+            </a:custDash>
+            <a:round/>
+          </a:ln>
+        </p:spPr>
+        <p:style>
+          <a:lnRef idx="1">
+            <a:schemeClr val="accent1"/>
+          </a:lnRef>
+          <a:fillRef idx="0">
+            <a:schemeClr val="accent1"/>
+          </a:fillRef>
+          <a:effectRef idx="0">
+            <a:schemeClr val="accent1"/>
+          </a:effectRef>
+          <a:fontRef idx="minor"/>
+        </p:style>
+      </p:sp>
+      <p:sp>
+        <p:nvSpPr>
+          <p:cNvPr id="57" name="CustomShape 8"/>
+          <p:cNvSpPr/>
+          <p:nvPr/>
+        </p:nvSpPr>
+        <p:spPr>
+          <a:xfrm>
+            <a:off x="9714600" y="595080"/>
+            <a:ext cx="1444320" cy="303120"/>
+          </a:xfrm>
+          <a:prstGeom prst="rect">
+            <a:avLst/>
+          </a:prstGeom>
+          <a:noFill/>
+          <a:ln>
+            <a:noFill/>
+          </a:ln>
+        </p:spPr>
+        <p:style>
+          <a:lnRef idx="0">
+            <a:scrgbClr r="0" g="0" b="0"/>
+          </a:lnRef>
+          <a:fillRef idx="0">
+            <a:scrgbClr r="0" g="0" b="0"/>
+          </a:fillRef>
+          <a:effectRef idx="0">
+            <a:scrgbClr r="0" g="0" b="0"/>
+          </a:effectRef>
+          <a:fontRef idx="minor"/>
+        </p:style>
+        <p:txBody>
+          <a:bodyPr wrap="none" lIns="90000" tIns="45000" rIns="90000" bIns="45000"/>
+          <a:lstStyle/>
+          <a:p>
+            <a:pPr>
+              <a:lnSpc>
+                <a:spcPct val="100000"/>
+              </a:lnSpc>
+            </a:pPr>
+            <a:r>
+              <a:rPr lang="en-US" sz="1400" b="0" strike="noStrike" spc="-1">
+                <a:solidFill>
+                  <a:srgbClr val="000000"/>
+                </a:solidFill>
+                <a:latin typeface="맑은 고딕"/>
+                <a:ea typeface="DejaVu Sans"/>
+              </a:rPr>
+              <a:t>Smart Contract</a:t>
+            </a:r>
+            <a:endParaRPr lang="en-US" sz="1400" b="0" strike="noStrike" spc="-1">
+              <a:latin typeface="Arial"/>
+            </a:endParaRPr>
+          </a:p>
+        </p:txBody>
+      </p:sp>
+      <p:sp>
+        <p:nvSpPr>
+          <p:cNvPr id="58" name="CustomShape 9"/>
+          <p:cNvSpPr/>
+          <p:nvPr/>
+        </p:nvSpPr>
+        <p:spPr>
+          <a:xfrm>
+            <a:off x="2468880" y="1546200"/>
+            <a:ext cx="1046520" cy="360"/>
+          </a:xfrm>
+          <a:custGeom>
+            <a:avLst/>
+            <a:gdLst/>
+            <a:ahLst/>
+            <a:cxnLst/>
+            <a:rect l="l" t="t" r="r" b="b"/>
+            <a:pathLst>
+              <a:path w="21600" h="21600">
+                <a:moveTo>
+                  <a:pt x="0" y="0"/>
+                </a:moveTo>
+                <a:lnTo>
+                  <a:pt x="21600" y="21600"/>
+                </a:lnTo>
+              </a:path>
+            </a:pathLst>
+          </a:custGeom>
+          <a:noFill/>
+          <a:ln>
+            <a:solidFill>
+              <a:srgbClr val="5597D3"/>
+            </a:solidFill>
+            <a:round/>
+            <a:tailEnd type="triangle" w="med" len="med"/>
+          </a:ln>
+        </p:spPr>
+        <p:style>
+          <a:lnRef idx="1">
+            <a:schemeClr val="accent1"/>
+          </a:lnRef>
+          <a:fillRef idx="0">
+            <a:schemeClr val="accent1"/>
+          </a:fillRef>
+          <a:effectRef idx="0">
+            <a:schemeClr val="accent1"/>
+          </a:effectRef>
+          <a:fontRef idx="minor"/>
+        </p:style>
+      </p:sp>
+      <p:sp>
+        <p:nvSpPr>
+          <p:cNvPr id="60" name="CustomShape 11"/>
+          <p:cNvSpPr/>
+          <p:nvPr/>
+        </p:nvSpPr>
+        <p:spPr>
+          <a:xfrm flipH="1">
+            <a:off x="2468160" y="4730040"/>
+            <a:ext cx="1046520" cy="360"/>
+          </a:xfrm>
+          <a:custGeom>
+            <a:avLst/>
+            <a:gdLst/>
+            <a:ahLst/>
+            <a:cxnLst/>
+            <a:rect l="l" t="t" r="r" b="b"/>
+            <a:pathLst>
+              <a:path w="21600" h="21600">
+                <a:moveTo>
+                  <a:pt x="0" y="0"/>
+                </a:moveTo>
+                <a:lnTo>
+                  <a:pt x="21600" y="21600"/>
+                </a:lnTo>
+              </a:path>
+            </a:pathLst>
+          </a:custGeom>
+          <a:noFill/>
+          <a:ln>
+            <a:solidFill>
+              <a:srgbClr val="5597D3"/>
+            </a:solidFill>
+            <a:round/>
+            <a:tailEnd type="triangle" w="med" len="med"/>
+          </a:ln>
+        </p:spPr>
+        <p:style>
+          <a:lnRef idx="1">
+            <a:schemeClr val="accent1"/>
+          </a:lnRef>
+          <a:fillRef idx="0">
+            <a:schemeClr val="accent1"/>
+          </a:fillRef>
+          <a:effectRef idx="0">
+            <a:schemeClr val="accent1"/>
+          </a:effectRef>
+          <a:fontRef idx="minor"/>
+        </p:style>
+      </p:sp>
+      <p:sp>
+        <p:nvSpPr>
+          <p:cNvPr id="61" name="CustomShape 12"/>
+          <p:cNvSpPr/>
+          <p:nvPr/>
+        </p:nvSpPr>
+        <p:spPr>
+          <a:xfrm>
+            <a:off x="8055000" y="2377440"/>
+            <a:ext cx="1819800" cy="360"/>
+          </a:xfrm>
+          <a:custGeom>
+            <a:avLst/>
+            <a:gdLst/>
+            <a:ahLst/>
+            <a:cxnLst/>
+            <a:rect l="l" t="t" r="r" b="b"/>
+            <a:pathLst>
+              <a:path w="21600" h="21600">
+                <a:moveTo>
+                  <a:pt x="0" y="0"/>
+                </a:moveTo>
+                <a:lnTo>
+                  <a:pt x="21600" y="21600"/>
+                </a:lnTo>
+              </a:path>
+            </a:pathLst>
+          </a:custGeom>
+          <a:noFill/>
+          <a:ln>
+            <a:solidFill>
+              <a:srgbClr val="5597D3"/>
+            </a:solidFill>
+            <a:round/>
+            <a:tailEnd type="triangle" w="med" len="med"/>
+          </a:ln>
+        </p:spPr>
+        <p:style>
+          <a:lnRef idx="1">
+            <a:schemeClr val="accent1"/>
+          </a:lnRef>
+          <a:fillRef idx="0">
+            <a:schemeClr val="accent1"/>
+          </a:fillRef>
+          <a:effectRef idx="0">
+            <a:schemeClr val="accent1"/>
+          </a:effectRef>
+          <a:fontRef idx="minor"/>
+        </p:style>
+      </p:sp>
+      <p:sp>
+        <p:nvSpPr>
+          <p:cNvPr id="62" name="CustomShape 13"/>
+          <p:cNvSpPr/>
+          <p:nvPr/>
+        </p:nvSpPr>
+        <p:spPr>
+          <a:xfrm>
+            <a:off x="8141400" y="1946520"/>
+            <a:ext cx="1622520" cy="364320"/>
+          </a:xfrm>
+          <a:prstGeom prst="rect">
+            <a:avLst/>
+          </a:prstGeom>
+          <a:noFill/>
+          <a:ln>
+            <a:noFill/>
+          </a:ln>
+        </p:spPr>
+        <p:style>
+          <a:lnRef idx="0">
+            <a:scrgbClr r="0" g="0" b="0"/>
+          </a:lnRef>
+          <a:fillRef idx="0">
+            <a:scrgbClr r="0" g="0" b="0"/>
+          </a:fillRef>
+          <a:effectRef idx="0">
+            <a:scrgbClr r="0" g="0" b="0"/>
+          </a:effectRef>
+          <a:fontRef idx="minor"/>
+        </p:style>
+        <p:txBody>
+          <a:bodyPr wrap="none" lIns="90000" tIns="45000" rIns="90000" bIns="45000"/>
+          <a:lstStyle/>
+          <a:p>
+            <a:pPr>
+              <a:lnSpc>
+                <a:spcPct val="100000"/>
+              </a:lnSpc>
+            </a:pPr>
+            <a:r>
+              <a:rPr lang="en-US" sz="1800" b="0" strike="noStrike" spc="-1">
+                <a:solidFill>
+                  <a:srgbClr val="000000"/>
+                </a:solidFill>
+                <a:latin typeface="맑은 고딕"/>
+                <a:ea typeface="DejaVu Sans"/>
+              </a:rPr>
+              <a:t>Valid Account</a:t>
+            </a:r>
+            <a:endParaRPr lang="en-US" sz="1800" b="0" strike="noStrike" spc="-1">
+              <a:latin typeface="Arial"/>
+            </a:endParaRPr>
+          </a:p>
+        </p:txBody>
+      </p:sp>
+      <p:sp>
+        <p:nvSpPr>
+          <p:cNvPr id="63" name="CustomShape 14"/>
+          <p:cNvSpPr/>
+          <p:nvPr/>
+        </p:nvSpPr>
+        <p:spPr>
+          <a:xfrm flipH="1">
+            <a:off x="8054280" y="4048200"/>
+            <a:ext cx="1819800" cy="360"/>
+          </a:xfrm>
+          <a:custGeom>
+            <a:avLst/>
+            <a:gdLst/>
+            <a:ahLst/>
+            <a:cxnLst/>
+            <a:rect l="l" t="t" r="r" b="b"/>
+            <a:pathLst>
+              <a:path w="21600" h="21600">
+                <a:moveTo>
+                  <a:pt x="0" y="0"/>
+                </a:moveTo>
+                <a:lnTo>
+                  <a:pt x="21600" y="21600"/>
+                </a:lnTo>
+              </a:path>
+            </a:pathLst>
+          </a:custGeom>
+          <a:noFill/>
+          <a:ln>
+            <a:solidFill>
+              <a:srgbClr val="5597D3"/>
+            </a:solidFill>
+            <a:round/>
+            <a:tailEnd type="triangle" w="med" len="med"/>
+          </a:ln>
+        </p:spPr>
+        <p:style>
+          <a:lnRef idx="1">
+            <a:schemeClr val="accent1"/>
+          </a:lnRef>
+          <a:fillRef idx="0">
+            <a:schemeClr val="accent1"/>
+          </a:fillRef>
+          <a:effectRef idx="0">
+            <a:schemeClr val="accent1"/>
+          </a:effectRef>
+          <a:fontRef idx="minor"/>
+        </p:style>
+      </p:sp>
+      <p:sp>
+        <p:nvSpPr>
+          <p:cNvPr id="2" name="CustomShape 10">
+            <a:extLst>
+              <a:ext uri="{FF2B5EF4-FFF2-40B4-BE49-F238E27FC236}">
+                <a16:creationId xmlns:a16="http://schemas.microsoft.com/office/drawing/2014/main" id="{C927EED2-E0BC-4FB3-9D3B-CCA5D11DAF2A}"/>
+              </a:ext>
+            </a:extLst>
+          </p:cNvPr>
+          <p:cNvSpPr/>
+          <p:nvPr/>
+        </p:nvSpPr>
+        <p:spPr>
+          <a:xfrm>
+            <a:off x="406800" y="199440"/>
+            <a:ext cx="7403400" cy="364320"/>
+          </a:xfrm>
+          <a:prstGeom prst="rect">
+            <a:avLst/>
+          </a:prstGeom>
+          <a:noFill/>
+          <a:ln>
+            <a:noFill/>
+          </a:ln>
+        </p:spPr>
+        <p:style>
+          <a:lnRef idx="0">
+            <a:scrgbClr r="0" g="0" b="0"/>
+          </a:lnRef>
+          <a:fillRef idx="0">
+            <a:scrgbClr r="0" g="0" b="0"/>
+          </a:fillRef>
+          <a:effectRef idx="0">
+            <a:scrgbClr r="0" g="0" b="0"/>
+          </a:effectRef>
+          <a:fontRef idx="minor"/>
+        </p:style>
+        <p:txBody>
+          <a:bodyPr wrap="none" lIns="90000" tIns="45000" rIns="90000" bIns="45000"/>
+          <a:lstStyle/>
+          <a:p>
+            <a:pPr>
+              <a:lnSpc>
+                <a:spcPct val="100000"/>
+              </a:lnSpc>
+            </a:pPr>
+            <a:r>
+              <a:rPr lang="en-US" b="1" spc="-1" dirty="0">
+                <a:solidFill>
+                  <a:srgbClr val="000000"/>
+                </a:solidFill>
+                <a:latin typeface="맑은 고딕"/>
+                <a:ea typeface="DejaVu Sans"/>
+              </a:rPr>
+              <a:t>5</a:t>
+            </a:r>
+            <a:r>
+              <a:rPr lang="en-US" sz="1800" b="1" strike="noStrike" spc="-1" dirty="0">
+                <a:solidFill>
+                  <a:srgbClr val="000000"/>
+                </a:solidFill>
+                <a:latin typeface="맑은 고딕"/>
+                <a:ea typeface="DejaVu Sans"/>
+              </a:rPr>
+              <a:t>-1. Login</a:t>
+            </a:r>
+            <a:endParaRPr lang="en-US" sz="1800" b="0" strike="noStrike" spc="-1" dirty="0">
+              <a:latin typeface="Arial"/>
+            </a:endParaRPr>
+          </a:p>
+        </p:txBody>
+      </p:sp>
+    </p:spTree>
+  </p:cSld>
+  <p:clrMapOvr>
+    <a:masterClrMapping/>
+  </p:clrMapOvr>
+  <p:timing>
+    <p:tnLst>
+      <p:par>
+        <p:cTn id="1" dur="indefinite" restart="never" nodeType="tmRoot">
+          <p:childTnLst>
+            <p:seq>
+              <p:cTn id="2" dur="indefinite" nodeType="mainSeq"/>
+              <p:prevCondLst>
+                <p:cond evt="onPrev" delay="0">
+                  <p:tgtEl>
+                    <p:sldTgt/>
+                  </p:tgtEl>
+                </p:cond>
+              </p:prevCondLst>
+              <p:nextCondLst>
+                <p:cond evt="onNext" delay="0">
+                  <p:tgtEl>
+                    <p:sldTgt/>
+                  </p:tgtEl>
+                </p:cond>
+              </p:nextCondLst>
+            </p:seq>
+          </p:childTnLst>
+        </p:cTn>
+      </p:par>
+    </p:tnLst>
+  </p:timing>
+</p:sld>
+</file>
+
+<file path=ppt/slides/slide12.xml><?xml version="1.0" encoding="utf-8"?>
+<p:sld xmlns:a="http://schemas.openxmlformats.org/drawingml/2006/main" xmlns:r="http://schemas.openxmlformats.org/officeDocument/2006/relationships" xmlns:p="http://schemas.openxmlformats.org/presentationml/2006/main">
+  <p:cSld>
+    <p:spTree>
+      <p:nvGrpSpPr>
+        <p:cNvPr id="1" name=""/>
+        <p:cNvGrpSpPr/>
+        <p:nvPr/>
+      </p:nvGrpSpPr>
+      <p:grpSpPr>
+        <a:xfrm>
+          <a:off x="0" y="0"/>
+          <a:ext cx="0" cy="0"/>
+          <a:chOff x="0" y="0"/>
+          <a:chExt cx="0" cy="0"/>
+        </a:xfrm>
+      </p:grpSpPr>
+      <p:sp>
+        <p:nvSpPr>
+          <p:cNvPr id="64" name="CustomShape 1"/>
+          <p:cNvSpPr/>
+          <p:nvPr/>
+        </p:nvSpPr>
+        <p:spPr>
+          <a:xfrm>
+            <a:off x="690120" y="964440"/>
+            <a:ext cx="1778040" cy="5302800"/>
+          </a:xfrm>
+          <a:prstGeom prst="rect">
+            <a:avLst/>
+          </a:prstGeom>
+          <a:noFill/>
+          <a:ln w="9360">
+            <a:solidFill>
+              <a:schemeClr val="tx1"/>
+            </a:solidFill>
+            <a:round/>
+          </a:ln>
+        </p:spPr>
+        <p:style>
+          <a:lnRef idx="2">
+            <a:schemeClr val="accent1">
+              <a:shade val="50000"/>
+            </a:schemeClr>
+          </a:lnRef>
+          <a:fillRef idx="1">
+            <a:schemeClr val="accent1"/>
+          </a:fillRef>
+          <a:effectRef idx="0">
+            <a:schemeClr val="accent1"/>
+          </a:effectRef>
+          <a:fontRef idx="minor"/>
+        </p:style>
+      </p:sp>
+      <p:sp>
+        <p:nvSpPr>
+          <p:cNvPr id="65" name="CustomShape 2"/>
+          <p:cNvSpPr/>
+          <p:nvPr/>
+        </p:nvSpPr>
+        <p:spPr>
+          <a:xfrm>
+            <a:off x="3516120" y="947520"/>
+            <a:ext cx="4538160" cy="5319360"/>
+          </a:xfrm>
+          <a:prstGeom prst="rect">
+            <a:avLst/>
+          </a:prstGeom>
+          <a:noFill/>
+          <a:ln w="9360">
+            <a:solidFill>
+              <a:schemeClr val="tx1"/>
+            </a:solidFill>
+            <a:round/>
+          </a:ln>
+        </p:spPr>
+        <p:style>
+          <a:lnRef idx="2">
+            <a:schemeClr val="accent1">
+              <a:shade val="50000"/>
+            </a:schemeClr>
+          </a:lnRef>
+          <a:fillRef idx="1">
+            <a:schemeClr val="accent1"/>
+          </a:fillRef>
+          <a:effectRef idx="0">
+            <a:schemeClr val="accent1"/>
+          </a:effectRef>
+          <a:fontRef idx="minor"/>
+        </p:style>
+      </p:sp>
+      <p:sp>
+        <p:nvSpPr>
+          <p:cNvPr id="66" name="CustomShape 3"/>
+          <p:cNvSpPr/>
+          <p:nvPr/>
+        </p:nvSpPr>
+        <p:spPr>
+          <a:xfrm>
+            <a:off x="9875520" y="964440"/>
+            <a:ext cx="1473480" cy="5311080"/>
+          </a:xfrm>
+          <a:prstGeom prst="rect">
+            <a:avLst/>
+          </a:prstGeom>
+          <a:noFill/>
+          <a:ln w="9360">
+            <a:solidFill>
+              <a:schemeClr val="tx1"/>
+            </a:solidFill>
+            <a:round/>
+          </a:ln>
+        </p:spPr>
+        <p:style>
+          <a:lnRef idx="2">
+            <a:schemeClr val="accent1">
+              <a:shade val="50000"/>
+            </a:schemeClr>
+          </a:lnRef>
+          <a:fillRef idx="1">
+            <a:schemeClr val="accent1"/>
+          </a:fillRef>
+          <a:effectRef idx="0">
+            <a:schemeClr val="accent1"/>
+          </a:effectRef>
+          <a:fontRef idx="minor"/>
+        </p:style>
+      </p:sp>
+      <p:sp>
+        <p:nvSpPr>
+          <p:cNvPr id="67" name="CustomShape 4"/>
+          <p:cNvSpPr/>
+          <p:nvPr/>
+        </p:nvSpPr>
+        <p:spPr>
+          <a:xfrm>
+            <a:off x="3719880" y="5610960"/>
+            <a:ext cx="4130640" cy="481320"/>
+          </a:xfrm>
+          <a:prstGeom prst="rect">
+            <a:avLst/>
+          </a:prstGeom>
+          <a:ln>
+            <a:round/>
+          </a:ln>
+        </p:spPr>
+        <p:style>
+          <a:lnRef idx="2">
+            <a:schemeClr val="accent1">
+              <a:shade val="50000"/>
+            </a:schemeClr>
+          </a:lnRef>
+          <a:fillRef idx="1">
+            <a:schemeClr val="accent1"/>
+          </a:fillRef>
+          <a:effectRef idx="0">
+            <a:schemeClr val="accent1"/>
+          </a:effectRef>
+          <a:fontRef idx="minor"/>
+        </p:style>
+        <p:txBody>
+          <a:bodyPr lIns="90000" tIns="45000" rIns="90000" bIns="45000" anchor="ctr"/>
+          <a:lstStyle/>
+          <a:p>
+            <a:pPr algn="ctr">
+              <a:lnSpc>
+                <a:spcPct val="100000"/>
+              </a:lnSpc>
+            </a:pPr>
+            <a:r>
+              <a:rPr lang="en-US" sz="1400" b="0" strike="noStrike" spc="-1">
+                <a:solidFill>
+                  <a:srgbClr val="FFFFFF"/>
+                </a:solidFill>
+                <a:latin typeface="맑은 고딕"/>
+                <a:ea typeface="DejaVu Sans"/>
+              </a:rPr>
+              <a:t>Data base(MySQL)</a:t>
+            </a:r>
+            <a:endParaRPr lang="en-US" sz="1400" b="0" strike="noStrike" spc="-1">
+              <a:latin typeface="Arial"/>
+            </a:endParaRPr>
+          </a:p>
+        </p:txBody>
+      </p:sp>
+      <p:sp>
+        <p:nvSpPr>
+          <p:cNvPr id="68" name="CustomShape 5"/>
+          <p:cNvSpPr/>
+          <p:nvPr/>
+        </p:nvSpPr>
+        <p:spPr>
+          <a:xfrm>
+            <a:off x="1005840" y="595080"/>
+            <a:ext cx="939600" cy="303120"/>
+          </a:xfrm>
+          <a:prstGeom prst="rect">
+            <a:avLst/>
+          </a:prstGeom>
+          <a:noFill/>
+          <a:ln>
+            <a:noFill/>
+          </a:ln>
+        </p:spPr>
+        <p:style>
+          <a:lnRef idx="0">
+            <a:scrgbClr r="0" g="0" b="0"/>
+          </a:lnRef>
+          <a:fillRef idx="0">
+            <a:scrgbClr r="0" g="0" b="0"/>
+          </a:fillRef>
+          <a:effectRef idx="0">
+            <a:scrgbClr r="0" g="0" b="0"/>
+          </a:effectRef>
+          <a:fontRef idx="minor"/>
+        </p:style>
+        <p:txBody>
+          <a:bodyPr wrap="none" lIns="90000" tIns="45000" rIns="90000" bIns="45000"/>
+          <a:lstStyle/>
+          <a:p>
+            <a:pPr>
+              <a:lnSpc>
+                <a:spcPct val="100000"/>
+              </a:lnSpc>
+            </a:pPr>
+            <a:r>
+              <a:rPr lang="en-US" sz="1400" b="0" strike="noStrike" spc="-1">
+                <a:solidFill>
+                  <a:srgbClr val="000000"/>
+                </a:solidFill>
+                <a:latin typeface="맑은 고딕"/>
+                <a:ea typeface="DejaVu Sans"/>
+              </a:rPr>
+              <a:t>Frontend</a:t>
+            </a:r>
+            <a:endParaRPr lang="en-US" sz="1400" b="0" strike="noStrike" spc="-1">
+              <a:latin typeface="Arial"/>
+            </a:endParaRPr>
+          </a:p>
+        </p:txBody>
+      </p:sp>
+      <p:sp>
+        <p:nvSpPr>
+          <p:cNvPr id="69" name="CustomShape 6"/>
+          <p:cNvSpPr/>
+          <p:nvPr/>
+        </p:nvSpPr>
+        <p:spPr>
+          <a:xfrm>
+            <a:off x="5203800" y="578160"/>
+            <a:ext cx="901800" cy="303120"/>
+          </a:xfrm>
+          <a:prstGeom prst="rect">
+            <a:avLst/>
+          </a:prstGeom>
+          <a:noFill/>
+          <a:ln>
+            <a:noFill/>
+          </a:ln>
+        </p:spPr>
+        <p:style>
+          <a:lnRef idx="0">
+            <a:scrgbClr r="0" g="0" b="0"/>
+          </a:lnRef>
+          <a:fillRef idx="0">
+            <a:scrgbClr r="0" g="0" b="0"/>
+          </a:fillRef>
+          <a:effectRef idx="0">
+            <a:scrgbClr r="0" g="0" b="0"/>
+          </a:effectRef>
+          <a:fontRef idx="minor"/>
+        </p:style>
+        <p:txBody>
+          <a:bodyPr wrap="none" lIns="90000" tIns="45000" rIns="90000" bIns="45000"/>
+          <a:lstStyle/>
+          <a:p>
+            <a:pPr>
+              <a:lnSpc>
+                <a:spcPct val="100000"/>
+              </a:lnSpc>
+            </a:pPr>
+            <a:r>
+              <a:rPr lang="en-US" sz="1400" b="0" strike="noStrike" spc="-1">
+                <a:solidFill>
+                  <a:srgbClr val="000000"/>
+                </a:solidFill>
+                <a:latin typeface="맑은 고딕"/>
+                <a:ea typeface="DejaVu Sans"/>
+              </a:rPr>
+              <a:t>Backend</a:t>
+            </a:r>
+            <a:endParaRPr lang="en-US" sz="1400" b="0" strike="noStrike" spc="-1">
+              <a:latin typeface="Arial"/>
+            </a:endParaRPr>
+          </a:p>
+        </p:txBody>
+      </p:sp>
+      <p:sp>
+        <p:nvSpPr>
+          <p:cNvPr id="70" name="Line 7"/>
+          <p:cNvSpPr/>
+          <p:nvPr/>
+        </p:nvSpPr>
+        <p:spPr>
+          <a:xfrm>
+            <a:off x="8952480" y="398880"/>
+            <a:ext cx="360" cy="6342480"/>
+          </a:xfrm>
+          <a:prstGeom prst="line">
+            <a:avLst/>
+          </a:prstGeom>
+          <a:ln>
+            <a:solidFill>
+              <a:schemeClr val="tx1"/>
+            </a:solidFill>
+            <a:custDash>
+              <a:ds d="900000" sp="600000"/>
+            </a:custDash>
+            <a:round/>
+          </a:ln>
+        </p:spPr>
+        <p:style>
+          <a:lnRef idx="1">
+            <a:schemeClr val="accent1"/>
+          </a:lnRef>
+          <a:fillRef idx="0">
+            <a:schemeClr val="accent1"/>
+          </a:fillRef>
+          <a:effectRef idx="0">
+            <a:schemeClr val="accent1"/>
+          </a:effectRef>
+          <a:fontRef idx="minor"/>
+        </p:style>
+      </p:sp>
+      <p:sp>
+        <p:nvSpPr>
+          <p:cNvPr id="71" name="CustomShape 8"/>
+          <p:cNvSpPr/>
+          <p:nvPr/>
+        </p:nvSpPr>
+        <p:spPr>
+          <a:xfrm>
+            <a:off x="9714600" y="595080"/>
+            <a:ext cx="1444320" cy="303120"/>
+          </a:xfrm>
+          <a:prstGeom prst="rect">
+            <a:avLst/>
+          </a:prstGeom>
+          <a:noFill/>
+          <a:ln>
+            <a:noFill/>
+          </a:ln>
+        </p:spPr>
+        <p:style>
+          <a:lnRef idx="0">
+            <a:scrgbClr r="0" g="0" b="0"/>
+          </a:lnRef>
+          <a:fillRef idx="0">
+            <a:scrgbClr r="0" g="0" b="0"/>
+          </a:fillRef>
+          <a:effectRef idx="0">
+            <a:scrgbClr r="0" g="0" b="0"/>
+          </a:effectRef>
+          <a:fontRef idx="minor"/>
+        </p:style>
+        <p:txBody>
+          <a:bodyPr wrap="none" lIns="90000" tIns="45000" rIns="90000" bIns="45000"/>
+          <a:lstStyle/>
+          <a:p>
+            <a:pPr>
+              <a:lnSpc>
+                <a:spcPct val="100000"/>
+              </a:lnSpc>
+            </a:pPr>
+            <a:r>
+              <a:rPr lang="en-US" sz="1400" b="0" strike="noStrike" spc="-1">
+                <a:solidFill>
+                  <a:srgbClr val="000000"/>
+                </a:solidFill>
+                <a:latin typeface="맑은 고딕"/>
+                <a:ea typeface="DejaVu Sans"/>
+              </a:rPr>
+              <a:t>Smart Contract</a:t>
+            </a:r>
+            <a:endParaRPr lang="en-US" sz="1400" b="0" strike="noStrike" spc="-1">
+              <a:latin typeface="Arial"/>
+            </a:endParaRPr>
+          </a:p>
+        </p:txBody>
+      </p:sp>
+      <p:sp>
+        <p:nvSpPr>
+          <p:cNvPr id="72" name="CustomShape 9"/>
+          <p:cNvSpPr/>
+          <p:nvPr/>
+        </p:nvSpPr>
+        <p:spPr>
+          <a:xfrm>
+            <a:off x="2468880" y="1546200"/>
+            <a:ext cx="1046520" cy="360"/>
+          </a:xfrm>
+          <a:custGeom>
+            <a:avLst/>
+            <a:gdLst/>
+            <a:ahLst/>
+            <a:cxnLst/>
+            <a:rect l="l" t="t" r="r" b="b"/>
+            <a:pathLst>
+              <a:path w="21600" h="21600">
+                <a:moveTo>
+                  <a:pt x="0" y="0"/>
+                </a:moveTo>
+                <a:lnTo>
+                  <a:pt x="21600" y="21600"/>
+                </a:lnTo>
+              </a:path>
+            </a:pathLst>
+          </a:custGeom>
+          <a:noFill/>
+          <a:ln>
+            <a:solidFill>
+              <a:srgbClr val="5597D3"/>
+            </a:solidFill>
+            <a:round/>
+            <a:tailEnd type="triangle" w="med" len="med"/>
+          </a:ln>
+        </p:spPr>
+        <p:style>
+          <a:lnRef idx="1">
+            <a:schemeClr val="accent1"/>
+          </a:lnRef>
+          <a:fillRef idx="0">
+            <a:schemeClr val="accent1"/>
+          </a:fillRef>
+          <a:effectRef idx="0">
+            <a:schemeClr val="accent1"/>
+          </a:effectRef>
+          <a:fontRef idx="minor"/>
+        </p:style>
+      </p:sp>
+      <p:sp>
+        <p:nvSpPr>
+          <p:cNvPr id="74" name="CustomShape 11"/>
+          <p:cNvSpPr/>
+          <p:nvPr/>
+        </p:nvSpPr>
+        <p:spPr>
+          <a:xfrm>
+            <a:off x="8055000" y="2377440"/>
+            <a:ext cx="1819800" cy="360"/>
+          </a:xfrm>
+          <a:custGeom>
+            <a:avLst/>
+            <a:gdLst/>
+            <a:ahLst/>
+            <a:cxnLst/>
+            <a:rect l="l" t="t" r="r" b="b"/>
+            <a:pathLst>
+              <a:path w="21600" h="21600">
+                <a:moveTo>
+                  <a:pt x="0" y="0"/>
+                </a:moveTo>
+                <a:lnTo>
+                  <a:pt x="21600" y="21600"/>
+                </a:lnTo>
+              </a:path>
+            </a:pathLst>
+          </a:custGeom>
+          <a:noFill/>
+          <a:ln>
+            <a:solidFill>
+              <a:srgbClr val="5597D3"/>
+            </a:solidFill>
+            <a:round/>
+            <a:tailEnd type="triangle" w="med" len="med"/>
+          </a:ln>
+        </p:spPr>
+        <p:style>
+          <a:lnRef idx="1">
+            <a:schemeClr val="accent1"/>
+          </a:lnRef>
+          <a:fillRef idx="0">
+            <a:schemeClr val="accent1"/>
+          </a:fillRef>
+          <a:effectRef idx="0">
+            <a:schemeClr val="accent1"/>
+          </a:effectRef>
+          <a:fontRef idx="minor"/>
+        </p:style>
+      </p:sp>
+      <p:sp>
+        <p:nvSpPr>
+          <p:cNvPr id="75" name="CustomShape 12"/>
+          <p:cNvSpPr/>
+          <p:nvPr/>
+        </p:nvSpPr>
+        <p:spPr>
+          <a:xfrm>
+            <a:off x="8141400" y="1946520"/>
+            <a:ext cx="1622520" cy="364320"/>
+          </a:xfrm>
+          <a:prstGeom prst="rect">
+            <a:avLst/>
+          </a:prstGeom>
+          <a:noFill/>
+          <a:ln>
+            <a:noFill/>
+          </a:ln>
+        </p:spPr>
+        <p:style>
+          <a:lnRef idx="0">
+            <a:scrgbClr r="0" g="0" b="0"/>
+          </a:lnRef>
+          <a:fillRef idx="0">
+            <a:scrgbClr r="0" g="0" b="0"/>
+          </a:fillRef>
+          <a:effectRef idx="0">
+            <a:scrgbClr r="0" g="0" b="0"/>
+          </a:effectRef>
+          <a:fontRef idx="minor"/>
+        </p:style>
+        <p:txBody>
+          <a:bodyPr wrap="none" lIns="90000" tIns="45000" rIns="90000" bIns="45000"/>
+          <a:lstStyle/>
+          <a:p>
+            <a:pPr>
+              <a:lnSpc>
+                <a:spcPct val="100000"/>
+              </a:lnSpc>
+            </a:pPr>
+            <a:r>
+              <a:rPr lang="en-US" sz="1800" b="0" strike="noStrike" spc="-1">
+                <a:solidFill>
+                  <a:srgbClr val="000000"/>
+                </a:solidFill>
+                <a:latin typeface="맑은 고딕"/>
+                <a:ea typeface="DejaVu Sans"/>
+              </a:rPr>
+              <a:t>Valid Account</a:t>
+            </a:r>
+            <a:endParaRPr lang="en-US" sz="1800" b="0" strike="noStrike" spc="-1">
+              <a:latin typeface="Arial"/>
+            </a:endParaRPr>
+          </a:p>
+        </p:txBody>
+      </p:sp>
+      <p:sp>
+        <p:nvSpPr>
+          <p:cNvPr id="76" name="CustomShape 13"/>
+          <p:cNvSpPr/>
+          <p:nvPr/>
+        </p:nvSpPr>
+        <p:spPr>
+          <a:xfrm flipH="1">
+            <a:off x="8054280" y="4048200"/>
+            <a:ext cx="1819800" cy="360"/>
+          </a:xfrm>
+          <a:custGeom>
+            <a:avLst/>
+            <a:gdLst/>
+            <a:ahLst/>
+            <a:cxnLst/>
+            <a:rect l="l" t="t" r="r" b="b"/>
+            <a:pathLst>
+              <a:path w="21600" h="21600">
+                <a:moveTo>
+                  <a:pt x="0" y="0"/>
+                </a:moveTo>
+                <a:lnTo>
+                  <a:pt x="21600" y="21600"/>
+                </a:lnTo>
+              </a:path>
+            </a:pathLst>
+          </a:custGeom>
+          <a:noFill/>
+          <a:ln>
+            <a:solidFill>
+              <a:srgbClr val="5597D3"/>
+            </a:solidFill>
+            <a:round/>
+            <a:tailEnd type="triangle" w="med" len="med"/>
+          </a:ln>
+        </p:spPr>
+        <p:style>
+          <a:lnRef idx="1">
+            <a:schemeClr val="accent1"/>
+          </a:lnRef>
+          <a:fillRef idx="0">
+            <a:schemeClr val="accent1"/>
+          </a:fillRef>
+          <a:effectRef idx="0">
+            <a:schemeClr val="accent1"/>
+          </a:effectRef>
+          <a:fontRef idx="minor"/>
+        </p:style>
+      </p:sp>
+      <p:sp>
+        <p:nvSpPr>
+          <p:cNvPr id="77" name="CustomShape 14"/>
+          <p:cNvSpPr/>
+          <p:nvPr/>
+        </p:nvSpPr>
+        <p:spPr>
+          <a:xfrm flipH="1">
+            <a:off x="2468160" y="4730040"/>
+            <a:ext cx="1046520" cy="360"/>
+          </a:xfrm>
+          <a:custGeom>
+            <a:avLst/>
+            <a:gdLst/>
+            <a:ahLst/>
+            <a:cxnLst/>
+            <a:rect l="l" t="t" r="r" b="b"/>
+            <a:pathLst>
+              <a:path w="21600" h="21600">
+                <a:moveTo>
+                  <a:pt x="0" y="0"/>
+                </a:moveTo>
+                <a:lnTo>
+                  <a:pt x="21600" y="21600"/>
+                </a:lnTo>
+              </a:path>
+            </a:pathLst>
+          </a:custGeom>
+          <a:noFill/>
+          <a:ln>
+            <a:solidFill>
+              <a:srgbClr val="5597D3"/>
+            </a:solidFill>
+            <a:round/>
+            <a:tailEnd type="triangle" w="med" len="med"/>
+          </a:ln>
+        </p:spPr>
+        <p:style>
+          <a:lnRef idx="1">
+            <a:schemeClr val="accent1"/>
+          </a:lnRef>
+          <a:fillRef idx="0">
+            <a:schemeClr val="accent1"/>
+          </a:fillRef>
+          <a:effectRef idx="0">
+            <a:schemeClr val="accent1"/>
+          </a:effectRef>
+          <a:fontRef idx="minor"/>
+        </p:style>
+      </p:sp>
+      <p:sp>
+        <p:nvSpPr>
+          <p:cNvPr id="2" name="CustomShape 10">
+            <a:extLst>
+              <a:ext uri="{FF2B5EF4-FFF2-40B4-BE49-F238E27FC236}">
+                <a16:creationId xmlns:a16="http://schemas.microsoft.com/office/drawing/2014/main" id="{0C87964C-C32E-4AC8-B5A4-729268EE87BD}"/>
+              </a:ext>
+            </a:extLst>
+          </p:cNvPr>
+          <p:cNvSpPr/>
+          <p:nvPr/>
+        </p:nvSpPr>
+        <p:spPr>
+          <a:xfrm>
+            <a:off x="406800" y="199440"/>
+            <a:ext cx="7403400" cy="364320"/>
+          </a:xfrm>
+          <a:prstGeom prst="rect">
+            <a:avLst/>
+          </a:prstGeom>
+          <a:noFill/>
+          <a:ln>
+            <a:noFill/>
+          </a:ln>
+        </p:spPr>
+        <p:style>
+          <a:lnRef idx="0">
+            <a:scrgbClr r="0" g="0" b="0"/>
+          </a:lnRef>
+          <a:fillRef idx="0">
+            <a:scrgbClr r="0" g="0" b="0"/>
+          </a:fillRef>
+          <a:effectRef idx="0">
+            <a:scrgbClr r="0" g="0" b="0"/>
+          </a:effectRef>
+          <a:fontRef idx="minor"/>
+        </p:style>
+        <p:txBody>
+          <a:bodyPr wrap="none" lIns="90000" tIns="45000" rIns="90000" bIns="45000"/>
+          <a:lstStyle/>
+          <a:p>
+            <a:pPr>
+              <a:lnSpc>
+                <a:spcPct val="100000"/>
+              </a:lnSpc>
+            </a:pPr>
+            <a:r>
+              <a:rPr lang="en-US" b="1" spc="-1" dirty="0">
+                <a:solidFill>
+                  <a:srgbClr val="000000"/>
+                </a:solidFill>
+                <a:latin typeface="맑은 고딕"/>
+                <a:ea typeface="DejaVu Sans"/>
+              </a:rPr>
+              <a:t>5</a:t>
+            </a:r>
+            <a:r>
+              <a:rPr lang="en-US" sz="1800" b="1" strike="noStrike" spc="-1" dirty="0">
+                <a:solidFill>
+                  <a:srgbClr val="000000"/>
+                </a:solidFill>
+                <a:latin typeface="맑은 고딕"/>
+                <a:ea typeface="DejaVu Sans"/>
+              </a:rPr>
+              <a:t>-2. </a:t>
+            </a:r>
+            <a:r>
+              <a:rPr lang="en-US" altLang="ko-KR" sz="1800" b="1" strike="noStrike" spc="-1" dirty="0">
+                <a:solidFill>
+                  <a:srgbClr val="000000"/>
+                </a:solidFill>
+                <a:latin typeface="맑은 고딕"/>
+                <a:ea typeface="DejaVu Sans"/>
+              </a:rPr>
+              <a:t>내 </a:t>
+            </a:r>
+            <a:r>
+              <a:rPr lang="en-US" altLang="ko-KR" sz="1800" b="1" strike="noStrike" spc="-1" dirty="0" err="1">
+                <a:solidFill>
+                  <a:srgbClr val="000000"/>
+                </a:solidFill>
+                <a:latin typeface="맑은 고딕"/>
+                <a:ea typeface="DejaVu Sans"/>
+              </a:rPr>
+              <a:t>정보</a:t>
+            </a:r>
+            <a:r>
+              <a:rPr lang="en-US" altLang="ko-KR" sz="1800" b="1" strike="noStrike" spc="-1" dirty="0">
+                <a:solidFill>
+                  <a:srgbClr val="000000"/>
+                </a:solidFill>
+                <a:latin typeface="맑은 고딕"/>
+                <a:ea typeface="DejaVu Sans"/>
+              </a:rPr>
+              <a:t> </a:t>
+            </a:r>
+            <a:r>
+              <a:rPr lang="en-US" altLang="ko-KR" sz="1800" b="1" strike="noStrike" spc="-1" dirty="0" err="1">
+                <a:solidFill>
+                  <a:srgbClr val="000000"/>
+                </a:solidFill>
+                <a:latin typeface="맑은 고딕"/>
+                <a:ea typeface="DejaVu Sans"/>
+              </a:rPr>
+              <a:t>조회</a:t>
+            </a:r>
+            <a:r>
+              <a:rPr lang="en-US" altLang="ko-KR" sz="1800" b="1" strike="noStrike" spc="-1" dirty="0">
+                <a:solidFill>
+                  <a:srgbClr val="000000"/>
+                </a:solidFill>
+                <a:latin typeface="맑은 고딕"/>
+                <a:ea typeface="DejaVu Sans"/>
+              </a:rPr>
+              <a:t>(</a:t>
+            </a:r>
+            <a:r>
+              <a:rPr lang="en-US" altLang="ko-KR" sz="1800" b="1" strike="noStrike" spc="-1" dirty="0" err="1">
+                <a:solidFill>
+                  <a:srgbClr val="000000"/>
+                </a:solidFill>
+                <a:latin typeface="맑은 고딕"/>
+                <a:ea typeface="DejaVu Sans"/>
+              </a:rPr>
+              <a:t>잔고</a:t>
+            </a:r>
+            <a:r>
+              <a:rPr lang="en-US" altLang="ko-KR" sz="1800" b="1" strike="noStrike" spc="-1" dirty="0">
+                <a:solidFill>
+                  <a:srgbClr val="000000"/>
+                </a:solidFill>
+                <a:latin typeface="맑은 고딕"/>
+                <a:ea typeface="DejaVu Sans"/>
+              </a:rPr>
+              <a:t>, </a:t>
+            </a:r>
+            <a:r>
+              <a:rPr lang="en-US" altLang="ko-KR" sz="1800" b="1" strike="noStrike" spc="-1" dirty="0" err="1">
+                <a:solidFill>
+                  <a:srgbClr val="000000"/>
+                </a:solidFill>
+                <a:latin typeface="맑은 고딕"/>
+                <a:ea typeface="DejaVu Sans"/>
+              </a:rPr>
+              <a:t>투표</a:t>
+            </a:r>
+            <a:r>
+              <a:rPr lang="en-US" altLang="ko-KR" sz="1800" b="1" strike="noStrike" spc="-1" dirty="0">
+                <a:solidFill>
+                  <a:srgbClr val="000000"/>
+                </a:solidFill>
+                <a:latin typeface="맑은 고딕"/>
+                <a:ea typeface="DejaVu Sans"/>
+              </a:rPr>
+              <a:t> </a:t>
+            </a:r>
+            <a:r>
+              <a:rPr lang="en-US" altLang="ko-KR" sz="1800" b="1" strike="noStrike" spc="-1" dirty="0" err="1">
+                <a:solidFill>
+                  <a:srgbClr val="000000"/>
+                </a:solidFill>
+                <a:latin typeface="맑은 고딕"/>
+                <a:ea typeface="DejaVu Sans"/>
+              </a:rPr>
+              <a:t>현황</a:t>
+            </a:r>
+            <a:r>
+              <a:rPr lang="en-US" altLang="ko-KR" sz="1800" b="1" strike="noStrike" spc="-1" dirty="0">
+                <a:solidFill>
+                  <a:srgbClr val="000000"/>
+                </a:solidFill>
+                <a:latin typeface="맑은 고딕"/>
+                <a:ea typeface="DejaVu Sans"/>
+              </a:rPr>
+              <a:t>, </a:t>
+            </a:r>
+            <a:r>
+              <a:rPr lang="en-US" altLang="ko-KR" sz="1800" b="1" strike="noStrike" spc="-1" dirty="0" err="1">
+                <a:solidFill>
+                  <a:srgbClr val="000000"/>
+                </a:solidFill>
+                <a:latin typeface="맑은 고딕"/>
+                <a:ea typeface="DejaVu Sans"/>
+              </a:rPr>
+              <a:t>리워드</a:t>
+            </a:r>
+            <a:r>
+              <a:rPr lang="en-US" altLang="ko-KR" sz="1800" b="1" strike="noStrike" spc="-1" dirty="0">
+                <a:solidFill>
+                  <a:srgbClr val="000000"/>
+                </a:solidFill>
+                <a:latin typeface="맑은 고딕"/>
+                <a:ea typeface="DejaVu Sans"/>
+              </a:rPr>
+              <a:t> </a:t>
+            </a:r>
+            <a:r>
+              <a:rPr lang="en-US" altLang="ko-KR" sz="1800" b="1" strike="noStrike" spc="-1" dirty="0" err="1">
+                <a:solidFill>
+                  <a:srgbClr val="000000"/>
+                </a:solidFill>
+                <a:latin typeface="맑은 고딕"/>
+                <a:ea typeface="DejaVu Sans"/>
+              </a:rPr>
+              <a:t>현황</a:t>
+            </a:r>
+            <a:r>
+              <a:rPr lang="en-US" altLang="ko-KR" sz="1800" b="1" strike="noStrike" spc="-1" dirty="0">
+                <a:solidFill>
+                  <a:srgbClr val="000000"/>
+                </a:solidFill>
+                <a:latin typeface="맑은 고딕"/>
+                <a:ea typeface="DejaVu Sans"/>
+              </a:rPr>
+              <a:t>) </a:t>
+            </a:r>
+            <a:endParaRPr lang="en-US" sz="1800" b="0" strike="noStrike" spc="-1" dirty="0">
+              <a:latin typeface="Arial"/>
+            </a:endParaRPr>
+          </a:p>
+        </p:txBody>
+      </p:sp>
+    </p:spTree>
+  </p:cSld>
+  <p:clrMapOvr>
+    <a:masterClrMapping/>
+  </p:clrMapOvr>
+  <p:timing>
+    <p:tnLst>
+      <p:par>
+        <p:cTn id="1" dur="indefinite" restart="never" nodeType="tmRoot">
+          <p:childTnLst>
+            <p:seq>
+              <p:cTn id="2" dur="indefinite" nodeType="mainSeq"/>
+              <p:prevCondLst>
+                <p:cond evt="onPrev" delay="0">
+                  <p:tgtEl>
+                    <p:sldTgt/>
+                  </p:tgtEl>
+                </p:cond>
+              </p:prevCondLst>
+              <p:nextCondLst>
+                <p:cond evt="onNext" delay="0">
+                  <p:tgtEl>
+                    <p:sldTgt/>
+                  </p:tgtEl>
+                </p:cond>
+              </p:nextCondLst>
+            </p:seq>
+          </p:childTnLst>
+        </p:cTn>
+      </p:par>
+    </p:tnLst>
+  </p:timing>
+</p:sld>
+</file>
+
+<file path=ppt/slides/slide13.xml><?xml version="1.0" encoding="utf-8"?>
+<p:sld xmlns:a="http://schemas.openxmlformats.org/drawingml/2006/main" xmlns:r="http://schemas.openxmlformats.org/officeDocument/2006/relationships" xmlns:p="http://schemas.openxmlformats.org/presentationml/2006/main">
+  <p:cSld>
+    <p:spTree>
+      <p:nvGrpSpPr>
+        <p:cNvPr id="1" name=""/>
+        <p:cNvGrpSpPr/>
+        <p:nvPr/>
+      </p:nvGrpSpPr>
+      <p:grpSpPr>
+        <a:xfrm>
+          <a:off x="0" y="0"/>
+          <a:ext cx="0" cy="0"/>
+          <a:chOff x="0" y="0"/>
+          <a:chExt cx="0" cy="0"/>
+        </a:xfrm>
+      </p:grpSpPr>
+      <p:sp>
+        <p:nvSpPr>
           <p:cNvPr id="78" name="CustomShape 1"/>
           <p:cNvSpPr/>
           <p:nvPr/>
@@ -3884,7 +6314,7 @@
 </p:sld>
 </file>
 
-<file path=ppt/slides/slide11.xml><?xml version="1.0" encoding="utf-8"?>
+<file path=ppt/slides/slide14.xml><?xml version="1.0" encoding="utf-8"?>
 <p:sld xmlns:a="http://schemas.openxmlformats.org/drawingml/2006/main" xmlns:r="http://schemas.openxmlformats.org/officeDocument/2006/relationships" xmlns:p="http://schemas.openxmlformats.org/presentationml/2006/main">
   <p:cSld>
     <p:spTree>
@@ -8483,7 +10913,7 @@
 </p:sld>
 </file>
 
-<file path=ppt/slides/slide12.xml><?xml version="1.0" encoding="utf-8"?>
+<file path=ppt/slides/slide15.xml><?xml version="1.0" encoding="utf-8"?>
 <p:sld xmlns:a="http://schemas.openxmlformats.org/drawingml/2006/main" xmlns:r="http://schemas.openxmlformats.org/officeDocument/2006/relationships" xmlns:p="http://schemas.openxmlformats.org/presentationml/2006/main">
   <p:cSld>
     <p:spTree>
@@ -12816,7 +15246,7 @@
 </p:sld>
 </file>
 
-<file path=ppt/slides/slide13.xml><?xml version="1.0" encoding="utf-8"?>
+<file path=ppt/slides/slide16.xml><?xml version="1.0" encoding="utf-8"?>
 <p:sld xmlns:a="http://schemas.openxmlformats.org/drawingml/2006/main" xmlns:r="http://schemas.openxmlformats.org/officeDocument/2006/relationships" xmlns:p="http://schemas.openxmlformats.org/presentationml/2006/main">
   <p:cSld>
     <p:spTree>
@@ -14849,7 +17279,7 @@
 </p:sld>
 </file>
 
-<file path=ppt/slides/slide14.xml><?xml version="1.0" encoding="utf-8"?>
+<file path=ppt/slides/slide17.xml><?xml version="1.0" encoding="utf-8"?>
 <p:sld xmlns:a="http://schemas.openxmlformats.org/drawingml/2006/main" xmlns:r="http://schemas.openxmlformats.org/officeDocument/2006/relationships" xmlns:p="http://schemas.openxmlformats.org/presentationml/2006/main">
   <p:cSld>
     <p:spTree>
@@ -17913,7 +20343,7 @@
 </p:sld>
 </file>
 
-<file path=ppt/slides/slide15.xml><?xml version="1.0" encoding="utf-8"?>
+<file path=ppt/slides/slide18.xml><?xml version="1.0" encoding="utf-8"?>
 <p:sld xmlns:a="http://schemas.openxmlformats.org/drawingml/2006/main" xmlns:r="http://schemas.openxmlformats.org/officeDocument/2006/relationships" xmlns:p="http://schemas.openxmlformats.org/presentationml/2006/main">
   <p:cSld>
     <p:spTree>
@@ -20568,7 +22998,7 @@
 </p:sld>
 </file>
 
-<file path=ppt/slides/slide16.xml><?xml version="1.0" encoding="utf-8"?>
+<file path=ppt/slides/slide19.xml><?xml version="1.0" encoding="utf-8"?>
 <p:sld xmlns:a="http://schemas.openxmlformats.org/drawingml/2006/main" xmlns:r="http://schemas.openxmlformats.org/officeDocument/2006/relationships" xmlns:p="http://schemas.openxmlformats.org/presentationml/2006/main">
   <p:cSld>
     <p:spTree>
@@ -22794,241 +25224,6 @@
         <p14:creationId xmlns:p14="http://schemas.microsoft.com/office/powerpoint/2010/main" val="993974368"/>
       </p:ext>
     </p:extLst>
-  </p:cSld>
-  <p:clrMapOvr>
-    <a:masterClrMapping/>
-  </p:clrMapOvr>
-  <p:timing>
-    <p:tnLst>
-      <p:par>
-        <p:cTn id="1" dur="indefinite" restart="never" nodeType="tmRoot">
-          <p:childTnLst>
-            <p:seq>
-              <p:cTn id="2" dur="indefinite" nodeType="mainSeq"/>
-              <p:prevCondLst>
-                <p:cond evt="onPrev" delay="0">
-                  <p:tgtEl>
-                    <p:sldTgt/>
-                  </p:tgtEl>
-                </p:cond>
-              </p:prevCondLst>
-              <p:nextCondLst>
-                <p:cond evt="onNext" delay="0">
-                  <p:tgtEl>
-                    <p:sldTgt/>
-                  </p:tgtEl>
-                </p:cond>
-              </p:nextCondLst>
-            </p:seq>
-          </p:childTnLst>
-        </p:cTn>
-      </p:par>
-    </p:tnLst>
-  </p:timing>
-</p:sld>
-</file>
-
-<file path=ppt/slides/slide17.xml><?xml version="1.0" encoding="utf-8"?>
-<p:sld xmlns:a="http://schemas.openxmlformats.org/drawingml/2006/main" xmlns:r="http://schemas.openxmlformats.org/officeDocument/2006/relationships" xmlns:p="http://schemas.openxmlformats.org/presentationml/2006/main">
-  <p:cSld>
-    <p:spTree>
-      <p:nvGrpSpPr>
-        <p:cNvPr id="1" name=""/>
-        <p:cNvGrpSpPr/>
-        <p:nvPr/>
-      </p:nvGrpSpPr>
-      <p:grpSpPr>
-        <a:xfrm>
-          <a:off x="0" y="0"/>
-          <a:ext cx="0" cy="0"/>
-          <a:chOff x="0" y="0"/>
-          <a:chExt cx="0" cy="0"/>
-        </a:xfrm>
-      </p:grpSpPr>
-      <p:sp>
-        <p:nvSpPr>
-          <p:cNvPr id="107" name="CustomShape 2"/>
-          <p:cNvSpPr/>
-          <p:nvPr/>
-        </p:nvSpPr>
-        <p:spPr>
-          <a:xfrm>
-            <a:off x="866160" y="1188720"/>
-            <a:ext cx="3306600" cy="912960"/>
-          </a:xfrm>
-          <a:prstGeom prst="rect">
-            <a:avLst/>
-          </a:prstGeom>
-          <a:noFill/>
-          <a:ln>
-            <a:noFill/>
-          </a:ln>
-        </p:spPr>
-        <p:style>
-          <a:lnRef idx="0">
-            <a:scrgbClr r="0" g="0" b="0"/>
-          </a:lnRef>
-          <a:fillRef idx="0">
-            <a:scrgbClr r="0" g="0" b="0"/>
-          </a:fillRef>
-          <a:effectRef idx="0">
-            <a:scrgbClr r="0" g="0" b="0"/>
-          </a:effectRef>
-          <a:fontRef idx="minor"/>
-        </p:style>
-        <p:txBody>
-          <a:bodyPr wrap="none" lIns="90000" tIns="45000" rIns="90000" bIns="45000"/>
-          <a:lstStyle/>
-          <a:p>
-            <a:pPr marL="343080" indent="-342360">
-              <a:lnSpc>
-                <a:spcPct val="100000"/>
-              </a:lnSpc>
-              <a:buClr>
-                <a:srgbClr val="000000"/>
-              </a:buClr>
-              <a:buFont typeface="StarSymbol"/>
-              <a:buAutoNum type="arabicPeriod"/>
-            </a:pPr>
-            <a:r>
-              <a:rPr lang="en-US" sz="1800" b="0" strike="noStrike" spc="-1">
-                <a:solidFill>
-                  <a:srgbClr val="000000"/>
-                </a:solidFill>
-                <a:latin typeface="맑은 고딕"/>
-                <a:ea typeface="DejaVu Sans"/>
-              </a:rPr>
-              <a:t>낙전 처리 </a:t>
-            </a:r>
-            <a:endParaRPr lang="en-US" sz="1800" b="0" strike="noStrike" spc="-1">
-              <a:latin typeface="Arial"/>
-            </a:endParaRPr>
-          </a:p>
-          <a:p>
-            <a:pPr marL="343080" indent="-342360">
-              <a:lnSpc>
-                <a:spcPct val="100000"/>
-              </a:lnSpc>
-              <a:buClr>
-                <a:srgbClr val="000000"/>
-              </a:buClr>
-              <a:buFont typeface="StarSymbol"/>
-              <a:buAutoNum type="arabicPeriod"/>
-            </a:pPr>
-            <a:r>
-              <a:rPr lang="en-US" sz="1800" b="0" strike="noStrike" spc="-1">
-                <a:solidFill>
-                  <a:srgbClr val="000000"/>
-                </a:solidFill>
-                <a:latin typeface="맑은 고딕"/>
-                <a:ea typeface="DejaVu Sans"/>
-              </a:rPr>
-              <a:t>평가 기간</a:t>
-            </a:r>
-            <a:endParaRPr lang="en-US" sz="1800" b="0" strike="noStrike" spc="-1">
-              <a:latin typeface="Arial"/>
-            </a:endParaRPr>
-          </a:p>
-          <a:p>
-            <a:pPr marL="343080" indent="-342360">
-              <a:lnSpc>
-                <a:spcPct val="100000"/>
-              </a:lnSpc>
-              <a:buClr>
-                <a:srgbClr val="000000"/>
-              </a:buClr>
-              <a:buFont typeface="StarSymbol"/>
-              <a:buAutoNum type="arabicPeriod"/>
-            </a:pPr>
-            <a:r>
-              <a:rPr lang="en-US" sz="1800" b="0" strike="noStrike" spc="-1">
-                <a:solidFill>
-                  <a:srgbClr val="000000"/>
-                </a:solidFill>
-                <a:latin typeface="맑은 고딕"/>
-                <a:ea typeface="DejaVu Sans"/>
-              </a:rPr>
-              <a:t>투표 대상 기업 변경 가능 여부</a:t>
-            </a:r>
-            <a:endParaRPr lang="en-US" sz="1800" b="0" strike="noStrike" spc="-1">
-              <a:latin typeface="Arial"/>
-            </a:endParaRPr>
-          </a:p>
-        </p:txBody>
-      </p:sp>
-      <p:sp>
-        <p:nvSpPr>
-          <p:cNvPr id="3" name="CustomShape 10">
-            <a:extLst>
-              <a:ext uri="{FF2B5EF4-FFF2-40B4-BE49-F238E27FC236}">
-                <a16:creationId xmlns:a16="http://schemas.microsoft.com/office/drawing/2014/main" id="{9AC32464-F6FB-4F2E-BEA2-5E12707C54D8}"/>
-              </a:ext>
-            </a:extLst>
-          </p:cNvPr>
-          <p:cNvSpPr/>
-          <p:nvPr/>
-        </p:nvSpPr>
-        <p:spPr>
-          <a:xfrm>
-            <a:off x="406800" y="199440"/>
-            <a:ext cx="7403400" cy="364320"/>
-          </a:xfrm>
-          <a:prstGeom prst="rect">
-            <a:avLst/>
-          </a:prstGeom>
-          <a:noFill/>
-          <a:ln>
-            <a:noFill/>
-          </a:ln>
-        </p:spPr>
-        <p:style>
-          <a:lnRef idx="0">
-            <a:scrgbClr r="0" g="0" b="0"/>
-          </a:lnRef>
-          <a:fillRef idx="0">
-            <a:scrgbClr r="0" g="0" b="0"/>
-          </a:fillRef>
-          <a:effectRef idx="0">
-            <a:scrgbClr r="0" g="0" b="0"/>
-          </a:effectRef>
-          <a:fontRef idx="minor"/>
-        </p:style>
-        <p:txBody>
-          <a:bodyPr wrap="none" lIns="90000" tIns="45000" rIns="90000" bIns="45000"/>
-          <a:lstStyle/>
-          <a:p>
-            <a:pPr>
-              <a:lnSpc>
-                <a:spcPct val="100000"/>
-              </a:lnSpc>
-            </a:pPr>
-            <a:r>
-              <a:rPr lang="en-US" b="1" spc="-1" dirty="0">
-                <a:solidFill>
-                  <a:srgbClr val="000000"/>
-                </a:solidFill>
-                <a:latin typeface="맑은 고딕"/>
-                <a:ea typeface="DejaVu Sans"/>
-              </a:rPr>
-              <a:t>8. </a:t>
-            </a:r>
-            <a:r>
-              <a:rPr lang="ko-KR" altLang="en-US" b="1" spc="-1" dirty="0">
-                <a:solidFill>
-                  <a:srgbClr val="000000"/>
-                </a:solidFill>
-                <a:latin typeface="맑은 고딕"/>
-                <a:ea typeface="DejaVu Sans"/>
-              </a:rPr>
-              <a:t>추가기능</a:t>
-            </a:r>
-            <a:endParaRPr lang="en-US" sz="1800" b="0" strike="noStrike" spc="-1" dirty="0">
-              <a:latin typeface="Arial"/>
-            </a:endParaRPr>
-          </a:p>
-        </p:txBody>
-      </p:sp>
-    </p:spTree>
   </p:cSld>
   <p:clrMapOvr>
     <a:masterClrMapping/>
@@ -23378,6 +25573,241 @@
         <p14:creationId xmlns:p14="http://schemas.microsoft.com/office/powerpoint/2010/main" val="914552397"/>
       </p:ext>
     </p:extLst>
+  </p:cSld>
+  <p:clrMapOvr>
+    <a:masterClrMapping/>
+  </p:clrMapOvr>
+  <p:timing>
+    <p:tnLst>
+      <p:par>
+        <p:cTn id="1" dur="indefinite" restart="never" nodeType="tmRoot">
+          <p:childTnLst>
+            <p:seq>
+              <p:cTn id="2" dur="indefinite" nodeType="mainSeq"/>
+              <p:prevCondLst>
+                <p:cond evt="onPrev" delay="0">
+                  <p:tgtEl>
+                    <p:sldTgt/>
+                  </p:tgtEl>
+                </p:cond>
+              </p:prevCondLst>
+              <p:nextCondLst>
+                <p:cond evt="onNext" delay="0">
+                  <p:tgtEl>
+                    <p:sldTgt/>
+                  </p:tgtEl>
+                </p:cond>
+              </p:nextCondLst>
+            </p:seq>
+          </p:childTnLst>
+        </p:cTn>
+      </p:par>
+    </p:tnLst>
+  </p:timing>
+</p:sld>
+</file>
+
+<file path=ppt/slides/slide20.xml><?xml version="1.0" encoding="utf-8"?>
+<p:sld xmlns:a="http://schemas.openxmlformats.org/drawingml/2006/main" xmlns:r="http://schemas.openxmlformats.org/officeDocument/2006/relationships" xmlns:p="http://schemas.openxmlformats.org/presentationml/2006/main">
+  <p:cSld>
+    <p:spTree>
+      <p:nvGrpSpPr>
+        <p:cNvPr id="1" name=""/>
+        <p:cNvGrpSpPr/>
+        <p:nvPr/>
+      </p:nvGrpSpPr>
+      <p:grpSpPr>
+        <a:xfrm>
+          <a:off x="0" y="0"/>
+          <a:ext cx="0" cy="0"/>
+          <a:chOff x="0" y="0"/>
+          <a:chExt cx="0" cy="0"/>
+        </a:xfrm>
+      </p:grpSpPr>
+      <p:sp>
+        <p:nvSpPr>
+          <p:cNvPr id="107" name="CustomShape 2"/>
+          <p:cNvSpPr/>
+          <p:nvPr/>
+        </p:nvSpPr>
+        <p:spPr>
+          <a:xfrm>
+            <a:off x="866160" y="1188720"/>
+            <a:ext cx="3306600" cy="912960"/>
+          </a:xfrm>
+          <a:prstGeom prst="rect">
+            <a:avLst/>
+          </a:prstGeom>
+          <a:noFill/>
+          <a:ln>
+            <a:noFill/>
+          </a:ln>
+        </p:spPr>
+        <p:style>
+          <a:lnRef idx="0">
+            <a:scrgbClr r="0" g="0" b="0"/>
+          </a:lnRef>
+          <a:fillRef idx="0">
+            <a:scrgbClr r="0" g="0" b="0"/>
+          </a:fillRef>
+          <a:effectRef idx="0">
+            <a:scrgbClr r="0" g="0" b="0"/>
+          </a:effectRef>
+          <a:fontRef idx="minor"/>
+        </p:style>
+        <p:txBody>
+          <a:bodyPr wrap="none" lIns="90000" tIns="45000" rIns="90000" bIns="45000"/>
+          <a:lstStyle/>
+          <a:p>
+            <a:pPr marL="343080" indent="-342360">
+              <a:lnSpc>
+                <a:spcPct val="100000"/>
+              </a:lnSpc>
+              <a:buClr>
+                <a:srgbClr val="000000"/>
+              </a:buClr>
+              <a:buFont typeface="StarSymbol"/>
+              <a:buAutoNum type="arabicPeriod"/>
+            </a:pPr>
+            <a:r>
+              <a:rPr lang="en-US" sz="1800" b="0" strike="noStrike" spc="-1">
+                <a:solidFill>
+                  <a:srgbClr val="000000"/>
+                </a:solidFill>
+                <a:latin typeface="맑은 고딕"/>
+                <a:ea typeface="DejaVu Sans"/>
+              </a:rPr>
+              <a:t>낙전 처리 </a:t>
+            </a:r>
+            <a:endParaRPr lang="en-US" sz="1800" b="0" strike="noStrike" spc="-1">
+              <a:latin typeface="Arial"/>
+            </a:endParaRPr>
+          </a:p>
+          <a:p>
+            <a:pPr marL="343080" indent="-342360">
+              <a:lnSpc>
+                <a:spcPct val="100000"/>
+              </a:lnSpc>
+              <a:buClr>
+                <a:srgbClr val="000000"/>
+              </a:buClr>
+              <a:buFont typeface="StarSymbol"/>
+              <a:buAutoNum type="arabicPeriod"/>
+            </a:pPr>
+            <a:r>
+              <a:rPr lang="en-US" sz="1800" b="0" strike="noStrike" spc="-1">
+                <a:solidFill>
+                  <a:srgbClr val="000000"/>
+                </a:solidFill>
+                <a:latin typeface="맑은 고딕"/>
+                <a:ea typeface="DejaVu Sans"/>
+              </a:rPr>
+              <a:t>평가 기간</a:t>
+            </a:r>
+            <a:endParaRPr lang="en-US" sz="1800" b="0" strike="noStrike" spc="-1">
+              <a:latin typeface="Arial"/>
+            </a:endParaRPr>
+          </a:p>
+          <a:p>
+            <a:pPr marL="343080" indent="-342360">
+              <a:lnSpc>
+                <a:spcPct val="100000"/>
+              </a:lnSpc>
+              <a:buClr>
+                <a:srgbClr val="000000"/>
+              </a:buClr>
+              <a:buFont typeface="StarSymbol"/>
+              <a:buAutoNum type="arabicPeriod"/>
+            </a:pPr>
+            <a:r>
+              <a:rPr lang="en-US" sz="1800" b="0" strike="noStrike" spc="-1">
+                <a:solidFill>
+                  <a:srgbClr val="000000"/>
+                </a:solidFill>
+                <a:latin typeface="맑은 고딕"/>
+                <a:ea typeface="DejaVu Sans"/>
+              </a:rPr>
+              <a:t>투표 대상 기업 변경 가능 여부</a:t>
+            </a:r>
+            <a:endParaRPr lang="en-US" sz="1800" b="0" strike="noStrike" spc="-1">
+              <a:latin typeface="Arial"/>
+            </a:endParaRPr>
+          </a:p>
+        </p:txBody>
+      </p:sp>
+      <p:sp>
+        <p:nvSpPr>
+          <p:cNvPr id="3" name="CustomShape 10">
+            <a:extLst>
+              <a:ext uri="{FF2B5EF4-FFF2-40B4-BE49-F238E27FC236}">
+                <a16:creationId xmlns:a16="http://schemas.microsoft.com/office/drawing/2014/main" id="{9AC32464-F6FB-4F2E-BEA2-5E12707C54D8}"/>
+              </a:ext>
+            </a:extLst>
+          </p:cNvPr>
+          <p:cNvSpPr/>
+          <p:nvPr/>
+        </p:nvSpPr>
+        <p:spPr>
+          <a:xfrm>
+            <a:off x="406800" y="199440"/>
+            <a:ext cx="7403400" cy="364320"/>
+          </a:xfrm>
+          <a:prstGeom prst="rect">
+            <a:avLst/>
+          </a:prstGeom>
+          <a:noFill/>
+          <a:ln>
+            <a:noFill/>
+          </a:ln>
+        </p:spPr>
+        <p:style>
+          <a:lnRef idx="0">
+            <a:scrgbClr r="0" g="0" b="0"/>
+          </a:lnRef>
+          <a:fillRef idx="0">
+            <a:scrgbClr r="0" g="0" b="0"/>
+          </a:fillRef>
+          <a:effectRef idx="0">
+            <a:scrgbClr r="0" g="0" b="0"/>
+          </a:effectRef>
+          <a:fontRef idx="minor"/>
+        </p:style>
+        <p:txBody>
+          <a:bodyPr wrap="none" lIns="90000" tIns="45000" rIns="90000" bIns="45000"/>
+          <a:lstStyle/>
+          <a:p>
+            <a:pPr>
+              <a:lnSpc>
+                <a:spcPct val="100000"/>
+              </a:lnSpc>
+            </a:pPr>
+            <a:r>
+              <a:rPr lang="en-US" b="1" spc="-1" dirty="0">
+                <a:solidFill>
+                  <a:srgbClr val="000000"/>
+                </a:solidFill>
+                <a:latin typeface="맑은 고딕"/>
+                <a:ea typeface="DejaVu Sans"/>
+              </a:rPr>
+              <a:t>8. </a:t>
+            </a:r>
+            <a:r>
+              <a:rPr lang="ko-KR" altLang="en-US" b="1" spc="-1" dirty="0">
+                <a:solidFill>
+                  <a:srgbClr val="000000"/>
+                </a:solidFill>
+                <a:latin typeface="맑은 고딕"/>
+                <a:ea typeface="DejaVu Sans"/>
+              </a:rPr>
+              <a:t>추가기능</a:t>
+            </a:r>
+            <a:endParaRPr lang="en-US" sz="1800" b="0" strike="noStrike" spc="-1" dirty="0">
+              <a:latin typeface="Arial"/>
+            </a:endParaRPr>
+          </a:p>
+        </p:txBody>
+      </p:sp>
+    </p:spTree>
   </p:cSld>
   <p:clrMapOvr>
     <a:masterClrMapping/>
@@ -25569,430 +27999,13 @@
       </p:grpSpPr>
       <p:sp>
         <p:nvSpPr>
-          <p:cNvPr id="39" name="CustomShape 1"/>
-          <p:cNvSpPr/>
-          <p:nvPr/>
-        </p:nvSpPr>
-        <p:spPr>
-          <a:xfrm>
-            <a:off x="690120" y="964440"/>
-            <a:ext cx="1778040" cy="5302800"/>
-          </a:xfrm>
-          <a:prstGeom prst="rect">
-            <a:avLst/>
-          </a:prstGeom>
-          <a:noFill/>
-          <a:ln w="9360">
-            <a:solidFill>
-              <a:schemeClr val="tx1"/>
-            </a:solidFill>
-            <a:round/>
-          </a:ln>
-        </p:spPr>
-        <p:style>
-          <a:lnRef idx="2">
-            <a:schemeClr val="accent1">
-              <a:shade val="50000"/>
-            </a:schemeClr>
-          </a:lnRef>
-          <a:fillRef idx="1">
-            <a:schemeClr val="accent1"/>
-          </a:fillRef>
-          <a:effectRef idx="0">
-            <a:schemeClr val="accent1"/>
-          </a:effectRef>
-          <a:fontRef idx="minor"/>
-        </p:style>
-      </p:sp>
-      <p:sp>
-        <p:nvSpPr>
-          <p:cNvPr id="40" name="CustomShape 2"/>
-          <p:cNvSpPr/>
-          <p:nvPr/>
-        </p:nvSpPr>
-        <p:spPr>
-          <a:xfrm>
-            <a:off x="3516120" y="947520"/>
-            <a:ext cx="4538160" cy="5319360"/>
-          </a:xfrm>
-          <a:prstGeom prst="rect">
-            <a:avLst/>
-          </a:prstGeom>
-          <a:noFill/>
-          <a:ln w="9360">
-            <a:solidFill>
-              <a:schemeClr val="tx1"/>
-            </a:solidFill>
-            <a:round/>
-          </a:ln>
-        </p:spPr>
-        <p:style>
-          <a:lnRef idx="2">
-            <a:schemeClr val="accent1">
-              <a:shade val="50000"/>
-            </a:schemeClr>
-          </a:lnRef>
-          <a:fillRef idx="1">
-            <a:schemeClr val="accent1"/>
-          </a:fillRef>
-          <a:effectRef idx="0">
-            <a:schemeClr val="accent1"/>
-          </a:effectRef>
-          <a:fontRef idx="minor"/>
-        </p:style>
-      </p:sp>
-      <p:sp>
-        <p:nvSpPr>
-          <p:cNvPr id="41" name="CustomShape 3"/>
-          <p:cNvSpPr/>
-          <p:nvPr/>
-        </p:nvSpPr>
-        <p:spPr>
-          <a:xfrm>
-            <a:off x="9875520" y="964440"/>
-            <a:ext cx="1473480" cy="5311080"/>
-          </a:xfrm>
-          <a:prstGeom prst="rect">
-            <a:avLst/>
-          </a:prstGeom>
-          <a:noFill/>
-          <a:ln w="9360">
-            <a:solidFill>
-              <a:schemeClr val="tx1"/>
-            </a:solidFill>
-            <a:round/>
-          </a:ln>
-        </p:spPr>
-        <p:style>
-          <a:lnRef idx="2">
-            <a:schemeClr val="accent1">
-              <a:shade val="50000"/>
-            </a:schemeClr>
-          </a:lnRef>
-          <a:fillRef idx="1">
-            <a:schemeClr val="accent1"/>
-          </a:fillRef>
-          <a:effectRef idx="0">
-            <a:schemeClr val="accent1"/>
-          </a:effectRef>
-          <a:fontRef idx="minor"/>
-        </p:style>
-      </p:sp>
-      <p:sp>
-        <p:nvSpPr>
-          <p:cNvPr id="42" name="CustomShape 4"/>
-          <p:cNvSpPr/>
-          <p:nvPr/>
-        </p:nvSpPr>
-        <p:spPr>
-          <a:xfrm>
-            <a:off x="3719880" y="5610960"/>
-            <a:ext cx="4130640" cy="481320"/>
-          </a:xfrm>
-          <a:prstGeom prst="rect">
-            <a:avLst/>
-          </a:prstGeom>
-          <a:ln>
-            <a:round/>
-          </a:ln>
-        </p:spPr>
-        <p:style>
-          <a:lnRef idx="2">
-            <a:schemeClr val="accent1">
-              <a:shade val="50000"/>
-            </a:schemeClr>
-          </a:lnRef>
-          <a:fillRef idx="1">
-            <a:schemeClr val="accent1"/>
-          </a:fillRef>
-          <a:effectRef idx="0">
-            <a:schemeClr val="accent1"/>
-          </a:effectRef>
-          <a:fontRef idx="minor"/>
-        </p:style>
-        <p:txBody>
-          <a:bodyPr lIns="90000" tIns="45000" rIns="90000" bIns="45000" anchor="ctr"/>
-          <a:lstStyle/>
-          <a:p>
-            <a:pPr algn="ctr">
-              <a:lnSpc>
-                <a:spcPct val="100000"/>
-              </a:lnSpc>
-            </a:pPr>
-            <a:r>
-              <a:rPr lang="en-US" sz="1400" b="0" strike="noStrike" spc="-1">
-                <a:solidFill>
-                  <a:srgbClr val="FFFFFF"/>
-                </a:solidFill>
-                <a:latin typeface="맑은 고딕"/>
-                <a:ea typeface="DejaVu Sans"/>
-              </a:rPr>
-              <a:t>Data base(MySQL)</a:t>
-            </a:r>
-            <a:endParaRPr lang="en-US" sz="1400" b="0" strike="noStrike" spc="-1">
-              <a:latin typeface="Arial"/>
-            </a:endParaRPr>
-          </a:p>
-        </p:txBody>
-      </p:sp>
-      <p:sp>
-        <p:nvSpPr>
-          <p:cNvPr id="43" name="CustomShape 5"/>
-          <p:cNvSpPr/>
-          <p:nvPr/>
-        </p:nvSpPr>
-        <p:spPr>
-          <a:xfrm>
-            <a:off x="1005840" y="595080"/>
-            <a:ext cx="939600" cy="303120"/>
-          </a:xfrm>
-          <a:prstGeom prst="rect">
-            <a:avLst/>
-          </a:prstGeom>
-          <a:noFill/>
-          <a:ln>
-            <a:noFill/>
-          </a:ln>
-        </p:spPr>
-        <p:style>
-          <a:lnRef idx="0">
-            <a:scrgbClr r="0" g="0" b="0"/>
-          </a:lnRef>
-          <a:fillRef idx="0">
-            <a:scrgbClr r="0" g="0" b="0"/>
-          </a:fillRef>
-          <a:effectRef idx="0">
-            <a:scrgbClr r="0" g="0" b="0"/>
-          </a:effectRef>
-          <a:fontRef idx="minor"/>
-        </p:style>
-        <p:txBody>
-          <a:bodyPr wrap="none" lIns="90000" tIns="45000" rIns="90000" bIns="45000"/>
-          <a:lstStyle/>
-          <a:p>
-            <a:pPr>
-              <a:lnSpc>
-                <a:spcPct val="100000"/>
-              </a:lnSpc>
-            </a:pPr>
-            <a:r>
-              <a:rPr lang="en-US" sz="1400" b="0" strike="noStrike" spc="-1">
-                <a:solidFill>
-                  <a:srgbClr val="000000"/>
-                </a:solidFill>
-                <a:latin typeface="맑은 고딕"/>
-                <a:ea typeface="DejaVu Sans"/>
-              </a:rPr>
-              <a:t>Frontend</a:t>
-            </a:r>
-            <a:endParaRPr lang="en-US" sz="1400" b="0" strike="noStrike" spc="-1">
-              <a:latin typeface="Arial"/>
-            </a:endParaRPr>
-          </a:p>
-        </p:txBody>
-      </p:sp>
-      <p:sp>
-        <p:nvSpPr>
-          <p:cNvPr id="44" name="CustomShape 6"/>
-          <p:cNvSpPr/>
-          <p:nvPr/>
-        </p:nvSpPr>
-        <p:spPr>
-          <a:xfrm>
-            <a:off x="5203800" y="578160"/>
-            <a:ext cx="901800" cy="303120"/>
-          </a:xfrm>
-          <a:prstGeom prst="rect">
-            <a:avLst/>
-          </a:prstGeom>
-          <a:noFill/>
-          <a:ln>
-            <a:noFill/>
-          </a:ln>
-        </p:spPr>
-        <p:style>
-          <a:lnRef idx="0">
-            <a:scrgbClr r="0" g="0" b="0"/>
-          </a:lnRef>
-          <a:fillRef idx="0">
-            <a:scrgbClr r="0" g="0" b="0"/>
-          </a:fillRef>
-          <a:effectRef idx="0">
-            <a:scrgbClr r="0" g="0" b="0"/>
-          </a:effectRef>
-          <a:fontRef idx="minor"/>
-        </p:style>
-        <p:txBody>
-          <a:bodyPr wrap="none" lIns="90000" tIns="45000" rIns="90000" bIns="45000"/>
-          <a:lstStyle/>
-          <a:p>
-            <a:pPr>
-              <a:lnSpc>
-                <a:spcPct val="100000"/>
-              </a:lnSpc>
-            </a:pPr>
-            <a:r>
-              <a:rPr lang="en-US" sz="1400" b="0" strike="noStrike" spc="-1">
-                <a:solidFill>
-                  <a:srgbClr val="000000"/>
-                </a:solidFill>
-                <a:latin typeface="맑은 고딕"/>
-                <a:ea typeface="DejaVu Sans"/>
-              </a:rPr>
-              <a:t>Backend</a:t>
-            </a:r>
-            <a:endParaRPr lang="en-US" sz="1400" b="0" strike="noStrike" spc="-1">
-              <a:latin typeface="Arial"/>
-            </a:endParaRPr>
-          </a:p>
-        </p:txBody>
-      </p:sp>
-      <p:sp>
-        <p:nvSpPr>
-          <p:cNvPr id="45" name="Line 7"/>
-          <p:cNvSpPr/>
-          <p:nvPr/>
-        </p:nvSpPr>
-        <p:spPr>
-          <a:xfrm>
-            <a:off x="8952480" y="398880"/>
-            <a:ext cx="360" cy="6342480"/>
-          </a:xfrm>
-          <a:prstGeom prst="line">
-            <a:avLst/>
-          </a:prstGeom>
-          <a:ln>
-            <a:solidFill>
-              <a:schemeClr val="tx1"/>
-            </a:solidFill>
-            <a:custDash>
-              <a:ds d="900000" sp="600000"/>
-            </a:custDash>
-            <a:round/>
-          </a:ln>
-        </p:spPr>
-        <p:style>
-          <a:lnRef idx="1">
-            <a:schemeClr val="accent1"/>
-          </a:lnRef>
-          <a:fillRef idx="0">
-            <a:schemeClr val="accent1"/>
-          </a:fillRef>
-          <a:effectRef idx="0">
-            <a:schemeClr val="accent1"/>
-          </a:effectRef>
-          <a:fontRef idx="minor"/>
-        </p:style>
-      </p:sp>
-      <p:sp>
-        <p:nvSpPr>
-          <p:cNvPr id="46" name="CustomShape 8"/>
-          <p:cNvSpPr/>
-          <p:nvPr/>
-        </p:nvSpPr>
-        <p:spPr>
-          <a:xfrm>
-            <a:off x="9714600" y="595080"/>
-            <a:ext cx="1444320" cy="303120"/>
-          </a:xfrm>
-          <a:prstGeom prst="rect">
-            <a:avLst/>
-          </a:prstGeom>
-          <a:noFill/>
-          <a:ln>
-            <a:noFill/>
-          </a:ln>
-        </p:spPr>
-        <p:style>
-          <a:lnRef idx="0">
-            <a:scrgbClr r="0" g="0" b="0"/>
-          </a:lnRef>
-          <a:fillRef idx="0">
-            <a:scrgbClr r="0" g="0" b="0"/>
-          </a:fillRef>
-          <a:effectRef idx="0">
-            <a:scrgbClr r="0" g="0" b="0"/>
-          </a:effectRef>
-          <a:fontRef idx="minor"/>
-        </p:style>
-        <p:txBody>
-          <a:bodyPr wrap="none" lIns="90000" tIns="45000" rIns="90000" bIns="45000"/>
-          <a:lstStyle/>
-          <a:p>
-            <a:pPr>
-              <a:lnSpc>
-                <a:spcPct val="100000"/>
-              </a:lnSpc>
-            </a:pPr>
-            <a:r>
-              <a:rPr lang="en-US" sz="1400" b="0" strike="noStrike" spc="-1">
-                <a:solidFill>
-                  <a:srgbClr val="000000"/>
-                </a:solidFill>
-                <a:latin typeface="맑은 고딕"/>
-                <a:ea typeface="DejaVu Sans"/>
-              </a:rPr>
-              <a:t>Smart Contract</a:t>
-            </a:r>
-            <a:endParaRPr lang="en-US" sz="1400" b="0" strike="noStrike" spc="-1">
-              <a:latin typeface="Arial"/>
-            </a:endParaRPr>
-          </a:p>
-        </p:txBody>
-      </p:sp>
-      <p:sp>
-        <p:nvSpPr>
-          <p:cNvPr id="47" name="CustomShape 9"/>
-          <p:cNvSpPr/>
-          <p:nvPr/>
-        </p:nvSpPr>
-        <p:spPr>
-          <a:xfrm>
-            <a:off x="2468880" y="1546200"/>
-            <a:ext cx="1046520" cy="360"/>
-          </a:xfrm>
-          <a:custGeom>
-            <a:avLst/>
-            <a:gdLst/>
-            <a:ahLst/>
-            <a:cxnLst/>
-            <a:rect l="l" t="t" r="r" b="b"/>
-            <a:pathLst>
-              <a:path w="21600" h="21600">
-                <a:moveTo>
-                  <a:pt x="0" y="0"/>
-                </a:moveTo>
-                <a:lnTo>
-                  <a:pt x="21600" y="21600"/>
-                </a:lnTo>
-              </a:path>
-            </a:pathLst>
-          </a:custGeom>
-          <a:noFill/>
-          <a:ln>
-            <a:solidFill>
-              <a:srgbClr val="5597D3"/>
-            </a:solidFill>
-            <a:round/>
-            <a:tailEnd type="triangle" w="med" len="med"/>
-          </a:ln>
-        </p:spPr>
-        <p:style>
-          <a:lnRef idx="1">
-            <a:schemeClr val="accent1"/>
-          </a:lnRef>
-          <a:fillRef idx="0">
-            <a:schemeClr val="accent1"/>
-          </a:fillRef>
-          <a:effectRef idx="0">
-            <a:schemeClr val="accent1"/>
-          </a:effectRef>
-          <a:fontRef idx="minor"/>
-        </p:style>
-      </p:sp>
-      <p:sp>
-        <p:nvSpPr>
-          <p:cNvPr id="48" name="CustomShape 10"/>
+          <p:cNvPr id="2" name="CustomShape 10">
+            <a:extLst>
+              <a:ext uri="{FF2B5EF4-FFF2-40B4-BE49-F238E27FC236}">
+                <a16:creationId xmlns:a16="http://schemas.microsoft.com/office/drawing/2014/main" id="{048C7CFB-5F81-46E4-BE6B-23C054330057}"/>
+              </a:ext>
+            </a:extLst>
+          </p:cNvPr>
           <p:cNvSpPr/>
           <p:nvPr/>
         </p:nvSpPr>
@@ -26025,268 +28038,338 @@
           <a:bodyPr wrap="none" lIns="90000" tIns="45000" rIns="90000" bIns="45000"/>
           <a:lstStyle/>
           <a:p>
-            <a:pPr>
-              <a:lnSpc>
-                <a:spcPct val="100000"/>
-              </a:lnSpc>
-            </a:pPr>
+            <a:r>
+              <a:rPr lang="en-US" sz="1800" b="1" strike="noStrike" spc="-1" dirty="0">
+                <a:solidFill>
+                  <a:srgbClr val="000000"/>
+                </a:solidFill>
+                <a:latin typeface="+mj-ea"/>
+                <a:ea typeface="+mj-ea"/>
+              </a:rPr>
+              <a:t>5</a:t>
+            </a:r>
             <a:r>
               <a:rPr lang="en-US" b="1" spc="-1" dirty="0">
                 <a:solidFill>
                   <a:srgbClr val="000000"/>
                 </a:solidFill>
-                <a:latin typeface="맑은 고딕"/>
-                <a:ea typeface="DejaVu Sans"/>
+                <a:latin typeface="+mj-ea"/>
+                <a:ea typeface="+mj-ea"/>
               </a:rPr>
-              <a:t>5</a:t>
+              <a:t>-0. </a:t>
             </a:r>
             <a:r>
-              <a:rPr lang="en-US" sz="1800" b="1" strike="noStrike" spc="-1" dirty="0">
+              <a:rPr lang="ko-KR" altLang="en-US" b="1" spc="-1" dirty="0">
                 <a:solidFill>
                   <a:srgbClr val="000000"/>
                 </a:solidFill>
-                <a:latin typeface="맑은 고딕"/>
-                <a:ea typeface="DejaVu Sans"/>
+                <a:latin typeface="+mj-ea"/>
+                <a:ea typeface="+mj-ea"/>
               </a:rPr>
-              <a:t>-0. Index (</a:t>
+              <a:t>시나리오 구현</a:t>
             </a:r>
             <a:r>
-              <a:rPr lang="en-US" sz="1800" b="1" strike="noStrike" spc="-1" dirty="0" err="1">
+              <a:rPr lang="en-US" altLang="ko-KR" b="1" spc="-1" dirty="0">
                 <a:solidFill>
                   <a:srgbClr val="000000"/>
                 </a:solidFill>
-                <a:latin typeface="맑은 고딕"/>
-                <a:ea typeface="DejaVu Sans"/>
+                <a:latin typeface="+mj-ea"/>
+                <a:ea typeface="+mj-ea"/>
               </a:rPr>
-              <a:t>회원가입</a:t>
+              <a:t> (</a:t>
             </a:r>
             <a:r>
-              <a:rPr lang="en-US" sz="1800" b="1" strike="noStrike" spc="-1" dirty="0">
+              <a:rPr lang="ko-KR" altLang="en-US" b="1" spc="-1" dirty="0">
                 <a:solidFill>
                   <a:srgbClr val="000000"/>
                 </a:solidFill>
-                <a:latin typeface="맑은 고딕"/>
-                <a:ea typeface="DejaVu Sans"/>
+                <a:latin typeface="+mj-ea"/>
+                <a:ea typeface="+mj-ea"/>
               </a:rPr>
-              <a:t>? </a:t>
+              <a:t>준비사항</a:t>
             </a:r>
             <a:r>
-              <a:rPr lang="en-US" sz="1800" b="1" strike="noStrike" spc="-1" dirty="0" err="1">
+              <a:rPr lang="en-US" altLang="ko-KR" b="1" spc="-1" dirty="0">
                 <a:solidFill>
                   <a:srgbClr val="000000"/>
                 </a:solidFill>
-                <a:latin typeface="맑은 고딕"/>
-                <a:ea typeface="DejaVu Sans"/>
-              </a:rPr>
-              <a:t>투표</a:t>
-            </a:r>
-            <a:r>
-              <a:rPr lang="en-US" sz="1800" b="1" strike="noStrike" spc="-1" dirty="0">
-                <a:solidFill>
-                  <a:srgbClr val="000000"/>
-                </a:solidFill>
-                <a:latin typeface="맑은 고딕"/>
-                <a:ea typeface="DejaVu Sans"/>
-              </a:rPr>
-              <a:t> </a:t>
-            </a:r>
-            <a:r>
-              <a:rPr lang="en-US" sz="1800" b="1" strike="noStrike" spc="-1" dirty="0" err="1">
-                <a:solidFill>
-                  <a:srgbClr val="000000"/>
-                </a:solidFill>
-                <a:latin typeface="맑은 고딕"/>
-                <a:ea typeface="DejaVu Sans"/>
-              </a:rPr>
-              <a:t>현황</a:t>
-            </a:r>
-            <a:r>
-              <a:rPr lang="en-US" sz="1800" b="1" strike="noStrike" spc="-1" dirty="0">
-                <a:solidFill>
-                  <a:srgbClr val="000000"/>
-                </a:solidFill>
-                <a:latin typeface="맑은 고딕"/>
-                <a:ea typeface="DejaVu Sans"/>
-              </a:rPr>
-              <a:t> </a:t>
-            </a:r>
-            <a:r>
-              <a:rPr lang="en-US" sz="1800" b="1" strike="noStrike" spc="-1" dirty="0" err="1">
-                <a:solidFill>
-                  <a:srgbClr val="000000"/>
-                </a:solidFill>
-                <a:latin typeface="맑은 고딕"/>
-                <a:ea typeface="DejaVu Sans"/>
-              </a:rPr>
-              <a:t>공유</a:t>
-            </a:r>
-            <a:r>
-              <a:rPr lang="en-US" sz="1800" b="1" strike="noStrike" spc="-1" dirty="0">
-                <a:solidFill>
-                  <a:srgbClr val="000000"/>
-                </a:solidFill>
-                <a:latin typeface="맑은 고딕"/>
-                <a:ea typeface="DejaVu Sans"/>
-              </a:rPr>
-              <a:t>? </a:t>
-            </a:r>
-            <a:r>
-              <a:rPr lang="en-US" sz="1800" b="1" strike="noStrike" spc="-1" dirty="0">
-                <a:solidFill>
-                  <a:srgbClr val="FF0000"/>
-                </a:solidFill>
-                <a:latin typeface="맑은 고딕"/>
-                <a:ea typeface="DejaVu Sans"/>
-              </a:rPr>
-              <a:t>이 </a:t>
-            </a:r>
-            <a:r>
-              <a:rPr lang="en-US" sz="1800" b="1" strike="noStrike" spc="-1" dirty="0" err="1">
-                <a:solidFill>
-                  <a:srgbClr val="FF0000"/>
-                </a:solidFill>
-                <a:latin typeface="맑은 고딕"/>
-                <a:ea typeface="DejaVu Sans"/>
-              </a:rPr>
-              <a:t>부분은</a:t>
-            </a:r>
-            <a:r>
-              <a:rPr lang="en-US" sz="1800" b="1" strike="noStrike" spc="-1" dirty="0">
-                <a:solidFill>
-                  <a:srgbClr val="FF0000"/>
-                </a:solidFill>
-                <a:latin typeface="맑은 고딕"/>
-                <a:ea typeface="DejaVu Sans"/>
-              </a:rPr>
-              <a:t> </a:t>
-            </a:r>
-            <a:r>
-              <a:rPr lang="en-US" sz="1800" b="1" strike="noStrike" spc="-1" dirty="0" err="1">
-                <a:solidFill>
-                  <a:srgbClr val="FF0000"/>
-                </a:solidFill>
-                <a:latin typeface="맑은 고딕"/>
-                <a:ea typeface="DejaVu Sans"/>
-              </a:rPr>
-              <a:t>질문</a:t>
-            </a:r>
-            <a:r>
-              <a:rPr lang="en-US" sz="1800" b="1" strike="noStrike" spc="-1" dirty="0">
-                <a:solidFill>
-                  <a:srgbClr val="FF0000"/>
-                </a:solidFill>
-                <a:latin typeface="맑은 고딕"/>
-                <a:ea typeface="DejaVu Sans"/>
-              </a:rPr>
-              <a:t> </a:t>
-            </a:r>
-            <a:r>
-              <a:rPr lang="en-US" sz="1800" b="1" strike="noStrike" spc="-1" dirty="0" err="1">
-                <a:solidFill>
-                  <a:srgbClr val="FF0000"/>
-                </a:solidFill>
-                <a:latin typeface="맑은 고딕"/>
-                <a:ea typeface="DejaVu Sans"/>
-              </a:rPr>
-              <a:t>드리고</a:t>
-            </a:r>
-            <a:r>
-              <a:rPr lang="en-US" sz="1800" b="1" strike="noStrike" spc="-1" dirty="0">
-                <a:solidFill>
-                  <a:srgbClr val="FF0000"/>
-                </a:solidFill>
-                <a:latin typeface="맑은 고딕"/>
-                <a:ea typeface="DejaVu Sans"/>
-              </a:rPr>
-              <a:t> </a:t>
-            </a:r>
-            <a:r>
-              <a:rPr lang="en-US" sz="1800" b="1" strike="noStrike" spc="-1" dirty="0" err="1">
-                <a:solidFill>
-                  <a:srgbClr val="FF0000"/>
-                </a:solidFill>
-                <a:latin typeface="맑은 고딕"/>
-                <a:ea typeface="DejaVu Sans"/>
-              </a:rPr>
-              <a:t>싶습니다</a:t>
-            </a:r>
-            <a:r>
-              <a:rPr lang="en-US" sz="1800" b="1" strike="noStrike" spc="-1" dirty="0">
-                <a:solidFill>
-                  <a:srgbClr val="FF0000"/>
-                </a:solidFill>
-                <a:latin typeface="맑은 고딕"/>
-                <a:ea typeface="DejaVu Sans"/>
-              </a:rPr>
-              <a:t>.</a:t>
-            </a:r>
-            <a:r>
-              <a:rPr lang="en-US" sz="1800" b="1" strike="noStrike" spc="-1" dirty="0">
-                <a:solidFill>
-                  <a:srgbClr val="000000"/>
-                </a:solidFill>
-                <a:latin typeface="맑은 고딕"/>
-                <a:ea typeface="DejaVu Sans"/>
+                <a:latin typeface="+mj-ea"/>
+                <a:ea typeface="+mj-ea"/>
               </a:rPr>
               <a:t>)</a:t>
             </a:r>
-            <a:endParaRPr lang="en-US" sz="1800" b="0" strike="noStrike" spc="-1" dirty="0">
-              <a:latin typeface="Arial"/>
+            <a:endParaRPr lang="en-US" altLang="ko-KR" b="1" dirty="0">
+              <a:latin typeface="+mj-ea"/>
+              <a:ea typeface="+mj-ea"/>
             </a:endParaRPr>
           </a:p>
         </p:txBody>
       </p:sp>
       <p:sp>
         <p:nvSpPr>
-          <p:cNvPr id="49" name="CustomShape 11"/>
-          <p:cNvSpPr/>
+          <p:cNvPr id="3" name="TextBox 2">
+            <a:extLst>
+              <a:ext uri="{FF2B5EF4-FFF2-40B4-BE49-F238E27FC236}">
+                <a16:creationId xmlns:a16="http://schemas.microsoft.com/office/drawing/2014/main" id="{94525789-763D-41BD-BB35-38CDFAE8CD20}"/>
+              </a:ext>
+            </a:extLst>
+          </p:cNvPr>
+          <p:cNvSpPr txBox="1"/>
           <p:nvPr/>
         </p:nvSpPr>
         <p:spPr>
-          <a:xfrm flipH="1">
-            <a:off x="2468160" y="4730040"/>
-            <a:ext cx="1046520" cy="360"/>
+          <a:xfrm>
+            <a:off x="489317" y="827778"/>
+            <a:ext cx="7627988" cy="5078313"/>
           </a:xfrm>
-          <a:custGeom>
+          <a:prstGeom prst="rect">
             <a:avLst/>
-            <a:gdLst/>
-            <a:ahLst/>
-            <a:cxnLst/>
-            <a:rect l="l" t="t" r="r" b="b"/>
-            <a:pathLst>
-              <a:path w="21600" h="21600">
-                <a:moveTo>
-                  <a:pt x="0" y="0"/>
-                </a:moveTo>
-                <a:lnTo>
-                  <a:pt x="21600" y="21600"/>
-                </a:lnTo>
-              </a:path>
-            </a:pathLst>
-          </a:custGeom>
+          </a:prstGeom>
           <a:noFill/>
-          <a:ln>
-            <a:solidFill>
-              <a:srgbClr val="5597D3"/>
-            </a:solidFill>
-            <a:round/>
-            <a:tailEnd type="triangle" w="med" len="med"/>
-          </a:ln>
         </p:spPr>
-        <p:style>
-          <a:lnRef idx="1">
-            <a:schemeClr val="accent1"/>
-          </a:lnRef>
-          <a:fillRef idx="0">
-            <a:schemeClr val="accent1"/>
-          </a:fillRef>
-          <a:effectRef idx="0">
-            <a:schemeClr val="accent1"/>
-          </a:effectRef>
-          <a:fontRef idx="minor"/>
-        </p:style>
+        <p:txBody>
+          <a:bodyPr wrap="square" rtlCol="0">
+            <a:spAutoFit/>
+          </a:bodyPr>
+          <a:lstStyle/>
+          <a:p>
+            <a:pPr marL="342900" indent="-342900">
+              <a:buAutoNum type="arabicPeriod"/>
+            </a:pPr>
+            <a:r>
+              <a:rPr lang="ko-KR" altLang="en-US" dirty="0"/>
+              <a:t>환경 성과 측정 대상 기업 및 투표자 계정 생성</a:t>
+            </a:r>
+            <a:endParaRPr lang="en-US" altLang="ko-KR" dirty="0"/>
+          </a:p>
+          <a:p>
+            <a:pPr marL="742950" lvl="1" indent="-285750">
+              <a:buFontTx/>
+              <a:buChar char="-"/>
+            </a:pPr>
+            <a:r>
+              <a:rPr lang="ko-KR" altLang="en-US" dirty="0"/>
+              <a:t>환경 성과 측정 대상 기업 </a:t>
+            </a:r>
+            <a:r>
+              <a:rPr lang="en-US" altLang="ko-KR" dirty="0"/>
+              <a:t>: SK ENERGY, SK PLANET</a:t>
+            </a:r>
+          </a:p>
+          <a:p>
+            <a:pPr lvl="2"/>
+            <a:r>
+              <a:rPr lang="en-US" altLang="ko-KR" dirty="0"/>
+              <a:t>-&gt; SK ENERGY : SK ENERGY IS GOING TO INVEST STH FOR ENVIRONMENT</a:t>
+            </a:r>
+          </a:p>
+          <a:p>
+            <a:pPr lvl="2"/>
+            <a:r>
+              <a:rPr lang="en-US" altLang="ko-KR" dirty="0"/>
+              <a:t>-&gt; SK PLANET : SK PLANET IS GOING TO INVEST STH FOR</a:t>
+            </a:r>
+            <a:r>
+              <a:rPr lang="ko-KR" altLang="en-US" dirty="0"/>
+              <a:t> </a:t>
+            </a:r>
+            <a:r>
+              <a:rPr lang="en-US" altLang="ko-KR" dirty="0"/>
+              <a:t>ENVIRONMENT</a:t>
+            </a:r>
+          </a:p>
+          <a:p>
+            <a:pPr lvl="2"/>
+            <a:endParaRPr lang="en-US" altLang="ko-KR" dirty="0"/>
+          </a:p>
+          <a:p>
+            <a:pPr marL="742950" lvl="1" indent="-285750">
+              <a:buFontTx/>
+              <a:buChar char="-"/>
+            </a:pPr>
+            <a:r>
+              <a:rPr lang="ko-KR" altLang="en-US" dirty="0"/>
+              <a:t>투표자 </a:t>
+            </a:r>
+            <a:r>
+              <a:rPr lang="en-US" altLang="ko-KR" dirty="0"/>
+              <a:t>: </a:t>
+            </a:r>
+            <a:r>
+              <a:rPr lang="en-US" altLang="ko-KR" dirty="0" err="1"/>
+              <a:t>hyunjin</a:t>
+            </a:r>
+            <a:r>
+              <a:rPr lang="en-US" altLang="ko-KR" dirty="0"/>
+              <a:t>, </a:t>
+            </a:r>
+            <a:r>
+              <a:rPr lang="en-US" altLang="ko-KR" dirty="0" err="1"/>
+              <a:t>jaehyeok</a:t>
+            </a:r>
+            <a:r>
+              <a:rPr lang="en-US" altLang="ko-KR" dirty="0"/>
+              <a:t>, </a:t>
+            </a:r>
+            <a:r>
+              <a:rPr lang="en-US" altLang="ko-KR" dirty="0" err="1"/>
+              <a:t>jongseok</a:t>
+            </a:r>
+            <a:endParaRPr lang="en-US" altLang="ko-KR" dirty="0"/>
+          </a:p>
+          <a:p>
+            <a:pPr marL="742950" lvl="1" indent="-285750">
+              <a:buFontTx/>
+              <a:buChar char="-"/>
+            </a:pPr>
+            <a:endParaRPr lang="en-US" altLang="ko-KR" dirty="0"/>
+          </a:p>
+          <a:p>
+            <a:r>
+              <a:rPr lang="en-US" altLang="ko-KR" dirty="0"/>
+              <a:t> 2. ERC20 Token </a:t>
+            </a:r>
+            <a:r>
+              <a:rPr lang="ko-KR" altLang="en-US" dirty="0"/>
+              <a:t>발행 </a:t>
+            </a:r>
+            <a:r>
+              <a:rPr lang="en-US" altLang="ko-KR" dirty="0"/>
+              <a:t>(Reward Pot 100 ESV </a:t>
+            </a:r>
+            <a:r>
+              <a:rPr lang="ko-KR" altLang="en-US" dirty="0"/>
+              <a:t>포함</a:t>
+            </a:r>
+            <a:r>
+              <a:rPr lang="en-US" altLang="ko-KR" dirty="0"/>
+              <a:t>)</a:t>
+            </a:r>
+          </a:p>
+          <a:p>
+            <a:r>
+              <a:rPr lang="en-US" altLang="ko-KR" dirty="0"/>
+              <a:t>       - 200 ESV (Environment Social Value) Token </a:t>
+            </a:r>
+            <a:r>
+              <a:rPr lang="ko-KR" altLang="en-US" dirty="0"/>
+              <a:t>발행</a:t>
+            </a:r>
+            <a:endParaRPr lang="en-US" altLang="ko-KR" dirty="0"/>
+          </a:p>
+          <a:p>
+            <a:r>
+              <a:rPr lang="en-US" altLang="ko-KR" dirty="0"/>
+              <a:t>  </a:t>
+            </a:r>
+          </a:p>
+          <a:p>
+            <a:r>
+              <a:rPr lang="en-US" altLang="ko-KR" dirty="0"/>
+              <a:t> 3. Voter</a:t>
+            </a:r>
+            <a:r>
+              <a:rPr lang="ko-KR" altLang="en-US" dirty="0"/>
+              <a:t>에게 투표용 기본 </a:t>
+            </a:r>
+            <a:r>
+              <a:rPr lang="en-US" altLang="ko-KR" dirty="0"/>
+              <a:t>Token </a:t>
+            </a:r>
+            <a:r>
+              <a:rPr lang="ko-KR" altLang="en-US" dirty="0"/>
+              <a:t>할당</a:t>
+            </a:r>
+            <a:endParaRPr lang="en-US" altLang="ko-KR" dirty="0"/>
+          </a:p>
+          <a:p>
+            <a:r>
+              <a:rPr lang="en-US" altLang="ko-KR" dirty="0"/>
+              <a:t>      - </a:t>
+            </a:r>
+            <a:r>
+              <a:rPr lang="en-US" altLang="ko-KR" dirty="0" err="1"/>
+              <a:t>hyunjin</a:t>
+            </a:r>
+            <a:r>
+              <a:rPr lang="en-US" altLang="ko-KR" dirty="0"/>
+              <a:t> : 10ESV</a:t>
+            </a:r>
+          </a:p>
+          <a:p>
+            <a:r>
+              <a:rPr lang="en-US" altLang="ko-KR" dirty="0"/>
+              <a:t>      - </a:t>
+            </a:r>
+            <a:r>
+              <a:rPr lang="en-US" altLang="ko-KR" dirty="0" err="1"/>
+              <a:t>jaehyeok</a:t>
+            </a:r>
+            <a:r>
+              <a:rPr lang="en-US" altLang="ko-KR" dirty="0"/>
+              <a:t> : 10ESV</a:t>
+            </a:r>
+          </a:p>
+          <a:p>
+            <a:r>
+              <a:rPr lang="en-US" altLang="ko-KR" dirty="0"/>
+              <a:t>      - </a:t>
+            </a:r>
+            <a:r>
+              <a:rPr lang="en-US" altLang="ko-KR" dirty="0" err="1"/>
+              <a:t>jongseok</a:t>
+            </a:r>
+            <a:r>
+              <a:rPr lang="en-US" altLang="ko-KR" dirty="0"/>
+              <a:t> : 10ESV</a:t>
+            </a:r>
+          </a:p>
+          <a:p>
+            <a:pPr lvl="1"/>
+            <a:endParaRPr lang="en-US" altLang="ko-KR" dirty="0"/>
+          </a:p>
+          <a:p>
+            <a:pPr lvl="1"/>
+            <a:endParaRPr lang="en-US" altLang="ko-KR" dirty="0"/>
+          </a:p>
+        </p:txBody>
       </p:sp>
+      <p:pic>
+        <p:nvPicPr>
+          <p:cNvPr id="5" name="그림 4">
+            <a:extLst>
+              <a:ext uri="{FF2B5EF4-FFF2-40B4-BE49-F238E27FC236}">
+                <a16:creationId xmlns:a16="http://schemas.microsoft.com/office/drawing/2014/main" id="{3358EFCC-45E8-41FB-8B54-E237ABAB327C}"/>
+              </a:ext>
+            </a:extLst>
+          </p:cNvPr>
+          <p:cNvPicPr>
+            <a:picLocks noChangeAspect="1"/>
+          </p:cNvPicPr>
+          <p:nvPr/>
+        </p:nvPicPr>
+        <p:blipFill>
+          <a:blip r:embed="rId2"/>
+          <a:stretch>
+            <a:fillRect/>
+          </a:stretch>
+        </p:blipFill>
+        <p:spPr>
+          <a:xfrm>
+            <a:off x="8243337" y="413889"/>
+            <a:ext cx="2782697" cy="6030222"/>
+          </a:xfrm>
+          <a:prstGeom prst="rect">
+            <a:avLst/>
+          </a:prstGeom>
+        </p:spPr>
+      </p:pic>
     </p:spTree>
+    <p:extLst>
+      <p:ext uri="{BB962C8B-B14F-4D97-AF65-F5344CB8AC3E}">
+        <p14:creationId xmlns:p14="http://schemas.microsoft.com/office/powerpoint/2010/main" val="600170944"/>
+      </p:ext>
+    </p:extLst>
   </p:cSld>
   <p:clrMapOvr>
     <a:masterClrMapping/>
@@ -26340,639 +28423,10 @@
       </p:grpSpPr>
       <p:sp>
         <p:nvSpPr>
-          <p:cNvPr id="50" name="CustomShape 1"/>
-          <p:cNvSpPr/>
-          <p:nvPr/>
-        </p:nvSpPr>
-        <p:spPr>
-          <a:xfrm>
-            <a:off x="690120" y="964440"/>
-            <a:ext cx="1778040" cy="5302800"/>
-          </a:xfrm>
-          <a:prstGeom prst="rect">
-            <a:avLst/>
-          </a:prstGeom>
-          <a:noFill/>
-          <a:ln w="9360">
-            <a:solidFill>
-              <a:schemeClr val="tx1"/>
-            </a:solidFill>
-            <a:round/>
-          </a:ln>
-        </p:spPr>
-        <p:style>
-          <a:lnRef idx="2">
-            <a:schemeClr val="accent1">
-              <a:shade val="50000"/>
-            </a:schemeClr>
-          </a:lnRef>
-          <a:fillRef idx="1">
-            <a:schemeClr val="accent1"/>
-          </a:fillRef>
-          <a:effectRef idx="0">
-            <a:schemeClr val="accent1"/>
-          </a:effectRef>
-          <a:fontRef idx="minor"/>
-        </p:style>
-      </p:sp>
-      <p:sp>
-        <p:nvSpPr>
-          <p:cNvPr id="51" name="CustomShape 2"/>
-          <p:cNvSpPr/>
-          <p:nvPr/>
-        </p:nvSpPr>
-        <p:spPr>
-          <a:xfrm>
-            <a:off x="3516120" y="947520"/>
-            <a:ext cx="4538160" cy="5319360"/>
-          </a:xfrm>
-          <a:prstGeom prst="rect">
-            <a:avLst/>
-          </a:prstGeom>
-          <a:noFill/>
-          <a:ln w="9360">
-            <a:solidFill>
-              <a:schemeClr val="tx1"/>
-            </a:solidFill>
-            <a:round/>
-          </a:ln>
-        </p:spPr>
-        <p:style>
-          <a:lnRef idx="2">
-            <a:schemeClr val="accent1">
-              <a:shade val="50000"/>
-            </a:schemeClr>
-          </a:lnRef>
-          <a:fillRef idx="1">
-            <a:schemeClr val="accent1"/>
-          </a:fillRef>
-          <a:effectRef idx="0">
-            <a:schemeClr val="accent1"/>
-          </a:effectRef>
-          <a:fontRef idx="minor"/>
-        </p:style>
-      </p:sp>
-      <p:sp>
-        <p:nvSpPr>
-          <p:cNvPr id="52" name="CustomShape 3"/>
-          <p:cNvSpPr/>
-          <p:nvPr/>
-        </p:nvSpPr>
-        <p:spPr>
-          <a:xfrm>
-            <a:off x="9875520" y="964440"/>
-            <a:ext cx="1473480" cy="5311080"/>
-          </a:xfrm>
-          <a:prstGeom prst="rect">
-            <a:avLst/>
-          </a:prstGeom>
-          <a:noFill/>
-          <a:ln w="9360">
-            <a:solidFill>
-              <a:schemeClr val="tx1"/>
-            </a:solidFill>
-            <a:round/>
-          </a:ln>
-        </p:spPr>
-        <p:style>
-          <a:lnRef idx="2">
-            <a:schemeClr val="accent1">
-              <a:shade val="50000"/>
-            </a:schemeClr>
-          </a:lnRef>
-          <a:fillRef idx="1">
-            <a:schemeClr val="accent1"/>
-          </a:fillRef>
-          <a:effectRef idx="0">
-            <a:schemeClr val="accent1"/>
-          </a:effectRef>
-          <a:fontRef idx="minor"/>
-        </p:style>
-      </p:sp>
-      <p:sp>
-        <p:nvSpPr>
-          <p:cNvPr id="53" name="CustomShape 4"/>
-          <p:cNvSpPr/>
-          <p:nvPr/>
-        </p:nvSpPr>
-        <p:spPr>
-          <a:xfrm>
-            <a:off x="3719880" y="5610960"/>
-            <a:ext cx="4130640" cy="481320"/>
-          </a:xfrm>
-          <a:prstGeom prst="rect">
-            <a:avLst/>
-          </a:prstGeom>
-          <a:ln>
-            <a:round/>
-          </a:ln>
-        </p:spPr>
-        <p:style>
-          <a:lnRef idx="2">
-            <a:schemeClr val="accent1">
-              <a:shade val="50000"/>
-            </a:schemeClr>
-          </a:lnRef>
-          <a:fillRef idx="1">
-            <a:schemeClr val="accent1"/>
-          </a:fillRef>
-          <a:effectRef idx="0">
-            <a:schemeClr val="accent1"/>
-          </a:effectRef>
-          <a:fontRef idx="minor"/>
-        </p:style>
-        <p:txBody>
-          <a:bodyPr lIns="90000" tIns="45000" rIns="90000" bIns="45000" anchor="ctr"/>
-          <a:lstStyle/>
-          <a:p>
-            <a:pPr algn="ctr">
-              <a:lnSpc>
-                <a:spcPct val="100000"/>
-              </a:lnSpc>
-            </a:pPr>
-            <a:r>
-              <a:rPr lang="en-US" sz="1400" b="0" strike="noStrike" spc="-1">
-                <a:solidFill>
-                  <a:srgbClr val="FFFFFF"/>
-                </a:solidFill>
-                <a:latin typeface="맑은 고딕"/>
-                <a:ea typeface="DejaVu Sans"/>
-              </a:rPr>
-              <a:t>Data base(MySQL)</a:t>
-            </a:r>
-            <a:endParaRPr lang="en-US" sz="1400" b="0" strike="noStrike" spc="-1">
-              <a:latin typeface="Arial"/>
-            </a:endParaRPr>
-          </a:p>
-        </p:txBody>
-      </p:sp>
-      <p:sp>
-        <p:nvSpPr>
-          <p:cNvPr id="54" name="CustomShape 5"/>
-          <p:cNvSpPr/>
-          <p:nvPr/>
-        </p:nvSpPr>
-        <p:spPr>
-          <a:xfrm>
-            <a:off x="1005840" y="595080"/>
-            <a:ext cx="939600" cy="303120"/>
-          </a:xfrm>
-          <a:prstGeom prst="rect">
-            <a:avLst/>
-          </a:prstGeom>
-          <a:noFill/>
-          <a:ln>
-            <a:noFill/>
-          </a:ln>
-        </p:spPr>
-        <p:style>
-          <a:lnRef idx="0">
-            <a:scrgbClr r="0" g="0" b="0"/>
-          </a:lnRef>
-          <a:fillRef idx="0">
-            <a:scrgbClr r="0" g="0" b="0"/>
-          </a:fillRef>
-          <a:effectRef idx="0">
-            <a:scrgbClr r="0" g="0" b="0"/>
-          </a:effectRef>
-          <a:fontRef idx="minor"/>
-        </p:style>
-        <p:txBody>
-          <a:bodyPr wrap="none" lIns="90000" tIns="45000" rIns="90000" bIns="45000"/>
-          <a:lstStyle/>
-          <a:p>
-            <a:pPr>
-              <a:lnSpc>
-                <a:spcPct val="100000"/>
-              </a:lnSpc>
-            </a:pPr>
-            <a:r>
-              <a:rPr lang="en-US" sz="1400" b="0" strike="noStrike" spc="-1">
-                <a:solidFill>
-                  <a:srgbClr val="000000"/>
-                </a:solidFill>
-                <a:latin typeface="맑은 고딕"/>
-                <a:ea typeface="DejaVu Sans"/>
-              </a:rPr>
-              <a:t>Frontend</a:t>
-            </a:r>
-            <a:endParaRPr lang="en-US" sz="1400" b="0" strike="noStrike" spc="-1">
-              <a:latin typeface="Arial"/>
-            </a:endParaRPr>
-          </a:p>
-        </p:txBody>
-      </p:sp>
-      <p:sp>
-        <p:nvSpPr>
-          <p:cNvPr id="55" name="CustomShape 6"/>
-          <p:cNvSpPr/>
-          <p:nvPr/>
-        </p:nvSpPr>
-        <p:spPr>
-          <a:xfrm>
-            <a:off x="5203800" y="578160"/>
-            <a:ext cx="901800" cy="303120"/>
-          </a:xfrm>
-          <a:prstGeom prst="rect">
-            <a:avLst/>
-          </a:prstGeom>
-          <a:noFill/>
-          <a:ln>
-            <a:noFill/>
-          </a:ln>
-        </p:spPr>
-        <p:style>
-          <a:lnRef idx="0">
-            <a:scrgbClr r="0" g="0" b="0"/>
-          </a:lnRef>
-          <a:fillRef idx="0">
-            <a:scrgbClr r="0" g="0" b="0"/>
-          </a:fillRef>
-          <a:effectRef idx="0">
-            <a:scrgbClr r="0" g="0" b="0"/>
-          </a:effectRef>
-          <a:fontRef idx="minor"/>
-        </p:style>
-        <p:txBody>
-          <a:bodyPr wrap="none" lIns="90000" tIns="45000" rIns="90000" bIns="45000"/>
-          <a:lstStyle/>
-          <a:p>
-            <a:pPr>
-              <a:lnSpc>
-                <a:spcPct val="100000"/>
-              </a:lnSpc>
-            </a:pPr>
-            <a:r>
-              <a:rPr lang="en-US" sz="1400" b="0" strike="noStrike" spc="-1">
-                <a:solidFill>
-                  <a:srgbClr val="000000"/>
-                </a:solidFill>
-                <a:latin typeface="맑은 고딕"/>
-                <a:ea typeface="DejaVu Sans"/>
-              </a:rPr>
-              <a:t>Backend</a:t>
-            </a:r>
-            <a:endParaRPr lang="en-US" sz="1400" b="0" strike="noStrike" spc="-1">
-              <a:latin typeface="Arial"/>
-            </a:endParaRPr>
-          </a:p>
-        </p:txBody>
-      </p:sp>
-      <p:sp>
-        <p:nvSpPr>
-          <p:cNvPr id="56" name="Line 7"/>
-          <p:cNvSpPr/>
-          <p:nvPr/>
-        </p:nvSpPr>
-        <p:spPr>
-          <a:xfrm>
-            <a:off x="8952480" y="398880"/>
-            <a:ext cx="360" cy="6342480"/>
-          </a:xfrm>
-          <a:prstGeom prst="line">
-            <a:avLst/>
-          </a:prstGeom>
-          <a:ln>
-            <a:solidFill>
-              <a:schemeClr val="tx1"/>
-            </a:solidFill>
-            <a:custDash>
-              <a:ds d="900000" sp="600000"/>
-            </a:custDash>
-            <a:round/>
-          </a:ln>
-        </p:spPr>
-        <p:style>
-          <a:lnRef idx="1">
-            <a:schemeClr val="accent1"/>
-          </a:lnRef>
-          <a:fillRef idx="0">
-            <a:schemeClr val="accent1"/>
-          </a:fillRef>
-          <a:effectRef idx="0">
-            <a:schemeClr val="accent1"/>
-          </a:effectRef>
-          <a:fontRef idx="minor"/>
-        </p:style>
-      </p:sp>
-      <p:sp>
-        <p:nvSpPr>
-          <p:cNvPr id="57" name="CustomShape 8"/>
-          <p:cNvSpPr/>
-          <p:nvPr/>
-        </p:nvSpPr>
-        <p:spPr>
-          <a:xfrm>
-            <a:off x="9714600" y="595080"/>
-            <a:ext cx="1444320" cy="303120"/>
-          </a:xfrm>
-          <a:prstGeom prst="rect">
-            <a:avLst/>
-          </a:prstGeom>
-          <a:noFill/>
-          <a:ln>
-            <a:noFill/>
-          </a:ln>
-        </p:spPr>
-        <p:style>
-          <a:lnRef idx="0">
-            <a:scrgbClr r="0" g="0" b="0"/>
-          </a:lnRef>
-          <a:fillRef idx="0">
-            <a:scrgbClr r="0" g="0" b="0"/>
-          </a:fillRef>
-          <a:effectRef idx="0">
-            <a:scrgbClr r="0" g="0" b="0"/>
-          </a:effectRef>
-          <a:fontRef idx="minor"/>
-        </p:style>
-        <p:txBody>
-          <a:bodyPr wrap="none" lIns="90000" tIns="45000" rIns="90000" bIns="45000"/>
-          <a:lstStyle/>
-          <a:p>
-            <a:pPr>
-              <a:lnSpc>
-                <a:spcPct val="100000"/>
-              </a:lnSpc>
-            </a:pPr>
-            <a:r>
-              <a:rPr lang="en-US" sz="1400" b="0" strike="noStrike" spc="-1">
-                <a:solidFill>
-                  <a:srgbClr val="000000"/>
-                </a:solidFill>
-                <a:latin typeface="맑은 고딕"/>
-                <a:ea typeface="DejaVu Sans"/>
-              </a:rPr>
-              <a:t>Smart Contract</a:t>
-            </a:r>
-            <a:endParaRPr lang="en-US" sz="1400" b="0" strike="noStrike" spc="-1">
-              <a:latin typeface="Arial"/>
-            </a:endParaRPr>
-          </a:p>
-        </p:txBody>
-      </p:sp>
-      <p:sp>
-        <p:nvSpPr>
-          <p:cNvPr id="58" name="CustomShape 9"/>
-          <p:cNvSpPr/>
-          <p:nvPr/>
-        </p:nvSpPr>
-        <p:spPr>
-          <a:xfrm>
-            <a:off x="2468880" y="1546200"/>
-            <a:ext cx="1046520" cy="360"/>
-          </a:xfrm>
-          <a:custGeom>
-            <a:avLst/>
-            <a:gdLst/>
-            <a:ahLst/>
-            <a:cxnLst/>
-            <a:rect l="l" t="t" r="r" b="b"/>
-            <a:pathLst>
-              <a:path w="21600" h="21600">
-                <a:moveTo>
-                  <a:pt x="0" y="0"/>
-                </a:moveTo>
-                <a:lnTo>
-                  <a:pt x="21600" y="21600"/>
-                </a:lnTo>
-              </a:path>
-            </a:pathLst>
-          </a:custGeom>
-          <a:noFill/>
-          <a:ln>
-            <a:solidFill>
-              <a:srgbClr val="5597D3"/>
-            </a:solidFill>
-            <a:round/>
-            <a:tailEnd type="triangle" w="med" len="med"/>
-          </a:ln>
-        </p:spPr>
-        <p:style>
-          <a:lnRef idx="1">
-            <a:schemeClr val="accent1"/>
-          </a:lnRef>
-          <a:fillRef idx="0">
-            <a:schemeClr val="accent1"/>
-          </a:fillRef>
-          <a:effectRef idx="0">
-            <a:schemeClr val="accent1"/>
-          </a:effectRef>
-          <a:fontRef idx="minor"/>
-        </p:style>
-      </p:sp>
-      <p:sp>
-        <p:nvSpPr>
-          <p:cNvPr id="60" name="CustomShape 11"/>
-          <p:cNvSpPr/>
-          <p:nvPr/>
-        </p:nvSpPr>
-        <p:spPr>
-          <a:xfrm flipH="1">
-            <a:off x="2468160" y="4730040"/>
-            <a:ext cx="1046520" cy="360"/>
-          </a:xfrm>
-          <a:custGeom>
-            <a:avLst/>
-            <a:gdLst/>
-            <a:ahLst/>
-            <a:cxnLst/>
-            <a:rect l="l" t="t" r="r" b="b"/>
-            <a:pathLst>
-              <a:path w="21600" h="21600">
-                <a:moveTo>
-                  <a:pt x="0" y="0"/>
-                </a:moveTo>
-                <a:lnTo>
-                  <a:pt x="21600" y="21600"/>
-                </a:lnTo>
-              </a:path>
-            </a:pathLst>
-          </a:custGeom>
-          <a:noFill/>
-          <a:ln>
-            <a:solidFill>
-              <a:srgbClr val="5597D3"/>
-            </a:solidFill>
-            <a:round/>
-            <a:tailEnd type="triangle" w="med" len="med"/>
-          </a:ln>
-        </p:spPr>
-        <p:style>
-          <a:lnRef idx="1">
-            <a:schemeClr val="accent1"/>
-          </a:lnRef>
-          <a:fillRef idx="0">
-            <a:schemeClr val="accent1"/>
-          </a:fillRef>
-          <a:effectRef idx="0">
-            <a:schemeClr val="accent1"/>
-          </a:effectRef>
-          <a:fontRef idx="minor"/>
-        </p:style>
-      </p:sp>
-      <p:sp>
-        <p:nvSpPr>
-          <p:cNvPr id="61" name="CustomShape 12"/>
-          <p:cNvSpPr/>
-          <p:nvPr/>
-        </p:nvSpPr>
-        <p:spPr>
-          <a:xfrm>
-            <a:off x="8055000" y="2377440"/>
-            <a:ext cx="1819800" cy="360"/>
-          </a:xfrm>
-          <a:custGeom>
-            <a:avLst/>
-            <a:gdLst/>
-            <a:ahLst/>
-            <a:cxnLst/>
-            <a:rect l="l" t="t" r="r" b="b"/>
-            <a:pathLst>
-              <a:path w="21600" h="21600">
-                <a:moveTo>
-                  <a:pt x="0" y="0"/>
-                </a:moveTo>
-                <a:lnTo>
-                  <a:pt x="21600" y="21600"/>
-                </a:lnTo>
-              </a:path>
-            </a:pathLst>
-          </a:custGeom>
-          <a:noFill/>
-          <a:ln>
-            <a:solidFill>
-              <a:srgbClr val="5597D3"/>
-            </a:solidFill>
-            <a:round/>
-            <a:tailEnd type="triangle" w="med" len="med"/>
-          </a:ln>
-        </p:spPr>
-        <p:style>
-          <a:lnRef idx="1">
-            <a:schemeClr val="accent1"/>
-          </a:lnRef>
-          <a:fillRef idx="0">
-            <a:schemeClr val="accent1"/>
-          </a:fillRef>
-          <a:effectRef idx="0">
-            <a:schemeClr val="accent1"/>
-          </a:effectRef>
-          <a:fontRef idx="minor"/>
-        </p:style>
-      </p:sp>
-      <p:sp>
-        <p:nvSpPr>
-          <p:cNvPr id="62" name="CustomShape 13"/>
-          <p:cNvSpPr/>
-          <p:nvPr/>
-        </p:nvSpPr>
-        <p:spPr>
-          <a:xfrm>
-            <a:off x="8141400" y="1946520"/>
-            <a:ext cx="1622520" cy="364320"/>
-          </a:xfrm>
-          <a:prstGeom prst="rect">
-            <a:avLst/>
-          </a:prstGeom>
-          <a:noFill/>
-          <a:ln>
-            <a:noFill/>
-          </a:ln>
-        </p:spPr>
-        <p:style>
-          <a:lnRef idx="0">
-            <a:scrgbClr r="0" g="0" b="0"/>
-          </a:lnRef>
-          <a:fillRef idx="0">
-            <a:scrgbClr r="0" g="0" b="0"/>
-          </a:fillRef>
-          <a:effectRef idx="0">
-            <a:scrgbClr r="0" g="0" b="0"/>
-          </a:effectRef>
-          <a:fontRef idx="minor"/>
-        </p:style>
-        <p:txBody>
-          <a:bodyPr wrap="none" lIns="90000" tIns="45000" rIns="90000" bIns="45000"/>
-          <a:lstStyle/>
-          <a:p>
-            <a:pPr>
-              <a:lnSpc>
-                <a:spcPct val="100000"/>
-              </a:lnSpc>
-            </a:pPr>
-            <a:r>
-              <a:rPr lang="en-US" sz="1800" b="0" strike="noStrike" spc="-1">
-                <a:solidFill>
-                  <a:srgbClr val="000000"/>
-                </a:solidFill>
-                <a:latin typeface="맑은 고딕"/>
-                <a:ea typeface="DejaVu Sans"/>
-              </a:rPr>
-              <a:t>Valid Account</a:t>
-            </a:r>
-            <a:endParaRPr lang="en-US" sz="1800" b="0" strike="noStrike" spc="-1">
-              <a:latin typeface="Arial"/>
-            </a:endParaRPr>
-          </a:p>
-        </p:txBody>
-      </p:sp>
-      <p:sp>
-        <p:nvSpPr>
-          <p:cNvPr id="63" name="CustomShape 14"/>
-          <p:cNvSpPr/>
-          <p:nvPr/>
-        </p:nvSpPr>
-        <p:spPr>
-          <a:xfrm flipH="1">
-            <a:off x="8054280" y="4048200"/>
-            <a:ext cx="1819800" cy="360"/>
-          </a:xfrm>
-          <a:custGeom>
-            <a:avLst/>
-            <a:gdLst/>
-            <a:ahLst/>
-            <a:cxnLst/>
-            <a:rect l="l" t="t" r="r" b="b"/>
-            <a:pathLst>
-              <a:path w="21600" h="21600">
-                <a:moveTo>
-                  <a:pt x="0" y="0"/>
-                </a:moveTo>
-                <a:lnTo>
-                  <a:pt x="21600" y="21600"/>
-                </a:lnTo>
-              </a:path>
-            </a:pathLst>
-          </a:custGeom>
-          <a:noFill/>
-          <a:ln>
-            <a:solidFill>
-              <a:srgbClr val="5597D3"/>
-            </a:solidFill>
-            <a:round/>
-            <a:tailEnd type="triangle" w="med" len="med"/>
-          </a:ln>
-        </p:spPr>
-        <p:style>
-          <a:lnRef idx="1">
-            <a:schemeClr val="accent1"/>
-          </a:lnRef>
-          <a:fillRef idx="0">
-            <a:schemeClr val="accent1"/>
-          </a:fillRef>
-          <a:effectRef idx="0">
-            <a:schemeClr val="accent1"/>
-          </a:effectRef>
-          <a:fontRef idx="minor"/>
-        </p:style>
-      </p:sp>
-      <p:sp>
-        <p:nvSpPr>
           <p:cNvPr id="2" name="CustomShape 10">
             <a:extLst>
               <a:ext uri="{FF2B5EF4-FFF2-40B4-BE49-F238E27FC236}">
-                <a16:creationId xmlns:a16="http://schemas.microsoft.com/office/drawing/2014/main" id="{C927EED2-E0BC-4FB3-9D3B-CCA5D11DAF2A}"/>
+                <a16:creationId xmlns:a16="http://schemas.microsoft.com/office/drawing/2014/main" id="{048C7CFB-5F81-46E4-BE6B-23C054330057}"/>
               </a:ext>
             </a:extLst>
           </p:cNvPr>
@@ -27008,38 +28462,391 @@
           <a:bodyPr wrap="none" lIns="90000" tIns="45000" rIns="90000" bIns="45000"/>
           <a:lstStyle/>
           <a:p>
-            <a:pPr>
-              <a:lnSpc>
-                <a:spcPct val="100000"/>
-              </a:lnSpc>
-            </a:pPr>
+            <a:r>
+              <a:rPr lang="en-US" sz="1800" b="1" strike="noStrike" spc="-1" dirty="0">
+                <a:solidFill>
+                  <a:srgbClr val="000000"/>
+                </a:solidFill>
+                <a:latin typeface="+mj-ea"/>
+                <a:ea typeface="+mj-ea"/>
+              </a:rPr>
+              <a:t>5</a:t>
+            </a:r>
             <a:r>
               <a:rPr lang="en-US" b="1" spc="-1" dirty="0">
                 <a:solidFill>
                   <a:srgbClr val="000000"/>
                 </a:solidFill>
-                <a:latin typeface="맑은 고딕"/>
-                <a:ea typeface="DejaVu Sans"/>
+                <a:latin typeface="+mj-ea"/>
+                <a:ea typeface="+mj-ea"/>
               </a:rPr>
-              <a:t>5</a:t>
+              <a:t>-1. </a:t>
             </a:r>
             <a:r>
-              <a:rPr lang="en-US" sz="1800" b="1" strike="noStrike" spc="-1" dirty="0">
+              <a:rPr lang="ko-KR" altLang="en-US" b="1" spc="-1" dirty="0">
                 <a:solidFill>
                   <a:srgbClr val="000000"/>
                 </a:solidFill>
-                <a:latin typeface="맑은 고딕"/>
-                <a:ea typeface="DejaVu Sans"/>
+                <a:latin typeface="+mj-ea"/>
+                <a:ea typeface="+mj-ea"/>
               </a:rPr>
-              <a:t>-1. Login</a:t>
+              <a:t>시나리오 구현</a:t>
             </a:r>
-            <a:endParaRPr lang="en-US" sz="1800" b="0" strike="noStrike" spc="-1" dirty="0">
-              <a:latin typeface="Arial"/>
+            <a:endParaRPr lang="en-US" altLang="ko-KR" b="1" dirty="0">
+              <a:latin typeface="+mj-ea"/>
+              <a:ea typeface="+mj-ea"/>
             </a:endParaRPr>
           </a:p>
         </p:txBody>
       </p:sp>
+      <p:sp>
+        <p:nvSpPr>
+          <p:cNvPr id="3" name="TextBox 2">
+            <a:extLst>
+              <a:ext uri="{FF2B5EF4-FFF2-40B4-BE49-F238E27FC236}">
+                <a16:creationId xmlns:a16="http://schemas.microsoft.com/office/drawing/2014/main" id="{94525789-763D-41BD-BB35-38CDFAE8CD20}"/>
+              </a:ext>
+            </a:extLst>
+          </p:cNvPr>
+          <p:cNvSpPr txBox="1"/>
+          <p:nvPr/>
+        </p:nvSpPr>
+        <p:spPr>
+          <a:xfrm>
+            <a:off x="489317" y="827778"/>
+            <a:ext cx="11205378" cy="5355312"/>
+          </a:xfrm>
+          <a:prstGeom prst="rect">
+            <a:avLst/>
+          </a:prstGeom>
+          <a:noFill/>
+        </p:spPr>
+        <p:txBody>
+          <a:bodyPr wrap="square" rtlCol="0">
+            <a:spAutoFit/>
+          </a:bodyPr>
+          <a:lstStyle/>
+          <a:p>
+            <a:r>
+              <a:rPr lang="en-US" altLang="ko-KR" dirty="0"/>
+              <a:t>S1. </a:t>
+            </a:r>
+            <a:r>
+              <a:rPr lang="ko-KR" altLang="en-US" dirty="0"/>
+              <a:t>환경 성과 측정지표 선정 및 평가 의뢰 </a:t>
+            </a:r>
+            <a:r>
+              <a:rPr lang="en-US" altLang="ko-KR" dirty="0"/>
+              <a:t>-&gt; </a:t>
+            </a:r>
+            <a:r>
+              <a:rPr lang="ko-KR" altLang="en-US" dirty="0"/>
+              <a:t>관리자 생성</a:t>
+            </a:r>
+            <a:endParaRPr lang="en-US" altLang="ko-KR" dirty="0"/>
+          </a:p>
+          <a:p>
+            <a:endParaRPr lang="en-US" altLang="ko-KR" dirty="0"/>
+          </a:p>
+          <a:p>
+            <a:pPr marL="285750" indent="-285750">
+              <a:buFont typeface="Arial" panose="020B0604020202020204" pitchFamily="34" charset="0"/>
+              <a:buChar char="•"/>
+            </a:pPr>
+            <a:r>
+              <a:rPr lang="ko-KR" altLang="en-US" dirty="0"/>
+              <a:t>기업 </a:t>
+            </a:r>
+            <a:r>
+              <a:rPr lang="en-US" altLang="ko-KR" dirty="0"/>
+              <a:t>SK ENERGY, SK PLANET</a:t>
+            </a:r>
+            <a:r>
+              <a:rPr lang="ko-KR" altLang="en-US" dirty="0"/>
+              <a:t>가 공동 </a:t>
+            </a:r>
+            <a:r>
+              <a:rPr lang="en-US" altLang="ko-KR" dirty="0"/>
+              <a:t>PJT </a:t>
+            </a:r>
+            <a:r>
+              <a:rPr lang="ko-KR" altLang="en-US" dirty="0"/>
+              <a:t>수행 가정</a:t>
+            </a:r>
+            <a:endParaRPr lang="en-US" altLang="ko-KR" dirty="0"/>
+          </a:p>
+          <a:p>
+            <a:r>
+              <a:rPr lang="en-US" altLang="ko-KR" dirty="0"/>
+              <a:t>[</a:t>
+            </a:r>
+            <a:r>
+              <a:rPr lang="ko-KR" altLang="en-US" dirty="0"/>
+              <a:t>환경 평가 결과</a:t>
+            </a:r>
+            <a:r>
+              <a:rPr lang="en-US" altLang="ko-KR" dirty="0"/>
+              <a:t>]</a:t>
+            </a:r>
+          </a:p>
+          <a:p>
+            <a:pPr lvl="1"/>
+            <a:r>
+              <a:rPr lang="en-US" altLang="ko-KR" dirty="0"/>
+              <a:t>-&gt; SK ENERGY : SK ENERGY IS GOING TO INVEST STH FOR ENVIRONMENT</a:t>
+            </a:r>
+          </a:p>
+          <a:p>
+            <a:pPr lvl="1"/>
+            <a:r>
+              <a:rPr lang="en-US" altLang="ko-KR" dirty="0"/>
+              <a:t>-&gt; SK PLANET : SK PLANET IS GOING TO INVEST STH FOR</a:t>
+            </a:r>
+            <a:r>
+              <a:rPr lang="ko-KR" altLang="en-US" dirty="0"/>
+              <a:t> </a:t>
+            </a:r>
+            <a:r>
+              <a:rPr lang="en-US" altLang="ko-KR" dirty="0"/>
+              <a:t>ENVIRONMENT</a:t>
+            </a:r>
+          </a:p>
+          <a:p>
+            <a:pPr lvl="1"/>
+            <a:endParaRPr lang="en-US" altLang="ko-KR" dirty="0"/>
+          </a:p>
+          <a:p>
+            <a:r>
+              <a:rPr lang="en-US" altLang="ko-KR" dirty="0"/>
+              <a:t>S2. </a:t>
+            </a:r>
+            <a:r>
+              <a:rPr lang="ko-KR" altLang="en-US" dirty="0"/>
+              <a:t>블록체인 기반 </a:t>
+            </a:r>
+            <a:r>
+              <a:rPr lang="en-US" altLang="ko-KR" dirty="0"/>
+              <a:t>Voting</a:t>
+            </a:r>
+            <a:r>
+              <a:rPr lang="ko-KR" altLang="en-US" dirty="0"/>
+              <a:t>으로 환경 성과 평가 </a:t>
+            </a:r>
+            <a:r>
+              <a:rPr lang="en-US" altLang="ko-KR" dirty="0"/>
+              <a:t>Smart Contract</a:t>
+            </a:r>
+          </a:p>
+          <a:p>
+            <a:endParaRPr lang="en-US" altLang="ko-KR" dirty="0"/>
+          </a:p>
+          <a:p>
+            <a:pPr marL="342900" indent="-342900">
+              <a:buFont typeface="+mj-lt"/>
+              <a:buAutoNum type="arabicPeriod"/>
+            </a:pPr>
+            <a:r>
+              <a:rPr lang="en-US" altLang="ko-KR" dirty="0"/>
+              <a:t>Voter </a:t>
+            </a:r>
+            <a:r>
+              <a:rPr lang="ko-KR" altLang="en-US" dirty="0"/>
+              <a:t>들의 </a:t>
+            </a:r>
+            <a:r>
+              <a:rPr lang="en-US" altLang="ko-KR" dirty="0"/>
+              <a:t>Voting</a:t>
+            </a:r>
+          </a:p>
+          <a:p>
+            <a:pPr marL="742950" lvl="1" indent="-285750">
+              <a:buFont typeface="Arial" panose="020B0604020202020204" pitchFamily="34" charset="0"/>
+              <a:buChar char="•"/>
+            </a:pPr>
+            <a:r>
+              <a:rPr lang="en-US" altLang="ko-KR" dirty="0" err="1"/>
+              <a:t>Hyunjin</a:t>
+            </a:r>
+            <a:r>
+              <a:rPr lang="ko-KR" altLang="en-US" dirty="0"/>
+              <a:t>은 </a:t>
+            </a:r>
+            <a:r>
+              <a:rPr lang="en-US" altLang="ko-KR" dirty="0"/>
+              <a:t>SK ENERGY </a:t>
+            </a:r>
+            <a:r>
+              <a:rPr lang="ko-KR" altLang="en-US" dirty="0"/>
+              <a:t>에 </a:t>
+            </a:r>
+            <a:r>
+              <a:rPr lang="en-US" altLang="ko-KR" dirty="0"/>
+              <a:t>3 ESV vote =&gt; </a:t>
+            </a:r>
+            <a:r>
+              <a:rPr lang="ko-KR" altLang="en-US" dirty="0"/>
+              <a:t>잔액 </a:t>
+            </a:r>
+            <a:r>
+              <a:rPr lang="en-US" altLang="ko-KR" dirty="0"/>
+              <a:t>10 -&gt; 7 ESV</a:t>
+            </a:r>
+          </a:p>
+          <a:p>
+            <a:pPr marL="742950" lvl="1" indent="-285750">
+              <a:buFont typeface="Arial" panose="020B0604020202020204" pitchFamily="34" charset="0"/>
+              <a:buChar char="•"/>
+            </a:pPr>
+            <a:r>
+              <a:rPr lang="en-US" altLang="ko-KR" dirty="0" err="1"/>
+              <a:t>jaehyeok</a:t>
+            </a:r>
+            <a:r>
+              <a:rPr lang="ko-KR" altLang="en-US" dirty="0"/>
+              <a:t>은 </a:t>
+            </a:r>
+            <a:r>
+              <a:rPr lang="en-US" altLang="ko-KR" dirty="0"/>
+              <a:t>SK ENERGY </a:t>
+            </a:r>
+            <a:r>
+              <a:rPr lang="ko-KR" altLang="en-US" dirty="0"/>
+              <a:t>에 </a:t>
+            </a:r>
+            <a:r>
+              <a:rPr lang="en-US" altLang="ko-KR" dirty="0"/>
+              <a:t>3 ESV vote =&gt; </a:t>
+            </a:r>
+            <a:r>
+              <a:rPr lang="ko-KR" altLang="en-US" dirty="0"/>
+              <a:t>잔액 </a:t>
+            </a:r>
+            <a:r>
+              <a:rPr lang="en-US" altLang="ko-KR" dirty="0"/>
+              <a:t>10 -&gt; 7 ESV</a:t>
+            </a:r>
+          </a:p>
+          <a:p>
+            <a:pPr marL="742950" lvl="1" indent="-285750">
+              <a:buFont typeface="Arial" panose="020B0604020202020204" pitchFamily="34" charset="0"/>
+              <a:buChar char="•"/>
+            </a:pPr>
+            <a:r>
+              <a:rPr lang="en-US" altLang="ko-KR" dirty="0" err="1"/>
+              <a:t>jongseok</a:t>
+            </a:r>
+            <a:r>
+              <a:rPr lang="ko-KR" altLang="en-US" dirty="0"/>
+              <a:t>은 </a:t>
+            </a:r>
+            <a:r>
+              <a:rPr lang="en-US" altLang="ko-KR" dirty="0"/>
+              <a:t>SK PLANET</a:t>
+            </a:r>
+            <a:r>
+              <a:rPr lang="ko-KR" altLang="en-US" dirty="0"/>
+              <a:t>에 </a:t>
+            </a:r>
+            <a:r>
+              <a:rPr lang="en-US" altLang="ko-KR" dirty="0"/>
+              <a:t>4 ESV vote =&gt; </a:t>
+            </a:r>
+            <a:r>
+              <a:rPr lang="ko-KR" altLang="en-US" dirty="0"/>
+              <a:t>잔액 </a:t>
+            </a:r>
+            <a:r>
+              <a:rPr lang="en-US" altLang="ko-KR" dirty="0"/>
+              <a:t>10 -&gt; 6 ESV</a:t>
+            </a:r>
+          </a:p>
+          <a:p>
+            <a:pPr lvl="1"/>
+            <a:endParaRPr lang="en-US" altLang="ko-KR" dirty="0"/>
+          </a:p>
+          <a:p>
+            <a:pPr marL="342900" indent="-342900">
+              <a:buFont typeface="+mj-lt"/>
+              <a:buAutoNum type="arabicPeriod"/>
+            </a:pPr>
+            <a:r>
+              <a:rPr lang="ko-KR" altLang="en-US" dirty="0"/>
+              <a:t>환경 성과 평가 대상 기업 </a:t>
+            </a:r>
+            <a:r>
+              <a:rPr lang="en-US" altLang="ko-KR" dirty="0"/>
+              <a:t>Voting </a:t>
+            </a:r>
+            <a:r>
+              <a:rPr lang="ko-KR" altLang="en-US" dirty="0"/>
+              <a:t>결과 </a:t>
+            </a:r>
+            <a:r>
+              <a:rPr lang="en-US" altLang="ko-KR" dirty="0"/>
+              <a:t>(</a:t>
+            </a:r>
+            <a:r>
+              <a:rPr lang="ko-KR" altLang="en-US" dirty="0"/>
+              <a:t>기업</a:t>
+            </a:r>
+            <a:r>
+              <a:rPr lang="en-US" altLang="ko-KR" dirty="0"/>
+              <a:t> </a:t>
+            </a:r>
+            <a:r>
+              <a:rPr lang="ko-KR" altLang="en-US" dirty="0"/>
+              <a:t>득표수가 동일한 경우는 제외</a:t>
+            </a:r>
+            <a:r>
+              <a:rPr lang="en-US" altLang="ko-KR" dirty="0"/>
+              <a:t>)</a:t>
+            </a:r>
+          </a:p>
+          <a:p>
+            <a:pPr marL="800100" lvl="1" indent="-342900">
+              <a:buFont typeface="Arial" panose="020B0604020202020204" pitchFamily="34" charset="0"/>
+              <a:buChar char="•"/>
+            </a:pPr>
+            <a:r>
+              <a:rPr lang="en-US" altLang="ko-KR" dirty="0"/>
+              <a:t>SK ENERGY = 6 ESV, SK PLANET = 4 ESV</a:t>
+            </a:r>
+          </a:p>
+          <a:p>
+            <a:pPr marL="800100" lvl="1" indent="-342900">
+              <a:buFont typeface="Arial" panose="020B0604020202020204" pitchFamily="34" charset="0"/>
+              <a:buChar char="•"/>
+            </a:pPr>
+            <a:r>
+              <a:rPr lang="en-US" altLang="ko-KR" dirty="0"/>
+              <a:t>SK ENERGY = 6 / (6 + 4) = 60%</a:t>
+            </a:r>
+          </a:p>
+          <a:p>
+            <a:pPr marL="800100" lvl="1" indent="-342900">
+              <a:buFont typeface="Arial" panose="020B0604020202020204" pitchFamily="34" charset="0"/>
+              <a:buChar char="•"/>
+            </a:pPr>
+            <a:r>
+              <a:rPr lang="en-US" altLang="ko-KR" dirty="0"/>
+              <a:t>SK PLANET = 4 / (6 + 4) = 40%</a:t>
+            </a:r>
+          </a:p>
+          <a:p>
+            <a:pPr marL="742950" lvl="1" indent="-285750">
+              <a:buFont typeface="Arial" panose="020B0604020202020204" pitchFamily="34" charset="0"/>
+              <a:buChar char="•"/>
+            </a:pPr>
+            <a:endParaRPr lang="en-US" altLang="ko-KR" dirty="0"/>
+          </a:p>
+        </p:txBody>
+      </p:sp>
     </p:spTree>
+    <p:extLst>
+      <p:ext uri="{BB962C8B-B14F-4D97-AF65-F5344CB8AC3E}">
+        <p14:creationId xmlns:p14="http://schemas.microsoft.com/office/powerpoint/2010/main" val="1486324049"/>
+      </p:ext>
+    </p:extLst>
   </p:cSld>
   <p:clrMapOvr>
     <a:masterClrMapping/>
@@ -27093,639 +28900,10 @@
       </p:grpSpPr>
       <p:sp>
         <p:nvSpPr>
-          <p:cNvPr id="64" name="CustomShape 1"/>
-          <p:cNvSpPr/>
-          <p:nvPr/>
-        </p:nvSpPr>
-        <p:spPr>
-          <a:xfrm>
-            <a:off x="690120" y="964440"/>
-            <a:ext cx="1778040" cy="5302800"/>
-          </a:xfrm>
-          <a:prstGeom prst="rect">
-            <a:avLst/>
-          </a:prstGeom>
-          <a:noFill/>
-          <a:ln w="9360">
-            <a:solidFill>
-              <a:schemeClr val="tx1"/>
-            </a:solidFill>
-            <a:round/>
-          </a:ln>
-        </p:spPr>
-        <p:style>
-          <a:lnRef idx="2">
-            <a:schemeClr val="accent1">
-              <a:shade val="50000"/>
-            </a:schemeClr>
-          </a:lnRef>
-          <a:fillRef idx="1">
-            <a:schemeClr val="accent1"/>
-          </a:fillRef>
-          <a:effectRef idx="0">
-            <a:schemeClr val="accent1"/>
-          </a:effectRef>
-          <a:fontRef idx="minor"/>
-        </p:style>
-      </p:sp>
-      <p:sp>
-        <p:nvSpPr>
-          <p:cNvPr id="65" name="CustomShape 2"/>
-          <p:cNvSpPr/>
-          <p:nvPr/>
-        </p:nvSpPr>
-        <p:spPr>
-          <a:xfrm>
-            <a:off x="3516120" y="947520"/>
-            <a:ext cx="4538160" cy="5319360"/>
-          </a:xfrm>
-          <a:prstGeom prst="rect">
-            <a:avLst/>
-          </a:prstGeom>
-          <a:noFill/>
-          <a:ln w="9360">
-            <a:solidFill>
-              <a:schemeClr val="tx1"/>
-            </a:solidFill>
-            <a:round/>
-          </a:ln>
-        </p:spPr>
-        <p:style>
-          <a:lnRef idx="2">
-            <a:schemeClr val="accent1">
-              <a:shade val="50000"/>
-            </a:schemeClr>
-          </a:lnRef>
-          <a:fillRef idx="1">
-            <a:schemeClr val="accent1"/>
-          </a:fillRef>
-          <a:effectRef idx="0">
-            <a:schemeClr val="accent1"/>
-          </a:effectRef>
-          <a:fontRef idx="minor"/>
-        </p:style>
-      </p:sp>
-      <p:sp>
-        <p:nvSpPr>
-          <p:cNvPr id="66" name="CustomShape 3"/>
-          <p:cNvSpPr/>
-          <p:nvPr/>
-        </p:nvSpPr>
-        <p:spPr>
-          <a:xfrm>
-            <a:off x="9875520" y="964440"/>
-            <a:ext cx="1473480" cy="5311080"/>
-          </a:xfrm>
-          <a:prstGeom prst="rect">
-            <a:avLst/>
-          </a:prstGeom>
-          <a:noFill/>
-          <a:ln w="9360">
-            <a:solidFill>
-              <a:schemeClr val="tx1"/>
-            </a:solidFill>
-            <a:round/>
-          </a:ln>
-        </p:spPr>
-        <p:style>
-          <a:lnRef idx="2">
-            <a:schemeClr val="accent1">
-              <a:shade val="50000"/>
-            </a:schemeClr>
-          </a:lnRef>
-          <a:fillRef idx="1">
-            <a:schemeClr val="accent1"/>
-          </a:fillRef>
-          <a:effectRef idx="0">
-            <a:schemeClr val="accent1"/>
-          </a:effectRef>
-          <a:fontRef idx="minor"/>
-        </p:style>
-      </p:sp>
-      <p:sp>
-        <p:nvSpPr>
-          <p:cNvPr id="67" name="CustomShape 4"/>
-          <p:cNvSpPr/>
-          <p:nvPr/>
-        </p:nvSpPr>
-        <p:spPr>
-          <a:xfrm>
-            <a:off x="3719880" y="5610960"/>
-            <a:ext cx="4130640" cy="481320"/>
-          </a:xfrm>
-          <a:prstGeom prst="rect">
-            <a:avLst/>
-          </a:prstGeom>
-          <a:ln>
-            <a:round/>
-          </a:ln>
-        </p:spPr>
-        <p:style>
-          <a:lnRef idx="2">
-            <a:schemeClr val="accent1">
-              <a:shade val="50000"/>
-            </a:schemeClr>
-          </a:lnRef>
-          <a:fillRef idx="1">
-            <a:schemeClr val="accent1"/>
-          </a:fillRef>
-          <a:effectRef idx="0">
-            <a:schemeClr val="accent1"/>
-          </a:effectRef>
-          <a:fontRef idx="minor"/>
-        </p:style>
-        <p:txBody>
-          <a:bodyPr lIns="90000" tIns="45000" rIns="90000" bIns="45000" anchor="ctr"/>
-          <a:lstStyle/>
-          <a:p>
-            <a:pPr algn="ctr">
-              <a:lnSpc>
-                <a:spcPct val="100000"/>
-              </a:lnSpc>
-            </a:pPr>
-            <a:r>
-              <a:rPr lang="en-US" sz="1400" b="0" strike="noStrike" spc="-1">
-                <a:solidFill>
-                  <a:srgbClr val="FFFFFF"/>
-                </a:solidFill>
-                <a:latin typeface="맑은 고딕"/>
-                <a:ea typeface="DejaVu Sans"/>
-              </a:rPr>
-              <a:t>Data base(MySQL)</a:t>
-            </a:r>
-            <a:endParaRPr lang="en-US" sz="1400" b="0" strike="noStrike" spc="-1">
-              <a:latin typeface="Arial"/>
-            </a:endParaRPr>
-          </a:p>
-        </p:txBody>
-      </p:sp>
-      <p:sp>
-        <p:nvSpPr>
-          <p:cNvPr id="68" name="CustomShape 5"/>
-          <p:cNvSpPr/>
-          <p:nvPr/>
-        </p:nvSpPr>
-        <p:spPr>
-          <a:xfrm>
-            <a:off x="1005840" y="595080"/>
-            <a:ext cx="939600" cy="303120"/>
-          </a:xfrm>
-          <a:prstGeom prst="rect">
-            <a:avLst/>
-          </a:prstGeom>
-          <a:noFill/>
-          <a:ln>
-            <a:noFill/>
-          </a:ln>
-        </p:spPr>
-        <p:style>
-          <a:lnRef idx="0">
-            <a:scrgbClr r="0" g="0" b="0"/>
-          </a:lnRef>
-          <a:fillRef idx="0">
-            <a:scrgbClr r="0" g="0" b="0"/>
-          </a:fillRef>
-          <a:effectRef idx="0">
-            <a:scrgbClr r="0" g="0" b="0"/>
-          </a:effectRef>
-          <a:fontRef idx="minor"/>
-        </p:style>
-        <p:txBody>
-          <a:bodyPr wrap="none" lIns="90000" tIns="45000" rIns="90000" bIns="45000"/>
-          <a:lstStyle/>
-          <a:p>
-            <a:pPr>
-              <a:lnSpc>
-                <a:spcPct val="100000"/>
-              </a:lnSpc>
-            </a:pPr>
-            <a:r>
-              <a:rPr lang="en-US" sz="1400" b="0" strike="noStrike" spc="-1">
-                <a:solidFill>
-                  <a:srgbClr val="000000"/>
-                </a:solidFill>
-                <a:latin typeface="맑은 고딕"/>
-                <a:ea typeface="DejaVu Sans"/>
-              </a:rPr>
-              <a:t>Frontend</a:t>
-            </a:r>
-            <a:endParaRPr lang="en-US" sz="1400" b="0" strike="noStrike" spc="-1">
-              <a:latin typeface="Arial"/>
-            </a:endParaRPr>
-          </a:p>
-        </p:txBody>
-      </p:sp>
-      <p:sp>
-        <p:nvSpPr>
-          <p:cNvPr id="69" name="CustomShape 6"/>
-          <p:cNvSpPr/>
-          <p:nvPr/>
-        </p:nvSpPr>
-        <p:spPr>
-          <a:xfrm>
-            <a:off x="5203800" y="578160"/>
-            <a:ext cx="901800" cy="303120"/>
-          </a:xfrm>
-          <a:prstGeom prst="rect">
-            <a:avLst/>
-          </a:prstGeom>
-          <a:noFill/>
-          <a:ln>
-            <a:noFill/>
-          </a:ln>
-        </p:spPr>
-        <p:style>
-          <a:lnRef idx="0">
-            <a:scrgbClr r="0" g="0" b="0"/>
-          </a:lnRef>
-          <a:fillRef idx="0">
-            <a:scrgbClr r="0" g="0" b="0"/>
-          </a:fillRef>
-          <a:effectRef idx="0">
-            <a:scrgbClr r="0" g="0" b="0"/>
-          </a:effectRef>
-          <a:fontRef idx="minor"/>
-        </p:style>
-        <p:txBody>
-          <a:bodyPr wrap="none" lIns="90000" tIns="45000" rIns="90000" bIns="45000"/>
-          <a:lstStyle/>
-          <a:p>
-            <a:pPr>
-              <a:lnSpc>
-                <a:spcPct val="100000"/>
-              </a:lnSpc>
-            </a:pPr>
-            <a:r>
-              <a:rPr lang="en-US" sz="1400" b="0" strike="noStrike" spc="-1">
-                <a:solidFill>
-                  <a:srgbClr val="000000"/>
-                </a:solidFill>
-                <a:latin typeface="맑은 고딕"/>
-                <a:ea typeface="DejaVu Sans"/>
-              </a:rPr>
-              <a:t>Backend</a:t>
-            </a:r>
-            <a:endParaRPr lang="en-US" sz="1400" b="0" strike="noStrike" spc="-1">
-              <a:latin typeface="Arial"/>
-            </a:endParaRPr>
-          </a:p>
-        </p:txBody>
-      </p:sp>
-      <p:sp>
-        <p:nvSpPr>
-          <p:cNvPr id="70" name="Line 7"/>
-          <p:cNvSpPr/>
-          <p:nvPr/>
-        </p:nvSpPr>
-        <p:spPr>
-          <a:xfrm>
-            <a:off x="8952480" y="398880"/>
-            <a:ext cx="360" cy="6342480"/>
-          </a:xfrm>
-          <a:prstGeom prst="line">
-            <a:avLst/>
-          </a:prstGeom>
-          <a:ln>
-            <a:solidFill>
-              <a:schemeClr val="tx1"/>
-            </a:solidFill>
-            <a:custDash>
-              <a:ds d="900000" sp="600000"/>
-            </a:custDash>
-            <a:round/>
-          </a:ln>
-        </p:spPr>
-        <p:style>
-          <a:lnRef idx="1">
-            <a:schemeClr val="accent1"/>
-          </a:lnRef>
-          <a:fillRef idx="0">
-            <a:schemeClr val="accent1"/>
-          </a:fillRef>
-          <a:effectRef idx="0">
-            <a:schemeClr val="accent1"/>
-          </a:effectRef>
-          <a:fontRef idx="minor"/>
-        </p:style>
-      </p:sp>
-      <p:sp>
-        <p:nvSpPr>
-          <p:cNvPr id="71" name="CustomShape 8"/>
-          <p:cNvSpPr/>
-          <p:nvPr/>
-        </p:nvSpPr>
-        <p:spPr>
-          <a:xfrm>
-            <a:off x="9714600" y="595080"/>
-            <a:ext cx="1444320" cy="303120"/>
-          </a:xfrm>
-          <a:prstGeom prst="rect">
-            <a:avLst/>
-          </a:prstGeom>
-          <a:noFill/>
-          <a:ln>
-            <a:noFill/>
-          </a:ln>
-        </p:spPr>
-        <p:style>
-          <a:lnRef idx="0">
-            <a:scrgbClr r="0" g="0" b="0"/>
-          </a:lnRef>
-          <a:fillRef idx="0">
-            <a:scrgbClr r="0" g="0" b="0"/>
-          </a:fillRef>
-          <a:effectRef idx="0">
-            <a:scrgbClr r="0" g="0" b="0"/>
-          </a:effectRef>
-          <a:fontRef idx="minor"/>
-        </p:style>
-        <p:txBody>
-          <a:bodyPr wrap="none" lIns="90000" tIns="45000" rIns="90000" bIns="45000"/>
-          <a:lstStyle/>
-          <a:p>
-            <a:pPr>
-              <a:lnSpc>
-                <a:spcPct val="100000"/>
-              </a:lnSpc>
-            </a:pPr>
-            <a:r>
-              <a:rPr lang="en-US" sz="1400" b="0" strike="noStrike" spc="-1">
-                <a:solidFill>
-                  <a:srgbClr val="000000"/>
-                </a:solidFill>
-                <a:latin typeface="맑은 고딕"/>
-                <a:ea typeface="DejaVu Sans"/>
-              </a:rPr>
-              <a:t>Smart Contract</a:t>
-            </a:r>
-            <a:endParaRPr lang="en-US" sz="1400" b="0" strike="noStrike" spc="-1">
-              <a:latin typeface="Arial"/>
-            </a:endParaRPr>
-          </a:p>
-        </p:txBody>
-      </p:sp>
-      <p:sp>
-        <p:nvSpPr>
-          <p:cNvPr id="72" name="CustomShape 9"/>
-          <p:cNvSpPr/>
-          <p:nvPr/>
-        </p:nvSpPr>
-        <p:spPr>
-          <a:xfrm>
-            <a:off x="2468880" y="1546200"/>
-            <a:ext cx="1046520" cy="360"/>
-          </a:xfrm>
-          <a:custGeom>
-            <a:avLst/>
-            <a:gdLst/>
-            <a:ahLst/>
-            <a:cxnLst/>
-            <a:rect l="l" t="t" r="r" b="b"/>
-            <a:pathLst>
-              <a:path w="21600" h="21600">
-                <a:moveTo>
-                  <a:pt x="0" y="0"/>
-                </a:moveTo>
-                <a:lnTo>
-                  <a:pt x="21600" y="21600"/>
-                </a:lnTo>
-              </a:path>
-            </a:pathLst>
-          </a:custGeom>
-          <a:noFill/>
-          <a:ln>
-            <a:solidFill>
-              <a:srgbClr val="5597D3"/>
-            </a:solidFill>
-            <a:round/>
-            <a:tailEnd type="triangle" w="med" len="med"/>
-          </a:ln>
-        </p:spPr>
-        <p:style>
-          <a:lnRef idx="1">
-            <a:schemeClr val="accent1"/>
-          </a:lnRef>
-          <a:fillRef idx="0">
-            <a:schemeClr val="accent1"/>
-          </a:fillRef>
-          <a:effectRef idx="0">
-            <a:schemeClr val="accent1"/>
-          </a:effectRef>
-          <a:fontRef idx="minor"/>
-        </p:style>
-      </p:sp>
-      <p:sp>
-        <p:nvSpPr>
-          <p:cNvPr id="74" name="CustomShape 11"/>
-          <p:cNvSpPr/>
-          <p:nvPr/>
-        </p:nvSpPr>
-        <p:spPr>
-          <a:xfrm>
-            <a:off x="8055000" y="2377440"/>
-            <a:ext cx="1819800" cy="360"/>
-          </a:xfrm>
-          <a:custGeom>
-            <a:avLst/>
-            <a:gdLst/>
-            <a:ahLst/>
-            <a:cxnLst/>
-            <a:rect l="l" t="t" r="r" b="b"/>
-            <a:pathLst>
-              <a:path w="21600" h="21600">
-                <a:moveTo>
-                  <a:pt x="0" y="0"/>
-                </a:moveTo>
-                <a:lnTo>
-                  <a:pt x="21600" y="21600"/>
-                </a:lnTo>
-              </a:path>
-            </a:pathLst>
-          </a:custGeom>
-          <a:noFill/>
-          <a:ln>
-            <a:solidFill>
-              <a:srgbClr val="5597D3"/>
-            </a:solidFill>
-            <a:round/>
-            <a:tailEnd type="triangle" w="med" len="med"/>
-          </a:ln>
-        </p:spPr>
-        <p:style>
-          <a:lnRef idx="1">
-            <a:schemeClr val="accent1"/>
-          </a:lnRef>
-          <a:fillRef idx="0">
-            <a:schemeClr val="accent1"/>
-          </a:fillRef>
-          <a:effectRef idx="0">
-            <a:schemeClr val="accent1"/>
-          </a:effectRef>
-          <a:fontRef idx="minor"/>
-        </p:style>
-      </p:sp>
-      <p:sp>
-        <p:nvSpPr>
-          <p:cNvPr id="75" name="CustomShape 12"/>
-          <p:cNvSpPr/>
-          <p:nvPr/>
-        </p:nvSpPr>
-        <p:spPr>
-          <a:xfrm>
-            <a:off x="8141400" y="1946520"/>
-            <a:ext cx="1622520" cy="364320"/>
-          </a:xfrm>
-          <a:prstGeom prst="rect">
-            <a:avLst/>
-          </a:prstGeom>
-          <a:noFill/>
-          <a:ln>
-            <a:noFill/>
-          </a:ln>
-        </p:spPr>
-        <p:style>
-          <a:lnRef idx="0">
-            <a:scrgbClr r="0" g="0" b="0"/>
-          </a:lnRef>
-          <a:fillRef idx="0">
-            <a:scrgbClr r="0" g="0" b="0"/>
-          </a:fillRef>
-          <a:effectRef idx="0">
-            <a:scrgbClr r="0" g="0" b="0"/>
-          </a:effectRef>
-          <a:fontRef idx="minor"/>
-        </p:style>
-        <p:txBody>
-          <a:bodyPr wrap="none" lIns="90000" tIns="45000" rIns="90000" bIns="45000"/>
-          <a:lstStyle/>
-          <a:p>
-            <a:pPr>
-              <a:lnSpc>
-                <a:spcPct val="100000"/>
-              </a:lnSpc>
-            </a:pPr>
-            <a:r>
-              <a:rPr lang="en-US" sz="1800" b="0" strike="noStrike" spc="-1">
-                <a:solidFill>
-                  <a:srgbClr val="000000"/>
-                </a:solidFill>
-                <a:latin typeface="맑은 고딕"/>
-                <a:ea typeface="DejaVu Sans"/>
-              </a:rPr>
-              <a:t>Valid Account</a:t>
-            </a:r>
-            <a:endParaRPr lang="en-US" sz="1800" b="0" strike="noStrike" spc="-1">
-              <a:latin typeface="Arial"/>
-            </a:endParaRPr>
-          </a:p>
-        </p:txBody>
-      </p:sp>
-      <p:sp>
-        <p:nvSpPr>
-          <p:cNvPr id="76" name="CustomShape 13"/>
-          <p:cNvSpPr/>
-          <p:nvPr/>
-        </p:nvSpPr>
-        <p:spPr>
-          <a:xfrm flipH="1">
-            <a:off x="8054280" y="4048200"/>
-            <a:ext cx="1819800" cy="360"/>
-          </a:xfrm>
-          <a:custGeom>
-            <a:avLst/>
-            <a:gdLst/>
-            <a:ahLst/>
-            <a:cxnLst/>
-            <a:rect l="l" t="t" r="r" b="b"/>
-            <a:pathLst>
-              <a:path w="21600" h="21600">
-                <a:moveTo>
-                  <a:pt x="0" y="0"/>
-                </a:moveTo>
-                <a:lnTo>
-                  <a:pt x="21600" y="21600"/>
-                </a:lnTo>
-              </a:path>
-            </a:pathLst>
-          </a:custGeom>
-          <a:noFill/>
-          <a:ln>
-            <a:solidFill>
-              <a:srgbClr val="5597D3"/>
-            </a:solidFill>
-            <a:round/>
-            <a:tailEnd type="triangle" w="med" len="med"/>
-          </a:ln>
-        </p:spPr>
-        <p:style>
-          <a:lnRef idx="1">
-            <a:schemeClr val="accent1"/>
-          </a:lnRef>
-          <a:fillRef idx="0">
-            <a:schemeClr val="accent1"/>
-          </a:fillRef>
-          <a:effectRef idx="0">
-            <a:schemeClr val="accent1"/>
-          </a:effectRef>
-          <a:fontRef idx="minor"/>
-        </p:style>
-      </p:sp>
-      <p:sp>
-        <p:nvSpPr>
-          <p:cNvPr id="77" name="CustomShape 14"/>
-          <p:cNvSpPr/>
-          <p:nvPr/>
-        </p:nvSpPr>
-        <p:spPr>
-          <a:xfrm flipH="1">
-            <a:off x="2468160" y="4730040"/>
-            <a:ext cx="1046520" cy="360"/>
-          </a:xfrm>
-          <a:custGeom>
-            <a:avLst/>
-            <a:gdLst/>
-            <a:ahLst/>
-            <a:cxnLst/>
-            <a:rect l="l" t="t" r="r" b="b"/>
-            <a:pathLst>
-              <a:path w="21600" h="21600">
-                <a:moveTo>
-                  <a:pt x="0" y="0"/>
-                </a:moveTo>
-                <a:lnTo>
-                  <a:pt x="21600" y="21600"/>
-                </a:lnTo>
-              </a:path>
-            </a:pathLst>
-          </a:custGeom>
-          <a:noFill/>
-          <a:ln>
-            <a:solidFill>
-              <a:srgbClr val="5597D3"/>
-            </a:solidFill>
-            <a:round/>
-            <a:tailEnd type="triangle" w="med" len="med"/>
-          </a:ln>
-        </p:spPr>
-        <p:style>
-          <a:lnRef idx="1">
-            <a:schemeClr val="accent1"/>
-          </a:lnRef>
-          <a:fillRef idx="0">
-            <a:schemeClr val="accent1"/>
-          </a:fillRef>
-          <a:effectRef idx="0">
-            <a:schemeClr val="accent1"/>
-          </a:effectRef>
-          <a:fontRef idx="minor"/>
-        </p:style>
-      </p:sp>
-      <p:sp>
-        <p:nvSpPr>
           <p:cNvPr id="2" name="CustomShape 10">
             <a:extLst>
               <a:ext uri="{FF2B5EF4-FFF2-40B4-BE49-F238E27FC236}">
-                <a16:creationId xmlns:a16="http://schemas.microsoft.com/office/drawing/2014/main" id="{0C87964C-C32E-4AC8-B5A4-729268EE87BD}"/>
+                <a16:creationId xmlns:a16="http://schemas.microsoft.com/office/drawing/2014/main" id="{048C7CFB-5F81-46E4-BE6B-23C054330057}"/>
               </a:ext>
             </a:extLst>
           </p:cNvPr>
@@ -27761,188 +28939,49 @@
           <a:bodyPr wrap="none" lIns="90000" tIns="45000" rIns="90000" bIns="45000"/>
           <a:lstStyle/>
           <a:p>
-            <a:pPr>
-              <a:lnSpc>
-                <a:spcPct val="100000"/>
-              </a:lnSpc>
-            </a:pPr>
+            <a:r>
+              <a:rPr lang="en-US" sz="1800" b="1" strike="noStrike" spc="-1" dirty="0">
+                <a:solidFill>
+                  <a:srgbClr val="000000"/>
+                </a:solidFill>
+                <a:latin typeface="+mj-ea"/>
+                <a:ea typeface="+mj-ea"/>
+              </a:rPr>
+              <a:t>5</a:t>
+            </a:r>
             <a:r>
               <a:rPr lang="en-US" b="1" spc="-1" dirty="0">
                 <a:solidFill>
                   <a:srgbClr val="000000"/>
                 </a:solidFill>
-                <a:latin typeface="맑은 고딕"/>
-                <a:ea typeface="DejaVu Sans"/>
+                <a:latin typeface="+mj-ea"/>
+                <a:ea typeface="+mj-ea"/>
               </a:rPr>
-              <a:t>5</a:t>
+              <a:t>-1. </a:t>
             </a:r>
             <a:r>
-              <a:rPr lang="en-US" sz="1800" b="1" strike="noStrike" spc="-1" dirty="0">
+              <a:rPr lang="ko-KR" altLang="en-US" b="1" spc="-1" dirty="0">
                 <a:solidFill>
                   <a:srgbClr val="000000"/>
                 </a:solidFill>
-                <a:latin typeface="맑은 고딕"/>
-                <a:ea typeface="DejaVu Sans"/>
+                <a:latin typeface="+mj-ea"/>
+                <a:ea typeface="+mj-ea"/>
               </a:rPr>
-              <a:t>-2. </a:t>
+              <a:t>시나리오 구현</a:t>
             </a:r>
-            <a:r>
-              <a:rPr lang="en-US" altLang="ko-KR" sz="1800" b="1" strike="noStrike" spc="-1" dirty="0">
-                <a:solidFill>
-                  <a:srgbClr val="000000"/>
-                </a:solidFill>
-                <a:latin typeface="맑은 고딕"/>
-                <a:ea typeface="DejaVu Sans"/>
-              </a:rPr>
-              <a:t>내 </a:t>
-            </a:r>
-            <a:r>
-              <a:rPr lang="en-US" altLang="ko-KR" sz="1800" b="1" strike="noStrike" spc="-1" dirty="0" err="1">
-                <a:solidFill>
-                  <a:srgbClr val="000000"/>
-                </a:solidFill>
-                <a:latin typeface="맑은 고딕"/>
-                <a:ea typeface="DejaVu Sans"/>
-              </a:rPr>
-              <a:t>정보</a:t>
-            </a:r>
-            <a:r>
-              <a:rPr lang="en-US" altLang="ko-KR" sz="1800" b="1" strike="noStrike" spc="-1" dirty="0">
-                <a:solidFill>
-                  <a:srgbClr val="000000"/>
-                </a:solidFill>
-                <a:latin typeface="맑은 고딕"/>
-                <a:ea typeface="DejaVu Sans"/>
-              </a:rPr>
-              <a:t> </a:t>
-            </a:r>
-            <a:r>
-              <a:rPr lang="en-US" altLang="ko-KR" sz="1800" b="1" strike="noStrike" spc="-1" dirty="0" err="1">
-                <a:solidFill>
-                  <a:srgbClr val="000000"/>
-                </a:solidFill>
-                <a:latin typeface="맑은 고딕"/>
-                <a:ea typeface="DejaVu Sans"/>
-              </a:rPr>
-              <a:t>조회</a:t>
-            </a:r>
-            <a:r>
-              <a:rPr lang="en-US" altLang="ko-KR" sz="1800" b="1" strike="noStrike" spc="-1" dirty="0">
-                <a:solidFill>
-                  <a:srgbClr val="000000"/>
-                </a:solidFill>
-                <a:latin typeface="맑은 고딕"/>
-                <a:ea typeface="DejaVu Sans"/>
-              </a:rPr>
-              <a:t>(</a:t>
-            </a:r>
-            <a:r>
-              <a:rPr lang="en-US" altLang="ko-KR" sz="1800" b="1" strike="noStrike" spc="-1" dirty="0" err="1">
-                <a:solidFill>
-                  <a:srgbClr val="000000"/>
-                </a:solidFill>
-                <a:latin typeface="맑은 고딕"/>
-                <a:ea typeface="DejaVu Sans"/>
-              </a:rPr>
-              <a:t>잔고</a:t>
-            </a:r>
-            <a:r>
-              <a:rPr lang="en-US" altLang="ko-KR" sz="1800" b="1" strike="noStrike" spc="-1" dirty="0">
-                <a:solidFill>
-                  <a:srgbClr val="000000"/>
-                </a:solidFill>
-                <a:latin typeface="맑은 고딕"/>
-                <a:ea typeface="DejaVu Sans"/>
-              </a:rPr>
-              <a:t>, </a:t>
-            </a:r>
-            <a:r>
-              <a:rPr lang="en-US" altLang="ko-KR" sz="1800" b="1" strike="noStrike" spc="-1" dirty="0" err="1">
-                <a:solidFill>
-                  <a:srgbClr val="000000"/>
-                </a:solidFill>
-                <a:latin typeface="맑은 고딕"/>
-                <a:ea typeface="DejaVu Sans"/>
-              </a:rPr>
-              <a:t>투표</a:t>
-            </a:r>
-            <a:r>
-              <a:rPr lang="en-US" altLang="ko-KR" sz="1800" b="1" strike="noStrike" spc="-1" dirty="0">
-                <a:solidFill>
-                  <a:srgbClr val="000000"/>
-                </a:solidFill>
-                <a:latin typeface="맑은 고딕"/>
-                <a:ea typeface="DejaVu Sans"/>
-              </a:rPr>
-              <a:t> </a:t>
-            </a:r>
-            <a:r>
-              <a:rPr lang="en-US" altLang="ko-KR" sz="1800" b="1" strike="noStrike" spc="-1" dirty="0" err="1">
-                <a:solidFill>
-                  <a:srgbClr val="000000"/>
-                </a:solidFill>
-                <a:latin typeface="맑은 고딕"/>
-                <a:ea typeface="DejaVu Sans"/>
-              </a:rPr>
-              <a:t>현황</a:t>
-            </a:r>
-            <a:r>
-              <a:rPr lang="en-US" altLang="ko-KR" sz="1800" b="1" strike="noStrike" spc="-1" dirty="0">
-                <a:solidFill>
-                  <a:srgbClr val="000000"/>
-                </a:solidFill>
-                <a:latin typeface="맑은 고딕"/>
-                <a:ea typeface="DejaVu Sans"/>
-              </a:rPr>
-              <a:t>, </a:t>
-            </a:r>
-            <a:r>
-              <a:rPr lang="en-US" altLang="ko-KR" sz="1800" b="1" strike="noStrike" spc="-1" dirty="0" err="1">
-                <a:solidFill>
-                  <a:srgbClr val="000000"/>
-                </a:solidFill>
-                <a:latin typeface="맑은 고딕"/>
-                <a:ea typeface="DejaVu Sans"/>
-              </a:rPr>
-              <a:t>리워드</a:t>
-            </a:r>
-            <a:r>
-              <a:rPr lang="en-US" altLang="ko-KR" sz="1800" b="1" strike="noStrike" spc="-1" dirty="0">
-                <a:solidFill>
-                  <a:srgbClr val="000000"/>
-                </a:solidFill>
-                <a:latin typeface="맑은 고딕"/>
-                <a:ea typeface="DejaVu Sans"/>
-              </a:rPr>
-              <a:t> </a:t>
-            </a:r>
-            <a:r>
-              <a:rPr lang="en-US" altLang="ko-KR" sz="1800" b="1" strike="noStrike" spc="-1" dirty="0" err="1">
-                <a:solidFill>
-                  <a:srgbClr val="000000"/>
-                </a:solidFill>
-                <a:latin typeface="맑은 고딕"/>
-                <a:ea typeface="DejaVu Sans"/>
-              </a:rPr>
-              <a:t>현황</a:t>
-            </a:r>
-            <a:r>
-              <a:rPr lang="en-US" altLang="ko-KR" sz="1800" b="1" strike="noStrike" spc="-1" dirty="0">
-                <a:solidFill>
-                  <a:srgbClr val="000000"/>
-                </a:solidFill>
-                <a:latin typeface="맑은 고딕"/>
-                <a:ea typeface="DejaVu Sans"/>
-              </a:rPr>
-              <a:t>) </a:t>
-            </a:r>
-            <a:endParaRPr lang="en-US" sz="1800" b="0" strike="noStrike" spc="-1" dirty="0">
-              <a:latin typeface="Arial"/>
+            <a:endParaRPr lang="en-US" altLang="ko-KR" b="1" dirty="0">
+              <a:latin typeface="+mj-ea"/>
+              <a:ea typeface="+mj-ea"/>
             </a:endParaRPr>
           </a:p>
         </p:txBody>
       </p:sp>
     </p:spTree>
+    <p:extLst>
+      <p:ext uri="{BB962C8B-B14F-4D97-AF65-F5344CB8AC3E}">
+        <p14:creationId xmlns:p14="http://schemas.microsoft.com/office/powerpoint/2010/main" val="1309449846"/>
+      </p:ext>
+    </p:extLst>
   </p:cSld>
   <p:clrMapOvr>
     <a:masterClrMapping/>

--- a/blockchain_archi_v3.1.pptx
+++ b/blockchain_archi_v3.1.pptx
@@ -2894,7 +2894,7 @@
         <p:spPr>
           <a:xfrm>
             <a:off x="489317" y="827778"/>
-            <a:ext cx="11205378" cy="2308324"/>
+            <a:ext cx="11205378" cy="923330"/>
           </a:xfrm>
           <a:prstGeom prst="rect">
             <a:avLst/>
@@ -2913,7 +2913,7 @@
                   <a:srgbClr val="0070C0"/>
                 </a:solidFill>
               </a:rPr>
-              <a:t>S3. Reward </a:t>
+              <a:t>S4. Reward </a:t>
             </a:r>
             <a:r>
               <a:rPr lang="ko-KR" altLang="en-US" b="1" dirty="0">
@@ -2929,7 +2929,7 @@
                   <a:srgbClr val="0070C0"/>
                 </a:solidFill>
               </a:rPr>
-              <a:t>70%</a:t>
+              <a:t>30%</a:t>
             </a:r>
             <a:r>
               <a:rPr lang="ko-KR" altLang="en-US" b="1" dirty="0">
@@ -2945,7 +2945,7 @@
                   <a:srgbClr val="0070C0"/>
                 </a:solidFill>
               </a:rPr>
-              <a:t>Voting </a:t>
+              <a:t>Voter</a:t>
             </a:r>
             <a:r>
               <a:rPr lang="ko-KR" altLang="en-US" b="1" dirty="0">
@@ -2953,7 +2953,7 @@
                   <a:srgbClr val="0070C0"/>
                 </a:solidFill>
               </a:rPr>
-              <a:t>결과 대상 업체들에게 </a:t>
+              <a:t>들에게 분배</a:t>
             </a:r>
             <a:r>
               <a:rPr lang="en-US" altLang="ko-KR" b="1" dirty="0">
@@ -2961,7 +2961,7 @@
                   <a:srgbClr val="0070C0"/>
                 </a:solidFill>
               </a:rPr>
-              <a:t>Token</a:t>
+              <a:t>(1</a:t>
             </a:r>
             <a:r>
               <a:rPr lang="ko-KR" altLang="en-US" b="1" dirty="0">
@@ -2969,7 +2969,7 @@
                   <a:srgbClr val="0070C0"/>
                 </a:solidFill>
               </a:rPr>
-              <a:t>으로 보상 </a:t>
+              <a:t>위 </a:t>
             </a:r>
             <a:r>
               <a:rPr lang="en-US" altLang="ko-KR" b="1" dirty="0">
@@ -2977,7 +2977,39 @@
                   <a:srgbClr val="0070C0"/>
                 </a:solidFill>
               </a:rPr>
-              <a:t>Smart Contract</a:t>
+              <a:t>Voter</a:t>
+            </a:r>
+            <a:r>
+              <a:rPr lang="ko-KR" altLang="en-US" b="1" dirty="0">
+                <a:solidFill>
+                  <a:srgbClr val="0070C0"/>
+                </a:solidFill>
+              </a:rPr>
+              <a:t>에게는 </a:t>
+            </a:r>
+            <a:r>
+              <a:rPr lang="en-US" altLang="ko-KR" b="1" dirty="0">
+                <a:solidFill>
+                  <a:srgbClr val="0070C0"/>
+                </a:solidFill>
+              </a:rPr>
+              <a:t>1.5</a:t>
+            </a:r>
+            <a:r>
+              <a:rPr lang="ko-KR" altLang="en-US" b="1" dirty="0">
+                <a:solidFill>
+                  <a:srgbClr val="0070C0"/>
+                </a:solidFill>
+              </a:rPr>
+              <a:t>배 보상</a:t>
+            </a:r>
+            <a:r>
+              <a:rPr lang="en-US" altLang="ko-KR" b="1" dirty="0">
+                <a:solidFill>
+                  <a:srgbClr val="0070C0"/>
+                </a:solidFill>
+              </a:rPr>
+              <a:t>) Smart Contract</a:t>
             </a:r>
           </a:p>
           <a:p>
@@ -2990,27 +3022,19 @@
             </a:pPr>
             <a:r>
               <a:rPr lang="en-US" altLang="ko-KR" dirty="0"/>
-              <a:t>Voting </a:t>
+              <a:t>Voter</a:t>
             </a:r>
             <a:r>
               <a:rPr lang="ko-KR" altLang="en-US" dirty="0"/>
-              <a:t>대상 기업들에게 </a:t>
+              <a:t>들에게 </a:t>
             </a:r>
             <a:r>
               <a:rPr lang="en-US" altLang="ko-KR" dirty="0"/>
-              <a:t>Voting </a:t>
+              <a:t>Reward </a:t>
             </a:r>
             <a:r>
               <a:rPr lang="ko-KR" altLang="en-US" dirty="0"/>
-              <a:t>득표율에 따른 </a:t>
-            </a:r>
-            <a:r>
-              <a:rPr lang="en-US" altLang="ko-KR" dirty="0"/>
-              <a:t>Token </a:t>
-            </a:r>
-            <a:r>
-              <a:rPr lang="ko-KR" altLang="en-US" dirty="0"/>
-              <a:t>보상 자동화</a:t>
+              <a:t>보상 </a:t>
             </a:r>
             <a:r>
               <a:rPr lang="en-US" altLang="ko-KR" dirty="0"/>
@@ -3030,7 +3054,7 @@
             </a:r>
             <a:r>
               <a:rPr lang="en-US" altLang="ko-KR" dirty="0"/>
-              <a:t>Reward Pot</a:t>
+              <a:t>Reward</a:t>
             </a:r>
             <a:r>
               <a:rPr lang="ko-KR" altLang="en-US" dirty="0"/>
@@ -3038,115 +3062,8 @@
             </a:r>
             <a:r>
               <a:rPr lang="en-US" altLang="ko-KR" dirty="0"/>
-              <a:t>70%)</a:t>
-            </a:r>
-          </a:p>
-          <a:p>
-            <a:pPr marL="800100" lvl="1" indent="-342900">
-              <a:buFont typeface="Arial" panose="020B0604020202020204" pitchFamily="34" charset="0"/>
-              <a:buChar char="•"/>
-            </a:pPr>
-            <a:r>
-              <a:rPr lang="en-US" altLang="ko-KR" dirty="0"/>
-              <a:t>SK</a:t>
-            </a:r>
-            <a:r>
-              <a:rPr lang="ko-KR" altLang="en-US" dirty="0"/>
-              <a:t> </a:t>
-            </a:r>
-            <a:r>
-              <a:rPr lang="en-US" altLang="ko-KR" dirty="0"/>
-              <a:t>ENERGY Reward = Reward </a:t>
-            </a:r>
-            <a:r>
-              <a:rPr lang="ko-KR" altLang="en-US" dirty="0"/>
-              <a:t>용 전체 </a:t>
-            </a:r>
-            <a:r>
-              <a:rPr lang="en-US" altLang="ko-KR" dirty="0"/>
-              <a:t>Token X SK</a:t>
-            </a:r>
-            <a:r>
-              <a:rPr lang="ko-KR" altLang="en-US" dirty="0"/>
-              <a:t> </a:t>
-            </a:r>
-            <a:r>
-              <a:rPr lang="en-US" altLang="ko-KR" dirty="0"/>
-              <a:t>ENERGY </a:t>
-            </a:r>
-            <a:r>
-              <a:rPr lang="ko-KR" altLang="en-US" dirty="0"/>
-              <a:t>득표율 </a:t>
-            </a:r>
-            <a:r>
-              <a:rPr lang="en-US" altLang="ko-KR" dirty="0"/>
-              <a:t>X </a:t>
-            </a:r>
-            <a:r>
-              <a:rPr lang="ko-KR" altLang="en-US" dirty="0"/>
-              <a:t>배당률 </a:t>
-            </a:r>
-            <a:r>
-              <a:rPr lang="en-US" altLang="ko-KR" dirty="0"/>
-              <a:t>= 100ESV X 60% X 70% = 42ESV</a:t>
-            </a:r>
-          </a:p>
-          <a:p>
-            <a:pPr marL="800100" lvl="1" indent="-342900">
-              <a:buFont typeface="Arial" panose="020B0604020202020204" pitchFamily="34" charset="0"/>
-              <a:buChar char="•"/>
-            </a:pPr>
-            <a:r>
-              <a:rPr lang="en-US" altLang="ko-KR" dirty="0"/>
-              <a:t>SK</a:t>
-            </a:r>
-            <a:r>
-              <a:rPr lang="ko-KR" altLang="en-US" dirty="0"/>
-              <a:t> </a:t>
-            </a:r>
-            <a:r>
-              <a:rPr lang="en-US" altLang="ko-KR" dirty="0"/>
-              <a:t>PLANET Reward = Reward </a:t>
-            </a:r>
-            <a:r>
-              <a:rPr lang="ko-KR" altLang="en-US" dirty="0"/>
-              <a:t>용 전체 </a:t>
-            </a:r>
-            <a:r>
-              <a:rPr lang="en-US" altLang="ko-KR" dirty="0"/>
-              <a:t>Token X SK</a:t>
-            </a:r>
-            <a:r>
-              <a:rPr lang="ko-KR" altLang="en-US" dirty="0"/>
-              <a:t> </a:t>
-            </a:r>
-            <a:r>
-              <a:rPr lang="en-US" altLang="ko-KR" dirty="0"/>
-              <a:t>PLANET </a:t>
-            </a:r>
-            <a:r>
-              <a:rPr lang="ko-KR" altLang="en-US" dirty="0"/>
-              <a:t>득표율 </a:t>
-            </a:r>
-            <a:r>
-              <a:rPr lang="en-US" altLang="ko-KR" dirty="0"/>
-              <a:t>X </a:t>
-            </a:r>
-            <a:r>
-              <a:rPr lang="ko-KR" altLang="en-US" dirty="0"/>
-              <a:t>배당률 </a:t>
-            </a:r>
-            <a:r>
-              <a:rPr lang="en-US" altLang="ko-KR" dirty="0"/>
-              <a:t>= 100ESV X 40% X 70% = 28ESV</a:t>
-            </a:r>
-          </a:p>
-          <a:p>
-            <a:pPr marL="742950" lvl="1" indent="-285750">
-              <a:buFont typeface="Arial" panose="020B0604020202020204" pitchFamily="34" charset="0"/>
-              <a:buChar char="•"/>
-            </a:pPr>
-            <a:endParaRPr lang="en-US" altLang="ko-KR" dirty="0"/>
+              <a:t>30%)</a:t>
+            </a:r>
           </a:p>
         </p:txBody>
       </p:sp>
@@ -29825,7 +29742,7 @@
         <p:spPr>
           <a:xfrm>
             <a:off x="489317" y="827778"/>
-            <a:ext cx="11205378" cy="5355312"/>
+            <a:ext cx="11205378" cy="369332"/>
           </a:xfrm>
           <a:prstGeom prst="rect">
             <a:avLst/>
@@ -29839,335 +29756,9 @@
           <a:lstStyle/>
           <a:p>
             <a:r>
-              <a:rPr lang="en-US" altLang="ko-KR" dirty="0"/>
-              <a:t>S1. </a:t>
-            </a:r>
-            <a:r>
               <a:rPr lang="ko-KR" altLang="en-US" dirty="0"/>
-              <a:t>환경 성과 측정지표 선정 및 평가 의뢰 </a:t>
-            </a:r>
-            <a:r>
-              <a:rPr lang="en-US" altLang="ko-KR" dirty="0"/>
-              <a:t>-&gt; </a:t>
-            </a:r>
-            <a:r>
-              <a:rPr lang="ko-KR" altLang="en-US" dirty="0"/>
-              <a:t>관리자 생성</a:t>
-            </a:r>
-            <a:endParaRPr lang="en-US" altLang="ko-KR" dirty="0"/>
-          </a:p>
-          <a:p>
-            <a:endParaRPr lang="en-US" altLang="ko-KR" dirty="0"/>
-          </a:p>
-          <a:p>
-            <a:pPr marL="285750" indent="-285750">
-              <a:buFont typeface="Arial" panose="020B0604020202020204" pitchFamily="34" charset="0"/>
-              <a:buChar char="•"/>
-            </a:pPr>
-            <a:r>
-              <a:rPr lang="ko-KR" altLang="en-US" dirty="0"/>
-              <a:t>기업 </a:t>
-            </a:r>
-            <a:r>
-              <a:rPr lang="en-US" altLang="ko-KR" dirty="0"/>
-              <a:t>SK ENERGY, SK PLANET</a:t>
-            </a:r>
-            <a:r>
-              <a:rPr lang="ko-KR" altLang="en-US" dirty="0"/>
-              <a:t>가 공동 </a:t>
-            </a:r>
-            <a:r>
-              <a:rPr lang="en-US" altLang="ko-KR" dirty="0"/>
-              <a:t>PJT </a:t>
-            </a:r>
-            <a:r>
-              <a:rPr lang="ko-KR" altLang="en-US" dirty="0"/>
-              <a:t>수행 가정</a:t>
-            </a:r>
-            <a:endParaRPr lang="en-US" altLang="ko-KR" dirty="0"/>
-          </a:p>
-          <a:p>
-            <a:r>
-              <a:rPr lang="en-US" altLang="ko-KR" dirty="0"/>
-              <a:t>[</a:t>
-            </a:r>
-            <a:r>
-              <a:rPr lang="ko-KR" altLang="en-US" dirty="0"/>
-              <a:t>환경 평가 결과</a:t>
-            </a:r>
-            <a:r>
-              <a:rPr lang="en-US" altLang="ko-KR" dirty="0"/>
-              <a:t>]</a:t>
-            </a:r>
-          </a:p>
-          <a:p>
-            <a:pPr lvl="1"/>
-            <a:r>
-              <a:rPr lang="en-US" altLang="ko-KR" dirty="0"/>
-              <a:t>-&gt; SK ENERGY : SK ENERGY IS GOING TO INVEST STH FOR ENVIRONMENT</a:t>
-            </a:r>
-          </a:p>
-          <a:p>
-            <a:pPr lvl="1"/>
-            <a:r>
-              <a:rPr lang="en-US" altLang="ko-KR" dirty="0"/>
-              <a:t>-&gt; SK PLANET : SK PLANET IS GOING TO INVEST STH FOR</a:t>
-            </a:r>
-            <a:r>
-              <a:rPr lang="ko-KR" altLang="en-US" dirty="0"/>
-              <a:t> </a:t>
-            </a:r>
-            <a:r>
-              <a:rPr lang="en-US" altLang="ko-KR" dirty="0"/>
-              <a:t>ENVIRONMENT</a:t>
-            </a:r>
-          </a:p>
-          <a:p>
-            <a:pPr lvl="1"/>
-            <a:endParaRPr lang="en-US" altLang="ko-KR" dirty="0"/>
-          </a:p>
-          <a:p>
-            <a:r>
-              <a:rPr lang="en-US" altLang="ko-KR" b="1" dirty="0">
-                <a:solidFill>
-                  <a:srgbClr val="0070C0"/>
-                </a:solidFill>
-              </a:rPr>
-              <a:t>S2. </a:t>
-            </a:r>
-            <a:r>
-              <a:rPr lang="ko-KR" altLang="en-US" b="1" dirty="0">
-                <a:solidFill>
-                  <a:srgbClr val="0070C0"/>
-                </a:solidFill>
-              </a:rPr>
-              <a:t>블록체인 기반 </a:t>
-            </a:r>
-            <a:r>
-              <a:rPr lang="en-US" altLang="ko-KR" b="1" dirty="0">
-                <a:solidFill>
-                  <a:srgbClr val="0070C0"/>
-                </a:solidFill>
-              </a:rPr>
-              <a:t>Voting</a:t>
-            </a:r>
-            <a:r>
-              <a:rPr lang="ko-KR" altLang="en-US" b="1" dirty="0">
-                <a:solidFill>
-                  <a:srgbClr val="0070C0"/>
-                </a:solidFill>
-              </a:rPr>
-              <a:t>으로 환경 성과 평가 </a:t>
-            </a:r>
-            <a:r>
-              <a:rPr lang="en-US" altLang="ko-KR" b="1" dirty="0">
-                <a:solidFill>
-                  <a:srgbClr val="0070C0"/>
-                </a:solidFill>
-              </a:rPr>
-              <a:t>Smart Contract</a:t>
-            </a:r>
-          </a:p>
-          <a:p>
-            <a:endParaRPr lang="en-US" altLang="ko-KR" dirty="0"/>
-          </a:p>
-          <a:p>
-            <a:pPr marL="342900" indent="-342900">
-              <a:buFont typeface="+mj-lt"/>
-              <a:buAutoNum type="arabicPeriod"/>
-            </a:pPr>
-            <a:r>
-              <a:rPr lang="en-US" altLang="ko-KR" dirty="0"/>
-              <a:t>Voter </a:t>
-            </a:r>
-            <a:r>
-              <a:rPr lang="ko-KR" altLang="en-US" dirty="0"/>
-              <a:t>들의 </a:t>
-            </a:r>
-            <a:r>
-              <a:rPr lang="en-US" altLang="ko-KR" dirty="0"/>
-              <a:t>Voting</a:t>
-            </a:r>
-          </a:p>
-          <a:p>
-            <a:pPr marL="742950" lvl="1" indent="-285750">
-              <a:buFont typeface="Arial" panose="020B0604020202020204" pitchFamily="34" charset="0"/>
-              <a:buChar char="•"/>
-            </a:pPr>
-            <a:r>
-              <a:rPr lang="en-US" altLang="ko-KR" dirty="0" err="1"/>
-              <a:t>Hyunjin</a:t>
-            </a:r>
-            <a:r>
-              <a:rPr lang="ko-KR" altLang="en-US" dirty="0"/>
-              <a:t>은 </a:t>
-            </a:r>
-            <a:r>
-              <a:rPr lang="en-US" altLang="ko-KR" dirty="0"/>
-              <a:t>SK ENERGY </a:t>
-            </a:r>
-            <a:r>
-              <a:rPr lang="ko-KR" altLang="en-US" dirty="0"/>
-              <a:t>에 </a:t>
-            </a:r>
-            <a:r>
-              <a:rPr lang="en-US" altLang="ko-KR" dirty="0"/>
-              <a:t>3 ESV vote =&gt; </a:t>
-            </a:r>
-            <a:r>
-              <a:rPr lang="ko-KR" altLang="en-US" dirty="0"/>
-              <a:t>잔액 </a:t>
-            </a:r>
-            <a:r>
-              <a:rPr lang="en-US" altLang="ko-KR" dirty="0"/>
-              <a:t>10 -&gt; 7 ESV</a:t>
-            </a:r>
-          </a:p>
-          <a:p>
-            <a:pPr marL="742950" lvl="1" indent="-285750">
-              <a:buFont typeface="Arial" panose="020B0604020202020204" pitchFamily="34" charset="0"/>
-              <a:buChar char="•"/>
-            </a:pPr>
-            <a:r>
-              <a:rPr lang="en-US" altLang="ko-KR" dirty="0" err="1"/>
-              <a:t>jaehyeok</a:t>
-            </a:r>
-            <a:r>
-              <a:rPr lang="ko-KR" altLang="en-US" dirty="0"/>
-              <a:t>은 </a:t>
-            </a:r>
-            <a:r>
-              <a:rPr lang="en-US" altLang="ko-KR" dirty="0"/>
-              <a:t>SK ENERGY </a:t>
-            </a:r>
-            <a:r>
-              <a:rPr lang="ko-KR" altLang="en-US" dirty="0"/>
-              <a:t>에 </a:t>
-            </a:r>
-            <a:r>
-              <a:rPr lang="en-US" altLang="ko-KR" dirty="0"/>
-              <a:t>3 ESV vote =&gt; </a:t>
-            </a:r>
-            <a:r>
-              <a:rPr lang="ko-KR" altLang="en-US" dirty="0"/>
-              <a:t>잔액 </a:t>
-            </a:r>
-            <a:r>
-              <a:rPr lang="en-US" altLang="ko-KR" dirty="0"/>
-              <a:t>10 -&gt; 7 ESV</a:t>
-            </a:r>
-          </a:p>
-          <a:p>
-            <a:pPr marL="742950" lvl="1" indent="-285750">
-              <a:buFont typeface="Arial" panose="020B0604020202020204" pitchFamily="34" charset="0"/>
-              <a:buChar char="•"/>
-            </a:pPr>
-            <a:r>
-              <a:rPr lang="en-US" altLang="ko-KR" dirty="0" err="1"/>
-              <a:t>jongseok</a:t>
-            </a:r>
-            <a:r>
-              <a:rPr lang="ko-KR" altLang="en-US" dirty="0"/>
-              <a:t>은 </a:t>
-            </a:r>
-            <a:r>
-              <a:rPr lang="en-US" altLang="ko-KR" dirty="0"/>
-              <a:t>SK PLANET</a:t>
-            </a:r>
-            <a:r>
-              <a:rPr lang="ko-KR" altLang="en-US" dirty="0"/>
-              <a:t>에 </a:t>
-            </a:r>
-            <a:r>
-              <a:rPr lang="en-US" altLang="ko-KR" dirty="0"/>
-              <a:t>4 ESV vote =&gt; </a:t>
-            </a:r>
-            <a:r>
-              <a:rPr lang="ko-KR" altLang="en-US" dirty="0"/>
-              <a:t>잔액 </a:t>
-            </a:r>
-            <a:r>
-              <a:rPr lang="en-US" altLang="ko-KR" dirty="0"/>
-              <a:t>10 -&gt; 6 ESV</a:t>
-            </a:r>
-          </a:p>
-          <a:p>
-            <a:pPr lvl="1"/>
-            <a:endParaRPr lang="en-US" altLang="ko-KR" dirty="0"/>
-          </a:p>
-          <a:p>
-            <a:pPr marL="342900" indent="-342900">
-              <a:buFont typeface="+mj-lt"/>
-              <a:buAutoNum type="arabicPeriod"/>
-            </a:pPr>
-            <a:r>
-              <a:rPr lang="ko-KR" altLang="en-US" dirty="0"/>
-              <a:t>환경 성과 평가 대상 기업 </a:t>
-            </a:r>
-            <a:r>
-              <a:rPr lang="en-US" altLang="ko-KR" dirty="0"/>
-              <a:t>Voting </a:t>
-            </a:r>
-            <a:r>
-              <a:rPr lang="ko-KR" altLang="en-US" dirty="0"/>
-              <a:t>결과 </a:t>
-            </a:r>
-            <a:r>
-              <a:rPr lang="en-US" altLang="ko-KR" dirty="0"/>
-              <a:t>(</a:t>
-            </a:r>
-            <a:r>
-              <a:rPr lang="ko-KR" altLang="en-US" dirty="0"/>
-              <a:t>기업</a:t>
-            </a:r>
-            <a:r>
-              <a:rPr lang="en-US" altLang="ko-KR" dirty="0"/>
-              <a:t> </a:t>
-            </a:r>
-            <a:r>
-              <a:rPr lang="ko-KR" altLang="en-US" dirty="0"/>
-              <a:t>득표수가 동일한 경우는 제외</a:t>
-            </a:r>
-            <a:r>
-              <a:rPr lang="en-US" altLang="ko-KR" dirty="0"/>
-              <a:t>)</a:t>
-            </a:r>
-          </a:p>
-          <a:p>
-            <a:pPr marL="800100" lvl="1" indent="-342900">
-              <a:buFont typeface="Arial" panose="020B0604020202020204" pitchFamily="34" charset="0"/>
-              <a:buChar char="•"/>
-            </a:pPr>
-            <a:r>
-              <a:rPr lang="en-US" altLang="ko-KR" dirty="0"/>
-              <a:t>SK ENERGY = 6 ESV, SK PLANET = 4 ESV</a:t>
-            </a:r>
-          </a:p>
-          <a:p>
-            <a:pPr marL="800100" lvl="1" indent="-342900">
-              <a:buFont typeface="Arial" panose="020B0604020202020204" pitchFamily="34" charset="0"/>
-              <a:buChar char="•"/>
-            </a:pPr>
-            <a:r>
-              <a:rPr lang="en-US" altLang="ko-KR" dirty="0"/>
-              <a:t>SK ENERGY = 6 / (6 + 4) = 60%</a:t>
-            </a:r>
-          </a:p>
-          <a:p>
-            <a:pPr marL="800100" lvl="1" indent="-342900">
-              <a:buFont typeface="Arial" panose="020B0604020202020204" pitchFamily="34" charset="0"/>
-              <a:buChar char="•"/>
-            </a:pPr>
-            <a:r>
-              <a:rPr lang="en-US" altLang="ko-KR" dirty="0"/>
-              <a:t>SK PLANET = 4 / (6 + 4) = 40%</a:t>
-            </a:r>
-          </a:p>
-          <a:p>
-            <a:pPr marL="742950" lvl="1" indent="-285750">
-              <a:buFont typeface="Arial" panose="020B0604020202020204" pitchFamily="34" charset="0"/>
-              <a:buChar char="•"/>
-            </a:pPr>
+              <a:t>캡쳐</a:t>
+            </a:r>
             <a:endParaRPr lang="en-US" altLang="ko-KR" dirty="0"/>
           </a:p>
         </p:txBody>

--- a/blockchain_archi_v3.1.pptx
+++ b/blockchain_archi_v3.1.pptx
@@ -17,8 +17,8 @@
     <p:sldId id="273" r:id="rId8"/>
     <p:sldId id="274" r:id="rId9"/>
     <p:sldId id="277" r:id="rId10"/>
-    <p:sldId id="276" r:id="rId11"/>
-    <p:sldId id="278" r:id="rId12"/>
+    <p:sldId id="278" r:id="rId11"/>
+    <p:sldId id="276" r:id="rId12"/>
     <p:sldId id="257" r:id="rId13"/>
     <p:sldId id="258" r:id="rId14"/>
     <p:sldId id="259" r:id="rId15"/>
@@ -2894,7 +2894,7 @@
         <p:spPr>
           <a:xfrm>
             <a:off x="489317" y="827778"/>
-            <a:ext cx="11205378" cy="923330"/>
+            <a:ext cx="11205378" cy="2308324"/>
           </a:xfrm>
           <a:prstGeom prst="rect">
             <a:avLst/>
@@ -2913,7 +2913,7 @@
                   <a:srgbClr val="0070C0"/>
                 </a:solidFill>
               </a:rPr>
-              <a:t>S4. Reward </a:t>
+              <a:t>S3. Reward </a:t>
             </a:r>
             <a:r>
               <a:rPr lang="ko-KR" altLang="en-US" b="1" dirty="0">
@@ -2929,7 +2929,7 @@
                   <a:srgbClr val="0070C0"/>
                 </a:solidFill>
               </a:rPr>
-              <a:t>30%</a:t>
+              <a:t>70%</a:t>
             </a:r>
             <a:r>
               <a:rPr lang="ko-KR" altLang="en-US" b="1" dirty="0">
@@ -2945,7 +2945,7 @@
                   <a:srgbClr val="0070C0"/>
                 </a:solidFill>
               </a:rPr>
-              <a:t>Voter</a:t>
+              <a:t>Voting </a:t>
             </a:r>
             <a:r>
               <a:rPr lang="ko-KR" altLang="en-US" b="1" dirty="0">
@@ -2953,7 +2953,7 @@
                   <a:srgbClr val="0070C0"/>
                 </a:solidFill>
               </a:rPr>
-              <a:t>들에게 분배</a:t>
+              <a:t>결과 대상 업체들에게 </a:t>
             </a:r>
             <a:r>
               <a:rPr lang="en-US" altLang="ko-KR" b="1" dirty="0">
@@ -2961,7 +2961,7 @@
                   <a:srgbClr val="0070C0"/>
                 </a:solidFill>
               </a:rPr>
-              <a:t>(1</a:t>
+              <a:t>Token</a:t>
             </a:r>
             <a:r>
               <a:rPr lang="ko-KR" altLang="en-US" b="1" dirty="0">
@@ -2969,7 +2969,7 @@
                   <a:srgbClr val="0070C0"/>
                 </a:solidFill>
               </a:rPr>
-              <a:t>위 </a:t>
+              <a:t>으로 보상 </a:t>
             </a:r>
             <a:r>
               <a:rPr lang="en-US" altLang="ko-KR" b="1" dirty="0">
@@ -2977,39 +2977,7 @@
                   <a:srgbClr val="0070C0"/>
                 </a:solidFill>
               </a:rPr>
-              <a:t>Voter</a:t>
-            </a:r>
-            <a:r>
-              <a:rPr lang="ko-KR" altLang="en-US" b="1" dirty="0">
-                <a:solidFill>
-                  <a:srgbClr val="0070C0"/>
-                </a:solidFill>
-              </a:rPr>
-              <a:t>에게는 </a:t>
-            </a:r>
-            <a:r>
-              <a:rPr lang="en-US" altLang="ko-KR" b="1" dirty="0">
-                <a:solidFill>
-                  <a:srgbClr val="0070C0"/>
-                </a:solidFill>
-              </a:rPr>
-              <a:t>1.5</a:t>
-            </a:r>
-            <a:r>
-              <a:rPr lang="ko-KR" altLang="en-US" b="1" dirty="0">
-                <a:solidFill>
-                  <a:srgbClr val="0070C0"/>
-                </a:solidFill>
-              </a:rPr>
-              <a:t>배 보상</a:t>
-            </a:r>
-            <a:r>
-              <a:rPr lang="en-US" altLang="ko-KR" b="1" dirty="0">
-                <a:solidFill>
-                  <a:srgbClr val="0070C0"/>
-                </a:solidFill>
-              </a:rPr>
-              <a:t>) Smart Contract</a:t>
+              <a:t>Smart Contract</a:t>
             </a:r>
           </a:p>
           <a:p>
@@ -3022,19 +2990,27 @@
             </a:pPr>
             <a:r>
               <a:rPr lang="en-US" altLang="ko-KR" dirty="0"/>
-              <a:t>Voter</a:t>
+              <a:t>Voting </a:t>
             </a:r>
             <a:r>
               <a:rPr lang="ko-KR" altLang="en-US" dirty="0"/>
-              <a:t>들에게 </a:t>
+              <a:t>대상 기업들에게 </a:t>
             </a:r>
             <a:r>
               <a:rPr lang="en-US" altLang="ko-KR" dirty="0"/>
-              <a:t>Reward </a:t>
+              <a:t>Voting </a:t>
             </a:r>
             <a:r>
               <a:rPr lang="ko-KR" altLang="en-US" dirty="0"/>
-              <a:t>보상 </a:t>
+              <a:t>득표율에 따른 </a:t>
+            </a:r>
+            <a:r>
+              <a:rPr lang="en-US" altLang="ko-KR" dirty="0"/>
+              <a:t>Token </a:t>
+            </a:r>
+            <a:r>
+              <a:rPr lang="ko-KR" altLang="en-US" dirty="0"/>
+              <a:t>보상 자동화</a:t>
             </a:r>
             <a:r>
               <a:rPr lang="en-US" altLang="ko-KR" dirty="0"/>
@@ -3054,7 +3030,7 @@
             </a:r>
             <a:r>
               <a:rPr lang="en-US" altLang="ko-KR" dirty="0"/>
-              <a:t>Reward</a:t>
+              <a:t>Reward Pot</a:t>
             </a:r>
             <a:r>
               <a:rPr lang="ko-KR" altLang="en-US" dirty="0"/>
@@ -3062,15 +3038,122 @@
             </a:r>
             <a:r>
               <a:rPr lang="en-US" altLang="ko-KR" dirty="0"/>
-              <a:t>30%)</a:t>
-            </a:r>
+              <a:t>70%)</a:t>
+            </a:r>
+          </a:p>
+          <a:p>
+            <a:pPr marL="800100" lvl="1" indent="-342900">
+              <a:buFont typeface="Arial" panose="020B0604020202020204" pitchFamily="34" charset="0"/>
+              <a:buChar char="•"/>
+            </a:pPr>
+            <a:r>
+              <a:rPr lang="en-US" altLang="ko-KR" dirty="0"/>
+              <a:t>SK</a:t>
+            </a:r>
+            <a:r>
+              <a:rPr lang="ko-KR" altLang="en-US" dirty="0"/>
+              <a:t> </a:t>
+            </a:r>
+            <a:r>
+              <a:rPr lang="en-US" altLang="ko-KR" dirty="0"/>
+              <a:t>ENERGY Reward = Reward </a:t>
+            </a:r>
+            <a:r>
+              <a:rPr lang="ko-KR" altLang="en-US" dirty="0"/>
+              <a:t>용 전체 </a:t>
+            </a:r>
+            <a:r>
+              <a:rPr lang="en-US" altLang="ko-KR" dirty="0"/>
+              <a:t>Token X SK</a:t>
+            </a:r>
+            <a:r>
+              <a:rPr lang="ko-KR" altLang="en-US" dirty="0"/>
+              <a:t> </a:t>
+            </a:r>
+            <a:r>
+              <a:rPr lang="en-US" altLang="ko-KR" dirty="0"/>
+              <a:t>ENERGY </a:t>
+            </a:r>
+            <a:r>
+              <a:rPr lang="ko-KR" altLang="en-US" dirty="0"/>
+              <a:t>득표율 </a:t>
+            </a:r>
+            <a:r>
+              <a:rPr lang="en-US" altLang="ko-KR" dirty="0"/>
+              <a:t>X </a:t>
+            </a:r>
+            <a:r>
+              <a:rPr lang="ko-KR" altLang="en-US" dirty="0"/>
+              <a:t>배당률 </a:t>
+            </a:r>
+            <a:r>
+              <a:rPr lang="en-US" altLang="ko-KR" dirty="0"/>
+              <a:t>= 100ESV X 60% X 70% = 42ESV</a:t>
+            </a:r>
+          </a:p>
+          <a:p>
+            <a:pPr marL="800100" lvl="1" indent="-342900">
+              <a:buFont typeface="Arial" panose="020B0604020202020204" pitchFamily="34" charset="0"/>
+              <a:buChar char="•"/>
+            </a:pPr>
+            <a:r>
+              <a:rPr lang="en-US" altLang="ko-KR" dirty="0"/>
+              <a:t>SK</a:t>
+            </a:r>
+            <a:r>
+              <a:rPr lang="ko-KR" altLang="en-US" dirty="0"/>
+              <a:t> </a:t>
+            </a:r>
+            <a:r>
+              <a:rPr lang="en-US" altLang="ko-KR" dirty="0"/>
+              <a:t>PLANET Reward = Reward </a:t>
+            </a:r>
+            <a:r>
+              <a:rPr lang="ko-KR" altLang="en-US" dirty="0"/>
+              <a:t>용 전체 </a:t>
+            </a:r>
+            <a:r>
+              <a:rPr lang="en-US" altLang="ko-KR" dirty="0"/>
+              <a:t>Token X SK</a:t>
+            </a:r>
+            <a:r>
+              <a:rPr lang="ko-KR" altLang="en-US" dirty="0"/>
+              <a:t> </a:t>
+            </a:r>
+            <a:r>
+              <a:rPr lang="en-US" altLang="ko-KR" dirty="0"/>
+              <a:t>PLANET </a:t>
+            </a:r>
+            <a:r>
+              <a:rPr lang="ko-KR" altLang="en-US" dirty="0"/>
+              <a:t>득표율 </a:t>
+            </a:r>
+            <a:r>
+              <a:rPr lang="en-US" altLang="ko-KR" dirty="0"/>
+              <a:t>X </a:t>
+            </a:r>
+            <a:r>
+              <a:rPr lang="ko-KR" altLang="en-US" dirty="0"/>
+              <a:t>배당률 </a:t>
+            </a:r>
+            <a:r>
+              <a:rPr lang="en-US" altLang="ko-KR" dirty="0"/>
+              <a:t>= 100ESV X 40% X 70% = 28ESV</a:t>
+            </a:r>
+          </a:p>
+          <a:p>
+            <a:pPr marL="742950" lvl="1" indent="-285750">
+              <a:buFont typeface="Arial" panose="020B0604020202020204" pitchFamily="34" charset="0"/>
+              <a:buChar char="•"/>
+            </a:pPr>
+            <a:endParaRPr lang="en-US" altLang="ko-KR" dirty="0"/>
           </a:p>
         </p:txBody>
       </p:sp>
     </p:spTree>
     <p:extLst>
       <p:ext uri="{BB962C8B-B14F-4D97-AF65-F5344CB8AC3E}">
-        <p14:creationId xmlns:p14="http://schemas.microsoft.com/office/powerpoint/2010/main" val="1751657049"/>
+        <p14:creationId xmlns:p14="http://schemas.microsoft.com/office/powerpoint/2010/main" val="1396875821"/>
       </p:ext>
     </p:extLst>
   </p:cSld>
@@ -3217,7 +3300,7 @@
         <p:spPr>
           <a:xfrm>
             <a:off x="489317" y="827778"/>
-            <a:ext cx="11205378" cy="2308324"/>
+            <a:ext cx="11205378" cy="923330"/>
           </a:xfrm>
           <a:prstGeom prst="rect">
             <a:avLst/>
@@ -3236,7 +3319,7 @@
                   <a:srgbClr val="0070C0"/>
                 </a:solidFill>
               </a:rPr>
-              <a:t>S3. Reward </a:t>
+              <a:t>S4. Reward </a:t>
             </a:r>
             <a:r>
               <a:rPr lang="ko-KR" altLang="en-US" b="1" dirty="0">
@@ -3252,7 +3335,7 @@
                   <a:srgbClr val="0070C0"/>
                 </a:solidFill>
               </a:rPr>
-              <a:t>70%</a:t>
+              <a:t>30%</a:t>
             </a:r>
             <a:r>
               <a:rPr lang="ko-KR" altLang="en-US" b="1" dirty="0">
@@ -3268,7 +3351,7 @@
                   <a:srgbClr val="0070C0"/>
                 </a:solidFill>
               </a:rPr>
-              <a:t>Voting </a:t>
+              <a:t>Voter</a:t>
             </a:r>
             <a:r>
               <a:rPr lang="ko-KR" altLang="en-US" b="1" dirty="0">
@@ -3276,7 +3359,7 @@
                   <a:srgbClr val="0070C0"/>
                 </a:solidFill>
               </a:rPr>
-              <a:t>결과 대상 업체들에게 </a:t>
+              <a:t>들에게 분배</a:t>
             </a:r>
             <a:r>
               <a:rPr lang="en-US" altLang="ko-KR" b="1" dirty="0">
@@ -3284,7 +3367,7 @@
                   <a:srgbClr val="0070C0"/>
                 </a:solidFill>
               </a:rPr>
-              <a:t>Token</a:t>
+              <a:t>(1</a:t>
             </a:r>
             <a:r>
               <a:rPr lang="ko-KR" altLang="en-US" b="1" dirty="0">
@@ -3292,7 +3375,7 @@
                   <a:srgbClr val="0070C0"/>
                 </a:solidFill>
               </a:rPr>
-              <a:t>으로 보상 </a:t>
+              <a:t>위 </a:t>
             </a:r>
             <a:r>
               <a:rPr lang="en-US" altLang="ko-KR" b="1" dirty="0">
@@ -3300,7 +3383,39 @@
                   <a:srgbClr val="0070C0"/>
                 </a:solidFill>
               </a:rPr>
-              <a:t>Smart Contract</a:t>
+              <a:t>Voter</a:t>
+            </a:r>
+            <a:r>
+              <a:rPr lang="ko-KR" altLang="en-US" b="1" dirty="0">
+                <a:solidFill>
+                  <a:srgbClr val="0070C0"/>
+                </a:solidFill>
+              </a:rPr>
+              <a:t>에게는 </a:t>
+            </a:r>
+            <a:r>
+              <a:rPr lang="en-US" altLang="ko-KR" b="1" dirty="0">
+                <a:solidFill>
+                  <a:srgbClr val="0070C0"/>
+                </a:solidFill>
+              </a:rPr>
+              <a:t>1.5</a:t>
+            </a:r>
+            <a:r>
+              <a:rPr lang="ko-KR" altLang="en-US" b="1" dirty="0">
+                <a:solidFill>
+                  <a:srgbClr val="0070C0"/>
+                </a:solidFill>
+              </a:rPr>
+              <a:t>배 보상</a:t>
+            </a:r>
+            <a:r>
+              <a:rPr lang="en-US" altLang="ko-KR" b="1" dirty="0">
+                <a:solidFill>
+                  <a:srgbClr val="0070C0"/>
+                </a:solidFill>
+              </a:rPr>
+              <a:t>) Smart Contract</a:t>
             </a:r>
           </a:p>
           <a:p>
@@ -3313,27 +3428,19 @@
             </a:pPr>
             <a:r>
               <a:rPr lang="en-US" altLang="ko-KR" dirty="0"/>
-              <a:t>Voting </a:t>
+              <a:t>Voter</a:t>
             </a:r>
             <a:r>
               <a:rPr lang="ko-KR" altLang="en-US" dirty="0"/>
-              <a:t>대상 기업들에게 </a:t>
+              <a:t>들에게 </a:t>
             </a:r>
             <a:r>
               <a:rPr lang="en-US" altLang="ko-KR" dirty="0"/>
-              <a:t>Voting </a:t>
+              <a:t>Reward </a:t>
             </a:r>
             <a:r>
               <a:rPr lang="ko-KR" altLang="en-US" dirty="0"/>
-              <a:t>득표율에 따른 </a:t>
-            </a:r>
-            <a:r>
-              <a:rPr lang="en-US" altLang="ko-KR" dirty="0"/>
-              <a:t>Token </a:t>
-            </a:r>
-            <a:r>
-              <a:rPr lang="ko-KR" altLang="en-US" dirty="0"/>
-              <a:t>보상 자동화</a:t>
+              <a:t>보상 </a:t>
             </a:r>
             <a:r>
               <a:rPr lang="en-US" altLang="ko-KR" dirty="0"/>
@@ -3353,7 +3460,7 @@
             </a:r>
             <a:r>
               <a:rPr lang="en-US" altLang="ko-KR" dirty="0"/>
-              <a:t>Reward Pot</a:t>
+              <a:t>Reward</a:t>
             </a:r>
             <a:r>
               <a:rPr lang="ko-KR" altLang="en-US" dirty="0"/>
@@ -3361,122 +3468,15 @@
             </a:r>
             <a:r>
               <a:rPr lang="en-US" altLang="ko-KR" dirty="0"/>
-              <a:t>70%)</a:t>
-            </a:r>
-          </a:p>
-          <a:p>
-            <a:pPr marL="800100" lvl="1" indent="-342900">
-              <a:buFont typeface="Arial" panose="020B0604020202020204" pitchFamily="34" charset="0"/>
-              <a:buChar char="•"/>
-            </a:pPr>
-            <a:r>
-              <a:rPr lang="en-US" altLang="ko-KR" dirty="0"/>
-              <a:t>SK</a:t>
-            </a:r>
-            <a:r>
-              <a:rPr lang="ko-KR" altLang="en-US" dirty="0"/>
-              <a:t> </a:t>
-            </a:r>
-            <a:r>
-              <a:rPr lang="en-US" altLang="ko-KR" dirty="0"/>
-              <a:t>ENERGY Reward = Reward </a:t>
-            </a:r>
-            <a:r>
-              <a:rPr lang="ko-KR" altLang="en-US" dirty="0"/>
-              <a:t>용 전체 </a:t>
-            </a:r>
-            <a:r>
-              <a:rPr lang="en-US" altLang="ko-KR" dirty="0"/>
-              <a:t>Token X SK</a:t>
-            </a:r>
-            <a:r>
-              <a:rPr lang="ko-KR" altLang="en-US" dirty="0"/>
-              <a:t> </a:t>
-            </a:r>
-            <a:r>
-              <a:rPr lang="en-US" altLang="ko-KR" dirty="0"/>
-              <a:t>ENERGY </a:t>
-            </a:r>
-            <a:r>
-              <a:rPr lang="ko-KR" altLang="en-US" dirty="0"/>
-              <a:t>득표율 </a:t>
-            </a:r>
-            <a:r>
-              <a:rPr lang="en-US" altLang="ko-KR" dirty="0"/>
-              <a:t>X </a:t>
-            </a:r>
-            <a:r>
-              <a:rPr lang="ko-KR" altLang="en-US" dirty="0"/>
-              <a:t>배당률 </a:t>
-            </a:r>
-            <a:r>
-              <a:rPr lang="en-US" altLang="ko-KR" dirty="0"/>
-              <a:t>= 100ESV X 60% X 70% = 42ESV</a:t>
-            </a:r>
-          </a:p>
-          <a:p>
-            <a:pPr marL="800100" lvl="1" indent="-342900">
-              <a:buFont typeface="Arial" panose="020B0604020202020204" pitchFamily="34" charset="0"/>
-              <a:buChar char="•"/>
-            </a:pPr>
-            <a:r>
-              <a:rPr lang="en-US" altLang="ko-KR" dirty="0"/>
-              <a:t>SK</a:t>
-            </a:r>
-            <a:r>
-              <a:rPr lang="ko-KR" altLang="en-US" dirty="0"/>
-              <a:t> </a:t>
-            </a:r>
-            <a:r>
-              <a:rPr lang="en-US" altLang="ko-KR" dirty="0"/>
-              <a:t>PLANET Reward = Reward </a:t>
-            </a:r>
-            <a:r>
-              <a:rPr lang="ko-KR" altLang="en-US" dirty="0"/>
-              <a:t>용 전체 </a:t>
-            </a:r>
-            <a:r>
-              <a:rPr lang="en-US" altLang="ko-KR" dirty="0"/>
-              <a:t>Token X SK</a:t>
-            </a:r>
-            <a:r>
-              <a:rPr lang="ko-KR" altLang="en-US" dirty="0"/>
-              <a:t> </a:t>
-            </a:r>
-            <a:r>
-              <a:rPr lang="en-US" altLang="ko-KR" dirty="0"/>
-              <a:t>PLANET </a:t>
-            </a:r>
-            <a:r>
-              <a:rPr lang="ko-KR" altLang="en-US" dirty="0"/>
-              <a:t>득표율 </a:t>
-            </a:r>
-            <a:r>
-              <a:rPr lang="en-US" altLang="ko-KR" dirty="0"/>
-              <a:t>X </a:t>
-            </a:r>
-            <a:r>
-              <a:rPr lang="ko-KR" altLang="en-US" dirty="0"/>
-              <a:t>배당률 </a:t>
-            </a:r>
-            <a:r>
-              <a:rPr lang="en-US" altLang="ko-KR" dirty="0"/>
-              <a:t>= 100ESV X 40% X 70% = 28ESV</a:t>
-            </a:r>
-          </a:p>
-          <a:p>
-            <a:pPr marL="742950" lvl="1" indent="-285750">
-              <a:buFont typeface="Arial" panose="020B0604020202020204" pitchFamily="34" charset="0"/>
-              <a:buChar char="•"/>
-            </a:pPr>
-            <a:endParaRPr lang="en-US" altLang="ko-KR" dirty="0"/>
+              <a:t>30%)</a:t>
+            </a:r>
           </a:p>
         </p:txBody>
       </p:sp>
     </p:spTree>
     <p:extLst>
       <p:ext uri="{BB962C8B-B14F-4D97-AF65-F5344CB8AC3E}">
-        <p14:creationId xmlns:p14="http://schemas.microsoft.com/office/powerpoint/2010/main" val="1396875821"/>
+        <p14:creationId xmlns:p14="http://schemas.microsoft.com/office/powerpoint/2010/main" val="1751657049"/>
       </p:ext>
     </p:extLst>
   </p:cSld>
